--- a/ppt slides for omic codeathon (1).pptx
+++ b/ppt slides for omic codeathon (1).pptx
@@ -12,15 +12,15 @@
     <p:sldId id="261" r:id="rId3"/>
     <p:sldId id="258" r:id="rId4"/>
     <p:sldId id="257" r:id="rId5"/>
-    <p:sldId id="266" r:id="rId6"/>
-    <p:sldId id="267" r:id="rId7"/>
-    <p:sldId id="263" r:id="rId8"/>
-    <p:sldId id="265" r:id="rId9"/>
-    <p:sldId id="269" r:id="rId10"/>
-    <p:sldId id="268" r:id="rId11"/>
-    <p:sldId id="270" r:id="rId12"/>
-    <p:sldId id="271" r:id="rId13"/>
-    <p:sldId id="272" r:id="rId14"/>
+    <p:sldId id="267" r:id="rId6"/>
+    <p:sldId id="263" r:id="rId7"/>
+    <p:sldId id="265" r:id="rId8"/>
+    <p:sldId id="269" r:id="rId9"/>
+    <p:sldId id="268" r:id="rId10"/>
+    <p:sldId id="270" r:id="rId11"/>
+    <p:sldId id="271" r:id="rId12"/>
+    <p:sldId id="272" r:id="rId13"/>
+    <p:sldId id="273" r:id="rId14"/>
     <p:sldId id="259" r:id="rId15"/>
   </p:sldIdLst>
   <p:sldSz cx="12192000" cy="6858000"/>
@@ -1902,14 +1902,26 @@
         <a:lstStyle/>
         <a:p>
           <a:r>
-            <a:rPr lang="en-US" b="1" i="0" baseline="0"/>
-            <a:t>scRNA-seq / scATAC-seq / CITE-seq</a:t>
+            <a:rPr lang="en-US" b="1" i="0" baseline="0" dirty="0" err="1"/>
+            <a:t>scRNA</a:t>
           </a:r>
           <a:r>
-            <a:rPr lang="en-US" b="0" i="0" baseline="0"/>
-            <a:t> – Multi-omic single-cell data.</a:t>
+            <a:rPr lang="en-US" b="1" i="0" baseline="0" dirty="0"/>
+            <a:t>-seq </a:t>
           </a:r>
-          <a:endParaRPr lang="en-US"/>
+          <a:r>
+            <a:rPr lang="en-US" b="0" i="0" baseline="0" dirty="0"/>
+            <a:t>– Multi-</a:t>
+          </a:r>
+          <a:r>
+            <a:rPr lang="en-US" b="0" i="0" baseline="0" dirty="0" err="1"/>
+            <a:t>omic</a:t>
+          </a:r>
+          <a:r>
+            <a:rPr lang="en-US" b="0" i="0" baseline="0" dirty="0"/>
+            <a:t> single-cell data.</a:t>
+          </a:r>
+          <a:endParaRPr lang="en-US" dirty="0"/>
         </a:p>
       </dgm:t>
     </dgm:pt>
@@ -2800,14 +2812,26 @@
             <a:buNone/>
           </a:pPr>
           <a:r>
-            <a:rPr lang="en-US" sz="2100" b="1" i="0" kern="1200" baseline="0"/>
-            <a:t>scRNA-seq / scATAC-seq / CITE-seq</a:t>
+            <a:rPr lang="en-US" sz="2100" b="1" i="0" kern="1200" baseline="0" dirty="0" err="1"/>
+            <a:t>scRNA</a:t>
           </a:r>
           <a:r>
-            <a:rPr lang="en-US" sz="2100" b="0" i="0" kern="1200" baseline="0"/>
-            <a:t> – Multi-omic single-cell data.</a:t>
+            <a:rPr lang="en-US" sz="2100" b="1" i="0" kern="1200" baseline="0" dirty="0"/>
+            <a:t>-seq </a:t>
           </a:r>
-          <a:endParaRPr lang="en-US" sz="2100" kern="1200"/>
+          <a:r>
+            <a:rPr lang="en-US" sz="2100" b="0" i="0" kern="1200" baseline="0" dirty="0"/>
+            <a:t>– Multi-</a:t>
+          </a:r>
+          <a:r>
+            <a:rPr lang="en-US" sz="2100" b="0" i="0" kern="1200" baseline="0" dirty="0" err="1"/>
+            <a:t>omic</a:t>
+          </a:r>
+          <a:r>
+            <a:rPr lang="en-US" sz="2100" b="0" i="0" kern="1200" baseline="0" dirty="0"/>
+            <a:t> single-cell data.</a:t>
+          </a:r>
+          <a:endParaRPr lang="en-US" sz="2100" kern="1200" dirty="0"/>
         </a:p>
       </dsp:txBody>
       <dsp:txXfrm>
@@ -9504,7 +9528,7 @@
                 <a:latin typeface="Times New Roman" panose="02020603050405020304" pitchFamily="18" charset="0"/>
                 <a:cs typeface="Times New Roman" panose="02020603050405020304" pitchFamily="18" charset="0"/>
               </a:rPr>
-              <a:t>Single-Cell RNA </a:t>
+              <a:t>Single-Cell Gene </a:t>
             </a:r>
             <a:r>
               <a:rPr lang="en-US" sz="4000" b="1" dirty="0">
@@ -9713,853 +9737,6 @@
           <p:cNvPr id="2" name="Title 1">
             <a:extLst>
               <a:ext uri="{FF2B5EF4-FFF2-40B4-BE49-F238E27FC236}">
-                <a16:creationId xmlns:a16="http://schemas.microsoft.com/office/drawing/2014/main" id="{230BD0FC-6B46-23D1-7796-5F2C4025231B}"/>
-              </a:ext>
-            </a:extLst>
-          </p:cNvPr>
-          <p:cNvSpPr>
-            <a:spLocks noGrp="1"/>
-          </p:cNvSpPr>
-          <p:nvPr>
-            <p:ph type="title"/>
-          </p:nvPr>
-        </p:nvSpPr>
-        <p:spPr/>
-        <p:txBody>
-          <a:bodyPr/>
-          <a:lstStyle/>
-          <a:p>
-            <a:r>
-              <a:rPr lang="en-US" dirty="0"/>
-              <a:t>Simulated Hardware and Software</a:t>
-            </a:r>
-            <a:endParaRPr lang="en-CA" dirty="0"/>
-          </a:p>
-        </p:txBody>
-      </p:sp>
-      <p:sp>
-        <p:nvSpPr>
-          <p:cNvPr id="4" name="Rectangle 3">
-            <a:extLst>
-              <a:ext uri="{FF2B5EF4-FFF2-40B4-BE49-F238E27FC236}">
-                <a16:creationId xmlns:a16="http://schemas.microsoft.com/office/drawing/2014/main" id="{C82D2189-7EA5-7C37-6E9C-7BC930AAE325}"/>
-              </a:ext>
-            </a:extLst>
-          </p:cNvPr>
-          <p:cNvSpPr/>
-          <p:nvPr/>
-        </p:nvSpPr>
-        <p:spPr>
-          <a:xfrm>
-            <a:off x="3371850" y="2228850"/>
-            <a:ext cx="3971925" cy="1325563"/>
-          </a:xfrm>
-          <a:prstGeom prst="rect">
-            <a:avLst/>
-          </a:prstGeom>
-          <a:noFill/>
-        </p:spPr>
-        <p:style>
-          <a:lnRef idx="2">
-            <a:schemeClr val="accent1">
-              <a:shade val="15000"/>
-            </a:schemeClr>
-          </a:lnRef>
-          <a:fillRef idx="1">
-            <a:schemeClr val="accent1"/>
-          </a:fillRef>
-          <a:effectRef idx="0">
-            <a:schemeClr val="accent1"/>
-          </a:effectRef>
-          <a:fontRef idx="minor">
-            <a:schemeClr val="lt1"/>
-          </a:fontRef>
-        </p:style>
-        <p:txBody>
-          <a:bodyPr rtlCol="0" anchor="ctr"/>
-          <a:lstStyle/>
-          <a:p>
-            <a:pPr algn="ctr"/>
-            <a:endParaRPr lang="en-CA"/>
-          </a:p>
-        </p:txBody>
-      </p:sp>
-      <p:sp>
-        <p:nvSpPr>
-          <p:cNvPr id="5" name="Rectangle 4">
-            <a:extLst>
-              <a:ext uri="{FF2B5EF4-FFF2-40B4-BE49-F238E27FC236}">
-                <a16:creationId xmlns:a16="http://schemas.microsoft.com/office/drawing/2014/main" id="{6DBF1004-C1A6-5974-38B0-CF32ACCF9402}"/>
-              </a:ext>
-            </a:extLst>
-          </p:cNvPr>
-          <p:cNvSpPr/>
-          <p:nvPr/>
-        </p:nvSpPr>
-        <p:spPr>
-          <a:xfrm>
-            <a:off x="3371850" y="4621530"/>
-            <a:ext cx="3971925" cy="1325563"/>
-          </a:xfrm>
-          <a:prstGeom prst="rect">
-            <a:avLst/>
-          </a:prstGeom>
-          <a:noFill/>
-        </p:spPr>
-        <p:style>
-          <a:lnRef idx="2">
-            <a:schemeClr val="accent1">
-              <a:shade val="15000"/>
-            </a:schemeClr>
-          </a:lnRef>
-          <a:fillRef idx="1">
-            <a:schemeClr val="accent1"/>
-          </a:fillRef>
-          <a:effectRef idx="0">
-            <a:schemeClr val="accent1"/>
-          </a:effectRef>
-          <a:fontRef idx="minor">
-            <a:schemeClr val="lt1"/>
-          </a:fontRef>
-        </p:style>
-        <p:txBody>
-          <a:bodyPr rtlCol="0" anchor="ctr"/>
-          <a:lstStyle/>
-          <a:p>
-            <a:pPr algn="ctr"/>
-            <a:endParaRPr lang="en-CA"/>
-          </a:p>
-        </p:txBody>
-      </p:sp>
-      <p:sp>
-        <p:nvSpPr>
-          <p:cNvPr id="6" name="TextBox 5">
-            <a:extLst>
-              <a:ext uri="{FF2B5EF4-FFF2-40B4-BE49-F238E27FC236}">
-                <a16:creationId xmlns:a16="http://schemas.microsoft.com/office/drawing/2014/main" id="{054ACAFB-1941-0BF3-1B5D-40F8F99B4AE0}"/>
-              </a:ext>
-            </a:extLst>
-          </p:cNvPr>
-          <p:cNvSpPr txBox="1"/>
-          <p:nvPr/>
-        </p:nvSpPr>
-        <p:spPr>
-          <a:xfrm>
-            <a:off x="3523118" y="2435588"/>
-            <a:ext cx="3759747" cy="923330"/>
-          </a:xfrm>
-          <a:prstGeom prst="rect">
-            <a:avLst/>
-          </a:prstGeom>
-          <a:noFill/>
-        </p:spPr>
-        <p:txBody>
-          <a:bodyPr wrap="none" rtlCol="0">
-            <a:spAutoFit/>
-          </a:bodyPr>
-          <a:lstStyle/>
-          <a:p>
-            <a:r>
-              <a:rPr lang="en-US" dirty="0"/>
-              <a:t>Simulated Trajectories with Model</a:t>
-            </a:r>
-          </a:p>
-          <a:p>
-            <a:r>
-              <a:rPr lang="en-US" dirty="0"/>
-              <a:t>Free Reinforcement Learning for multi</a:t>
-            </a:r>
-          </a:p>
-          <a:p>
-            <a:r>
-              <a:rPr lang="en-US" dirty="0"/>
-              <a:t>dynamics</a:t>
-            </a:r>
-            <a:endParaRPr lang="en-CA" dirty="0"/>
-          </a:p>
-        </p:txBody>
-      </p:sp>
-      <p:sp>
-        <p:nvSpPr>
-          <p:cNvPr id="7" name="TextBox 6">
-            <a:extLst>
-              <a:ext uri="{FF2B5EF4-FFF2-40B4-BE49-F238E27FC236}">
-                <a16:creationId xmlns:a16="http://schemas.microsoft.com/office/drawing/2014/main" id="{0457194C-FB31-1E1C-BAAC-B2F96D3BCF5D}"/>
-              </a:ext>
-            </a:extLst>
-          </p:cNvPr>
-          <p:cNvSpPr txBox="1"/>
-          <p:nvPr/>
-        </p:nvSpPr>
-        <p:spPr>
-          <a:xfrm>
-            <a:off x="3459214" y="4755356"/>
-            <a:ext cx="3961534" cy="1200329"/>
-          </a:xfrm>
-          <a:prstGeom prst="rect">
-            <a:avLst/>
-          </a:prstGeom>
-          <a:noFill/>
-        </p:spPr>
-        <p:txBody>
-          <a:bodyPr wrap="none" rtlCol="0">
-            <a:spAutoFit/>
-          </a:bodyPr>
-          <a:lstStyle/>
-          <a:p>
-            <a:r>
-              <a:rPr lang="en-US" dirty="0"/>
-              <a:t>Experimental Trajectories with Model</a:t>
-            </a:r>
-          </a:p>
-          <a:p>
-            <a:r>
-              <a:rPr lang="en-US" dirty="0"/>
-              <a:t>Based  Reinforcement Learning for multi</a:t>
-            </a:r>
-          </a:p>
-          <a:p>
-            <a:r>
-              <a:rPr lang="en-US" dirty="0"/>
-              <a:t>dynamics</a:t>
-            </a:r>
-            <a:endParaRPr lang="en-CA" dirty="0"/>
-          </a:p>
-          <a:p>
-            <a:endParaRPr lang="en-CA" dirty="0"/>
-          </a:p>
-        </p:txBody>
-      </p:sp>
-      <p:cxnSp>
-        <p:nvCxnSpPr>
-          <p:cNvPr id="9" name="Straight Arrow Connector 8">
-            <a:extLst>
-              <a:ext uri="{FF2B5EF4-FFF2-40B4-BE49-F238E27FC236}">
-                <a16:creationId xmlns:a16="http://schemas.microsoft.com/office/drawing/2014/main" id="{19AF38C3-8696-FD31-527E-DC41FD4959B7}"/>
-              </a:ext>
-            </a:extLst>
-          </p:cNvPr>
-          <p:cNvCxnSpPr/>
-          <p:nvPr/>
-        </p:nvCxnSpPr>
-        <p:spPr>
-          <a:xfrm>
-            <a:off x="2121408" y="2891631"/>
-            <a:ext cx="1250442" cy="0"/>
-          </a:xfrm>
-          <a:prstGeom prst="straightConnector1">
-            <a:avLst/>
-          </a:prstGeom>
-          <a:ln w="38100">
-            <a:tailEnd type="triangle"/>
-          </a:ln>
-        </p:spPr>
-        <p:style>
-          <a:lnRef idx="1">
-            <a:schemeClr val="accent1"/>
-          </a:lnRef>
-          <a:fillRef idx="0">
-            <a:schemeClr val="accent1"/>
-          </a:fillRef>
-          <a:effectRef idx="0">
-            <a:schemeClr val="accent1"/>
-          </a:effectRef>
-          <a:fontRef idx="minor">
-            <a:schemeClr val="tx1"/>
-          </a:fontRef>
-        </p:style>
-      </p:cxnSp>
-      <p:cxnSp>
-        <p:nvCxnSpPr>
-          <p:cNvPr id="10" name="Straight Arrow Connector 9">
-            <a:extLst>
-              <a:ext uri="{FF2B5EF4-FFF2-40B4-BE49-F238E27FC236}">
-                <a16:creationId xmlns:a16="http://schemas.microsoft.com/office/drawing/2014/main" id="{0E098B30-E28B-3F9A-C33A-34984234C365}"/>
-              </a:ext>
-            </a:extLst>
-          </p:cNvPr>
-          <p:cNvCxnSpPr/>
-          <p:nvPr/>
-        </p:nvCxnSpPr>
-        <p:spPr>
-          <a:xfrm>
-            <a:off x="2121408" y="5284311"/>
-            <a:ext cx="1250442" cy="0"/>
-          </a:xfrm>
-          <a:prstGeom prst="straightConnector1">
-            <a:avLst/>
-          </a:prstGeom>
-          <a:ln w="38100">
-            <a:tailEnd type="triangle"/>
-          </a:ln>
-        </p:spPr>
-        <p:style>
-          <a:lnRef idx="1">
-            <a:schemeClr val="accent1"/>
-          </a:lnRef>
-          <a:fillRef idx="0">
-            <a:schemeClr val="accent1"/>
-          </a:fillRef>
-          <a:effectRef idx="0">
-            <a:schemeClr val="accent1"/>
-          </a:effectRef>
-          <a:fontRef idx="minor">
-            <a:schemeClr val="tx1"/>
-          </a:fontRef>
-        </p:style>
-      </p:cxnSp>
-      <p:cxnSp>
-        <p:nvCxnSpPr>
-          <p:cNvPr id="11" name="Straight Arrow Connector 10">
-            <a:extLst>
-              <a:ext uri="{FF2B5EF4-FFF2-40B4-BE49-F238E27FC236}">
-                <a16:creationId xmlns:a16="http://schemas.microsoft.com/office/drawing/2014/main" id="{F109A4B3-276A-13F2-C203-25595A5F34FC}"/>
-              </a:ext>
-            </a:extLst>
-          </p:cNvPr>
-          <p:cNvCxnSpPr/>
-          <p:nvPr/>
-        </p:nvCxnSpPr>
-        <p:spPr>
-          <a:xfrm>
-            <a:off x="7343775" y="2832942"/>
-            <a:ext cx="1250442" cy="0"/>
-          </a:xfrm>
-          <a:prstGeom prst="straightConnector1">
-            <a:avLst/>
-          </a:prstGeom>
-          <a:ln w="38100">
-            <a:tailEnd type="triangle"/>
-          </a:ln>
-        </p:spPr>
-        <p:style>
-          <a:lnRef idx="1">
-            <a:schemeClr val="accent1"/>
-          </a:lnRef>
-          <a:fillRef idx="0">
-            <a:schemeClr val="accent1"/>
-          </a:fillRef>
-          <a:effectRef idx="0">
-            <a:schemeClr val="accent1"/>
-          </a:effectRef>
-          <a:fontRef idx="minor">
-            <a:schemeClr val="tx1"/>
-          </a:fontRef>
-        </p:style>
-      </p:cxnSp>
-      <p:cxnSp>
-        <p:nvCxnSpPr>
-          <p:cNvPr id="12" name="Straight Arrow Connector 11">
-            <a:extLst>
-              <a:ext uri="{FF2B5EF4-FFF2-40B4-BE49-F238E27FC236}">
-                <a16:creationId xmlns:a16="http://schemas.microsoft.com/office/drawing/2014/main" id="{7DC80677-9F01-BF36-85CA-C26E5F2695B1}"/>
-              </a:ext>
-            </a:extLst>
-          </p:cNvPr>
-          <p:cNvCxnSpPr/>
-          <p:nvPr/>
-        </p:nvCxnSpPr>
-        <p:spPr>
-          <a:xfrm>
-            <a:off x="7343775" y="5284311"/>
-            <a:ext cx="1250442" cy="0"/>
-          </a:xfrm>
-          <a:prstGeom prst="straightConnector1">
-            <a:avLst/>
-          </a:prstGeom>
-          <a:ln w="38100">
-            <a:tailEnd type="triangle"/>
-          </a:ln>
-        </p:spPr>
-        <p:style>
-          <a:lnRef idx="1">
-            <a:schemeClr val="accent1"/>
-          </a:lnRef>
-          <a:fillRef idx="0">
-            <a:schemeClr val="accent1"/>
-          </a:fillRef>
-          <a:effectRef idx="0">
-            <a:schemeClr val="accent1"/>
-          </a:effectRef>
-          <a:fontRef idx="minor">
-            <a:schemeClr val="tx1"/>
-          </a:fontRef>
-        </p:style>
-      </p:cxnSp>
-      <p:sp>
-        <p:nvSpPr>
-          <p:cNvPr id="13" name="TextBox 12">
-            <a:extLst>
-              <a:ext uri="{FF2B5EF4-FFF2-40B4-BE49-F238E27FC236}">
-                <a16:creationId xmlns:a16="http://schemas.microsoft.com/office/drawing/2014/main" id="{E20E23A8-ED60-4D3F-7C50-B1EEE38D5F4D}"/>
-              </a:ext>
-            </a:extLst>
-          </p:cNvPr>
-          <p:cNvSpPr txBox="1"/>
-          <p:nvPr/>
-        </p:nvSpPr>
-        <p:spPr>
-          <a:xfrm>
-            <a:off x="497053" y="2568465"/>
-            <a:ext cx="1624355" cy="646331"/>
-          </a:xfrm>
-          <a:prstGeom prst="rect">
-            <a:avLst/>
-          </a:prstGeom>
-          <a:noFill/>
-        </p:spPr>
-        <p:txBody>
-          <a:bodyPr wrap="none" rtlCol="0">
-            <a:spAutoFit/>
-          </a:bodyPr>
-          <a:lstStyle/>
-          <a:p>
-            <a:r>
-              <a:rPr lang="en-US" dirty="0" err="1"/>
-              <a:t>UnPerturb</a:t>
-            </a:r>
-            <a:r>
-              <a:rPr lang="en-US" dirty="0"/>
-              <a:t> RNA</a:t>
-            </a:r>
-          </a:p>
-          <a:p>
-            <a:r>
-              <a:rPr lang="en-US" dirty="0"/>
-              <a:t> sequence</a:t>
-            </a:r>
-            <a:endParaRPr lang="en-CA" dirty="0"/>
-          </a:p>
-        </p:txBody>
-      </p:sp>
-      <p:sp>
-        <p:nvSpPr>
-          <p:cNvPr id="14" name="TextBox 13">
-            <a:extLst>
-              <a:ext uri="{FF2B5EF4-FFF2-40B4-BE49-F238E27FC236}">
-                <a16:creationId xmlns:a16="http://schemas.microsoft.com/office/drawing/2014/main" id="{8E467C4C-5451-56B7-16FA-57D59B3C60B1}"/>
-              </a:ext>
-            </a:extLst>
-          </p:cNvPr>
-          <p:cNvSpPr txBox="1"/>
-          <p:nvPr/>
-        </p:nvSpPr>
-        <p:spPr>
-          <a:xfrm>
-            <a:off x="621780" y="4961145"/>
-            <a:ext cx="1355051" cy="646331"/>
-          </a:xfrm>
-          <a:prstGeom prst="rect">
-            <a:avLst/>
-          </a:prstGeom>
-          <a:noFill/>
-        </p:spPr>
-        <p:txBody>
-          <a:bodyPr wrap="none" rtlCol="0">
-            <a:spAutoFit/>
-          </a:bodyPr>
-          <a:lstStyle/>
-          <a:p>
-            <a:r>
-              <a:rPr lang="en-US" dirty="0"/>
-              <a:t>Perturb RNA</a:t>
-            </a:r>
-          </a:p>
-          <a:p>
-            <a:r>
-              <a:rPr lang="en-US" dirty="0"/>
-              <a:t> sequence</a:t>
-            </a:r>
-            <a:endParaRPr lang="en-CA" dirty="0"/>
-          </a:p>
-        </p:txBody>
-      </p:sp>
-      <p:sp>
-        <p:nvSpPr>
-          <p:cNvPr id="15" name="TextBox 14">
-            <a:extLst>
-              <a:ext uri="{FF2B5EF4-FFF2-40B4-BE49-F238E27FC236}">
-                <a16:creationId xmlns:a16="http://schemas.microsoft.com/office/drawing/2014/main" id="{EA97A9C0-79C3-58D6-8659-1651C70C1B2C}"/>
-              </a:ext>
-            </a:extLst>
-          </p:cNvPr>
-          <p:cNvSpPr txBox="1"/>
-          <p:nvPr/>
-        </p:nvSpPr>
-        <p:spPr>
-          <a:xfrm>
-            <a:off x="8594217" y="2591074"/>
-            <a:ext cx="1917384" cy="646331"/>
-          </a:xfrm>
-          <a:prstGeom prst="rect">
-            <a:avLst/>
-          </a:prstGeom>
-          <a:noFill/>
-        </p:spPr>
-        <p:txBody>
-          <a:bodyPr wrap="none" rtlCol="0">
-            <a:spAutoFit/>
-          </a:bodyPr>
-          <a:lstStyle/>
-          <a:p>
-            <a:r>
-              <a:rPr lang="en-US" dirty="0"/>
-              <a:t>Saved Simulated</a:t>
-            </a:r>
-          </a:p>
-          <a:p>
-            <a:r>
-              <a:rPr lang="en-US" dirty="0"/>
-              <a:t> Evolved Dynamics</a:t>
-            </a:r>
-            <a:endParaRPr lang="en-CA" dirty="0"/>
-          </a:p>
-        </p:txBody>
-      </p:sp>
-      <p:sp>
-        <p:nvSpPr>
-          <p:cNvPr id="16" name="TextBox 15">
-            <a:extLst>
-              <a:ext uri="{FF2B5EF4-FFF2-40B4-BE49-F238E27FC236}">
-                <a16:creationId xmlns:a16="http://schemas.microsoft.com/office/drawing/2014/main" id="{D8334FD4-FC8B-0AA9-F328-D7F47E79203E}"/>
-              </a:ext>
-            </a:extLst>
-          </p:cNvPr>
-          <p:cNvSpPr txBox="1"/>
-          <p:nvPr/>
-        </p:nvSpPr>
-        <p:spPr>
-          <a:xfrm>
-            <a:off x="8738794" y="5021066"/>
-            <a:ext cx="2380652" cy="646331"/>
-          </a:xfrm>
-          <a:prstGeom prst="rect">
-            <a:avLst/>
-          </a:prstGeom>
-          <a:noFill/>
-        </p:spPr>
-        <p:txBody>
-          <a:bodyPr wrap="none" rtlCol="0">
-            <a:spAutoFit/>
-          </a:bodyPr>
-          <a:lstStyle/>
-          <a:p>
-            <a:r>
-              <a:rPr lang="en-US" dirty="0"/>
-              <a:t>Saved Evolved </a:t>
-            </a:r>
-          </a:p>
-          <a:p>
-            <a:r>
-              <a:rPr lang="en-US" dirty="0"/>
-              <a:t>Experimental Dynamics</a:t>
-            </a:r>
-            <a:endParaRPr lang="en-CA" dirty="0"/>
-          </a:p>
-        </p:txBody>
-      </p:sp>
-      <p:sp>
-        <p:nvSpPr>
-          <p:cNvPr id="17" name="Rectangle: Rounded Corners 16">
-            <a:extLst>
-              <a:ext uri="{FF2B5EF4-FFF2-40B4-BE49-F238E27FC236}">
-                <a16:creationId xmlns:a16="http://schemas.microsoft.com/office/drawing/2014/main" id="{60A491DA-B0A6-9C58-6C85-F531945E7899}"/>
-              </a:ext>
-            </a:extLst>
-          </p:cNvPr>
-          <p:cNvSpPr/>
-          <p:nvPr/>
-        </p:nvSpPr>
-        <p:spPr>
-          <a:xfrm>
-            <a:off x="8854128" y="3635999"/>
-            <a:ext cx="2139747" cy="982928"/>
-          </a:xfrm>
-          <a:prstGeom prst="roundRect">
-            <a:avLst/>
-          </a:prstGeom>
-          <a:noFill/>
-        </p:spPr>
-        <p:style>
-          <a:lnRef idx="2">
-            <a:schemeClr val="accent1">
-              <a:shade val="15000"/>
-            </a:schemeClr>
-          </a:lnRef>
-          <a:fillRef idx="1">
-            <a:schemeClr val="accent1"/>
-          </a:fillRef>
-          <a:effectRef idx="0">
-            <a:schemeClr val="accent1"/>
-          </a:effectRef>
-          <a:fontRef idx="minor">
-            <a:schemeClr val="lt1"/>
-          </a:fontRef>
-        </p:style>
-        <p:txBody>
-          <a:bodyPr rtlCol="0" anchor="ctr"/>
-          <a:lstStyle/>
-          <a:p>
-            <a:pPr algn="ctr"/>
-            <a:endParaRPr lang="en-CA"/>
-          </a:p>
-        </p:txBody>
-      </p:sp>
-      <p:sp>
-        <p:nvSpPr>
-          <p:cNvPr id="18" name="Rectangle 17">
-            <a:extLst>
-              <a:ext uri="{FF2B5EF4-FFF2-40B4-BE49-F238E27FC236}">
-                <a16:creationId xmlns:a16="http://schemas.microsoft.com/office/drawing/2014/main" id="{8E94E4B7-A2C8-5DB9-7ADB-19939E86217D}"/>
-              </a:ext>
-            </a:extLst>
-          </p:cNvPr>
-          <p:cNvSpPr/>
-          <p:nvPr/>
-        </p:nvSpPr>
-        <p:spPr>
-          <a:xfrm>
-            <a:off x="8594217" y="2451090"/>
-            <a:ext cx="2525229" cy="852497"/>
-          </a:xfrm>
-          <a:prstGeom prst="rect">
-            <a:avLst/>
-          </a:prstGeom>
-          <a:noFill/>
-        </p:spPr>
-        <p:style>
-          <a:lnRef idx="2">
-            <a:schemeClr val="accent1">
-              <a:shade val="15000"/>
-            </a:schemeClr>
-          </a:lnRef>
-          <a:fillRef idx="1">
-            <a:schemeClr val="accent1"/>
-          </a:fillRef>
-          <a:effectRef idx="0">
-            <a:schemeClr val="accent1"/>
-          </a:effectRef>
-          <a:fontRef idx="minor">
-            <a:schemeClr val="lt1"/>
-          </a:fontRef>
-        </p:style>
-        <p:txBody>
-          <a:bodyPr rtlCol="0" anchor="ctr"/>
-          <a:lstStyle/>
-          <a:p>
-            <a:pPr algn="ctr"/>
-            <a:endParaRPr lang="en-CA"/>
-          </a:p>
-        </p:txBody>
-      </p:sp>
-      <p:sp>
-        <p:nvSpPr>
-          <p:cNvPr id="19" name="Rectangle 18">
-            <a:extLst>
-              <a:ext uri="{FF2B5EF4-FFF2-40B4-BE49-F238E27FC236}">
-                <a16:creationId xmlns:a16="http://schemas.microsoft.com/office/drawing/2014/main" id="{05E3E047-D111-3323-629F-64D072F3CA4A}"/>
-              </a:ext>
-            </a:extLst>
-          </p:cNvPr>
-          <p:cNvSpPr/>
-          <p:nvPr/>
-        </p:nvSpPr>
-        <p:spPr>
-          <a:xfrm>
-            <a:off x="8738794" y="4858061"/>
-            <a:ext cx="2380652" cy="852497"/>
-          </a:xfrm>
-          <a:prstGeom prst="rect">
-            <a:avLst/>
-          </a:prstGeom>
-          <a:noFill/>
-        </p:spPr>
-        <p:style>
-          <a:lnRef idx="2">
-            <a:schemeClr val="accent1">
-              <a:shade val="15000"/>
-            </a:schemeClr>
-          </a:lnRef>
-          <a:fillRef idx="1">
-            <a:schemeClr val="accent1"/>
-          </a:fillRef>
-          <a:effectRef idx="0">
-            <a:schemeClr val="accent1"/>
-          </a:effectRef>
-          <a:fontRef idx="minor">
-            <a:schemeClr val="lt1"/>
-          </a:fontRef>
-        </p:style>
-        <p:txBody>
-          <a:bodyPr rtlCol="0" anchor="ctr"/>
-          <a:lstStyle/>
-          <a:p>
-            <a:pPr algn="ctr"/>
-            <a:endParaRPr lang="en-CA"/>
-          </a:p>
-        </p:txBody>
-      </p:sp>
-      <p:cxnSp>
-        <p:nvCxnSpPr>
-          <p:cNvPr id="20" name="Straight Arrow Connector 19">
-            <a:extLst>
-              <a:ext uri="{FF2B5EF4-FFF2-40B4-BE49-F238E27FC236}">
-                <a16:creationId xmlns:a16="http://schemas.microsoft.com/office/drawing/2014/main" id="{DF2E8F25-CE5B-9D90-3A74-4B5CFB29BEF1}"/>
-              </a:ext>
-            </a:extLst>
-          </p:cNvPr>
-          <p:cNvCxnSpPr>
-            <a:cxnSpLocks/>
-            <a:stCxn id="18" idx="2"/>
-          </p:cNvCxnSpPr>
-          <p:nvPr/>
-        </p:nvCxnSpPr>
-        <p:spPr>
-          <a:xfrm flipH="1">
-            <a:off x="9856831" y="3303587"/>
-            <a:ext cx="1" cy="332412"/>
-          </a:xfrm>
-          <a:prstGeom prst="straightConnector1">
-            <a:avLst/>
-          </a:prstGeom>
-          <a:ln w="38100">
-            <a:tailEnd type="triangle"/>
-          </a:ln>
-        </p:spPr>
-        <p:style>
-          <a:lnRef idx="1">
-            <a:schemeClr val="accent1"/>
-          </a:lnRef>
-          <a:fillRef idx="0">
-            <a:schemeClr val="accent1"/>
-          </a:fillRef>
-          <a:effectRef idx="0">
-            <a:schemeClr val="accent1"/>
-          </a:effectRef>
-          <a:fontRef idx="minor">
-            <a:schemeClr val="tx1"/>
-          </a:fontRef>
-        </p:style>
-      </p:cxnSp>
-      <p:cxnSp>
-        <p:nvCxnSpPr>
-          <p:cNvPr id="24" name="Straight Arrow Connector 23">
-            <a:extLst>
-              <a:ext uri="{FF2B5EF4-FFF2-40B4-BE49-F238E27FC236}">
-                <a16:creationId xmlns:a16="http://schemas.microsoft.com/office/drawing/2014/main" id="{38F22ED7-CA66-60D1-B560-17F696237F94}"/>
-              </a:ext>
-            </a:extLst>
-          </p:cNvPr>
-          <p:cNvCxnSpPr>
-            <a:cxnSpLocks/>
-            <a:endCxn id="17" idx="2"/>
-          </p:cNvCxnSpPr>
-          <p:nvPr/>
-        </p:nvCxnSpPr>
-        <p:spPr>
-          <a:xfrm flipH="1" flipV="1">
-            <a:off x="9924002" y="4618927"/>
-            <a:ext cx="5118" cy="235933"/>
-          </a:xfrm>
-          <a:prstGeom prst="straightConnector1">
-            <a:avLst/>
-          </a:prstGeom>
-          <a:ln w="38100">
-            <a:tailEnd type="triangle"/>
-          </a:ln>
-        </p:spPr>
-        <p:style>
-          <a:lnRef idx="1">
-            <a:schemeClr val="accent1"/>
-          </a:lnRef>
-          <a:fillRef idx="0">
-            <a:schemeClr val="accent1"/>
-          </a:fillRef>
-          <a:effectRef idx="0">
-            <a:schemeClr val="accent1"/>
-          </a:effectRef>
-          <a:fontRef idx="minor">
-            <a:schemeClr val="tx1"/>
-          </a:fontRef>
-        </p:style>
-      </p:cxnSp>
-      <p:sp>
-        <p:nvSpPr>
-          <p:cNvPr id="26" name="TextBox 25">
-            <a:extLst>
-              <a:ext uri="{FF2B5EF4-FFF2-40B4-BE49-F238E27FC236}">
-                <a16:creationId xmlns:a16="http://schemas.microsoft.com/office/drawing/2014/main" id="{54D8AF69-61AA-094B-D867-B54B822402F5}"/>
-              </a:ext>
-            </a:extLst>
-          </p:cNvPr>
-          <p:cNvSpPr txBox="1"/>
-          <p:nvPr/>
-        </p:nvSpPr>
-        <p:spPr>
-          <a:xfrm>
-            <a:off x="8929974" y="3799004"/>
-            <a:ext cx="2139753" cy="646331"/>
-          </a:xfrm>
-          <a:prstGeom prst="rect">
-            <a:avLst/>
-          </a:prstGeom>
-          <a:noFill/>
-        </p:spPr>
-        <p:txBody>
-          <a:bodyPr wrap="none" rtlCol="0">
-            <a:spAutoFit/>
-          </a:bodyPr>
-          <a:lstStyle/>
-          <a:p>
-            <a:r>
-              <a:rPr lang="en-US" dirty="0"/>
-              <a:t>Align the trajectories</a:t>
-            </a:r>
-          </a:p>
-          <a:p>
-            <a:r>
-              <a:rPr lang="en-US" dirty="0"/>
-              <a:t> and compare</a:t>
-            </a:r>
-            <a:endParaRPr lang="en-CA" dirty="0"/>
-          </a:p>
-        </p:txBody>
-      </p:sp>
-    </p:spTree>
-    <p:extLst>
-      <p:ext uri="{BB962C8B-B14F-4D97-AF65-F5344CB8AC3E}">
-        <p14:creationId xmlns:p14="http://schemas.microsoft.com/office/powerpoint/2010/main" val="1159057244"/>
-      </p:ext>
-    </p:extLst>
-  </p:cSld>
-  <p:clrMapOvr>
-    <a:masterClrMapping/>
-  </p:clrMapOvr>
-</p:sld>
-</file>
-
-<file path=ppt/slides/slide11.xml><?xml version="1.0" encoding="utf-8"?>
-<p:sld xmlns:a="http://schemas.openxmlformats.org/drawingml/2006/main" xmlns:r="http://schemas.openxmlformats.org/officeDocument/2006/relationships" xmlns:p="http://schemas.openxmlformats.org/presentationml/2006/main">
-  <p:cSld>
-    <p:spTree>
-      <p:nvGrpSpPr>
-        <p:cNvPr id="1" name=""/>
-        <p:cNvGrpSpPr/>
-        <p:nvPr/>
-      </p:nvGrpSpPr>
-      <p:grpSpPr>
-        <a:xfrm>
-          <a:off x="0" y="0"/>
-          <a:ext cx="0" cy="0"/>
-          <a:chOff x="0" y="0"/>
-          <a:chExt cx="0" cy="0"/>
-        </a:xfrm>
-      </p:grpSpPr>
-      <p:sp>
-        <p:nvSpPr>
-          <p:cNvPr id="2" name="Title 1">
-            <a:extLst>
-              <a:ext uri="{FF2B5EF4-FFF2-40B4-BE49-F238E27FC236}">
                 <a16:creationId xmlns:a16="http://schemas.microsoft.com/office/drawing/2014/main" id="{9AB22321-2A5B-B755-0C3A-78C2C1EC7A2A}"/>
               </a:ext>
             </a:extLst>
@@ -10622,7 +9799,7 @@
 </p:sld>
 </file>
 
-<file path=ppt/slides/slide12.xml><?xml version="1.0" encoding="utf-8"?>
+<file path=ppt/slides/slide11.xml><?xml version="1.0" encoding="utf-8"?>
 <p:sld xmlns:a="http://schemas.openxmlformats.org/drawingml/2006/main" xmlns:r="http://schemas.openxmlformats.org/officeDocument/2006/relationships" xmlns:p="http://schemas.openxmlformats.org/presentationml/2006/main">
   <p:cSld>
     <p:spTree>
@@ -10662,7 +9839,15 @@
           <a:p>
             <a:r>
               <a:rPr lang="en-US" dirty="0"/>
-              <a:t>Results</a:t>
+              <a:t>Results(Ctrl sample with </a:t>
+            </a:r>
+            <a:r>
+              <a:rPr lang="en-US" dirty="0" err="1"/>
+              <a:t>crisprko</a:t>
+            </a:r>
+            <a:r>
+              <a:rPr lang="en-US" dirty="0"/>
+              <a:t> perturbation)</a:t>
             </a:r>
             <a:endParaRPr lang="en-CA" dirty="0"/>
           </a:p>
@@ -10706,7 +9891,7 @@
 </p:sld>
 </file>
 
-<file path=ppt/slides/slide13.xml><?xml version="1.0" encoding="utf-8"?>
+<file path=ppt/slides/slide12.xml><?xml version="1.0" encoding="utf-8"?>
 <p:sld xmlns:a="http://schemas.openxmlformats.org/drawingml/2006/main" xmlns:r="http://schemas.openxmlformats.org/officeDocument/2006/relationships" xmlns:p="http://schemas.openxmlformats.org/presentationml/2006/main">
   <p:cSld>
     <p:spTree>
@@ -10744,7 +9929,11 @@
           <a:bodyPr/>
           <a:lstStyle/>
           <a:p>
-            <a:endParaRPr lang="en-CA"/>
+            <a:r>
+              <a:rPr lang="en-US" dirty="0"/>
+              <a:t>Results(Experimental perturbation based model Prediction)</a:t>
+            </a:r>
+            <a:endParaRPr lang="en-CA" dirty="0"/>
           </a:p>
         </p:txBody>
       </p:sp>
@@ -10777,6 +9966,98 @@
     <p:extLst>
       <p:ext uri="{BB962C8B-B14F-4D97-AF65-F5344CB8AC3E}">
         <p14:creationId xmlns:p14="http://schemas.microsoft.com/office/powerpoint/2010/main" val="2279726371"/>
+      </p:ext>
+    </p:extLst>
+  </p:cSld>
+  <p:clrMapOvr>
+    <a:masterClrMapping/>
+  </p:clrMapOvr>
+</p:sld>
+</file>
+
+<file path=ppt/slides/slide13.xml><?xml version="1.0" encoding="utf-8"?>
+<p:sld xmlns:a="http://schemas.openxmlformats.org/drawingml/2006/main" xmlns:r="http://schemas.openxmlformats.org/officeDocument/2006/relationships" xmlns:p="http://schemas.openxmlformats.org/presentationml/2006/main">
+  <p:cSld>
+    <p:spTree>
+      <p:nvGrpSpPr>
+        <p:cNvPr id="1" name=""/>
+        <p:cNvGrpSpPr/>
+        <p:nvPr/>
+      </p:nvGrpSpPr>
+      <p:grpSpPr>
+        <a:xfrm>
+          <a:off x="0" y="0"/>
+          <a:ext cx="0" cy="0"/>
+          <a:chOff x="0" y="0"/>
+          <a:chExt cx="0" cy="0"/>
+        </a:xfrm>
+      </p:grpSpPr>
+      <p:sp>
+        <p:nvSpPr>
+          <p:cNvPr id="2" name="Title 1">
+            <a:extLst>
+              <a:ext uri="{FF2B5EF4-FFF2-40B4-BE49-F238E27FC236}">
+                <a16:creationId xmlns:a16="http://schemas.microsoft.com/office/drawing/2014/main" id="{89E2601B-1061-45C2-B855-532452E2233A}"/>
+              </a:ext>
+            </a:extLst>
+          </p:cNvPr>
+          <p:cNvSpPr>
+            <a:spLocks noGrp="1"/>
+          </p:cNvSpPr>
+          <p:nvPr>
+            <p:ph type="title"/>
+          </p:nvPr>
+        </p:nvSpPr>
+        <p:spPr/>
+        <p:txBody>
+          <a:bodyPr/>
+          <a:lstStyle/>
+          <a:p>
+            <a:r>
+              <a:rPr lang="en-US" dirty="0"/>
+              <a:t>Results(Trajectories </a:t>
+            </a:r>
+            <a:r>
+              <a:rPr lang="en-US" dirty="0" err="1"/>
+              <a:t>Comparision</a:t>
+            </a:r>
+            <a:r>
+              <a:rPr lang="en-US" dirty="0"/>
+              <a:t>)</a:t>
+            </a:r>
+            <a:endParaRPr lang="en-CA" dirty="0"/>
+          </a:p>
+        </p:txBody>
+      </p:sp>
+      <p:sp>
+        <p:nvSpPr>
+          <p:cNvPr id="3" name="Content Placeholder 2">
+            <a:extLst>
+              <a:ext uri="{FF2B5EF4-FFF2-40B4-BE49-F238E27FC236}">
+                <a16:creationId xmlns:a16="http://schemas.microsoft.com/office/drawing/2014/main" id="{AAEC094F-34CF-88A5-D4EE-8D39B040A5A4}"/>
+              </a:ext>
+            </a:extLst>
+          </p:cNvPr>
+          <p:cNvSpPr>
+            <a:spLocks noGrp="1"/>
+          </p:cNvSpPr>
+          <p:nvPr>
+            <p:ph idx="1"/>
+          </p:nvPr>
+        </p:nvSpPr>
+        <p:spPr/>
+        <p:txBody>
+          <a:bodyPr/>
+          <a:lstStyle/>
+          <a:p>
+            <a:endParaRPr lang="en-CA"/>
+          </a:p>
+        </p:txBody>
+      </p:sp>
+    </p:spTree>
+    <p:extLst>
+      <p:ext uri="{BB962C8B-B14F-4D97-AF65-F5344CB8AC3E}">
+        <p14:creationId xmlns:p14="http://schemas.microsoft.com/office/powerpoint/2010/main" val="4242802019"/>
       </p:ext>
     </p:extLst>
   </p:cSld>
@@ -12862,7 +12143,7 @@
             <p:ph idx="1"/>
             <p:extLst>
               <p:ext uri="{D42A27DB-BD31-4B8C-83A1-F6EECF244321}">
-                <p14:modId xmlns:p14="http://schemas.microsoft.com/office/powerpoint/2010/main" val="1916742222"/>
+                <p14:modId xmlns:p14="http://schemas.microsoft.com/office/powerpoint/2010/main" val="228715565"/>
               </p:ext>
             </p:extLst>
           </p:nvPr>
@@ -12975,734 +12256,6 @@
           <p:cNvPr id="2" name="Title 1">
             <a:extLst>
               <a:ext uri="{FF2B5EF4-FFF2-40B4-BE49-F238E27FC236}">
-                <a16:creationId xmlns:a16="http://schemas.microsoft.com/office/drawing/2014/main" id="{A7AA7AAC-FF58-834B-CBDF-6C2E17F3DD87}"/>
-              </a:ext>
-            </a:extLst>
-          </p:cNvPr>
-          <p:cNvSpPr>
-            <a:spLocks noGrp="1"/>
-          </p:cNvSpPr>
-          <p:nvPr>
-            <p:ph type="title"/>
-          </p:nvPr>
-        </p:nvSpPr>
-        <p:spPr>
-          <a:xfrm>
-            <a:off x="163017" y="158592"/>
-            <a:ext cx="10515600" cy="558035"/>
-          </a:xfrm>
-        </p:spPr>
-        <p:txBody>
-          <a:bodyPr>
-            <a:normAutofit/>
-          </a:bodyPr>
-          <a:lstStyle/>
-          <a:p>
-            <a:r>
-              <a:rPr lang="en-US" sz="2000" dirty="0"/>
-              <a:t>Example(Crispr Screen)</a:t>
-            </a:r>
-            <a:endParaRPr lang="en-CA" sz="2000" dirty="0"/>
-          </a:p>
-        </p:txBody>
-      </p:sp>
-      <p:sp>
-        <p:nvSpPr>
-          <p:cNvPr id="4" name="Rectangle 3">
-            <a:extLst>
-              <a:ext uri="{FF2B5EF4-FFF2-40B4-BE49-F238E27FC236}">
-                <a16:creationId xmlns:a16="http://schemas.microsoft.com/office/drawing/2014/main" id="{57297EEA-A3FA-17DB-0F38-DF94A269B9A1}"/>
-              </a:ext>
-            </a:extLst>
-          </p:cNvPr>
-          <p:cNvSpPr/>
-          <p:nvPr/>
-        </p:nvSpPr>
-        <p:spPr>
-          <a:xfrm>
-            <a:off x="1856232" y="1253592"/>
-            <a:ext cx="2688336" cy="439864"/>
-          </a:xfrm>
-          <a:prstGeom prst="rect">
-            <a:avLst/>
-          </a:prstGeom>
-          <a:noFill/>
-        </p:spPr>
-        <p:style>
-          <a:lnRef idx="2">
-            <a:schemeClr val="accent1">
-              <a:shade val="15000"/>
-            </a:schemeClr>
-          </a:lnRef>
-          <a:fillRef idx="1">
-            <a:schemeClr val="accent1"/>
-          </a:fillRef>
-          <a:effectRef idx="0">
-            <a:schemeClr val="accent1"/>
-          </a:effectRef>
-          <a:fontRef idx="minor">
-            <a:schemeClr val="lt1"/>
-          </a:fontRef>
-        </p:style>
-        <p:txBody>
-          <a:bodyPr rtlCol="0" anchor="ctr"/>
-          <a:lstStyle/>
-          <a:p>
-            <a:pPr algn="ctr"/>
-            <a:endParaRPr lang="en-CA"/>
-          </a:p>
-        </p:txBody>
-      </p:sp>
-      <p:sp>
-        <p:nvSpPr>
-          <p:cNvPr id="7" name="TextBox 6">
-            <a:extLst>
-              <a:ext uri="{FF2B5EF4-FFF2-40B4-BE49-F238E27FC236}">
-                <a16:creationId xmlns:a16="http://schemas.microsoft.com/office/drawing/2014/main" id="{A1F8C08E-C5A6-84A3-B356-101C367696DF}"/>
-              </a:ext>
-            </a:extLst>
-          </p:cNvPr>
-          <p:cNvSpPr txBox="1"/>
-          <p:nvPr/>
-        </p:nvSpPr>
-        <p:spPr>
-          <a:xfrm>
-            <a:off x="2066544" y="1324124"/>
-            <a:ext cx="2114746" cy="369332"/>
-          </a:xfrm>
-          <a:prstGeom prst="rect">
-            <a:avLst/>
-          </a:prstGeom>
-          <a:noFill/>
-        </p:spPr>
-        <p:txBody>
-          <a:bodyPr wrap="none" rtlCol="0">
-            <a:spAutoFit/>
-          </a:bodyPr>
-          <a:lstStyle/>
-          <a:p>
-            <a:r>
-              <a:rPr lang="en-US" dirty="0"/>
-              <a:t>GSE153056_RAW.tar</a:t>
-            </a:r>
-            <a:endParaRPr lang="en-CA" dirty="0"/>
-          </a:p>
-        </p:txBody>
-      </p:sp>
-      <p:sp>
-        <p:nvSpPr>
-          <p:cNvPr id="8" name="Rectangle 7">
-            <a:extLst>
-              <a:ext uri="{FF2B5EF4-FFF2-40B4-BE49-F238E27FC236}">
-                <a16:creationId xmlns:a16="http://schemas.microsoft.com/office/drawing/2014/main" id="{1A9EE5CC-E954-FC70-1F72-0B743CF52368}"/>
-              </a:ext>
-            </a:extLst>
-          </p:cNvPr>
-          <p:cNvSpPr/>
-          <p:nvPr/>
-        </p:nvSpPr>
-        <p:spPr>
-          <a:xfrm>
-            <a:off x="207264" y="2497335"/>
-            <a:ext cx="2688336" cy="646330"/>
-          </a:xfrm>
-          <a:prstGeom prst="rect">
-            <a:avLst/>
-          </a:prstGeom>
-          <a:noFill/>
-        </p:spPr>
-        <p:style>
-          <a:lnRef idx="2">
-            <a:schemeClr val="accent1">
-              <a:shade val="15000"/>
-            </a:schemeClr>
-          </a:lnRef>
-          <a:fillRef idx="1">
-            <a:schemeClr val="accent1"/>
-          </a:fillRef>
-          <a:effectRef idx="0">
-            <a:schemeClr val="accent1"/>
-          </a:effectRef>
-          <a:fontRef idx="minor">
-            <a:schemeClr val="lt1"/>
-          </a:fontRef>
-        </p:style>
-        <p:txBody>
-          <a:bodyPr rtlCol="0" anchor="ctr"/>
-          <a:lstStyle/>
-          <a:p>
-            <a:pPr algn="ctr"/>
-            <a:endParaRPr lang="en-CA"/>
-          </a:p>
-        </p:txBody>
-      </p:sp>
-      <p:sp>
-        <p:nvSpPr>
-          <p:cNvPr id="9" name="Rectangle 8">
-            <a:extLst>
-              <a:ext uri="{FF2B5EF4-FFF2-40B4-BE49-F238E27FC236}">
-                <a16:creationId xmlns:a16="http://schemas.microsoft.com/office/drawing/2014/main" id="{406B3CC9-CDDA-C4D6-378A-44840C6B2B94}"/>
-              </a:ext>
-            </a:extLst>
-          </p:cNvPr>
-          <p:cNvSpPr/>
-          <p:nvPr/>
-        </p:nvSpPr>
-        <p:spPr>
-          <a:xfrm>
-            <a:off x="3496144" y="2504910"/>
-            <a:ext cx="3334423" cy="803878"/>
-          </a:xfrm>
-          <a:prstGeom prst="rect">
-            <a:avLst/>
-          </a:prstGeom>
-          <a:noFill/>
-        </p:spPr>
-        <p:style>
-          <a:lnRef idx="2">
-            <a:schemeClr val="accent1">
-              <a:shade val="15000"/>
-            </a:schemeClr>
-          </a:lnRef>
-          <a:fillRef idx="1">
-            <a:schemeClr val="accent1"/>
-          </a:fillRef>
-          <a:effectRef idx="0">
-            <a:schemeClr val="accent1"/>
-          </a:effectRef>
-          <a:fontRef idx="minor">
-            <a:schemeClr val="lt1"/>
-          </a:fontRef>
-        </p:style>
-        <p:txBody>
-          <a:bodyPr rtlCol="0" anchor="ctr"/>
-          <a:lstStyle/>
-          <a:p>
-            <a:pPr algn="ctr"/>
-            <a:endParaRPr lang="en-CA"/>
-          </a:p>
-        </p:txBody>
-      </p:sp>
-      <p:sp>
-        <p:nvSpPr>
-          <p:cNvPr id="10" name="TextBox 9">
-            <a:extLst>
-              <a:ext uri="{FF2B5EF4-FFF2-40B4-BE49-F238E27FC236}">
-                <a16:creationId xmlns:a16="http://schemas.microsoft.com/office/drawing/2014/main" id="{C6DA7CF7-BA19-5F4C-CBA6-2CDF42CA3036}"/>
-              </a:ext>
-            </a:extLst>
-          </p:cNvPr>
-          <p:cNvSpPr txBox="1"/>
-          <p:nvPr/>
-        </p:nvSpPr>
-        <p:spPr>
-          <a:xfrm>
-            <a:off x="3496145" y="2504910"/>
-            <a:ext cx="3422833" cy="646331"/>
-          </a:xfrm>
-          <a:prstGeom prst="rect">
-            <a:avLst/>
-          </a:prstGeom>
-          <a:noFill/>
-        </p:spPr>
-        <p:txBody>
-          <a:bodyPr wrap="square" rtlCol="0">
-            <a:spAutoFit/>
-          </a:bodyPr>
-          <a:lstStyle/>
-          <a:p>
-            <a:r>
-              <a:rPr lang="en-CA" dirty="0"/>
-              <a:t>Expanded CRISPR-</a:t>
-            </a:r>
-          </a:p>
-          <a:p>
-            <a:r>
-              <a:rPr lang="en-CA" dirty="0"/>
-              <a:t>Compatible CITE-seq(i.e.,</a:t>
-            </a:r>
-            <a:r>
-              <a:rPr lang="en-CA" dirty="0" err="1"/>
-              <a:t>crisprKO</a:t>
-            </a:r>
-            <a:r>
-              <a:rPr lang="en-CA" dirty="0"/>
-              <a:t>)</a:t>
-            </a:r>
-          </a:p>
-        </p:txBody>
-      </p:sp>
-      <p:sp>
-        <p:nvSpPr>
-          <p:cNvPr id="12" name="TextBox 11">
-            <a:extLst>
-              <a:ext uri="{FF2B5EF4-FFF2-40B4-BE49-F238E27FC236}">
-                <a16:creationId xmlns:a16="http://schemas.microsoft.com/office/drawing/2014/main" id="{F89FE222-81A9-44D9-AA17-58A7A1FE527C}"/>
-              </a:ext>
-            </a:extLst>
-          </p:cNvPr>
-          <p:cNvSpPr txBox="1"/>
-          <p:nvPr/>
-        </p:nvSpPr>
-        <p:spPr>
-          <a:xfrm>
-            <a:off x="674087" y="2635447"/>
-            <a:ext cx="1575337" cy="369332"/>
-          </a:xfrm>
-          <a:prstGeom prst="rect">
-            <a:avLst/>
-          </a:prstGeom>
-          <a:noFill/>
-        </p:spPr>
-        <p:txBody>
-          <a:bodyPr wrap="square">
-            <a:spAutoFit/>
-          </a:bodyPr>
-          <a:lstStyle/>
-          <a:p>
-            <a:r>
-              <a:rPr lang="en-CA" dirty="0"/>
-              <a:t>CITE-seq</a:t>
-            </a:r>
-          </a:p>
-        </p:txBody>
-      </p:sp>
-      <p:cxnSp>
-        <p:nvCxnSpPr>
-          <p:cNvPr id="14" name="Straight Arrow Connector 13">
-            <a:extLst>
-              <a:ext uri="{FF2B5EF4-FFF2-40B4-BE49-F238E27FC236}">
-                <a16:creationId xmlns:a16="http://schemas.microsoft.com/office/drawing/2014/main" id="{E8721AA7-C8BE-8B4D-151D-A8DA37129B65}"/>
-              </a:ext>
-            </a:extLst>
-          </p:cNvPr>
-          <p:cNvCxnSpPr>
-            <a:stCxn id="7" idx="2"/>
-          </p:cNvCxnSpPr>
-          <p:nvPr/>
-        </p:nvCxnSpPr>
-        <p:spPr>
-          <a:xfrm flipH="1">
-            <a:off x="1856232" y="1693456"/>
-            <a:ext cx="1267685" cy="803878"/>
-          </a:xfrm>
-          <a:prstGeom prst="straightConnector1">
-            <a:avLst/>
-          </a:prstGeom>
-          <a:ln w="28575">
-            <a:tailEnd type="triangle"/>
-          </a:ln>
-        </p:spPr>
-        <p:style>
-          <a:lnRef idx="1">
-            <a:schemeClr val="accent1"/>
-          </a:lnRef>
-          <a:fillRef idx="0">
-            <a:schemeClr val="accent1"/>
-          </a:fillRef>
-          <a:effectRef idx="0">
-            <a:schemeClr val="accent1"/>
-          </a:effectRef>
-          <a:fontRef idx="minor">
-            <a:schemeClr val="tx1"/>
-          </a:fontRef>
-        </p:style>
-      </p:cxnSp>
-      <p:cxnSp>
-        <p:nvCxnSpPr>
-          <p:cNvPr id="15" name="Straight Arrow Connector 14">
-            <a:extLst>
-              <a:ext uri="{FF2B5EF4-FFF2-40B4-BE49-F238E27FC236}">
-                <a16:creationId xmlns:a16="http://schemas.microsoft.com/office/drawing/2014/main" id="{FD2A5673-06F6-B3B8-F132-AC94B7655FF8}"/>
-              </a:ext>
-            </a:extLst>
-          </p:cNvPr>
-          <p:cNvCxnSpPr>
-            <a:cxnSpLocks/>
-          </p:cNvCxnSpPr>
-          <p:nvPr/>
-        </p:nvCxnSpPr>
-        <p:spPr>
-          <a:xfrm>
-            <a:off x="3123917" y="1693455"/>
-            <a:ext cx="1566955" cy="803878"/>
-          </a:xfrm>
-          <a:prstGeom prst="straightConnector1">
-            <a:avLst/>
-          </a:prstGeom>
-          <a:ln w="28575">
-            <a:tailEnd type="triangle"/>
-          </a:ln>
-        </p:spPr>
-        <p:style>
-          <a:lnRef idx="1">
-            <a:schemeClr val="accent1"/>
-          </a:lnRef>
-          <a:fillRef idx="0">
-            <a:schemeClr val="accent1"/>
-          </a:fillRef>
-          <a:effectRef idx="0">
-            <a:schemeClr val="accent1"/>
-          </a:effectRef>
-          <a:fontRef idx="minor">
-            <a:schemeClr val="tx1"/>
-          </a:fontRef>
-        </p:style>
-      </p:cxnSp>
-      <p:cxnSp>
-        <p:nvCxnSpPr>
-          <p:cNvPr id="19" name="Straight Arrow Connector 18">
-            <a:extLst>
-              <a:ext uri="{FF2B5EF4-FFF2-40B4-BE49-F238E27FC236}">
-                <a16:creationId xmlns:a16="http://schemas.microsoft.com/office/drawing/2014/main" id="{48C7AA50-EB00-9C25-75CE-195B9D93A158}"/>
-              </a:ext>
-            </a:extLst>
-          </p:cNvPr>
-          <p:cNvCxnSpPr>
-            <a:stCxn id="8" idx="2"/>
-          </p:cNvCxnSpPr>
-          <p:nvPr/>
-        </p:nvCxnSpPr>
-        <p:spPr>
-          <a:xfrm flipH="1">
-            <a:off x="1545336" y="3143665"/>
-            <a:ext cx="6096" cy="890655"/>
-          </a:xfrm>
-          <a:prstGeom prst="straightConnector1">
-            <a:avLst/>
-          </a:prstGeom>
-          <a:ln w="28575">
-            <a:tailEnd type="triangle"/>
-          </a:ln>
-        </p:spPr>
-        <p:style>
-          <a:lnRef idx="1">
-            <a:schemeClr val="accent1"/>
-          </a:lnRef>
-          <a:fillRef idx="0">
-            <a:schemeClr val="accent1"/>
-          </a:fillRef>
-          <a:effectRef idx="0">
-            <a:schemeClr val="accent1"/>
-          </a:effectRef>
-          <a:fontRef idx="minor">
-            <a:schemeClr val="tx1"/>
-          </a:fontRef>
-        </p:style>
-      </p:cxnSp>
-      <p:sp>
-        <p:nvSpPr>
-          <p:cNvPr id="22" name="Rectangle 21">
-            <a:extLst>
-              <a:ext uri="{FF2B5EF4-FFF2-40B4-BE49-F238E27FC236}">
-                <a16:creationId xmlns:a16="http://schemas.microsoft.com/office/drawing/2014/main" id="{5F56664F-D47F-502F-8D8E-4E39ACF332DB}"/>
-              </a:ext>
-            </a:extLst>
-          </p:cNvPr>
-          <p:cNvSpPr/>
-          <p:nvPr/>
-        </p:nvSpPr>
-        <p:spPr>
-          <a:xfrm>
-            <a:off x="207265" y="4012254"/>
-            <a:ext cx="2688336" cy="901129"/>
-          </a:xfrm>
-          <a:prstGeom prst="rect">
-            <a:avLst/>
-          </a:prstGeom>
-          <a:noFill/>
-        </p:spPr>
-        <p:style>
-          <a:lnRef idx="2">
-            <a:schemeClr val="accent1">
-              <a:shade val="15000"/>
-            </a:schemeClr>
-          </a:lnRef>
-          <a:fillRef idx="1">
-            <a:schemeClr val="accent1"/>
-          </a:fillRef>
-          <a:effectRef idx="0">
-            <a:schemeClr val="accent1"/>
-          </a:effectRef>
-          <a:fontRef idx="minor">
-            <a:schemeClr val="lt1"/>
-          </a:fontRef>
-        </p:style>
-        <p:txBody>
-          <a:bodyPr rtlCol="0" anchor="ctr"/>
-          <a:lstStyle/>
-          <a:p>
-            <a:pPr algn="ctr"/>
-            <a:endParaRPr lang="en-CA"/>
-          </a:p>
-        </p:txBody>
-      </p:sp>
-      <p:sp>
-        <p:nvSpPr>
-          <p:cNvPr id="23" name="TextBox 22">
-            <a:extLst>
-              <a:ext uri="{FF2B5EF4-FFF2-40B4-BE49-F238E27FC236}">
-                <a16:creationId xmlns:a16="http://schemas.microsoft.com/office/drawing/2014/main" id="{47D68213-3AE4-19D4-4EF6-433012E7E2CD}"/>
-              </a:ext>
-            </a:extLst>
-          </p:cNvPr>
-          <p:cNvSpPr txBox="1"/>
-          <p:nvPr/>
-        </p:nvSpPr>
-        <p:spPr>
-          <a:xfrm>
-            <a:off x="451190" y="4173206"/>
-            <a:ext cx="2188291" cy="646331"/>
-          </a:xfrm>
-          <a:prstGeom prst="rect">
-            <a:avLst/>
-          </a:prstGeom>
-          <a:noFill/>
-        </p:spPr>
-        <p:txBody>
-          <a:bodyPr wrap="none" rtlCol="0">
-            <a:spAutoFit/>
-          </a:bodyPr>
-          <a:lstStyle/>
-          <a:p>
-            <a:r>
-              <a:rPr lang="en-US" dirty="0"/>
-              <a:t>Training plus In-silico </a:t>
-            </a:r>
-          </a:p>
-          <a:p>
-            <a:r>
-              <a:rPr lang="en-US" dirty="0"/>
-              <a:t>Perturbation</a:t>
-            </a:r>
-            <a:endParaRPr lang="en-CA" dirty="0"/>
-          </a:p>
-        </p:txBody>
-      </p:sp>
-      <p:sp>
-        <p:nvSpPr>
-          <p:cNvPr id="24" name="Rectangle 23">
-            <a:extLst>
-              <a:ext uri="{FF2B5EF4-FFF2-40B4-BE49-F238E27FC236}">
-                <a16:creationId xmlns:a16="http://schemas.microsoft.com/office/drawing/2014/main" id="{F53A0D4D-A4CB-79C8-9DBC-4E3F009EC561}"/>
-              </a:ext>
-            </a:extLst>
-          </p:cNvPr>
-          <p:cNvSpPr/>
-          <p:nvPr/>
-        </p:nvSpPr>
-        <p:spPr>
-          <a:xfrm>
-            <a:off x="3496144" y="4012253"/>
-            <a:ext cx="3328326" cy="901129"/>
-          </a:xfrm>
-          <a:prstGeom prst="rect">
-            <a:avLst/>
-          </a:prstGeom>
-          <a:noFill/>
-        </p:spPr>
-        <p:style>
-          <a:lnRef idx="2">
-            <a:schemeClr val="accent1">
-              <a:shade val="15000"/>
-            </a:schemeClr>
-          </a:lnRef>
-          <a:fillRef idx="1">
-            <a:schemeClr val="accent1"/>
-          </a:fillRef>
-          <a:effectRef idx="0">
-            <a:schemeClr val="accent1"/>
-          </a:effectRef>
-          <a:fontRef idx="minor">
-            <a:schemeClr val="lt1"/>
-          </a:fontRef>
-        </p:style>
-        <p:txBody>
-          <a:bodyPr rtlCol="0" anchor="ctr"/>
-          <a:lstStyle/>
-          <a:p>
-            <a:pPr algn="ctr"/>
-            <a:endParaRPr lang="en-CA"/>
-          </a:p>
-        </p:txBody>
-      </p:sp>
-      <p:sp>
-        <p:nvSpPr>
-          <p:cNvPr id="25" name="TextBox 24">
-            <a:extLst>
-              <a:ext uri="{FF2B5EF4-FFF2-40B4-BE49-F238E27FC236}">
-                <a16:creationId xmlns:a16="http://schemas.microsoft.com/office/drawing/2014/main" id="{125CD366-5503-00F9-5008-ED6ACC9F8B75}"/>
-              </a:ext>
-            </a:extLst>
-          </p:cNvPr>
-          <p:cNvSpPr txBox="1"/>
-          <p:nvPr/>
-        </p:nvSpPr>
-        <p:spPr>
-          <a:xfrm>
-            <a:off x="4181290" y="4278152"/>
-            <a:ext cx="2415405" cy="369332"/>
-          </a:xfrm>
-          <a:prstGeom prst="rect">
-            <a:avLst/>
-          </a:prstGeom>
-          <a:noFill/>
-        </p:spPr>
-        <p:txBody>
-          <a:bodyPr wrap="none" rtlCol="0">
-            <a:spAutoFit/>
-          </a:bodyPr>
-          <a:lstStyle/>
-          <a:p>
-            <a:r>
-              <a:rPr lang="en-US" dirty="0"/>
-              <a:t>Experimental Validation</a:t>
-            </a:r>
-            <a:endParaRPr lang="en-CA" dirty="0"/>
-          </a:p>
-        </p:txBody>
-      </p:sp>
-      <p:cxnSp>
-        <p:nvCxnSpPr>
-          <p:cNvPr id="26" name="Straight Arrow Connector 25">
-            <a:extLst>
-              <a:ext uri="{FF2B5EF4-FFF2-40B4-BE49-F238E27FC236}">
-                <a16:creationId xmlns:a16="http://schemas.microsoft.com/office/drawing/2014/main" id="{5709A9A2-D288-4E2F-FE54-BAE0FF4B9A3E}"/>
-              </a:ext>
-            </a:extLst>
-          </p:cNvPr>
-          <p:cNvCxnSpPr>
-            <a:cxnSpLocks/>
-          </p:cNvCxnSpPr>
-          <p:nvPr/>
-        </p:nvCxnSpPr>
-        <p:spPr>
-          <a:xfrm>
-            <a:off x="5312576" y="3365922"/>
-            <a:ext cx="0" cy="646331"/>
-          </a:xfrm>
-          <a:prstGeom prst="straightConnector1">
-            <a:avLst/>
-          </a:prstGeom>
-          <a:ln w="28575">
-            <a:tailEnd type="triangle"/>
-          </a:ln>
-        </p:spPr>
-        <p:style>
-          <a:lnRef idx="1">
-            <a:schemeClr val="accent1"/>
-          </a:lnRef>
-          <a:fillRef idx="0">
-            <a:schemeClr val="accent1"/>
-          </a:fillRef>
-          <a:effectRef idx="0">
-            <a:schemeClr val="accent1"/>
-          </a:effectRef>
-          <a:fontRef idx="minor">
-            <a:schemeClr val="tx1"/>
-          </a:fontRef>
-        </p:style>
-      </p:cxnSp>
-      <p:pic>
-        <p:nvPicPr>
-          <p:cNvPr id="28" name="Picture 27">
-            <a:extLst>
-              <a:ext uri="{FF2B5EF4-FFF2-40B4-BE49-F238E27FC236}">
-                <a16:creationId xmlns:a16="http://schemas.microsoft.com/office/drawing/2014/main" id="{BA0A7FB8-080C-ABAF-8519-6B721E656C7E}"/>
-              </a:ext>
-            </a:extLst>
-          </p:cNvPr>
-          <p:cNvPicPr>
-            <a:picLocks noChangeAspect="1"/>
-          </p:cNvPicPr>
-          <p:nvPr/>
-        </p:nvPicPr>
-        <p:blipFill>
-          <a:blip r:embed="rId2"/>
-          <a:stretch>
-            <a:fillRect/>
-          </a:stretch>
-        </p:blipFill>
-        <p:spPr>
-          <a:xfrm>
-            <a:off x="7820903" y="806599"/>
-            <a:ext cx="4163833" cy="5276087"/>
-          </a:xfrm>
-          <a:prstGeom prst="rect">
-            <a:avLst/>
-          </a:prstGeom>
-        </p:spPr>
-      </p:pic>
-      <p:sp>
-        <p:nvSpPr>
-          <p:cNvPr id="32" name="TextBox 31">
-            <a:extLst>
-              <a:ext uri="{FF2B5EF4-FFF2-40B4-BE49-F238E27FC236}">
-                <a16:creationId xmlns:a16="http://schemas.microsoft.com/office/drawing/2014/main" id="{DD763A5E-71D8-B5EE-70DD-A11FB200E25F}"/>
-              </a:ext>
-            </a:extLst>
-          </p:cNvPr>
-          <p:cNvSpPr txBox="1"/>
-          <p:nvPr/>
-        </p:nvSpPr>
-        <p:spPr>
-          <a:xfrm>
-            <a:off x="163017" y="6330076"/>
-            <a:ext cx="8684514" cy="369332"/>
-          </a:xfrm>
-          <a:prstGeom prst="rect">
-            <a:avLst/>
-          </a:prstGeom>
-          <a:noFill/>
-        </p:spPr>
-        <p:txBody>
-          <a:bodyPr wrap="square">
-            <a:spAutoFit/>
-          </a:bodyPr>
-          <a:lstStyle/>
-          <a:p>
-            <a:r>
-              <a:rPr lang="en-CA" dirty="0"/>
-              <a:t>https://drive.google.com/file/d/1kj6sNfe_Tib92T1__a-CkNkFFudfbhOt/view?usp=sharing</a:t>
-            </a:r>
-          </a:p>
-        </p:txBody>
-      </p:sp>
-    </p:spTree>
-    <p:extLst>
-      <p:ext uri="{BB962C8B-B14F-4D97-AF65-F5344CB8AC3E}">
-        <p14:creationId xmlns:p14="http://schemas.microsoft.com/office/powerpoint/2010/main" val="3369813039"/>
-      </p:ext>
-    </p:extLst>
-  </p:cSld>
-  <p:clrMapOvr>
-    <a:masterClrMapping/>
-  </p:clrMapOvr>
-</p:sld>
-</file>
-
-<file path=ppt/slides/slide6.xml><?xml version="1.0" encoding="utf-8"?>
-<p:sld xmlns:a="http://schemas.openxmlformats.org/drawingml/2006/main" xmlns:r="http://schemas.openxmlformats.org/officeDocument/2006/relationships" xmlns:p="http://schemas.openxmlformats.org/presentationml/2006/main">
-  <p:cSld>
-    <p:spTree>
-      <p:nvGrpSpPr>
-        <p:cNvPr id="1" name=""/>
-        <p:cNvGrpSpPr/>
-        <p:nvPr/>
-      </p:nvGrpSpPr>
-      <p:grpSpPr>
-        <a:xfrm>
-          <a:off x="0" y="0"/>
-          <a:ext cx="0" cy="0"/>
-          <a:chOff x="0" y="0"/>
-          <a:chExt cx="0" cy="0"/>
-        </a:xfrm>
-      </p:grpSpPr>
-      <p:sp>
-        <p:nvSpPr>
-          <p:cNvPr id="2" name="Title 1">
-            <a:extLst>
-              <a:ext uri="{FF2B5EF4-FFF2-40B4-BE49-F238E27FC236}">
                 <a16:creationId xmlns:a16="http://schemas.microsoft.com/office/drawing/2014/main" id="{5AB318FC-B8B4-6DC6-27B2-A905C899CE22}"/>
               </a:ext>
             </a:extLst>
@@ -13859,7 +12412,7 @@
 </p:sld>
 </file>
 
-<file path=ppt/slides/slide7.xml><?xml version="1.0" encoding="utf-8"?>
+<file path=ppt/slides/slide6.xml><?xml version="1.0" encoding="utf-8"?>
 <p:sld xmlns:a="http://schemas.openxmlformats.org/drawingml/2006/main" xmlns:r="http://schemas.openxmlformats.org/officeDocument/2006/relationships" xmlns:p="http://schemas.openxmlformats.org/presentationml/2006/main">
   <p:cSld>
     <p:spTree>
@@ -14030,7 +12583,7 @@
 </p:sld>
 </file>
 
-<file path=ppt/slides/slide8.xml><?xml version="1.0" encoding="utf-8"?>
+<file path=ppt/slides/slide7.xml><?xml version="1.0" encoding="utf-8"?>
 <p:sld xmlns:a="http://schemas.openxmlformats.org/drawingml/2006/main" xmlns:r="http://schemas.openxmlformats.org/officeDocument/2006/relationships" xmlns:p="http://schemas.openxmlformats.org/presentationml/2006/main">
   <p:cSld>
     <p:spTree>
@@ -14071,11 +12624,18 @@
           <a:lstStyle/>
           <a:p>
             <a:r>
+              <a:rPr lang="en-CA" sz="2000" b="1" dirty="0" err="1">
+                <a:latin typeface="Times New Roman" panose="02020603050405020304" pitchFamily="18" charset="0"/>
+                <a:cs typeface="Times New Roman" panose="02020603050405020304" pitchFamily="18" charset="0"/>
+              </a:rPr>
+              <a:t>Codeathon</a:t>
+            </a:r>
+            <a:r>
               <a:rPr lang="en-CA" sz="2000" b="1" dirty="0">
                 <a:latin typeface="Times New Roman" panose="02020603050405020304" pitchFamily="18" charset="0"/>
                 <a:cs typeface="Times New Roman" panose="02020603050405020304" pitchFamily="18" charset="0"/>
               </a:rPr>
-              <a:t>Proposed Idea 1: Escaping Local Optima in the Waddington Landscape: A Multi-Stage TRPO-PPO Approach for Single-Cell Perturbation Analysis</a:t>
+              <a:t> Idea : Escaping Local Optima in the Waddington Landscape: A Multi-Stage TRPO-PPO Approach for Single-Cell Perturbation Analysis</a:t>
             </a:r>
             <a:br>
               <a:rPr lang="en-CA" sz="2400" dirty="0">
@@ -14177,7 +12737,7 @@
 </p:sld>
 </file>
 
-<file path=ppt/slides/slide9.xml><?xml version="1.0" encoding="utf-8"?>
+<file path=ppt/slides/slide8.xml><?xml version="1.0" encoding="utf-8"?>
 <p:sld xmlns:a="http://schemas.openxmlformats.org/drawingml/2006/main" xmlns:r="http://schemas.openxmlformats.org/officeDocument/2006/relationships" xmlns:p="http://schemas.openxmlformats.org/presentationml/2006/main">
   <p:cSld>
     <p:spTree>
@@ -14210,7 +12770,12 @@
             <p:ph type="title"/>
           </p:nvPr>
         </p:nvSpPr>
-        <p:spPr/>
+        <p:spPr>
+          <a:xfrm>
+            <a:off x="719328" y="127381"/>
+            <a:ext cx="10515600" cy="1325563"/>
+          </a:xfrm>
+        </p:spPr>
         <p:txBody>
           <a:bodyPr>
             <a:normAutofit/>
@@ -14241,7 +12806,12 @@
             <p:ph idx="1"/>
           </p:nvPr>
         </p:nvSpPr>
-        <p:spPr/>
+        <p:spPr>
+          <a:xfrm>
+            <a:off x="719328" y="1350137"/>
+            <a:ext cx="10515600" cy="4351338"/>
+          </a:xfrm>
+        </p:spPr>
         <p:txBody>
           <a:bodyPr>
             <a:normAutofit/>
@@ -14252,7 +12822,7 @@
               <a:buNone/>
             </a:pPr>
             <a:r>
-              <a:rPr lang="en-US" sz="1800" dirty="0">
+              <a:rPr lang="en-US" sz="1600" dirty="0">
                 <a:latin typeface="Times New Roman" panose="02020603050405020304" pitchFamily="18" charset="0"/>
                 <a:cs typeface="Times New Roman" panose="02020603050405020304" pitchFamily="18" charset="0"/>
               </a:rPr>
@@ -14264,7 +12834,7 @@
               <a:buNone/>
             </a:pPr>
             <a:r>
-              <a:rPr lang="en-US" sz="1800" dirty="0">
+              <a:rPr lang="en-US" sz="1600" dirty="0">
                 <a:latin typeface="Times New Roman" panose="02020603050405020304" pitchFamily="18" charset="0"/>
                 <a:cs typeface="Times New Roman" panose="02020603050405020304" pitchFamily="18" charset="0"/>
               </a:rPr>
@@ -14275,7 +12845,88 @@
             <a:pPr marL="0" indent="0">
               <a:buNone/>
             </a:pPr>
-            <a:endParaRPr lang="en-US" dirty="0"/>
+            <a:r>
+              <a:rPr lang="en-US" sz="1600" dirty="0">
+                <a:latin typeface="Times New Roman" panose="02020603050405020304" pitchFamily="18" charset="0"/>
+                <a:cs typeface="Times New Roman" panose="02020603050405020304" pitchFamily="18" charset="0"/>
+              </a:rPr>
+              <a:t>Perturbation: Crisper Knockout: </a:t>
+            </a:r>
+            <a:r>
+              <a:rPr lang="en-US" sz="1600" dirty="0" err="1">
+                <a:latin typeface="Times New Roman" panose="02020603050405020304" pitchFamily="18" charset="0"/>
+                <a:cs typeface="Times New Roman" panose="02020603050405020304" pitchFamily="18" charset="0"/>
+              </a:rPr>
+              <a:t>Crisprko</a:t>
+            </a:r>
+            <a:endParaRPr lang="en-US" sz="1600" dirty="0">
+              <a:latin typeface="Times New Roman" panose="02020603050405020304" pitchFamily="18" charset="0"/>
+              <a:cs typeface="Times New Roman" panose="02020603050405020304" pitchFamily="18" charset="0"/>
+            </a:endParaRPr>
+          </a:p>
+          <a:p>
+            <a:pPr marL="0" indent="0">
+              <a:buNone/>
+            </a:pPr>
+            <a:endParaRPr lang="en-US" sz="1600" dirty="0">
+              <a:latin typeface="Times New Roman" panose="02020603050405020304" pitchFamily="18" charset="0"/>
+              <a:cs typeface="Times New Roman" panose="02020603050405020304" pitchFamily="18" charset="0"/>
+            </a:endParaRPr>
+          </a:p>
+          <a:p>
+            <a:pPr marL="0" indent="0">
+              <a:buNone/>
+            </a:pPr>
+            <a:r>
+              <a:rPr lang="en-CA" sz="1600" dirty="0" err="1">
+                <a:latin typeface="Times New Roman" panose="02020603050405020304" pitchFamily="18" charset="0"/>
+                <a:cs typeface="Times New Roman" panose="02020603050405020304" pitchFamily="18" charset="0"/>
+              </a:rPr>
+              <a:t>Unperturb</a:t>
+            </a:r>
+            <a:r>
+              <a:rPr lang="en-CA" sz="1600" dirty="0">
+                <a:latin typeface="Times New Roman" panose="02020603050405020304" pitchFamily="18" charset="0"/>
+                <a:cs typeface="Times New Roman" panose="02020603050405020304" pitchFamily="18" charset="0"/>
+              </a:rPr>
+              <a:t> data (Control Sample) –</a:t>
+            </a:r>
+            <a:r>
+              <a:rPr lang="en-CA" sz="1600" dirty="0" err="1">
+                <a:latin typeface="Times New Roman" panose="02020603050405020304" pitchFamily="18" charset="0"/>
+                <a:cs typeface="Times New Roman" panose="02020603050405020304" pitchFamily="18" charset="0"/>
+              </a:rPr>
+              <a:t>CTRL_data</a:t>
+            </a:r>
+            <a:endParaRPr lang="en-CA" sz="1600" dirty="0">
+              <a:latin typeface="Times New Roman" panose="02020603050405020304" pitchFamily="18" charset="0"/>
+              <a:cs typeface="Times New Roman" panose="02020603050405020304" pitchFamily="18" charset="0"/>
+            </a:endParaRPr>
+          </a:p>
+          <a:p>
+            <a:pPr marL="0" indent="0">
+              <a:buNone/>
+            </a:pPr>
+            <a:endParaRPr lang="en-CA" sz="1600" dirty="0">
+              <a:latin typeface="Times New Roman" panose="02020603050405020304" pitchFamily="18" charset="0"/>
+              <a:cs typeface="Times New Roman" panose="02020603050405020304" pitchFamily="18" charset="0"/>
+            </a:endParaRPr>
+          </a:p>
+          <a:p>
+            <a:pPr marL="0" indent="0">
+              <a:buNone/>
+            </a:pPr>
+            <a:r>
+              <a:rPr lang="en-CA" sz="1600" dirty="0">
+                <a:latin typeface="Times New Roman" panose="02020603050405020304" pitchFamily="18" charset="0"/>
+                <a:cs typeface="Times New Roman" panose="02020603050405020304" pitchFamily="18" charset="0"/>
+              </a:rPr>
+              <a:t>Perturb data with CRISPRKO-PTPN2 data</a:t>
+            </a:r>
+            <a:endParaRPr lang="en-US" sz="1600" dirty="0">
+              <a:latin typeface="Times New Roman" panose="02020603050405020304" pitchFamily="18" charset="0"/>
+              <a:cs typeface="Times New Roman" panose="02020603050405020304" pitchFamily="18" charset="0"/>
+            </a:endParaRPr>
           </a:p>
           <a:p>
             <a:pPr marL="0" indent="0">
@@ -14287,19 +12938,10 @@
             <a:pPr marL="0" indent="0">
               <a:buNone/>
             </a:pPr>
-            <a:endParaRPr lang="en-US" dirty="0"/>
-          </a:p>
-          <a:p>
-            <a:pPr marL="0" indent="0">
-              <a:buNone/>
-            </a:pPr>
-            <a:endParaRPr lang="en-US" dirty="0"/>
-          </a:p>
-          <a:p>
-            <a:pPr marL="0" indent="0">
-              <a:buNone/>
-            </a:pPr>
-            <a:endParaRPr lang="en-US" dirty="0"/>
+            <a:r>
+              <a:rPr lang="en-US" sz="1400" dirty="0"/>
+              <a:t>https://www.ncbi.nlm.nih.gov/geo/query/acc.cgi?acc=GSE134139</a:t>
+            </a:r>
           </a:p>
           <a:p>
             <a:pPr marL="0" indent="0">
@@ -14342,6 +12984,1030 @@
     <p:extLst>
       <p:ext uri="{BB962C8B-B14F-4D97-AF65-F5344CB8AC3E}">
         <p14:creationId xmlns:p14="http://schemas.microsoft.com/office/powerpoint/2010/main" val="3080982678"/>
+      </p:ext>
+    </p:extLst>
+  </p:cSld>
+  <p:clrMapOvr>
+    <a:masterClrMapping/>
+  </p:clrMapOvr>
+</p:sld>
+</file>
+
+<file path=ppt/slides/slide9.xml><?xml version="1.0" encoding="utf-8"?>
+<p:sld xmlns:a="http://schemas.openxmlformats.org/drawingml/2006/main" xmlns:r="http://schemas.openxmlformats.org/officeDocument/2006/relationships" xmlns:p="http://schemas.openxmlformats.org/presentationml/2006/main">
+  <p:cSld>
+    <p:spTree>
+      <p:nvGrpSpPr>
+        <p:cNvPr id="1" name=""/>
+        <p:cNvGrpSpPr/>
+        <p:nvPr/>
+      </p:nvGrpSpPr>
+      <p:grpSpPr>
+        <a:xfrm>
+          <a:off x="0" y="0"/>
+          <a:ext cx="0" cy="0"/>
+          <a:chOff x="0" y="0"/>
+          <a:chExt cx="0" cy="0"/>
+        </a:xfrm>
+      </p:grpSpPr>
+      <p:sp>
+        <p:nvSpPr>
+          <p:cNvPr id="2" name="Title 1">
+            <a:extLst>
+              <a:ext uri="{FF2B5EF4-FFF2-40B4-BE49-F238E27FC236}">
+                <a16:creationId xmlns:a16="http://schemas.microsoft.com/office/drawing/2014/main" id="{230BD0FC-6B46-23D1-7796-5F2C4025231B}"/>
+              </a:ext>
+            </a:extLst>
+          </p:cNvPr>
+          <p:cNvSpPr>
+            <a:spLocks noGrp="1"/>
+          </p:cNvSpPr>
+          <p:nvPr>
+            <p:ph type="title"/>
+          </p:nvPr>
+        </p:nvSpPr>
+        <p:spPr/>
+        <p:txBody>
+          <a:bodyPr/>
+          <a:lstStyle/>
+          <a:p>
+            <a:r>
+              <a:rPr lang="en-US" dirty="0"/>
+              <a:t>Simulated Hardware and Software for developmental biology</a:t>
+            </a:r>
+            <a:endParaRPr lang="en-CA" dirty="0"/>
+          </a:p>
+        </p:txBody>
+      </p:sp>
+      <p:sp>
+        <p:nvSpPr>
+          <p:cNvPr id="4" name="Rectangle 3">
+            <a:extLst>
+              <a:ext uri="{FF2B5EF4-FFF2-40B4-BE49-F238E27FC236}">
+                <a16:creationId xmlns:a16="http://schemas.microsoft.com/office/drawing/2014/main" id="{C82D2189-7EA5-7C37-6E9C-7BC930AAE325}"/>
+              </a:ext>
+            </a:extLst>
+          </p:cNvPr>
+          <p:cNvSpPr/>
+          <p:nvPr/>
+        </p:nvSpPr>
+        <p:spPr>
+          <a:xfrm>
+            <a:off x="3371850" y="2353469"/>
+            <a:ext cx="3971925" cy="1005448"/>
+          </a:xfrm>
+          <a:prstGeom prst="rect">
+            <a:avLst/>
+          </a:prstGeom>
+          <a:noFill/>
+          <a:ln w="38100"/>
+        </p:spPr>
+        <p:style>
+          <a:lnRef idx="2">
+            <a:schemeClr val="accent1">
+              <a:shade val="15000"/>
+            </a:schemeClr>
+          </a:lnRef>
+          <a:fillRef idx="1">
+            <a:schemeClr val="accent1"/>
+          </a:fillRef>
+          <a:effectRef idx="0">
+            <a:schemeClr val="accent1"/>
+          </a:effectRef>
+          <a:fontRef idx="minor">
+            <a:schemeClr val="lt1"/>
+          </a:fontRef>
+        </p:style>
+        <p:txBody>
+          <a:bodyPr rtlCol="0" anchor="ctr"/>
+          <a:lstStyle/>
+          <a:p>
+            <a:pPr algn="ctr"/>
+            <a:endParaRPr lang="en-CA"/>
+          </a:p>
+        </p:txBody>
+      </p:sp>
+      <p:sp>
+        <p:nvSpPr>
+          <p:cNvPr id="5" name="Rectangle 4">
+            <a:extLst>
+              <a:ext uri="{FF2B5EF4-FFF2-40B4-BE49-F238E27FC236}">
+                <a16:creationId xmlns:a16="http://schemas.microsoft.com/office/drawing/2014/main" id="{6DBF1004-C1A6-5974-38B0-CF32ACCF9402}"/>
+              </a:ext>
+            </a:extLst>
+          </p:cNvPr>
+          <p:cNvSpPr/>
+          <p:nvPr/>
+        </p:nvSpPr>
+        <p:spPr>
+          <a:xfrm>
+            <a:off x="3371850" y="4746765"/>
+            <a:ext cx="3971925" cy="1005448"/>
+          </a:xfrm>
+          <a:prstGeom prst="rect">
+            <a:avLst/>
+          </a:prstGeom>
+          <a:noFill/>
+          <a:ln w="38100"/>
+        </p:spPr>
+        <p:style>
+          <a:lnRef idx="2">
+            <a:schemeClr val="accent1">
+              <a:shade val="15000"/>
+            </a:schemeClr>
+          </a:lnRef>
+          <a:fillRef idx="1">
+            <a:schemeClr val="accent1"/>
+          </a:fillRef>
+          <a:effectRef idx="0">
+            <a:schemeClr val="accent1"/>
+          </a:effectRef>
+          <a:fontRef idx="minor">
+            <a:schemeClr val="lt1"/>
+          </a:fontRef>
+        </p:style>
+        <p:txBody>
+          <a:bodyPr rtlCol="0" anchor="ctr"/>
+          <a:lstStyle/>
+          <a:p>
+            <a:pPr algn="ctr"/>
+            <a:endParaRPr lang="en-CA"/>
+          </a:p>
+        </p:txBody>
+      </p:sp>
+      <p:sp>
+        <p:nvSpPr>
+          <p:cNvPr id="6" name="TextBox 5">
+            <a:extLst>
+              <a:ext uri="{FF2B5EF4-FFF2-40B4-BE49-F238E27FC236}">
+                <a16:creationId xmlns:a16="http://schemas.microsoft.com/office/drawing/2014/main" id="{054ACAFB-1941-0BF3-1B5D-40F8F99B4AE0}"/>
+              </a:ext>
+            </a:extLst>
+          </p:cNvPr>
+          <p:cNvSpPr txBox="1"/>
+          <p:nvPr/>
+        </p:nvSpPr>
+        <p:spPr>
+          <a:xfrm>
+            <a:off x="3523118" y="2435588"/>
+            <a:ext cx="3759747" cy="923330"/>
+          </a:xfrm>
+          <a:prstGeom prst="rect">
+            <a:avLst/>
+          </a:prstGeom>
+          <a:noFill/>
+        </p:spPr>
+        <p:txBody>
+          <a:bodyPr wrap="none" rtlCol="0">
+            <a:spAutoFit/>
+          </a:bodyPr>
+          <a:lstStyle/>
+          <a:p>
+            <a:r>
+              <a:rPr lang="en-US" dirty="0"/>
+              <a:t>Simulated Trajectories with Model</a:t>
+            </a:r>
+          </a:p>
+          <a:p>
+            <a:r>
+              <a:rPr lang="en-US" dirty="0"/>
+              <a:t>Free Reinforcement Learning for multi</a:t>
+            </a:r>
+          </a:p>
+          <a:p>
+            <a:r>
+              <a:rPr lang="en-US" dirty="0"/>
+              <a:t>dynamics</a:t>
+            </a:r>
+            <a:endParaRPr lang="en-CA" dirty="0"/>
+          </a:p>
+        </p:txBody>
+      </p:sp>
+      <p:sp>
+        <p:nvSpPr>
+          <p:cNvPr id="7" name="TextBox 6">
+            <a:extLst>
+              <a:ext uri="{FF2B5EF4-FFF2-40B4-BE49-F238E27FC236}">
+                <a16:creationId xmlns:a16="http://schemas.microsoft.com/office/drawing/2014/main" id="{0457194C-FB31-1E1C-BAAC-B2F96D3BCF5D}"/>
+              </a:ext>
+            </a:extLst>
+          </p:cNvPr>
+          <p:cNvSpPr txBox="1"/>
+          <p:nvPr/>
+        </p:nvSpPr>
+        <p:spPr>
+          <a:xfrm>
+            <a:off x="3459214" y="4755356"/>
+            <a:ext cx="3961534" cy="1200329"/>
+          </a:xfrm>
+          <a:prstGeom prst="rect">
+            <a:avLst/>
+          </a:prstGeom>
+          <a:noFill/>
+        </p:spPr>
+        <p:txBody>
+          <a:bodyPr wrap="none" rtlCol="0">
+            <a:spAutoFit/>
+          </a:bodyPr>
+          <a:lstStyle/>
+          <a:p>
+            <a:r>
+              <a:rPr lang="en-US" dirty="0"/>
+              <a:t>Experimental Trajectories with Model</a:t>
+            </a:r>
+          </a:p>
+          <a:p>
+            <a:r>
+              <a:rPr lang="en-US" dirty="0"/>
+              <a:t>Based  Reinforcement Learning for multi</a:t>
+            </a:r>
+          </a:p>
+          <a:p>
+            <a:r>
+              <a:rPr lang="en-US" dirty="0"/>
+              <a:t>dynamics</a:t>
+            </a:r>
+            <a:endParaRPr lang="en-CA" dirty="0"/>
+          </a:p>
+          <a:p>
+            <a:endParaRPr lang="en-CA" dirty="0"/>
+          </a:p>
+        </p:txBody>
+      </p:sp>
+      <p:cxnSp>
+        <p:nvCxnSpPr>
+          <p:cNvPr id="9" name="Straight Arrow Connector 8">
+            <a:extLst>
+              <a:ext uri="{FF2B5EF4-FFF2-40B4-BE49-F238E27FC236}">
+                <a16:creationId xmlns:a16="http://schemas.microsoft.com/office/drawing/2014/main" id="{19AF38C3-8696-FD31-527E-DC41FD4959B7}"/>
+              </a:ext>
+            </a:extLst>
+          </p:cNvPr>
+          <p:cNvCxnSpPr/>
+          <p:nvPr/>
+        </p:nvCxnSpPr>
+        <p:spPr>
+          <a:xfrm>
+            <a:off x="2121408" y="2891631"/>
+            <a:ext cx="1250442" cy="0"/>
+          </a:xfrm>
+          <a:prstGeom prst="straightConnector1">
+            <a:avLst/>
+          </a:prstGeom>
+          <a:ln w="38100">
+            <a:tailEnd type="triangle"/>
+          </a:ln>
+        </p:spPr>
+        <p:style>
+          <a:lnRef idx="1">
+            <a:schemeClr val="accent1"/>
+          </a:lnRef>
+          <a:fillRef idx="0">
+            <a:schemeClr val="accent1"/>
+          </a:fillRef>
+          <a:effectRef idx="0">
+            <a:schemeClr val="accent1"/>
+          </a:effectRef>
+          <a:fontRef idx="minor">
+            <a:schemeClr val="tx1"/>
+          </a:fontRef>
+        </p:style>
+      </p:cxnSp>
+      <p:cxnSp>
+        <p:nvCxnSpPr>
+          <p:cNvPr id="10" name="Straight Arrow Connector 9">
+            <a:extLst>
+              <a:ext uri="{FF2B5EF4-FFF2-40B4-BE49-F238E27FC236}">
+                <a16:creationId xmlns:a16="http://schemas.microsoft.com/office/drawing/2014/main" id="{0E098B30-E28B-3F9A-C33A-34984234C365}"/>
+              </a:ext>
+            </a:extLst>
+          </p:cNvPr>
+          <p:cNvCxnSpPr/>
+          <p:nvPr/>
+        </p:nvCxnSpPr>
+        <p:spPr>
+          <a:xfrm>
+            <a:off x="2121408" y="5284311"/>
+            <a:ext cx="1250442" cy="0"/>
+          </a:xfrm>
+          <a:prstGeom prst="straightConnector1">
+            <a:avLst/>
+          </a:prstGeom>
+          <a:ln w="38100">
+            <a:tailEnd type="triangle"/>
+          </a:ln>
+        </p:spPr>
+        <p:style>
+          <a:lnRef idx="1">
+            <a:schemeClr val="accent1"/>
+          </a:lnRef>
+          <a:fillRef idx="0">
+            <a:schemeClr val="accent1"/>
+          </a:fillRef>
+          <a:effectRef idx="0">
+            <a:schemeClr val="accent1"/>
+          </a:effectRef>
+          <a:fontRef idx="minor">
+            <a:schemeClr val="tx1"/>
+          </a:fontRef>
+        </p:style>
+      </p:cxnSp>
+      <p:cxnSp>
+        <p:nvCxnSpPr>
+          <p:cNvPr id="11" name="Straight Arrow Connector 10">
+            <a:extLst>
+              <a:ext uri="{FF2B5EF4-FFF2-40B4-BE49-F238E27FC236}">
+                <a16:creationId xmlns:a16="http://schemas.microsoft.com/office/drawing/2014/main" id="{F109A4B3-276A-13F2-C203-25595A5F34FC}"/>
+              </a:ext>
+            </a:extLst>
+          </p:cNvPr>
+          <p:cNvCxnSpPr/>
+          <p:nvPr/>
+        </p:nvCxnSpPr>
+        <p:spPr>
+          <a:xfrm>
+            <a:off x="7343775" y="2832942"/>
+            <a:ext cx="1250442" cy="0"/>
+          </a:xfrm>
+          <a:prstGeom prst="straightConnector1">
+            <a:avLst/>
+          </a:prstGeom>
+          <a:ln w="38100">
+            <a:tailEnd type="triangle"/>
+          </a:ln>
+        </p:spPr>
+        <p:style>
+          <a:lnRef idx="1">
+            <a:schemeClr val="accent1"/>
+          </a:lnRef>
+          <a:fillRef idx="0">
+            <a:schemeClr val="accent1"/>
+          </a:fillRef>
+          <a:effectRef idx="0">
+            <a:schemeClr val="accent1"/>
+          </a:effectRef>
+          <a:fontRef idx="minor">
+            <a:schemeClr val="tx1"/>
+          </a:fontRef>
+        </p:style>
+      </p:cxnSp>
+      <p:cxnSp>
+        <p:nvCxnSpPr>
+          <p:cNvPr id="12" name="Straight Arrow Connector 11">
+            <a:extLst>
+              <a:ext uri="{FF2B5EF4-FFF2-40B4-BE49-F238E27FC236}">
+                <a16:creationId xmlns:a16="http://schemas.microsoft.com/office/drawing/2014/main" id="{7DC80677-9F01-BF36-85CA-C26E5F2695B1}"/>
+              </a:ext>
+            </a:extLst>
+          </p:cNvPr>
+          <p:cNvCxnSpPr/>
+          <p:nvPr/>
+        </p:nvCxnSpPr>
+        <p:spPr>
+          <a:xfrm>
+            <a:off x="7343775" y="5284311"/>
+            <a:ext cx="1250442" cy="0"/>
+          </a:xfrm>
+          <a:prstGeom prst="straightConnector1">
+            <a:avLst/>
+          </a:prstGeom>
+          <a:ln w="38100">
+            <a:tailEnd type="triangle"/>
+          </a:ln>
+        </p:spPr>
+        <p:style>
+          <a:lnRef idx="1">
+            <a:schemeClr val="accent1"/>
+          </a:lnRef>
+          <a:fillRef idx="0">
+            <a:schemeClr val="accent1"/>
+          </a:fillRef>
+          <a:effectRef idx="0">
+            <a:schemeClr val="accent1"/>
+          </a:effectRef>
+          <a:fontRef idx="minor">
+            <a:schemeClr val="tx1"/>
+          </a:fontRef>
+        </p:style>
+      </p:cxnSp>
+      <p:sp>
+        <p:nvSpPr>
+          <p:cNvPr id="13" name="TextBox 12">
+            <a:extLst>
+              <a:ext uri="{FF2B5EF4-FFF2-40B4-BE49-F238E27FC236}">
+                <a16:creationId xmlns:a16="http://schemas.microsoft.com/office/drawing/2014/main" id="{E20E23A8-ED60-4D3F-7C50-B1EEE38D5F4D}"/>
+              </a:ext>
+            </a:extLst>
+          </p:cNvPr>
+          <p:cNvSpPr txBox="1"/>
+          <p:nvPr/>
+        </p:nvSpPr>
+        <p:spPr>
+          <a:xfrm>
+            <a:off x="497053" y="2568465"/>
+            <a:ext cx="1624355" cy="646331"/>
+          </a:xfrm>
+          <a:prstGeom prst="rect">
+            <a:avLst/>
+          </a:prstGeom>
+          <a:noFill/>
+        </p:spPr>
+        <p:txBody>
+          <a:bodyPr wrap="none" rtlCol="0">
+            <a:spAutoFit/>
+          </a:bodyPr>
+          <a:lstStyle/>
+          <a:p>
+            <a:r>
+              <a:rPr lang="en-US" dirty="0" err="1"/>
+              <a:t>UnPerturb</a:t>
+            </a:r>
+            <a:r>
+              <a:rPr lang="en-US" dirty="0"/>
+              <a:t> RNA</a:t>
+            </a:r>
+          </a:p>
+          <a:p>
+            <a:r>
+              <a:rPr lang="en-US" dirty="0"/>
+              <a:t> sequence</a:t>
+            </a:r>
+            <a:endParaRPr lang="en-CA" dirty="0"/>
+          </a:p>
+        </p:txBody>
+      </p:sp>
+      <p:sp>
+        <p:nvSpPr>
+          <p:cNvPr id="14" name="TextBox 13">
+            <a:extLst>
+              <a:ext uri="{FF2B5EF4-FFF2-40B4-BE49-F238E27FC236}">
+                <a16:creationId xmlns:a16="http://schemas.microsoft.com/office/drawing/2014/main" id="{8E467C4C-5451-56B7-16FA-57D59B3C60B1}"/>
+              </a:ext>
+            </a:extLst>
+          </p:cNvPr>
+          <p:cNvSpPr txBox="1"/>
+          <p:nvPr/>
+        </p:nvSpPr>
+        <p:spPr>
+          <a:xfrm>
+            <a:off x="621780" y="4961145"/>
+            <a:ext cx="1355051" cy="646331"/>
+          </a:xfrm>
+          <a:prstGeom prst="rect">
+            <a:avLst/>
+          </a:prstGeom>
+          <a:noFill/>
+        </p:spPr>
+        <p:txBody>
+          <a:bodyPr wrap="none" rtlCol="0">
+            <a:spAutoFit/>
+          </a:bodyPr>
+          <a:lstStyle/>
+          <a:p>
+            <a:r>
+              <a:rPr lang="en-US" dirty="0"/>
+              <a:t>Perturb RNA</a:t>
+            </a:r>
+          </a:p>
+          <a:p>
+            <a:r>
+              <a:rPr lang="en-US" dirty="0"/>
+              <a:t> sequence</a:t>
+            </a:r>
+            <a:endParaRPr lang="en-CA" dirty="0"/>
+          </a:p>
+        </p:txBody>
+      </p:sp>
+      <p:sp>
+        <p:nvSpPr>
+          <p:cNvPr id="15" name="TextBox 14">
+            <a:extLst>
+              <a:ext uri="{FF2B5EF4-FFF2-40B4-BE49-F238E27FC236}">
+                <a16:creationId xmlns:a16="http://schemas.microsoft.com/office/drawing/2014/main" id="{EA97A9C0-79C3-58D6-8659-1651C70C1B2C}"/>
+              </a:ext>
+            </a:extLst>
+          </p:cNvPr>
+          <p:cNvSpPr txBox="1"/>
+          <p:nvPr/>
+        </p:nvSpPr>
+        <p:spPr>
+          <a:xfrm>
+            <a:off x="8594217" y="2591074"/>
+            <a:ext cx="1917384" cy="646331"/>
+          </a:xfrm>
+          <a:prstGeom prst="rect">
+            <a:avLst/>
+          </a:prstGeom>
+          <a:noFill/>
+        </p:spPr>
+        <p:txBody>
+          <a:bodyPr wrap="none" rtlCol="0">
+            <a:spAutoFit/>
+          </a:bodyPr>
+          <a:lstStyle/>
+          <a:p>
+            <a:r>
+              <a:rPr lang="en-US" dirty="0"/>
+              <a:t>Saved Simulated</a:t>
+            </a:r>
+          </a:p>
+          <a:p>
+            <a:r>
+              <a:rPr lang="en-US" dirty="0"/>
+              <a:t> Evolved Dynamics</a:t>
+            </a:r>
+            <a:endParaRPr lang="en-CA" dirty="0"/>
+          </a:p>
+        </p:txBody>
+      </p:sp>
+      <p:sp>
+        <p:nvSpPr>
+          <p:cNvPr id="16" name="TextBox 15">
+            <a:extLst>
+              <a:ext uri="{FF2B5EF4-FFF2-40B4-BE49-F238E27FC236}">
+                <a16:creationId xmlns:a16="http://schemas.microsoft.com/office/drawing/2014/main" id="{D8334FD4-FC8B-0AA9-F328-D7F47E79203E}"/>
+              </a:ext>
+            </a:extLst>
+          </p:cNvPr>
+          <p:cNvSpPr txBox="1"/>
+          <p:nvPr/>
+        </p:nvSpPr>
+        <p:spPr>
+          <a:xfrm>
+            <a:off x="8738794" y="5021066"/>
+            <a:ext cx="2380652" cy="646331"/>
+          </a:xfrm>
+          <a:prstGeom prst="rect">
+            <a:avLst/>
+          </a:prstGeom>
+          <a:noFill/>
+        </p:spPr>
+        <p:txBody>
+          <a:bodyPr wrap="none" rtlCol="0">
+            <a:spAutoFit/>
+          </a:bodyPr>
+          <a:lstStyle/>
+          <a:p>
+            <a:r>
+              <a:rPr lang="en-US" dirty="0"/>
+              <a:t>Saved Evolved </a:t>
+            </a:r>
+          </a:p>
+          <a:p>
+            <a:r>
+              <a:rPr lang="en-US" dirty="0"/>
+              <a:t>Experimental Dynamics</a:t>
+            </a:r>
+            <a:endParaRPr lang="en-CA" dirty="0"/>
+          </a:p>
+        </p:txBody>
+      </p:sp>
+      <p:sp>
+        <p:nvSpPr>
+          <p:cNvPr id="17" name="Rectangle: Rounded Corners 16">
+            <a:extLst>
+              <a:ext uri="{FF2B5EF4-FFF2-40B4-BE49-F238E27FC236}">
+                <a16:creationId xmlns:a16="http://schemas.microsoft.com/office/drawing/2014/main" id="{60A491DA-B0A6-9C58-6C85-F531945E7899}"/>
+              </a:ext>
+            </a:extLst>
+          </p:cNvPr>
+          <p:cNvSpPr/>
+          <p:nvPr/>
+        </p:nvSpPr>
+        <p:spPr>
+          <a:xfrm>
+            <a:off x="8859242" y="3716313"/>
+            <a:ext cx="2139751" cy="852497"/>
+          </a:xfrm>
+          <a:prstGeom prst="roundRect">
+            <a:avLst/>
+          </a:prstGeom>
+          <a:noFill/>
+          <a:ln w="38100"/>
+        </p:spPr>
+        <p:style>
+          <a:lnRef idx="2">
+            <a:schemeClr val="accent1">
+              <a:shade val="15000"/>
+            </a:schemeClr>
+          </a:lnRef>
+          <a:fillRef idx="1">
+            <a:schemeClr val="accent1"/>
+          </a:fillRef>
+          <a:effectRef idx="0">
+            <a:schemeClr val="accent1"/>
+          </a:effectRef>
+          <a:fontRef idx="minor">
+            <a:schemeClr val="lt1"/>
+          </a:fontRef>
+        </p:style>
+        <p:txBody>
+          <a:bodyPr rtlCol="0" anchor="ctr"/>
+          <a:lstStyle/>
+          <a:p>
+            <a:pPr algn="ctr"/>
+            <a:endParaRPr lang="en-CA"/>
+          </a:p>
+        </p:txBody>
+      </p:sp>
+      <p:sp>
+        <p:nvSpPr>
+          <p:cNvPr id="18" name="Rectangle 17">
+            <a:extLst>
+              <a:ext uri="{FF2B5EF4-FFF2-40B4-BE49-F238E27FC236}">
+                <a16:creationId xmlns:a16="http://schemas.microsoft.com/office/drawing/2014/main" id="{8E94E4B7-A2C8-5DB9-7ADB-19939E86217D}"/>
+              </a:ext>
+            </a:extLst>
+          </p:cNvPr>
+          <p:cNvSpPr/>
+          <p:nvPr/>
+        </p:nvSpPr>
+        <p:spPr>
+          <a:xfrm>
+            <a:off x="8594217" y="2460818"/>
+            <a:ext cx="2525229" cy="852497"/>
+          </a:xfrm>
+          <a:prstGeom prst="rect">
+            <a:avLst/>
+          </a:prstGeom>
+          <a:noFill/>
+          <a:ln w="38100"/>
+        </p:spPr>
+        <p:style>
+          <a:lnRef idx="2">
+            <a:schemeClr val="accent1">
+              <a:shade val="15000"/>
+            </a:schemeClr>
+          </a:lnRef>
+          <a:fillRef idx="1">
+            <a:schemeClr val="accent1"/>
+          </a:fillRef>
+          <a:effectRef idx="0">
+            <a:schemeClr val="accent1"/>
+          </a:effectRef>
+          <a:fontRef idx="minor">
+            <a:schemeClr val="lt1"/>
+          </a:fontRef>
+        </p:style>
+        <p:txBody>
+          <a:bodyPr rtlCol="0" anchor="ctr"/>
+          <a:lstStyle/>
+          <a:p>
+            <a:pPr algn="ctr"/>
+            <a:endParaRPr lang="en-CA"/>
+          </a:p>
+        </p:txBody>
+      </p:sp>
+      <p:sp>
+        <p:nvSpPr>
+          <p:cNvPr id="19" name="Rectangle 18">
+            <a:extLst>
+              <a:ext uri="{FF2B5EF4-FFF2-40B4-BE49-F238E27FC236}">
+                <a16:creationId xmlns:a16="http://schemas.microsoft.com/office/drawing/2014/main" id="{05E3E047-D111-3323-629F-64D072F3CA4A}"/>
+              </a:ext>
+            </a:extLst>
+          </p:cNvPr>
+          <p:cNvSpPr/>
+          <p:nvPr/>
+        </p:nvSpPr>
+        <p:spPr>
+          <a:xfrm>
+            <a:off x="8594217" y="4858061"/>
+            <a:ext cx="2525229" cy="852497"/>
+          </a:xfrm>
+          <a:prstGeom prst="rect">
+            <a:avLst/>
+          </a:prstGeom>
+          <a:noFill/>
+          <a:ln w="38100"/>
+        </p:spPr>
+        <p:style>
+          <a:lnRef idx="2">
+            <a:schemeClr val="accent1">
+              <a:shade val="15000"/>
+            </a:schemeClr>
+          </a:lnRef>
+          <a:fillRef idx="1">
+            <a:schemeClr val="accent1"/>
+          </a:fillRef>
+          <a:effectRef idx="0">
+            <a:schemeClr val="accent1"/>
+          </a:effectRef>
+          <a:fontRef idx="minor">
+            <a:schemeClr val="lt1"/>
+          </a:fontRef>
+        </p:style>
+        <p:txBody>
+          <a:bodyPr rtlCol="0" anchor="ctr"/>
+          <a:lstStyle/>
+          <a:p>
+            <a:pPr algn="ctr"/>
+            <a:endParaRPr lang="en-CA"/>
+          </a:p>
+        </p:txBody>
+      </p:sp>
+      <p:cxnSp>
+        <p:nvCxnSpPr>
+          <p:cNvPr id="20" name="Straight Arrow Connector 19">
+            <a:extLst>
+              <a:ext uri="{FF2B5EF4-FFF2-40B4-BE49-F238E27FC236}">
+                <a16:creationId xmlns:a16="http://schemas.microsoft.com/office/drawing/2014/main" id="{DF2E8F25-CE5B-9D90-3A74-4B5CFB29BEF1}"/>
+              </a:ext>
+            </a:extLst>
+          </p:cNvPr>
+          <p:cNvCxnSpPr>
+            <a:cxnSpLocks/>
+            <a:stCxn id="18" idx="2"/>
+          </p:cNvCxnSpPr>
+          <p:nvPr/>
+        </p:nvCxnSpPr>
+        <p:spPr>
+          <a:xfrm>
+            <a:off x="9856832" y="3313315"/>
+            <a:ext cx="0" cy="359837"/>
+          </a:xfrm>
+          <a:prstGeom prst="straightConnector1">
+            <a:avLst/>
+          </a:prstGeom>
+          <a:ln w="38100">
+            <a:tailEnd type="triangle"/>
+          </a:ln>
+        </p:spPr>
+        <p:style>
+          <a:lnRef idx="1">
+            <a:schemeClr val="accent1"/>
+          </a:lnRef>
+          <a:fillRef idx="0">
+            <a:schemeClr val="accent1"/>
+          </a:fillRef>
+          <a:effectRef idx="0">
+            <a:schemeClr val="accent1"/>
+          </a:effectRef>
+          <a:fontRef idx="minor">
+            <a:schemeClr val="tx1"/>
+          </a:fontRef>
+        </p:style>
+      </p:cxnSp>
+      <p:cxnSp>
+        <p:nvCxnSpPr>
+          <p:cNvPr id="24" name="Straight Arrow Connector 23">
+            <a:extLst>
+              <a:ext uri="{FF2B5EF4-FFF2-40B4-BE49-F238E27FC236}">
+                <a16:creationId xmlns:a16="http://schemas.microsoft.com/office/drawing/2014/main" id="{38F22ED7-CA66-60D1-B560-17F696237F94}"/>
+              </a:ext>
+            </a:extLst>
+          </p:cNvPr>
+          <p:cNvCxnSpPr>
+            <a:cxnSpLocks/>
+            <a:endCxn id="17" idx="2"/>
+          </p:cNvCxnSpPr>
+          <p:nvPr/>
+        </p:nvCxnSpPr>
+        <p:spPr>
+          <a:xfrm flipH="1" flipV="1">
+            <a:off x="9929118" y="4568810"/>
+            <a:ext cx="2" cy="286050"/>
+          </a:xfrm>
+          <a:prstGeom prst="straightConnector1">
+            <a:avLst/>
+          </a:prstGeom>
+          <a:ln w="38100">
+            <a:tailEnd type="triangle"/>
+          </a:ln>
+        </p:spPr>
+        <p:style>
+          <a:lnRef idx="1">
+            <a:schemeClr val="accent1"/>
+          </a:lnRef>
+          <a:fillRef idx="0">
+            <a:schemeClr val="accent1"/>
+          </a:fillRef>
+          <a:effectRef idx="0">
+            <a:schemeClr val="accent1"/>
+          </a:effectRef>
+          <a:fontRef idx="minor">
+            <a:schemeClr val="tx1"/>
+          </a:fontRef>
+        </p:style>
+      </p:cxnSp>
+      <p:sp>
+        <p:nvSpPr>
+          <p:cNvPr id="26" name="TextBox 25">
+            <a:extLst>
+              <a:ext uri="{FF2B5EF4-FFF2-40B4-BE49-F238E27FC236}">
+                <a16:creationId xmlns:a16="http://schemas.microsoft.com/office/drawing/2014/main" id="{54D8AF69-61AA-094B-D867-B54B822402F5}"/>
+              </a:ext>
+            </a:extLst>
+          </p:cNvPr>
+          <p:cNvSpPr txBox="1"/>
+          <p:nvPr/>
+        </p:nvSpPr>
+        <p:spPr>
+          <a:xfrm>
+            <a:off x="8859243" y="3799004"/>
+            <a:ext cx="2139753" cy="646331"/>
+          </a:xfrm>
+          <a:prstGeom prst="rect">
+            <a:avLst/>
+          </a:prstGeom>
+          <a:noFill/>
+        </p:spPr>
+        <p:txBody>
+          <a:bodyPr wrap="none" rtlCol="0">
+            <a:spAutoFit/>
+          </a:bodyPr>
+          <a:lstStyle/>
+          <a:p>
+            <a:r>
+              <a:rPr lang="en-US" dirty="0"/>
+              <a:t>Align the trajectories</a:t>
+            </a:r>
+          </a:p>
+          <a:p>
+            <a:r>
+              <a:rPr lang="en-US" dirty="0"/>
+              <a:t> and compare</a:t>
+            </a:r>
+            <a:endParaRPr lang="en-CA" dirty="0"/>
+          </a:p>
+        </p:txBody>
+      </p:sp>
+      <p:sp>
+        <p:nvSpPr>
+          <p:cNvPr id="32" name="Rectangle 31">
+            <a:extLst>
+              <a:ext uri="{FF2B5EF4-FFF2-40B4-BE49-F238E27FC236}">
+                <a16:creationId xmlns:a16="http://schemas.microsoft.com/office/drawing/2014/main" id="{D345548A-CF2B-6E4B-9029-7C1F0E7FDCC7}"/>
+              </a:ext>
+            </a:extLst>
+          </p:cNvPr>
+          <p:cNvSpPr/>
+          <p:nvPr/>
+        </p:nvSpPr>
+        <p:spPr>
+          <a:xfrm>
+            <a:off x="497053" y="2435588"/>
+            <a:ext cx="1624355" cy="801810"/>
+          </a:xfrm>
+          <a:prstGeom prst="rect">
+            <a:avLst/>
+          </a:prstGeom>
+          <a:noFill/>
+          <a:ln>
+            <a:prstDash val="dash"/>
+          </a:ln>
+        </p:spPr>
+        <p:style>
+          <a:lnRef idx="2">
+            <a:schemeClr val="accent1">
+              <a:shade val="15000"/>
+            </a:schemeClr>
+          </a:lnRef>
+          <a:fillRef idx="1">
+            <a:schemeClr val="accent1"/>
+          </a:fillRef>
+          <a:effectRef idx="0">
+            <a:schemeClr val="accent1"/>
+          </a:effectRef>
+          <a:fontRef idx="minor">
+            <a:schemeClr val="lt1"/>
+          </a:fontRef>
+        </p:style>
+        <p:txBody>
+          <a:bodyPr rtlCol="0" anchor="ctr"/>
+          <a:lstStyle/>
+          <a:p>
+            <a:pPr algn="ctr"/>
+            <a:endParaRPr lang="en-CA"/>
+          </a:p>
+        </p:txBody>
+      </p:sp>
+      <p:sp>
+        <p:nvSpPr>
+          <p:cNvPr id="33" name="Rectangle 32">
+            <a:extLst>
+              <a:ext uri="{FF2B5EF4-FFF2-40B4-BE49-F238E27FC236}">
+                <a16:creationId xmlns:a16="http://schemas.microsoft.com/office/drawing/2014/main" id="{C6DD0DCA-2D7B-270A-BB92-EDA2766A32EB}"/>
+              </a:ext>
+            </a:extLst>
+          </p:cNvPr>
+          <p:cNvSpPr/>
+          <p:nvPr/>
+        </p:nvSpPr>
+        <p:spPr>
+          <a:xfrm>
+            <a:off x="453371" y="4848584"/>
+            <a:ext cx="1624355" cy="801810"/>
+          </a:xfrm>
+          <a:prstGeom prst="rect">
+            <a:avLst/>
+          </a:prstGeom>
+          <a:noFill/>
+          <a:ln>
+            <a:prstDash val="dash"/>
+          </a:ln>
+        </p:spPr>
+        <p:style>
+          <a:lnRef idx="2">
+            <a:schemeClr val="accent1">
+              <a:shade val="15000"/>
+            </a:schemeClr>
+          </a:lnRef>
+          <a:fillRef idx="1">
+            <a:schemeClr val="accent1"/>
+          </a:fillRef>
+          <a:effectRef idx="0">
+            <a:schemeClr val="accent1"/>
+          </a:effectRef>
+          <a:fontRef idx="minor">
+            <a:schemeClr val="lt1"/>
+          </a:fontRef>
+        </p:style>
+        <p:txBody>
+          <a:bodyPr rtlCol="0" anchor="ctr"/>
+          <a:lstStyle/>
+          <a:p>
+            <a:pPr algn="ctr"/>
+            <a:endParaRPr lang="en-CA"/>
+          </a:p>
+        </p:txBody>
+      </p:sp>
+      <p:sp>
+        <p:nvSpPr>
+          <p:cNvPr id="34" name="TextBox 33">
+            <a:extLst>
+              <a:ext uri="{FF2B5EF4-FFF2-40B4-BE49-F238E27FC236}">
+                <a16:creationId xmlns:a16="http://schemas.microsoft.com/office/drawing/2014/main" id="{FABA5E9A-B6F0-4631-5303-F6C95FE8DF5B}"/>
+              </a:ext>
+            </a:extLst>
+          </p:cNvPr>
+          <p:cNvSpPr txBox="1"/>
+          <p:nvPr/>
+        </p:nvSpPr>
+        <p:spPr>
+          <a:xfrm>
+            <a:off x="3834226" y="4358627"/>
+            <a:ext cx="2137124" cy="369332"/>
+          </a:xfrm>
+          <a:prstGeom prst="rect">
+            <a:avLst/>
+          </a:prstGeom>
+          <a:noFill/>
+        </p:spPr>
+        <p:txBody>
+          <a:bodyPr wrap="none" rtlCol="0">
+            <a:spAutoFit/>
+          </a:bodyPr>
+          <a:lstStyle/>
+          <a:p>
+            <a:r>
+              <a:rPr lang="en-US" b="1" dirty="0"/>
+              <a:t>Simulated Hardware</a:t>
+            </a:r>
+            <a:endParaRPr lang="en-CA" b="1" dirty="0"/>
+          </a:p>
+        </p:txBody>
+      </p:sp>
+      <p:sp>
+        <p:nvSpPr>
+          <p:cNvPr id="35" name="TextBox 34">
+            <a:extLst>
+              <a:ext uri="{FF2B5EF4-FFF2-40B4-BE49-F238E27FC236}">
+                <a16:creationId xmlns:a16="http://schemas.microsoft.com/office/drawing/2014/main" id="{FE18A0EC-8E9F-3EAF-B9B4-4D979E625C51}"/>
+              </a:ext>
+            </a:extLst>
+          </p:cNvPr>
+          <p:cNvSpPr txBox="1"/>
+          <p:nvPr/>
+        </p:nvSpPr>
+        <p:spPr>
+          <a:xfrm>
+            <a:off x="4041490" y="1943078"/>
+            <a:ext cx="2061398" cy="369332"/>
+          </a:xfrm>
+          <a:prstGeom prst="rect">
+            <a:avLst/>
+          </a:prstGeom>
+          <a:noFill/>
+        </p:spPr>
+        <p:txBody>
+          <a:bodyPr wrap="none" rtlCol="0">
+            <a:spAutoFit/>
+          </a:bodyPr>
+          <a:lstStyle/>
+          <a:p>
+            <a:r>
+              <a:rPr lang="en-US" b="1" dirty="0"/>
+              <a:t>Simulated Software</a:t>
+            </a:r>
+            <a:endParaRPr lang="en-CA" b="1" dirty="0"/>
+          </a:p>
+        </p:txBody>
+      </p:sp>
+    </p:spTree>
+    <p:extLst>
+      <p:ext uri="{BB962C8B-B14F-4D97-AF65-F5344CB8AC3E}">
+        <p14:creationId xmlns:p14="http://schemas.microsoft.com/office/powerpoint/2010/main" val="1159057244"/>
       </p:ext>
     </p:extLst>
   </p:cSld>

--- a/ppt slides for omic codeathon (1).pptx
+++ b/ppt slides for omic codeathon (1).pptx
@@ -9513,7 +9513,7 @@
         </p:nvSpPr>
         <p:spPr>
           <a:xfrm>
-            <a:off x="1524000" y="868362"/>
+            <a:off x="1524000" y="406400"/>
             <a:ext cx="9942576" cy="2387600"/>
           </a:xfrm>
         </p:spPr>
@@ -9554,57 +9554,6 @@
               <a:latin typeface="Times New Roman" panose="02020603050405020304" pitchFamily="18" charset="0"/>
               <a:cs typeface="Times New Roman" panose="02020603050405020304" pitchFamily="18" charset="0"/>
             </a:endParaRPr>
-          </a:p>
-        </p:txBody>
-      </p:sp>
-      <p:sp>
-        <p:nvSpPr>
-          <p:cNvPr id="3" name="Subtitle 2">
-            <a:extLst>
-              <a:ext uri="{FF2B5EF4-FFF2-40B4-BE49-F238E27FC236}">
-                <a16:creationId xmlns:a16="http://schemas.microsoft.com/office/drawing/2014/main" id="{59E30310-84A1-E499-89E2-05B3CB5EB181}"/>
-              </a:ext>
-            </a:extLst>
-          </p:cNvPr>
-          <p:cNvSpPr>
-            <a:spLocks noGrp="1"/>
-          </p:cNvSpPr>
-          <p:nvPr>
-            <p:ph type="subTitle" idx="1"/>
-          </p:nvPr>
-        </p:nvSpPr>
-        <p:spPr>
-          <a:xfrm>
-            <a:off x="732046" y="3429000"/>
-            <a:ext cx="10418064" cy="1655762"/>
-          </a:xfrm>
-        </p:spPr>
-        <p:txBody>
-          <a:bodyPr>
-            <a:normAutofit fontScale="92500" lnSpcReduction="20000"/>
-          </a:bodyPr>
-          <a:lstStyle/>
-          <a:p>
-            <a:r>
-              <a:rPr lang="en-US" dirty="0"/>
-              <a:t>Francis Boabang</a:t>
-            </a:r>
-          </a:p>
-          <a:p>
-            <a:endParaRPr lang="en-US" dirty="0"/>
-          </a:p>
-          <a:p>
-            <a:r>
-              <a:rPr lang="en-US" dirty="0"/>
-              <a:t>Sponsor: </a:t>
-            </a:r>
-            <a:r>
-              <a:rPr lang="en-CA" u="sng" dirty="0">
-                <a:hlinkClick r:id="rId2"/>
-              </a:rPr>
-              <a:t>https://docs.google.com/forms/d/e/1FAIpQLSfmWvIxuE7JR4T7kwfWA_HIt0GUQ_czqVlK2zeeio5tzBmmvw/viewform?pli=1</a:t>
-            </a:r>
-            <a:endParaRPr lang="en-CA" dirty="0"/>
           </a:p>
         </p:txBody>
       </p:sp>
@@ -9623,7 +9572,7 @@
           <p:nvPr/>
         </p:nvPicPr>
         <p:blipFill>
-          <a:blip r:embed="rId3">
+          <a:blip r:embed="rId2">
             <a:extLst>
               <a:ext uri="{28A0092B-C50C-407E-A947-70E740481C1C}">
                 <a14:useLocalDpi xmlns:a14="http://schemas.microsoft.com/office/drawing/2010/main" val="0"/>
@@ -9637,8 +9586,8 @@
         </p:blipFill>
         <p:spPr bwMode="auto">
           <a:xfrm>
-            <a:off x="732046" y="4892738"/>
-            <a:ext cx="2140862" cy="1773238"/>
+            <a:off x="443330" y="3846966"/>
+            <a:ext cx="2906950" cy="2407775"/>
           </a:xfrm>
           <a:prstGeom prst="rect">
             <a:avLst/>
@@ -9670,7 +9619,7 @@
           <p:nvPr/>
         </p:nvPicPr>
         <p:blipFill>
-          <a:blip r:embed="rId4">
+          <a:blip r:embed="rId3">
             <a:extLst>
               <a:ext uri="{28A0092B-C50C-407E-A947-70E740481C1C}">
                 <a14:useLocalDpi xmlns:a14="http://schemas.microsoft.com/office/drawing/2010/main" val="0"/>
@@ -9684,8 +9633,8 @@
         </p:blipFill>
         <p:spPr bwMode="auto">
           <a:xfrm>
-            <a:off x="8448008" y="4988750"/>
-            <a:ext cx="2015778" cy="1773238"/>
+            <a:off x="8503920" y="4043825"/>
+            <a:ext cx="2737106" cy="2407775"/>
           </a:xfrm>
           <a:prstGeom prst="rect">
             <a:avLst/>
@@ -9702,6 +9651,40 @@
           </a:extLst>
         </p:spPr>
       </p:pic>
+      <p:sp>
+        <p:nvSpPr>
+          <p:cNvPr id="5" name="Subtitle 4">
+            <a:extLst>
+              <a:ext uri="{FF2B5EF4-FFF2-40B4-BE49-F238E27FC236}">
+                <a16:creationId xmlns:a16="http://schemas.microsoft.com/office/drawing/2014/main" id="{C5513740-481B-8D15-CBA5-845D32332D49}"/>
+              </a:ext>
+            </a:extLst>
+          </p:cNvPr>
+          <p:cNvSpPr>
+            <a:spLocks noGrp="1"/>
+          </p:cNvSpPr>
+          <p:nvPr>
+            <p:ph type="subTitle" idx="1"/>
+          </p:nvPr>
+        </p:nvSpPr>
+        <p:spPr>
+          <a:xfrm>
+            <a:off x="1450848" y="3153982"/>
+            <a:ext cx="9144000" cy="1655762"/>
+          </a:xfrm>
+        </p:spPr>
+        <p:txBody>
+          <a:bodyPr/>
+          <a:lstStyle/>
+          <a:p>
+            <a:r>
+              <a:rPr lang="en-US" dirty="0"/>
+              <a:t>Francis Boabang</a:t>
+            </a:r>
+            <a:endParaRPr lang="en-CA" dirty="0"/>
+          </a:p>
+        </p:txBody>
+      </p:sp>
     </p:spTree>
     <p:extLst>
       <p:ext uri="{BB962C8B-B14F-4D97-AF65-F5344CB8AC3E}">
@@ -12814,7 +12797,7 @@
         </p:spPr>
         <p:txBody>
           <a:bodyPr>
-            <a:normAutofit/>
+            <a:normAutofit fontScale="92500" lnSpcReduction="10000"/>
           </a:bodyPr>
           <a:lstStyle/>
           <a:p>
@@ -12939,9 +12922,30 @@
               <a:buNone/>
             </a:pPr>
             <a:r>
-              <a:rPr lang="en-US" sz="1400" dirty="0"/>
+              <a:rPr lang="en-US" sz="1400" dirty="0">
+                <a:hlinkClick r:id="rId2"/>
+              </a:rPr>
               <a:t>https://www.ncbi.nlm.nih.gov/geo/query/acc.cgi?acc=GSE134139</a:t>
             </a:r>
+            <a:endParaRPr lang="en-US" sz="1400" dirty="0"/>
+          </a:p>
+          <a:p>
+            <a:pPr marL="0" indent="0">
+              <a:buNone/>
+            </a:pPr>
+            <a:endParaRPr lang="en-US" sz="1400" dirty="0"/>
+          </a:p>
+          <a:p>
+            <a:pPr marL="0" indent="0">
+              <a:buNone/>
+            </a:pPr>
+            <a:r>
+              <a:rPr lang="en-CA" sz="1500" u="sng" dirty="0">
+                <a:hlinkClick r:id="rId3"/>
+              </a:rPr>
+              <a:t>https://drive.google.com/drive/folders/1AAI4KU9G-UHoKo72Ne6iGAaCgFPADIW3?usp=drive_link</a:t>
+            </a:r>
+            <a:endParaRPr lang="en-US" sz="1500" dirty="0"/>
           </a:p>
           <a:p>
             <a:pPr marL="0" indent="0">
@@ -13033,7 +13037,7 @@
           <a:p>
             <a:r>
               <a:rPr lang="en-US" dirty="0"/>
-              <a:t>Simulated Hardware and Software for developmental biology</a:t>
+              <a:t>Simulated Hardware and Software for Gene Perturbation Analysis</a:t>
             </a:r>
             <a:endParaRPr lang="en-CA" dirty="0"/>
           </a:p>
@@ -13404,8 +13408,8 @@
         </p:nvSpPr>
         <p:spPr>
           <a:xfrm>
-            <a:off x="497053" y="2568465"/>
-            <a:ext cx="1624355" cy="646331"/>
+            <a:off x="473537" y="2394528"/>
+            <a:ext cx="1762598" cy="923330"/>
           </a:xfrm>
           <a:prstGeom prst="rect">
             <a:avLst/>
@@ -13430,7 +13434,13 @@
           <a:p>
             <a:r>
               <a:rPr lang="en-US" dirty="0"/>
-              <a:t> sequence</a:t>
+              <a:t> Sequence</a:t>
+            </a:r>
+          </a:p>
+          <a:p>
+            <a:r>
+              <a:rPr lang="en-US" dirty="0"/>
+              <a:t>(Control Sample)</a:t>
             </a:r>
             <a:endParaRPr lang="en-CA" dirty="0"/>
           </a:p>
@@ -13472,7 +13482,7 @@
           <a:p>
             <a:r>
               <a:rPr lang="en-US" dirty="0"/>
-              <a:t> sequence</a:t>
+              <a:t> Sequence</a:t>
             </a:r>
             <a:endParaRPr lang="en-CA" dirty="0"/>
           </a:p>
@@ -13576,8 +13586,8 @@
         </p:nvSpPr>
         <p:spPr>
           <a:xfrm>
-            <a:off x="8859242" y="3716313"/>
-            <a:ext cx="2139751" cy="852497"/>
+            <a:off x="8594217" y="3716314"/>
+            <a:ext cx="2671185" cy="642314"/>
           </a:xfrm>
           <a:prstGeom prst="roundRect">
             <a:avLst/>
@@ -13764,9 +13774,9 @@
           <p:nvPr/>
         </p:nvCxnSpPr>
         <p:spPr>
-          <a:xfrm flipH="1" flipV="1">
-            <a:off x="9929118" y="4568810"/>
-            <a:ext cx="2" cy="286050"/>
+          <a:xfrm flipV="1">
+            <a:off x="9929120" y="4358628"/>
+            <a:ext cx="690" cy="496232"/>
           </a:xfrm>
           <a:prstGeom prst="straightConnector1">
             <a:avLst/>
@@ -13804,8 +13814,8 @@
         </p:nvSpPr>
         <p:spPr>
           <a:xfrm>
-            <a:off x="8859243" y="3799004"/>
-            <a:ext cx="2139753" cy="646331"/>
+            <a:off x="8738794" y="3762055"/>
+            <a:ext cx="2671184" cy="923330"/>
           </a:xfrm>
           <a:prstGeom prst="rect">
             <a:avLst/>
@@ -13813,21 +13823,27 @@
           <a:noFill/>
         </p:spPr>
         <p:txBody>
-          <a:bodyPr wrap="none" rtlCol="0">
+          <a:bodyPr wrap="square" rtlCol="0">
             <a:spAutoFit/>
           </a:bodyPr>
           <a:lstStyle/>
           <a:p>
             <a:r>
               <a:rPr lang="en-US" dirty="0"/>
-              <a:t>Align the trajectories</a:t>
+              <a:t>Align the Trajectories</a:t>
             </a:r>
           </a:p>
           <a:p>
             <a:r>
               <a:rPr lang="en-US" dirty="0"/>
-              <a:t> and compare</a:t>
-            </a:r>
+              <a:t> and Compare </a:t>
+            </a:r>
+            <a:r>
+              <a:rPr lang="en-CA" dirty="0"/>
+              <a:t>Similarity</a:t>
+            </a:r>
+          </a:p>
+          <a:p>
             <a:endParaRPr lang="en-CA" dirty="0"/>
           </a:p>
         </p:txBody>
@@ -14001,6 +14017,106 @@
               <a:t>Simulated Software</a:t>
             </a:r>
             <a:endParaRPr lang="en-CA" b="1" dirty="0"/>
+          </a:p>
+        </p:txBody>
+      </p:sp>
+      <p:sp>
+        <p:nvSpPr>
+          <p:cNvPr id="38" name="Rectangle: Rounded Corners 37">
+            <a:extLst>
+              <a:ext uri="{FF2B5EF4-FFF2-40B4-BE49-F238E27FC236}">
+                <a16:creationId xmlns:a16="http://schemas.microsoft.com/office/drawing/2014/main" id="{6B042967-54A7-99A8-DF6F-9ACE852C6A80}"/>
+              </a:ext>
+            </a:extLst>
+          </p:cNvPr>
+          <p:cNvSpPr/>
+          <p:nvPr/>
+        </p:nvSpPr>
+        <p:spPr>
+          <a:xfrm>
+            <a:off x="201168" y="1939877"/>
+            <a:ext cx="11152628" cy="1603759"/>
+          </a:xfrm>
+          <a:prstGeom prst="roundRect">
+            <a:avLst/>
+          </a:prstGeom>
+          <a:noFill/>
+          <a:ln>
+            <a:prstDash val="dash"/>
+          </a:ln>
+        </p:spPr>
+        <p:style>
+          <a:lnRef idx="2">
+            <a:schemeClr val="accent1">
+              <a:shade val="15000"/>
+            </a:schemeClr>
+          </a:lnRef>
+          <a:fillRef idx="1">
+            <a:schemeClr val="accent1"/>
+          </a:fillRef>
+          <a:effectRef idx="0">
+            <a:schemeClr val="accent1"/>
+          </a:effectRef>
+          <a:fontRef idx="minor">
+            <a:schemeClr val="lt1"/>
+          </a:fontRef>
+        </p:style>
+        <p:txBody>
+          <a:bodyPr rtlCol="0" anchor="ctr"/>
+          <a:lstStyle/>
+          <a:p>
+            <a:pPr algn="ctr"/>
+            <a:endParaRPr lang="en-CA"/>
+          </a:p>
+        </p:txBody>
+      </p:sp>
+      <p:sp>
+        <p:nvSpPr>
+          <p:cNvPr id="39" name="Rectangle: Rounded Corners 38">
+            <a:extLst>
+              <a:ext uri="{FF2B5EF4-FFF2-40B4-BE49-F238E27FC236}">
+                <a16:creationId xmlns:a16="http://schemas.microsoft.com/office/drawing/2014/main" id="{98D2F60B-3919-F5B0-48DC-7ED88BB20676}"/>
+              </a:ext>
+            </a:extLst>
+          </p:cNvPr>
+          <p:cNvSpPr/>
+          <p:nvPr/>
+        </p:nvSpPr>
+        <p:spPr>
+          <a:xfrm>
+            <a:off x="25146" y="4436701"/>
+            <a:ext cx="11152628" cy="1603759"/>
+          </a:xfrm>
+          <a:prstGeom prst="roundRect">
+            <a:avLst/>
+          </a:prstGeom>
+          <a:noFill/>
+          <a:ln>
+            <a:prstDash val="dash"/>
+          </a:ln>
+        </p:spPr>
+        <p:style>
+          <a:lnRef idx="2">
+            <a:schemeClr val="accent1">
+              <a:shade val="15000"/>
+            </a:schemeClr>
+          </a:lnRef>
+          <a:fillRef idx="1">
+            <a:schemeClr val="accent1"/>
+          </a:fillRef>
+          <a:effectRef idx="0">
+            <a:schemeClr val="accent1"/>
+          </a:effectRef>
+          <a:fontRef idx="minor">
+            <a:schemeClr val="lt1"/>
+          </a:fontRef>
+        </p:style>
+        <p:txBody>
+          <a:bodyPr rtlCol="0" anchor="ctr"/>
+          <a:lstStyle/>
+          <a:p>
+            <a:pPr algn="ctr"/>
+            <a:endParaRPr lang="en-CA"/>
           </a:p>
         </p:txBody>
       </p:sp>

--- a/ppt slides for omic codeathon (1).pptx
+++ b/ppt slides for omic codeathon (1).pptx
@@ -5,7 +5,7 @@
     <p:sldMasterId id="2147483660" r:id="rId1"/>
   </p:sldMasterIdLst>
   <p:notesMasterIdLst>
-    <p:notesMasterId r:id="rId16"/>
+    <p:notesMasterId r:id="rId15"/>
   </p:notesMasterIdLst>
   <p:sldIdLst>
     <p:sldId id="256" r:id="rId2"/>
@@ -14,14 +14,13 @@
     <p:sldId id="257" r:id="rId5"/>
     <p:sldId id="267" r:id="rId6"/>
     <p:sldId id="263" r:id="rId7"/>
-    <p:sldId id="265" r:id="rId8"/>
+    <p:sldId id="268" r:id="rId8"/>
     <p:sldId id="269" r:id="rId9"/>
-    <p:sldId id="268" r:id="rId10"/>
-    <p:sldId id="270" r:id="rId11"/>
-    <p:sldId id="271" r:id="rId12"/>
-    <p:sldId id="272" r:id="rId13"/>
-    <p:sldId id="273" r:id="rId14"/>
-    <p:sldId id="259" r:id="rId15"/>
+    <p:sldId id="270" r:id="rId10"/>
+    <p:sldId id="271" r:id="rId11"/>
+    <p:sldId id="274" r:id="rId12"/>
+    <p:sldId id="273" r:id="rId13"/>
+    <p:sldId id="259" r:id="rId14"/>
   </p:sldIdLst>
   <p:sldSz cx="12192000" cy="6858000"/>
   <p:notesSz cx="6858000" cy="9144000"/>
@@ -6366,7 +6365,7 @@
           <a:p>
             <a:fld id="{1BA98A8E-17BA-4637-BE34-16BBE5AD305E}" type="datetimeFigureOut">
               <a:rPr lang="en-CA" smtClean="0"/>
-              <a:t>2025-11-20</a:t>
+              <a:t>2025-11-21</a:t>
             </a:fld>
             <a:endParaRPr lang="en-CA"/>
           </a:p>
@@ -6765,7 +6764,7 @@
           <a:p>
             <a:fld id="{16A6DBE6-5F48-46C6-8054-E594AA8CC26E}" type="datetimeFigureOut">
               <a:rPr lang="en-CA" smtClean="0"/>
-              <a:t>2025-11-20</a:t>
+              <a:t>2025-11-21</a:t>
             </a:fld>
             <a:endParaRPr lang="en-CA"/>
           </a:p>
@@ -6935,7 +6934,7 @@
           <a:p>
             <a:fld id="{16A6DBE6-5F48-46C6-8054-E594AA8CC26E}" type="datetimeFigureOut">
               <a:rPr lang="en-CA" smtClean="0"/>
-              <a:t>2025-11-20</a:t>
+              <a:t>2025-11-21</a:t>
             </a:fld>
             <a:endParaRPr lang="en-CA"/>
           </a:p>
@@ -7115,7 +7114,7 @@
           <a:p>
             <a:fld id="{16A6DBE6-5F48-46C6-8054-E594AA8CC26E}" type="datetimeFigureOut">
               <a:rPr lang="en-CA" smtClean="0"/>
-              <a:t>2025-11-20</a:t>
+              <a:t>2025-11-21</a:t>
             </a:fld>
             <a:endParaRPr lang="en-CA"/>
           </a:p>
@@ -7285,7 +7284,7 @@
           <a:p>
             <a:fld id="{16A6DBE6-5F48-46C6-8054-E594AA8CC26E}" type="datetimeFigureOut">
               <a:rPr lang="en-CA" smtClean="0"/>
-              <a:t>2025-11-20</a:t>
+              <a:t>2025-11-21</a:t>
             </a:fld>
             <a:endParaRPr lang="en-CA"/>
           </a:p>
@@ -7531,7 +7530,7 @@
           <a:p>
             <a:fld id="{16A6DBE6-5F48-46C6-8054-E594AA8CC26E}" type="datetimeFigureOut">
               <a:rPr lang="en-CA" smtClean="0"/>
-              <a:t>2025-11-20</a:t>
+              <a:t>2025-11-21</a:t>
             </a:fld>
             <a:endParaRPr lang="en-CA"/>
           </a:p>
@@ -7763,7 +7762,7 @@
           <a:p>
             <a:fld id="{16A6DBE6-5F48-46C6-8054-E594AA8CC26E}" type="datetimeFigureOut">
               <a:rPr lang="en-CA" smtClean="0"/>
-              <a:t>2025-11-20</a:t>
+              <a:t>2025-11-21</a:t>
             </a:fld>
             <a:endParaRPr lang="en-CA"/>
           </a:p>
@@ -8130,7 +8129,7 @@
           <a:p>
             <a:fld id="{16A6DBE6-5F48-46C6-8054-E594AA8CC26E}" type="datetimeFigureOut">
               <a:rPr lang="en-CA" smtClean="0"/>
-              <a:t>2025-11-20</a:t>
+              <a:t>2025-11-21</a:t>
             </a:fld>
             <a:endParaRPr lang="en-CA"/>
           </a:p>
@@ -8248,7 +8247,7 @@
           <a:p>
             <a:fld id="{16A6DBE6-5F48-46C6-8054-E594AA8CC26E}" type="datetimeFigureOut">
               <a:rPr lang="en-CA" smtClean="0"/>
-              <a:t>2025-11-20</a:t>
+              <a:t>2025-11-21</a:t>
             </a:fld>
             <a:endParaRPr lang="en-CA"/>
           </a:p>
@@ -8343,7 +8342,7 @@
           <a:p>
             <a:fld id="{16A6DBE6-5F48-46C6-8054-E594AA8CC26E}" type="datetimeFigureOut">
               <a:rPr lang="en-CA" smtClean="0"/>
-              <a:t>2025-11-20</a:t>
+              <a:t>2025-11-21</a:t>
             </a:fld>
             <a:endParaRPr lang="en-CA"/>
           </a:p>
@@ -8620,7 +8619,7 @@
           <a:p>
             <a:fld id="{16A6DBE6-5F48-46C6-8054-E594AA8CC26E}" type="datetimeFigureOut">
               <a:rPr lang="en-CA" smtClean="0"/>
-              <a:t>2025-11-20</a:t>
+              <a:t>2025-11-21</a:t>
             </a:fld>
             <a:endParaRPr lang="en-CA"/>
           </a:p>
@@ -8877,7 +8876,7 @@
           <a:p>
             <a:fld id="{16A6DBE6-5F48-46C6-8054-E594AA8CC26E}" type="datetimeFigureOut">
               <a:rPr lang="en-CA" smtClean="0"/>
-              <a:t>2025-11-20</a:t>
+              <a:t>2025-11-21</a:t>
             </a:fld>
             <a:endParaRPr lang="en-CA"/>
           </a:p>
@@ -9090,7 +9089,7 @@
           <a:p>
             <a:fld id="{16A6DBE6-5F48-46C6-8054-E594AA8CC26E}" type="datetimeFigureOut">
               <a:rPr lang="en-CA" smtClean="0"/>
-              <a:t>2025-11-20</a:t>
+              <a:t>2025-11-21</a:t>
             </a:fld>
             <a:endParaRPr lang="en-CA"/>
           </a:p>
@@ -9586,8 +9585,8 @@
         </p:blipFill>
         <p:spPr bwMode="auto">
           <a:xfrm>
-            <a:off x="443330" y="3846966"/>
-            <a:ext cx="2906950" cy="2407775"/>
+            <a:off x="2404871" y="4714142"/>
+            <a:ext cx="2078737" cy="1721781"/>
           </a:xfrm>
           <a:prstGeom prst="rect">
             <a:avLst/>
@@ -9633,8 +9632,8 @@
         </p:blipFill>
         <p:spPr bwMode="auto">
           <a:xfrm>
-            <a:off x="8503920" y="4043825"/>
-            <a:ext cx="2737106" cy="2407775"/>
+            <a:off x="7516368" y="4714142"/>
+            <a:ext cx="1975104" cy="1737458"/>
           </a:xfrm>
           <a:prstGeom prst="rect">
             <a:avLst/>
@@ -9720,7 +9719,7 @@
           <p:cNvPr id="2" name="Title 1">
             <a:extLst>
               <a:ext uri="{FF2B5EF4-FFF2-40B4-BE49-F238E27FC236}">
-                <a16:creationId xmlns:a16="http://schemas.microsoft.com/office/drawing/2014/main" id="{9AB22321-2A5B-B755-0C3A-78C2C1EC7A2A}"/>
+                <a16:creationId xmlns:a16="http://schemas.microsoft.com/office/drawing/2014/main" id="{CFE4654A-7F08-4922-BD32-84DE8A0467DB}"/>
               </a:ext>
             </a:extLst>
           </p:cNvPr>
@@ -9738,41 +9737,1979 @@
           <a:p>
             <a:r>
               <a:rPr lang="en-US" dirty="0"/>
-              <a:t>Code and dataset links</a:t>
+              <a:t>Results(Control sample with in-silico </a:t>
+            </a:r>
+            <a:r>
+              <a:rPr lang="en-US" dirty="0" err="1"/>
+              <a:t>crispr</a:t>
+            </a:r>
+            <a:r>
+              <a:rPr lang="en-US" dirty="0"/>
+              <a:t> knockout perturbation)</a:t>
             </a:r>
             <a:endParaRPr lang="en-CA" dirty="0"/>
           </a:p>
         </p:txBody>
       </p:sp>
-      <p:sp>
-        <p:nvSpPr>
-          <p:cNvPr id="3" name="Content Placeholder 2">
+      <p:graphicFrame>
+        <p:nvGraphicFramePr>
+          <p:cNvPr id="4" name="Table 3">
             <a:extLst>
               <a:ext uri="{FF2B5EF4-FFF2-40B4-BE49-F238E27FC236}">
-                <a16:creationId xmlns:a16="http://schemas.microsoft.com/office/drawing/2014/main" id="{DED37211-9D05-D175-0A78-936BE8DE63B6}"/>
+                <a16:creationId xmlns:a16="http://schemas.microsoft.com/office/drawing/2014/main" id="{295E513B-23F0-A50A-80EE-02EF59465F02}"/>
               </a:ext>
             </a:extLst>
           </p:cNvPr>
-          <p:cNvSpPr>
-            <a:spLocks noGrp="1"/>
-          </p:cNvSpPr>
+          <p:cNvGraphicFramePr>
+            <a:graphicFrameLocks noGrp="1"/>
+          </p:cNvGraphicFramePr>
           <p:nvPr>
-            <p:ph idx="1"/>
+            <p:extLst>
+              <p:ext uri="{D42A27DB-BD31-4B8C-83A1-F6EECF244321}">
+                <p14:modId xmlns:p14="http://schemas.microsoft.com/office/powerpoint/2010/main" val="661366136"/>
+              </p:ext>
+            </p:extLst>
           </p:nvPr>
-        </p:nvSpPr>
-        <p:spPr/>
-        <p:txBody>
-          <a:bodyPr/>
-          <a:lstStyle/>
-          <a:p>
-            <a:endParaRPr lang="en-CA"/>
-          </a:p>
-        </p:txBody>
-      </p:sp>
+        </p:nvGraphicFramePr>
+        <p:xfrm>
+          <a:off x="285750" y="2103120"/>
+          <a:ext cx="11525256" cy="2651760"/>
+        </p:xfrm>
+        <a:graphic>
+          <a:graphicData uri="http://schemas.openxmlformats.org/drawingml/2006/table">
+            <a:tbl>
+              <a:tblPr/>
+              <a:tblGrid>
+                <a:gridCol w="960438">
+                  <a:extLst>
+                    <a:ext uri="{9D8B030D-6E8A-4147-A177-3AD203B41FA5}">
+                      <a16:colId xmlns:a16="http://schemas.microsoft.com/office/drawing/2014/main" val="2490607652"/>
+                    </a:ext>
+                  </a:extLst>
+                </a:gridCol>
+                <a:gridCol w="960438">
+                  <a:extLst>
+                    <a:ext uri="{9D8B030D-6E8A-4147-A177-3AD203B41FA5}">
+                      <a16:colId xmlns:a16="http://schemas.microsoft.com/office/drawing/2014/main" val="2419872185"/>
+                    </a:ext>
+                  </a:extLst>
+                </a:gridCol>
+                <a:gridCol w="960438">
+                  <a:extLst>
+                    <a:ext uri="{9D8B030D-6E8A-4147-A177-3AD203B41FA5}">
+                      <a16:colId xmlns:a16="http://schemas.microsoft.com/office/drawing/2014/main" val="837283258"/>
+                    </a:ext>
+                  </a:extLst>
+                </a:gridCol>
+                <a:gridCol w="960438">
+                  <a:extLst>
+                    <a:ext uri="{9D8B030D-6E8A-4147-A177-3AD203B41FA5}">
+                      <a16:colId xmlns:a16="http://schemas.microsoft.com/office/drawing/2014/main" val="2697629436"/>
+                    </a:ext>
+                  </a:extLst>
+                </a:gridCol>
+                <a:gridCol w="960438">
+                  <a:extLst>
+                    <a:ext uri="{9D8B030D-6E8A-4147-A177-3AD203B41FA5}">
+                      <a16:colId xmlns:a16="http://schemas.microsoft.com/office/drawing/2014/main" val="1407583428"/>
+                    </a:ext>
+                  </a:extLst>
+                </a:gridCol>
+                <a:gridCol w="960438">
+                  <a:extLst>
+                    <a:ext uri="{9D8B030D-6E8A-4147-A177-3AD203B41FA5}">
+                      <a16:colId xmlns:a16="http://schemas.microsoft.com/office/drawing/2014/main" val="479969845"/>
+                    </a:ext>
+                  </a:extLst>
+                </a:gridCol>
+                <a:gridCol w="960438">
+                  <a:extLst>
+                    <a:ext uri="{9D8B030D-6E8A-4147-A177-3AD203B41FA5}">
+                      <a16:colId xmlns:a16="http://schemas.microsoft.com/office/drawing/2014/main" val="2514300399"/>
+                    </a:ext>
+                  </a:extLst>
+                </a:gridCol>
+                <a:gridCol w="960438">
+                  <a:extLst>
+                    <a:ext uri="{9D8B030D-6E8A-4147-A177-3AD203B41FA5}">
+                      <a16:colId xmlns:a16="http://schemas.microsoft.com/office/drawing/2014/main" val="2442917145"/>
+                    </a:ext>
+                  </a:extLst>
+                </a:gridCol>
+                <a:gridCol w="960438">
+                  <a:extLst>
+                    <a:ext uri="{9D8B030D-6E8A-4147-A177-3AD203B41FA5}">
+                      <a16:colId xmlns:a16="http://schemas.microsoft.com/office/drawing/2014/main" val="1777559376"/>
+                    </a:ext>
+                  </a:extLst>
+                </a:gridCol>
+                <a:gridCol w="960438">
+                  <a:extLst>
+                    <a:ext uri="{9D8B030D-6E8A-4147-A177-3AD203B41FA5}">
+                      <a16:colId xmlns:a16="http://schemas.microsoft.com/office/drawing/2014/main" val="108483918"/>
+                    </a:ext>
+                  </a:extLst>
+                </a:gridCol>
+                <a:gridCol w="960438">
+                  <a:extLst>
+                    <a:ext uri="{9D8B030D-6E8A-4147-A177-3AD203B41FA5}">
+                      <a16:colId xmlns:a16="http://schemas.microsoft.com/office/drawing/2014/main" val="1608584077"/>
+                    </a:ext>
+                  </a:extLst>
+                </a:gridCol>
+                <a:gridCol w="960438">
+                  <a:extLst>
+                    <a:ext uri="{9D8B030D-6E8A-4147-A177-3AD203B41FA5}">
+                      <a16:colId xmlns:a16="http://schemas.microsoft.com/office/drawing/2014/main" val="757126877"/>
+                    </a:ext>
+                  </a:extLst>
+                </a:gridCol>
+              </a:tblGrid>
+              <a:tr h="0">
+                <a:tc>
+                  <a:txBody>
+                    <a:bodyPr/>
+                    <a:lstStyle/>
+                    <a:p>
+                      <a:pPr>
+                        <a:buNone/>
+                      </a:pPr>
+                      <a:r>
+                        <a:rPr lang="en-CA"/>
+                        <a:t>Algorithm</a:t>
+                      </a:r>
+                    </a:p>
+                  </a:txBody>
+                  <a:tcPr anchor="ctr">
+                    <a:lnL>
+                      <a:noFill/>
+                    </a:lnL>
+                    <a:lnR>
+                      <a:noFill/>
+                    </a:lnR>
+                    <a:lnT>
+                      <a:noFill/>
+                    </a:lnT>
+                    <a:lnB>
+                      <a:noFill/>
+                    </a:lnB>
+                    <a:noFill/>
+                  </a:tcPr>
+                </a:tc>
+                <a:tc>
+                  <a:txBody>
+                    <a:bodyPr/>
+                    <a:lstStyle/>
+                    <a:p>
+                      <a:pPr>
+                        <a:buNone/>
+                      </a:pPr>
+                      <a:r>
+                        <a:rPr lang="en-CA"/>
+                        <a:t>Split</a:t>
+                      </a:r>
+                    </a:p>
+                  </a:txBody>
+                  <a:tcPr anchor="ctr">
+                    <a:lnL>
+                      <a:noFill/>
+                    </a:lnL>
+                    <a:lnR>
+                      <a:noFill/>
+                    </a:lnR>
+                    <a:lnT>
+                      <a:noFill/>
+                    </a:lnT>
+                    <a:lnB>
+                      <a:noFill/>
+                    </a:lnB>
+                    <a:noFill/>
+                  </a:tcPr>
+                </a:tc>
+                <a:tc>
+                  <a:txBody>
+                    <a:bodyPr/>
+                    <a:lstStyle/>
+                    <a:p>
+                      <a:pPr>
+                        <a:buNone/>
+                      </a:pPr>
+                      <a:r>
+                        <a:rPr lang="en-CA"/>
+                        <a:t>Accuracy</a:t>
+                      </a:r>
+                    </a:p>
+                  </a:txBody>
+                  <a:tcPr anchor="ctr">
+                    <a:lnL>
+                      <a:noFill/>
+                    </a:lnL>
+                    <a:lnR>
+                      <a:noFill/>
+                    </a:lnR>
+                    <a:lnT>
+                      <a:noFill/>
+                    </a:lnT>
+                    <a:lnB>
+                      <a:noFill/>
+                    </a:lnB>
+                    <a:noFill/>
+                  </a:tcPr>
+                </a:tc>
+                <a:tc>
+                  <a:txBody>
+                    <a:bodyPr/>
+                    <a:lstStyle/>
+                    <a:p>
+                      <a:pPr>
+                        <a:buNone/>
+                      </a:pPr>
+                      <a:r>
+                        <a:rPr lang="en-CA"/>
+                        <a:t>Precision</a:t>
+                      </a:r>
+                    </a:p>
+                  </a:txBody>
+                  <a:tcPr anchor="ctr">
+                    <a:lnL>
+                      <a:noFill/>
+                    </a:lnL>
+                    <a:lnR>
+                      <a:noFill/>
+                    </a:lnR>
+                    <a:lnT>
+                      <a:noFill/>
+                    </a:lnT>
+                    <a:lnB>
+                      <a:noFill/>
+                    </a:lnB>
+                    <a:noFill/>
+                  </a:tcPr>
+                </a:tc>
+                <a:tc>
+                  <a:txBody>
+                    <a:bodyPr/>
+                    <a:lstStyle/>
+                    <a:p>
+                      <a:pPr>
+                        <a:buNone/>
+                      </a:pPr>
+                      <a:r>
+                        <a:rPr lang="en-CA"/>
+                        <a:t>Recall</a:t>
+                      </a:r>
+                    </a:p>
+                  </a:txBody>
+                  <a:tcPr anchor="ctr">
+                    <a:lnL>
+                      <a:noFill/>
+                    </a:lnL>
+                    <a:lnR>
+                      <a:noFill/>
+                    </a:lnR>
+                    <a:lnT>
+                      <a:noFill/>
+                    </a:lnT>
+                    <a:lnB>
+                      <a:noFill/>
+                    </a:lnB>
+                    <a:noFill/>
+                  </a:tcPr>
+                </a:tc>
+                <a:tc>
+                  <a:txBody>
+                    <a:bodyPr/>
+                    <a:lstStyle/>
+                    <a:p>
+                      <a:pPr>
+                        <a:buNone/>
+                      </a:pPr>
+                      <a:r>
+                        <a:rPr lang="en-CA"/>
+                        <a:t>F1</a:t>
+                      </a:r>
+                    </a:p>
+                  </a:txBody>
+                  <a:tcPr anchor="ctr">
+                    <a:lnL>
+                      <a:noFill/>
+                    </a:lnL>
+                    <a:lnR>
+                      <a:noFill/>
+                    </a:lnR>
+                    <a:lnT>
+                      <a:noFill/>
+                    </a:lnT>
+                    <a:lnB>
+                      <a:noFill/>
+                    </a:lnB>
+                    <a:noFill/>
+                  </a:tcPr>
+                </a:tc>
+                <a:tc>
+                  <a:txBody>
+                    <a:bodyPr/>
+                    <a:lstStyle/>
+                    <a:p>
+                      <a:pPr>
+                        <a:buNone/>
+                      </a:pPr>
+                      <a:r>
+                        <a:rPr lang="en-CA"/>
+                        <a:t>AUPRC</a:t>
+                      </a:r>
+                    </a:p>
+                  </a:txBody>
+                  <a:tcPr anchor="ctr">
+                    <a:lnL>
+                      <a:noFill/>
+                    </a:lnL>
+                    <a:lnR>
+                      <a:noFill/>
+                    </a:lnR>
+                    <a:lnT>
+                      <a:noFill/>
+                    </a:lnT>
+                    <a:lnB>
+                      <a:noFill/>
+                    </a:lnB>
+                    <a:noFill/>
+                  </a:tcPr>
+                </a:tc>
+                <a:tc>
+                  <a:txBody>
+                    <a:bodyPr/>
+                    <a:lstStyle/>
+                    <a:p>
+                      <a:pPr>
+                        <a:buNone/>
+                      </a:pPr>
+                      <a:r>
+                        <a:rPr lang="en-CA"/>
+                        <a:t>MSE</a:t>
+                      </a:r>
+                    </a:p>
+                  </a:txBody>
+                  <a:tcPr anchor="ctr">
+                    <a:lnL>
+                      <a:noFill/>
+                    </a:lnL>
+                    <a:lnR>
+                      <a:noFill/>
+                    </a:lnR>
+                    <a:lnT>
+                      <a:noFill/>
+                    </a:lnT>
+                    <a:lnB>
+                      <a:noFill/>
+                    </a:lnB>
+                    <a:noFill/>
+                  </a:tcPr>
+                </a:tc>
+                <a:tc>
+                  <a:txBody>
+                    <a:bodyPr/>
+                    <a:lstStyle/>
+                    <a:p>
+                      <a:pPr>
+                        <a:buNone/>
+                      </a:pPr>
+                      <a:r>
+                        <a:rPr lang="en-CA"/>
+                        <a:t>RMSE</a:t>
+                      </a:r>
+                    </a:p>
+                  </a:txBody>
+                  <a:tcPr anchor="ctr">
+                    <a:lnL>
+                      <a:noFill/>
+                    </a:lnL>
+                    <a:lnR>
+                      <a:noFill/>
+                    </a:lnR>
+                    <a:lnT>
+                      <a:noFill/>
+                    </a:lnT>
+                    <a:lnB>
+                      <a:noFill/>
+                    </a:lnB>
+                    <a:noFill/>
+                  </a:tcPr>
+                </a:tc>
+                <a:tc>
+                  <a:txBody>
+                    <a:bodyPr/>
+                    <a:lstStyle/>
+                    <a:p>
+                      <a:pPr>
+                        <a:buNone/>
+                      </a:pPr>
+                      <a:r>
+                        <a:rPr lang="en-CA"/>
+                        <a:t>MAE</a:t>
+                      </a:r>
+                    </a:p>
+                  </a:txBody>
+                  <a:tcPr anchor="ctr">
+                    <a:lnL>
+                      <a:noFill/>
+                    </a:lnL>
+                    <a:lnR>
+                      <a:noFill/>
+                    </a:lnR>
+                    <a:lnT>
+                      <a:noFill/>
+                    </a:lnT>
+                    <a:lnB>
+                      <a:noFill/>
+                    </a:lnB>
+                    <a:noFill/>
+                  </a:tcPr>
+                </a:tc>
+                <a:tc>
+                  <a:txBody>
+                    <a:bodyPr/>
+                    <a:lstStyle/>
+                    <a:p>
+                      <a:pPr>
+                        <a:buNone/>
+                      </a:pPr>
+                      <a:r>
+                        <a:rPr lang="en-CA"/>
+                        <a:t>R²</a:t>
+                      </a:r>
+                    </a:p>
+                  </a:txBody>
+                  <a:tcPr anchor="ctr">
+                    <a:lnL>
+                      <a:noFill/>
+                    </a:lnL>
+                    <a:lnR>
+                      <a:noFill/>
+                    </a:lnR>
+                    <a:lnT>
+                      <a:noFill/>
+                    </a:lnT>
+                    <a:lnB>
+                      <a:noFill/>
+                    </a:lnB>
+                    <a:noFill/>
+                  </a:tcPr>
+                </a:tc>
+                <a:tc>
+                  <a:txBody>
+                    <a:bodyPr/>
+                    <a:lstStyle/>
+                    <a:p>
+                      <a:pPr>
+                        <a:buNone/>
+                      </a:pPr>
+                      <a:r>
+                        <a:rPr lang="en-CA"/>
+                        <a:t>Pearson</a:t>
+                      </a:r>
+                    </a:p>
+                  </a:txBody>
+                  <a:tcPr anchor="ctr">
+                    <a:lnL>
+                      <a:noFill/>
+                    </a:lnL>
+                    <a:lnR>
+                      <a:noFill/>
+                    </a:lnR>
+                    <a:lnT>
+                      <a:noFill/>
+                    </a:lnT>
+                    <a:lnB>
+                      <a:noFill/>
+                    </a:lnB>
+                    <a:noFill/>
+                  </a:tcPr>
+                </a:tc>
+                <a:extLst>
+                  <a:ext uri="{0D108BD9-81ED-4DB2-BD59-A6C34878D82A}">
+                    <a16:rowId xmlns:a16="http://schemas.microsoft.com/office/drawing/2014/main" val="2393065729"/>
+                  </a:ext>
+                </a:extLst>
+              </a:tr>
+              <a:tr h="0">
+                <a:tc>
+                  <a:txBody>
+                    <a:bodyPr/>
+                    <a:lstStyle/>
+                    <a:p>
+                      <a:pPr>
+                        <a:buNone/>
+                      </a:pPr>
+                      <a:r>
+                        <a:rPr lang="en-CA"/>
+                        <a:t>PPO</a:t>
+                      </a:r>
+                    </a:p>
+                  </a:txBody>
+                  <a:tcPr anchor="ctr">
+                    <a:lnL>
+                      <a:noFill/>
+                    </a:lnL>
+                    <a:lnR>
+                      <a:noFill/>
+                    </a:lnR>
+                    <a:lnT>
+                      <a:noFill/>
+                    </a:lnT>
+                    <a:lnB>
+                      <a:noFill/>
+                    </a:lnB>
+                    <a:noFill/>
+                  </a:tcPr>
+                </a:tc>
+                <a:tc>
+                  <a:txBody>
+                    <a:bodyPr/>
+                    <a:lstStyle/>
+                    <a:p>
+                      <a:pPr>
+                        <a:buNone/>
+                      </a:pPr>
+                      <a:r>
+                        <a:rPr lang="en-CA"/>
+                        <a:t>Test</a:t>
+                      </a:r>
+                    </a:p>
+                  </a:txBody>
+                  <a:tcPr anchor="ctr">
+                    <a:lnL>
+                      <a:noFill/>
+                    </a:lnL>
+                    <a:lnR>
+                      <a:noFill/>
+                    </a:lnR>
+                    <a:lnT>
+                      <a:noFill/>
+                    </a:lnT>
+                    <a:lnB>
+                      <a:noFill/>
+                    </a:lnB>
+                    <a:noFill/>
+                  </a:tcPr>
+                </a:tc>
+                <a:tc>
+                  <a:txBody>
+                    <a:bodyPr/>
+                    <a:lstStyle/>
+                    <a:p>
+                      <a:pPr>
+                        <a:buNone/>
+                      </a:pPr>
+                      <a:r>
+                        <a:rPr lang="en-CA"/>
+                        <a:t>0.6989</a:t>
+                      </a:r>
+                    </a:p>
+                  </a:txBody>
+                  <a:tcPr anchor="ctr">
+                    <a:lnL>
+                      <a:noFill/>
+                    </a:lnL>
+                    <a:lnR>
+                      <a:noFill/>
+                    </a:lnR>
+                    <a:lnT>
+                      <a:noFill/>
+                    </a:lnT>
+                    <a:lnB>
+                      <a:noFill/>
+                    </a:lnB>
+                    <a:noFill/>
+                  </a:tcPr>
+                </a:tc>
+                <a:tc>
+                  <a:txBody>
+                    <a:bodyPr/>
+                    <a:lstStyle/>
+                    <a:p>
+                      <a:pPr>
+                        <a:buNone/>
+                      </a:pPr>
+                      <a:r>
+                        <a:rPr lang="en-CA"/>
+                        <a:t>0.9148</a:t>
+                      </a:r>
+                    </a:p>
+                  </a:txBody>
+                  <a:tcPr anchor="ctr">
+                    <a:lnL>
+                      <a:noFill/>
+                    </a:lnL>
+                    <a:lnR>
+                      <a:noFill/>
+                    </a:lnR>
+                    <a:lnT>
+                      <a:noFill/>
+                    </a:lnT>
+                    <a:lnB>
+                      <a:noFill/>
+                    </a:lnB>
+                    <a:noFill/>
+                  </a:tcPr>
+                </a:tc>
+                <a:tc>
+                  <a:txBody>
+                    <a:bodyPr/>
+                    <a:lstStyle/>
+                    <a:p>
+                      <a:pPr>
+                        <a:buNone/>
+                      </a:pPr>
+                      <a:r>
+                        <a:rPr lang="en-CA"/>
+                        <a:t>0.4228</a:t>
+                      </a:r>
+                    </a:p>
+                  </a:txBody>
+                  <a:tcPr anchor="ctr">
+                    <a:lnL>
+                      <a:noFill/>
+                    </a:lnL>
+                    <a:lnR>
+                      <a:noFill/>
+                    </a:lnR>
+                    <a:lnT>
+                      <a:noFill/>
+                    </a:lnT>
+                    <a:lnB>
+                      <a:noFill/>
+                    </a:lnB>
+                    <a:noFill/>
+                  </a:tcPr>
+                </a:tc>
+                <a:tc>
+                  <a:txBody>
+                    <a:bodyPr/>
+                    <a:lstStyle/>
+                    <a:p>
+                      <a:pPr>
+                        <a:buNone/>
+                      </a:pPr>
+                      <a:r>
+                        <a:rPr lang="en-CA"/>
+                        <a:t>0.5352</a:t>
+                      </a:r>
+                    </a:p>
+                  </a:txBody>
+                  <a:tcPr anchor="ctr">
+                    <a:lnL>
+                      <a:noFill/>
+                    </a:lnL>
+                    <a:lnR>
+                      <a:noFill/>
+                    </a:lnR>
+                    <a:lnT>
+                      <a:noFill/>
+                    </a:lnT>
+                    <a:lnB>
+                      <a:noFill/>
+                    </a:lnB>
+                    <a:noFill/>
+                  </a:tcPr>
+                </a:tc>
+                <a:tc>
+                  <a:txBody>
+                    <a:bodyPr/>
+                    <a:lstStyle/>
+                    <a:p>
+                      <a:pPr>
+                        <a:buNone/>
+                      </a:pPr>
+                      <a:r>
+                        <a:rPr lang="en-CA"/>
+                        <a:t>0.6975</a:t>
+                      </a:r>
+                    </a:p>
+                  </a:txBody>
+                  <a:tcPr anchor="ctr">
+                    <a:lnL>
+                      <a:noFill/>
+                    </a:lnL>
+                    <a:lnR>
+                      <a:noFill/>
+                    </a:lnR>
+                    <a:lnT>
+                      <a:noFill/>
+                    </a:lnT>
+                    <a:lnB>
+                      <a:noFill/>
+                    </a:lnB>
+                    <a:noFill/>
+                  </a:tcPr>
+                </a:tc>
+                <a:tc>
+                  <a:txBody>
+                    <a:bodyPr/>
+                    <a:lstStyle/>
+                    <a:p>
+                      <a:pPr>
+                        <a:buNone/>
+                      </a:pPr>
+                      <a:r>
+                        <a:rPr lang="en-CA"/>
+                        <a:t>0.2756</a:t>
+                      </a:r>
+                    </a:p>
+                  </a:txBody>
+                  <a:tcPr anchor="ctr">
+                    <a:lnL>
+                      <a:noFill/>
+                    </a:lnL>
+                    <a:lnR>
+                      <a:noFill/>
+                    </a:lnR>
+                    <a:lnT>
+                      <a:noFill/>
+                    </a:lnT>
+                    <a:lnB>
+                      <a:noFill/>
+                    </a:lnB>
+                    <a:noFill/>
+                  </a:tcPr>
+                </a:tc>
+                <a:tc>
+                  <a:txBody>
+                    <a:bodyPr/>
+                    <a:lstStyle/>
+                    <a:p>
+                      <a:pPr>
+                        <a:buNone/>
+                      </a:pPr>
+                      <a:r>
+                        <a:rPr lang="en-CA"/>
+                        <a:t>0.5064</a:t>
+                      </a:r>
+                    </a:p>
+                  </a:txBody>
+                  <a:tcPr anchor="ctr">
+                    <a:lnL>
+                      <a:noFill/>
+                    </a:lnL>
+                    <a:lnR>
+                      <a:noFill/>
+                    </a:lnR>
+                    <a:lnT>
+                      <a:noFill/>
+                    </a:lnT>
+                    <a:lnB>
+                      <a:noFill/>
+                    </a:lnB>
+                    <a:noFill/>
+                  </a:tcPr>
+                </a:tc>
+                <a:tc>
+                  <a:txBody>
+                    <a:bodyPr/>
+                    <a:lstStyle/>
+                    <a:p>
+                      <a:pPr>
+                        <a:buNone/>
+                      </a:pPr>
+                      <a:r>
+                        <a:rPr lang="en-CA"/>
+                        <a:t>0.4423</a:t>
+                      </a:r>
+                    </a:p>
+                  </a:txBody>
+                  <a:tcPr anchor="ctr">
+                    <a:lnL>
+                      <a:noFill/>
+                    </a:lnL>
+                    <a:lnR>
+                      <a:noFill/>
+                    </a:lnR>
+                    <a:lnT>
+                      <a:noFill/>
+                    </a:lnT>
+                    <a:lnB>
+                      <a:noFill/>
+                    </a:lnB>
+                    <a:noFill/>
+                  </a:tcPr>
+                </a:tc>
+                <a:tc>
+                  <a:txBody>
+                    <a:bodyPr/>
+                    <a:lstStyle/>
+                    <a:p>
+                      <a:pPr>
+                        <a:buNone/>
+                      </a:pPr>
+                      <a:r>
+                        <a:rPr lang="en-CA"/>
+                        <a:t>0.6623</a:t>
+                      </a:r>
+                    </a:p>
+                  </a:txBody>
+                  <a:tcPr anchor="ctr">
+                    <a:lnL>
+                      <a:noFill/>
+                    </a:lnL>
+                    <a:lnR>
+                      <a:noFill/>
+                    </a:lnR>
+                    <a:lnT>
+                      <a:noFill/>
+                    </a:lnT>
+                    <a:lnB>
+                      <a:noFill/>
+                    </a:lnB>
+                    <a:noFill/>
+                  </a:tcPr>
+                </a:tc>
+                <a:tc>
+                  <a:txBody>
+                    <a:bodyPr/>
+                    <a:lstStyle/>
+                    <a:p>
+                      <a:pPr>
+                        <a:buNone/>
+                      </a:pPr>
+                      <a:r>
+                        <a:rPr lang="en-CA"/>
+                        <a:t>0.9348</a:t>
+                      </a:r>
+                    </a:p>
+                  </a:txBody>
+                  <a:tcPr anchor="ctr">
+                    <a:lnL>
+                      <a:noFill/>
+                    </a:lnL>
+                    <a:lnR>
+                      <a:noFill/>
+                    </a:lnR>
+                    <a:lnT>
+                      <a:noFill/>
+                    </a:lnT>
+                    <a:lnB>
+                      <a:noFill/>
+                    </a:lnB>
+                    <a:noFill/>
+                  </a:tcPr>
+                </a:tc>
+                <a:extLst>
+                  <a:ext uri="{0D108BD9-81ED-4DB2-BD59-A6C34878D82A}">
+                    <a16:rowId xmlns:a16="http://schemas.microsoft.com/office/drawing/2014/main" val="2279970794"/>
+                  </a:ext>
+                </a:extLst>
+              </a:tr>
+              <a:tr h="0">
+                <a:tc>
+                  <a:txBody>
+                    <a:bodyPr/>
+                    <a:lstStyle/>
+                    <a:p>
+                      <a:pPr>
+                        <a:buNone/>
+                      </a:pPr>
+                      <a:r>
+                        <a:rPr lang="en-CA"/>
+                        <a:t>PPO</a:t>
+                      </a:r>
+                    </a:p>
+                  </a:txBody>
+                  <a:tcPr anchor="ctr">
+                    <a:lnL>
+                      <a:noFill/>
+                    </a:lnL>
+                    <a:lnR>
+                      <a:noFill/>
+                    </a:lnR>
+                    <a:lnT>
+                      <a:noFill/>
+                    </a:lnT>
+                    <a:lnB>
+                      <a:noFill/>
+                    </a:lnB>
+                    <a:noFill/>
+                  </a:tcPr>
+                </a:tc>
+                <a:tc>
+                  <a:txBody>
+                    <a:bodyPr/>
+                    <a:lstStyle/>
+                    <a:p>
+                      <a:pPr>
+                        <a:buNone/>
+                      </a:pPr>
+                      <a:r>
+                        <a:rPr lang="en-CA"/>
+                        <a:t>Train</a:t>
+                      </a:r>
+                    </a:p>
+                  </a:txBody>
+                  <a:tcPr anchor="ctr">
+                    <a:lnL>
+                      <a:noFill/>
+                    </a:lnL>
+                    <a:lnR>
+                      <a:noFill/>
+                    </a:lnR>
+                    <a:lnT>
+                      <a:noFill/>
+                    </a:lnT>
+                    <a:lnB>
+                      <a:noFill/>
+                    </a:lnB>
+                    <a:noFill/>
+                  </a:tcPr>
+                </a:tc>
+                <a:tc>
+                  <a:txBody>
+                    <a:bodyPr/>
+                    <a:lstStyle/>
+                    <a:p>
+                      <a:pPr>
+                        <a:buNone/>
+                      </a:pPr>
+                      <a:r>
+                        <a:rPr lang="en-CA"/>
+                        <a:t>0.7008</a:t>
+                      </a:r>
+                    </a:p>
+                  </a:txBody>
+                  <a:tcPr anchor="ctr">
+                    <a:lnL>
+                      <a:noFill/>
+                    </a:lnL>
+                    <a:lnR>
+                      <a:noFill/>
+                    </a:lnR>
+                    <a:lnT>
+                      <a:noFill/>
+                    </a:lnT>
+                    <a:lnB>
+                      <a:noFill/>
+                    </a:lnB>
+                    <a:noFill/>
+                  </a:tcPr>
+                </a:tc>
+                <a:tc>
+                  <a:txBody>
+                    <a:bodyPr/>
+                    <a:lstStyle/>
+                    <a:p>
+                      <a:pPr>
+                        <a:buNone/>
+                      </a:pPr>
+                      <a:r>
+                        <a:rPr lang="en-CA"/>
+                        <a:t>0.9366</a:t>
+                      </a:r>
+                    </a:p>
+                  </a:txBody>
+                  <a:tcPr anchor="ctr">
+                    <a:lnL>
+                      <a:noFill/>
+                    </a:lnL>
+                    <a:lnR>
+                      <a:noFill/>
+                    </a:lnR>
+                    <a:lnT>
+                      <a:noFill/>
+                    </a:lnT>
+                    <a:lnB>
+                      <a:noFill/>
+                    </a:lnB>
+                    <a:noFill/>
+                  </a:tcPr>
+                </a:tc>
+                <a:tc>
+                  <a:txBody>
+                    <a:bodyPr/>
+                    <a:lstStyle/>
+                    <a:p>
+                      <a:pPr>
+                        <a:buNone/>
+                      </a:pPr>
+                      <a:r>
+                        <a:rPr lang="en-CA"/>
+                        <a:t>0.4129</a:t>
+                      </a:r>
+                    </a:p>
+                  </a:txBody>
+                  <a:tcPr anchor="ctr">
+                    <a:lnL>
+                      <a:noFill/>
+                    </a:lnL>
+                    <a:lnR>
+                      <a:noFill/>
+                    </a:lnR>
+                    <a:lnT>
+                      <a:noFill/>
+                    </a:lnT>
+                    <a:lnB>
+                      <a:noFill/>
+                    </a:lnB>
+                    <a:noFill/>
+                  </a:tcPr>
+                </a:tc>
+                <a:tc>
+                  <a:txBody>
+                    <a:bodyPr/>
+                    <a:lstStyle/>
+                    <a:p>
+                      <a:pPr>
+                        <a:buNone/>
+                      </a:pPr>
+                      <a:r>
+                        <a:rPr lang="en-CA"/>
+                        <a:t>0.5286</a:t>
+                      </a:r>
+                    </a:p>
+                  </a:txBody>
+                  <a:tcPr anchor="ctr">
+                    <a:lnL>
+                      <a:noFill/>
+                    </a:lnL>
+                    <a:lnR>
+                      <a:noFill/>
+                    </a:lnR>
+                    <a:lnT>
+                      <a:noFill/>
+                    </a:lnT>
+                    <a:lnB>
+                      <a:noFill/>
+                    </a:lnB>
+                    <a:noFill/>
+                  </a:tcPr>
+                </a:tc>
+                <a:tc>
+                  <a:txBody>
+                    <a:bodyPr/>
+                    <a:lstStyle/>
+                    <a:p>
+                      <a:pPr>
+                        <a:buNone/>
+                      </a:pPr>
+                      <a:r>
+                        <a:rPr lang="en-CA"/>
+                        <a:t>0.6896</a:t>
+                      </a:r>
+                    </a:p>
+                  </a:txBody>
+                  <a:tcPr anchor="ctr">
+                    <a:lnL>
+                      <a:noFill/>
+                    </a:lnL>
+                    <a:lnR>
+                      <a:noFill/>
+                    </a:lnR>
+                    <a:lnT>
+                      <a:noFill/>
+                    </a:lnT>
+                    <a:lnB>
+                      <a:noFill/>
+                    </a:lnB>
+                    <a:noFill/>
+                  </a:tcPr>
+                </a:tc>
+                <a:tc>
+                  <a:txBody>
+                    <a:bodyPr/>
+                    <a:lstStyle/>
+                    <a:p>
+                      <a:pPr>
+                        <a:buNone/>
+                      </a:pPr>
+                      <a:r>
+                        <a:rPr lang="en-CA"/>
+                        <a:t>0.2705</a:t>
+                      </a:r>
+                    </a:p>
+                  </a:txBody>
+                  <a:tcPr anchor="ctr">
+                    <a:lnL>
+                      <a:noFill/>
+                    </a:lnL>
+                    <a:lnR>
+                      <a:noFill/>
+                    </a:lnR>
+                    <a:lnT>
+                      <a:noFill/>
+                    </a:lnT>
+                    <a:lnB>
+                      <a:noFill/>
+                    </a:lnB>
+                    <a:noFill/>
+                  </a:tcPr>
+                </a:tc>
+                <a:tc>
+                  <a:txBody>
+                    <a:bodyPr/>
+                    <a:lstStyle/>
+                    <a:p>
+                      <a:pPr>
+                        <a:buNone/>
+                      </a:pPr>
+                      <a:r>
+                        <a:rPr lang="en-CA"/>
+                        <a:t>0.5020</a:t>
+                      </a:r>
+                    </a:p>
+                  </a:txBody>
+                  <a:tcPr anchor="ctr">
+                    <a:lnL>
+                      <a:noFill/>
+                    </a:lnL>
+                    <a:lnR>
+                      <a:noFill/>
+                    </a:lnR>
+                    <a:lnT>
+                      <a:noFill/>
+                    </a:lnT>
+                    <a:lnB>
+                      <a:noFill/>
+                    </a:lnB>
+                    <a:noFill/>
+                  </a:tcPr>
+                </a:tc>
+                <a:tc>
+                  <a:txBody>
+                    <a:bodyPr/>
+                    <a:lstStyle/>
+                    <a:p>
+                      <a:pPr>
+                        <a:buNone/>
+                      </a:pPr>
+                      <a:r>
+                        <a:rPr lang="en-CA"/>
+                        <a:t>0.4381</a:t>
+                      </a:r>
+                    </a:p>
+                  </a:txBody>
+                  <a:tcPr anchor="ctr">
+                    <a:lnL>
+                      <a:noFill/>
+                    </a:lnL>
+                    <a:lnR>
+                      <a:noFill/>
+                    </a:lnR>
+                    <a:lnT>
+                      <a:noFill/>
+                    </a:lnT>
+                    <a:lnB>
+                      <a:noFill/>
+                    </a:lnB>
+                    <a:noFill/>
+                  </a:tcPr>
+                </a:tc>
+                <a:tc>
+                  <a:txBody>
+                    <a:bodyPr/>
+                    <a:lstStyle/>
+                    <a:p>
+                      <a:pPr>
+                        <a:buNone/>
+                      </a:pPr>
+                      <a:r>
+                        <a:rPr lang="en-CA"/>
+                        <a:t>0.6358</a:t>
+                      </a:r>
+                    </a:p>
+                  </a:txBody>
+                  <a:tcPr anchor="ctr">
+                    <a:lnL>
+                      <a:noFill/>
+                    </a:lnL>
+                    <a:lnR>
+                      <a:noFill/>
+                    </a:lnR>
+                    <a:lnT>
+                      <a:noFill/>
+                    </a:lnT>
+                    <a:lnB>
+                      <a:noFill/>
+                    </a:lnB>
+                    <a:noFill/>
+                  </a:tcPr>
+                </a:tc>
+                <a:tc>
+                  <a:txBody>
+                    <a:bodyPr/>
+                    <a:lstStyle/>
+                    <a:p>
+                      <a:pPr>
+                        <a:buNone/>
+                      </a:pPr>
+                      <a:r>
+                        <a:rPr lang="en-CA"/>
+                        <a:t>0.9304</a:t>
+                      </a:r>
+                    </a:p>
+                  </a:txBody>
+                  <a:tcPr anchor="ctr">
+                    <a:lnL>
+                      <a:noFill/>
+                    </a:lnL>
+                    <a:lnR>
+                      <a:noFill/>
+                    </a:lnR>
+                    <a:lnT>
+                      <a:noFill/>
+                    </a:lnT>
+                    <a:lnB>
+                      <a:noFill/>
+                    </a:lnB>
+                    <a:noFill/>
+                  </a:tcPr>
+                </a:tc>
+                <a:extLst>
+                  <a:ext uri="{0D108BD9-81ED-4DB2-BD59-A6C34878D82A}">
+                    <a16:rowId xmlns:a16="http://schemas.microsoft.com/office/drawing/2014/main" val="145311890"/>
+                  </a:ext>
+                </a:extLst>
+              </a:tr>
+              <a:tr h="0">
+                <a:tc>
+                  <a:txBody>
+                    <a:bodyPr/>
+                    <a:lstStyle/>
+                    <a:p>
+                      <a:pPr>
+                        <a:buNone/>
+                      </a:pPr>
+                      <a:r>
+                        <a:rPr lang="en-CA" b="1" dirty="0"/>
+                        <a:t>TRPO→PPO</a:t>
+                      </a:r>
+                      <a:endParaRPr lang="en-CA" dirty="0"/>
+                    </a:p>
+                  </a:txBody>
+                  <a:tcPr anchor="ctr">
+                    <a:lnL>
+                      <a:noFill/>
+                    </a:lnL>
+                    <a:lnR>
+                      <a:noFill/>
+                    </a:lnR>
+                    <a:lnT>
+                      <a:noFill/>
+                    </a:lnT>
+                    <a:lnB>
+                      <a:noFill/>
+                    </a:lnB>
+                    <a:noFill/>
+                  </a:tcPr>
+                </a:tc>
+                <a:tc>
+                  <a:txBody>
+                    <a:bodyPr/>
+                    <a:lstStyle/>
+                    <a:p>
+                      <a:pPr>
+                        <a:buNone/>
+                      </a:pPr>
+                      <a:r>
+                        <a:rPr lang="en-CA"/>
+                        <a:t>Test</a:t>
+                      </a:r>
+                    </a:p>
+                  </a:txBody>
+                  <a:tcPr anchor="ctr">
+                    <a:lnL>
+                      <a:noFill/>
+                    </a:lnL>
+                    <a:lnR>
+                      <a:noFill/>
+                    </a:lnR>
+                    <a:lnT>
+                      <a:noFill/>
+                    </a:lnT>
+                    <a:lnB>
+                      <a:noFill/>
+                    </a:lnB>
+                    <a:noFill/>
+                  </a:tcPr>
+                </a:tc>
+                <a:tc>
+                  <a:txBody>
+                    <a:bodyPr/>
+                    <a:lstStyle/>
+                    <a:p>
+                      <a:pPr>
+                        <a:buNone/>
+                      </a:pPr>
+                      <a:r>
+                        <a:rPr lang="en-CA" b="0" dirty="0"/>
+                        <a:t>0.8605</a:t>
+                      </a:r>
+                    </a:p>
+                  </a:txBody>
+                  <a:tcPr anchor="ctr">
+                    <a:lnL>
+                      <a:noFill/>
+                    </a:lnL>
+                    <a:lnR>
+                      <a:noFill/>
+                    </a:lnR>
+                    <a:lnT>
+                      <a:noFill/>
+                    </a:lnT>
+                    <a:lnB>
+                      <a:noFill/>
+                    </a:lnB>
+                    <a:noFill/>
+                  </a:tcPr>
+                </a:tc>
+                <a:tc>
+                  <a:txBody>
+                    <a:bodyPr/>
+                    <a:lstStyle/>
+                    <a:p>
+                      <a:pPr>
+                        <a:buNone/>
+                      </a:pPr>
+                      <a:r>
+                        <a:rPr lang="en-CA"/>
+                        <a:t>0.9126</a:t>
+                      </a:r>
+                    </a:p>
+                  </a:txBody>
+                  <a:tcPr anchor="ctr">
+                    <a:lnL>
+                      <a:noFill/>
+                    </a:lnL>
+                    <a:lnR>
+                      <a:noFill/>
+                    </a:lnR>
+                    <a:lnT>
+                      <a:noFill/>
+                    </a:lnT>
+                    <a:lnB>
+                      <a:noFill/>
+                    </a:lnB>
+                    <a:noFill/>
+                  </a:tcPr>
+                </a:tc>
+                <a:tc>
+                  <a:txBody>
+                    <a:bodyPr/>
+                    <a:lstStyle/>
+                    <a:p>
+                      <a:pPr>
+                        <a:buNone/>
+                      </a:pPr>
+                      <a:r>
+                        <a:rPr lang="en-CA" b="0" dirty="0"/>
+                        <a:t>0.7315</a:t>
+                      </a:r>
+                    </a:p>
+                  </a:txBody>
+                  <a:tcPr anchor="ctr">
+                    <a:lnL>
+                      <a:noFill/>
+                    </a:lnL>
+                    <a:lnR>
+                      <a:noFill/>
+                    </a:lnR>
+                    <a:lnT>
+                      <a:noFill/>
+                    </a:lnT>
+                    <a:lnB>
+                      <a:noFill/>
+                    </a:lnB>
+                    <a:noFill/>
+                  </a:tcPr>
+                </a:tc>
+                <a:tc>
+                  <a:txBody>
+                    <a:bodyPr/>
+                    <a:lstStyle/>
+                    <a:p>
+                      <a:pPr>
+                        <a:buNone/>
+                      </a:pPr>
+                      <a:r>
+                        <a:rPr lang="en-CA" b="0" dirty="0"/>
+                        <a:t>0.7831</a:t>
+                      </a:r>
+                    </a:p>
+                  </a:txBody>
+                  <a:tcPr anchor="ctr">
+                    <a:lnL>
+                      <a:noFill/>
+                    </a:lnL>
+                    <a:lnR>
+                      <a:noFill/>
+                    </a:lnR>
+                    <a:lnT>
+                      <a:noFill/>
+                    </a:lnT>
+                    <a:lnB>
+                      <a:noFill/>
+                    </a:lnB>
+                    <a:noFill/>
+                  </a:tcPr>
+                </a:tc>
+                <a:tc>
+                  <a:txBody>
+                    <a:bodyPr/>
+                    <a:lstStyle/>
+                    <a:p>
+                      <a:pPr>
+                        <a:buNone/>
+                      </a:pPr>
+                      <a:r>
+                        <a:rPr lang="en-CA" b="0" dirty="0"/>
+                        <a:t>0.8073</a:t>
+                      </a:r>
+                    </a:p>
+                  </a:txBody>
+                  <a:tcPr anchor="ctr">
+                    <a:lnL>
+                      <a:noFill/>
+                    </a:lnL>
+                    <a:lnR>
+                      <a:noFill/>
+                    </a:lnR>
+                    <a:lnT>
+                      <a:noFill/>
+                    </a:lnT>
+                    <a:lnB>
+                      <a:noFill/>
+                    </a:lnB>
+                    <a:noFill/>
+                  </a:tcPr>
+                </a:tc>
+                <a:tc>
+                  <a:txBody>
+                    <a:bodyPr/>
+                    <a:lstStyle/>
+                    <a:p>
+                      <a:pPr>
+                        <a:buNone/>
+                      </a:pPr>
+                      <a:r>
+                        <a:rPr lang="en-CA" b="0" dirty="0"/>
+                        <a:t>0.1158</a:t>
+                      </a:r>
+                    </a:p>
+                  </a:txBody>
+                  <a:tcPr anchor="ctr">
+                    <a:lnL>
+                      <a:noFill/>
+                    </a:lnL>
+                    <a:lnR>
+                      <a:noFill/>
+                    </a:lnR>
+                    <a:lnT>
+                      <a:noFill/>
+                    </a:lnT>
+                    <a:lnB>
+                      <a:noFill/>
+                    </a:lnB>
+                    <a:noFill/>
+                  </a:tcPr>
+                </a:tc>
+                <a:tc>
+                  <a:txBody>
+                    <a:bodyPr/>
+                    <a:lstStyle/>
+                    <a:p>
+                      <a:pPr>
+                        <a:buNone/>
+                      </a:pPr>
+                      <a:r>
+                        <a:rPr lang="en-CA" b="0" dirty="0"/>
+                        <a:t>0.3220</a:t>
+                      </a:r>
+                    </a:p>
+                  </a:txBody>
+                  <a:tcPr anchor="ctr">
+                    <a:lnL>
+                      <a:noFill/>
+                    </a:lnL>
+                    <a:lnR>
+                      <a:noFill/>
+                    </a:lnR>
+                    <a:lnT>
+                      <a:noFill/>
+                    </a:lnT>
+                    <a:lnB>
+                      <a:noFill/>
+                    </a:lnB>
+                    <a:noFill/>
+                  </a:tcPr>
+                </a:tc>
+                <a:tc>
+                  <a:txBody>
+                    <a:bodyPr/>
+                    <a:lstStyle/>
+                    <a:p>
+                      <a:pPr>
+                        <a:buNone/>
+                      </a:pPr>
+                      <a:r>
+                        <a:rPr lang="en-CA"/>
+                        <a:t>0.2714</a:t>
+                      </a:r>
+                    </a:p>
+                  </a:txBody>
+                  <a:tcPr anchor="ctr">
+                    <a:lnL>
+                      <a:noFill/>
+                    </a:lnL>
+                    <a:lnR>
+                      <a:noFill/>
+                    </a:lnR>
+                    <a:lnT>
+                      <a:noFill/>
+                    </a:lnT>
+                    <a:lnB>
+                      <a:noFill/>
+                    </a:lnB>
+                    <a:noFill/>
+                  </a:tcPr>
+                </a:tc>
+                <a:tc>
+                  <a:txBody>
+                    <a:bodyPr/>
+                    <a:lstStyle/>
+                    <a:p>
+                      <a:pPr>
+                        <a:buNone/>
+                      </a:pPr>
+                      <a:r>
+                        <a:rPr lang="en-CA" dirty="0"/>
+                        <a:t>0.8448</a:t>
+                      </a:r>
+                    </a:p>
+                  </a:txBody>
+                  <a:tcPr anchor="ctr">
+                    <a:lnL>
+                      <a:noFill/>
+                    </a:lnL>
+                    <a:lnR>
+                      <a:noFill/>
+                    </a:lnR>
+                    <a:lnT>
+                      <a:noFill/>
+                    </a:lnT>
+                    <a:lnB>
+                      <a:noFill/>
+                    </a:lnB>
+                    <a:noFill/>
+                  </a:tcPr>
+                </a:tc>
+                <a:tc>
+                  <a:txBody>
+                    <a:bodyPr/>
+                    <a:lstStyle/>
+                    <a:p>
+                      <a:pPr>
+                        <a:buNone/>
+                      </a:pPr>
+                      <a:r>
+                        <a:rPr lang="en-CA" b="0" dirty="0"/>
+                        <a:t>0.9561</a:t>
+                      </a:r>
+                    </a:p>
+                  </a:txBody>
+                  <a:tcPr anchor="ctr">
+                    <a:lnL>
+                      <a:noFill/>
+                    </a:lnL>
+                    <a:lnR>
+                      <a:noFill/>
+                    </a:lnR>
+                    <a:lnT>
+                      <a:noFill/>
+                    </a:lnT>
+                    <a:lnB>
+                      <a:noFill/>
+                    </a:lnB>
+                    <a:noFill/>
+                  </a:tcPr>
+                </a:tc>
+                <a:extLst>
+                  <a:ext uri="{0D108BD9-81ED-4DB2-BD59-A6C34878D82A}">
+                    <a16:rowId xmlns:a16="http://schemas.microsoft.com/office/drawing/2014/main" val="512492153"/>
+                  </a:ext>
+                </a:extLst>
+              </a:tr>
+              <a:tr h="0">
+                <a:tc>
+                  <a:txBody>
+                    <a:bodyPr/>
+                    <a:lstStyle/>
+                    <a:p>
+                      <a:pPr>
+                        <a:buNone/>
+                      </a:pPr>
+                      <a:r>
+                        <a:rPr lang="en-CA" b="1"/>
+                        <a:t>TRPO→PPO</a:t>
+                      </a:r>
+                      <a:endParaRPr lang="en-CA"/>
+                    </a:p>
+                  </a:txBody>
+                  <a:tcPr anchor="ctr">
+                    <a:lnL>
+                      <a:noFill/>
+                    </a:lnL>
+                    <a:lnR>
+                      <a:noFill/>
+                    </a:lnR>
+                    <a:lnT>
+                      <a:noFill/>
+                    </a:lnT>
+                    <a:lnB>
+                      <a:noFill/>
+                    </a:lnB>
+                    <a:noFill/>
+                  </a:tcPr>
+                </a:tc>
+                <a:tc>
+                  <a:txBody>
+                    <a:bodyPr/>
+                    <a:lstStyle/>
+                    <a:p>
+                      <a:pPr>
+                        <a:buNone/>
+                      </a:pPr>
+                      <a:r>
+                        <a:rPr lang="en-CA"/>
+                        <a:t>Train</a:t>
+                      </a:r>
+                    </a:p>
+                  </a:txBody>
+                  <a:tcPr anchor="ctr">
+                    <a:lnL>
+                      <a:noFill/>
+                    </a:lnL>
+                    <a:lnR>
+                      <a:noFill/>
+                    </a:lnR>
+                    <a:lnT>
+                      <a:noFill/>
+                    </a:lnT>
+                    <a:lnB>
+                      <a:noFill/>
+                    </a:lnB>
+                    <a:noFill/>
+                  </a:tcPr>
+                </a:tc>
+                <a:tc>
+                  <a:txBody>
+                    <a:bodyPr/>
+                    <a:lstStyle/>
+                    <a:p>
+                      <a:pPr>
+                        <a:buNone/>
+                      </a:pPr>
+                      <a:r>
+                        <a:rPr lang="en-CA" b="0" dirty="0"/>
+                        <a:t>0.8588</a:t>
+                      </a:r>
+                    </a:p>
+                  </a:txBody>
+                  <a:tcPr anchor="ctr">
+                    <a:lnL>
+                      <a:noFill/>
+                    </a:lnL>
+                    <a:lnR>
+                      <a:noFill/>
+                    </a:lnR>
+                    <a:lnT>
+                      <a:noFill/>
+                    </a:lnT>
+                    <a:lnB>
+                      <a:noFill/>
+                    </a:lnB>
+                    <a:noFill/>
+                  </a:tcPr>
+                </a:tc>
+                <a:tc>
+                  <a:txBody>
+                    <a:bodyPr/>
+                    <a:lstStyle/>
+                    <a:p>
+                      <a:pPr>
+                        <a:buNone/>
+                      </a:pPr>
+                      <a:r>
+                        <a:rPr lang="en-CA"/>
+                        <a:t>0.9300</a:t>
+                      </a:r>
+                    </a:p>
+                  </a:txBody>
+                  <a:tcPr anchor="ctr">
+                    <a:lnL>
+                      <a:noFill/>
+                    </a:lnL>
+                    <a:lnR>
+                      <a:noFill/>
+                    </a:lnR>
+                    <a:lnT>
+                      <a:noFill/>
+                    </a:lnT>
+                    <a:lnB>
+                      <a:noFill/>
+                    </a:lnB>
+                    <a:noFill/>
+                  </a:tcPr>
+                </a:tc>
+                <a:tc>
+                  <a:txBody>
+                    <a:bodyPr/>
+                    <a:lstStyle/>
+                    <a:p>
+                      <a:pPr>
+                        <a:buNone/>
+                      </a:pPr>
+                      <a:r>
+                        <a:rPr lang="en-CA" b="0" dirty="0"/>
+                        <a:t>0.7241</a:t>
+                      </a:r>
+                    </a:p>
+                  </a:txBody>
+                  <a:tcPr anchor="ctr">
+                    <a:lnL>
+                      <a:noFill/>
+                    </a:lnL>
+                    <a:lnR>
+                      <a:noFill/>
+                    </a:lnR>
+                    <a:lnT>
+                      <a:noFill/>
+                    </a:lnT>
+                    <a:lnB>
+                      <a:noFill/>
+                    </a:lnB>
+                    <a:noFill/>
+                  </a:tcPr>
+                </a:tc>
+                <a:tc>
+                  <a:txBody>
+                    <a:bodyPr/>
+                    <a:lstStyle/>
+                    <a:p>
+                      <a:pPr>
+                        <a:buNone/>
+                      </a:pPr>
+                      <a:r>
+                        <a:rPr lang="en-CA" b="0" dirty="0"/>
+                        <a:t>0.7782</a:t>
+                      </a:r>
+                    </a:p>
+                  </a:txBody>
+                  <a:tcPr anchor="ctr">
+                    <a:lnL>
+                      <a:noFill/>
+                    </a:lnL>
+                    <a:lnR>
+                      <a:noFill/>
+                    </a:lnR>
+                    <a:lnT>
+                      <a:noFill/>
+                    </a:lnT>
+                    <a:lnB>
+                      <a:noFill/>
+                    </a:lnB>
+                    <a:noFill/>
+                  </a:tcPr>
+                </a:tc>
+                <a:tc>
+                  <a:txBody>
+                    <a:bodyPr/>
+                    <a:lstStyle/>
+                    <a:p>
+                      <a:pPr>
+                        <a:buNone/>
+                      </a:pPr>
+                      <a:r>
+                        <a:rPr lang="en-CA" b="0" dirty="0"/>
+                        <a:t>0.8025</a:t>
+                      </a:r>
+                    </a:p>
+                  </a:txBody>
+                  <a:tcPr anchor="ctr">
+                    <a:lnL>
+                      <a:noFill/>
+                    </a:lnL>
+                    <a:lnR>
+                      <a:noFill/>
+                    </a:lnR>
+                    <a:lnT>
+                      <a:noFill/>
+                    </a:lnT>
+                    <a:lnB>
+                      <a:noFill/>
+                    </a:lnB>
+                    <a:noFill/>
+                  </a:tcPr>
+                </a:tc>
+                <a:tc>
+                  <a:txBody>
+                    <a:bodyPr/>
+                    <a:lstStyle/>
+                    <a:p>
+                      <a:pPr>
+                        <a:buNone/>
+                      </a:pPr>
+                      <a:r>
+                        <a:rPr lang="en-CA" b="0" dirty="0"/>
+                        <a:t>0.1150</a:t>
+                      </a:r>
+                    </a:p>
+                  </a:txBody>
+                  <a:tcPr anchor="ctr">
+                    <a:lnL>
+                      <a:noFill/>
+                    </a:lnL>
+                    <a:lnR>
+                      <a:noFill/>
+                    </a:lnR>
+                    <a:lnT>
+                      <a:noFill/>
+                    </a:lnT>
+                    <a:lnB>
+                      <a:noFill/>
+                    </a:lnB>
+                    <a:noFill/>
+                  </a:tcPr>
+                </a:tc>
+                <a:tc>
+                  <a:txBody>
+                    <a:bodyPr/>
+                    <a:lstStyle/>
+                    <a:p>
+                      <a:pPr>
+                        <a:buNone/>
+                      </a:pPr>
+                      <a:r>
+                        <a:rPr lang="en-CA" b="0" dirty="0"/>
+                        <a:t>0.3202</a:t>
+                      </a:r>
+                    </a:p>
+                  </a:txBody>
+                  <a:tcPr anchor="ctr">
+                    <a:lnL>
+                      <a:noFill/>
+                    </a:lnL>
+                    <a:lnR>
+                      <a:noFill/>
+                    </a:lnR>
+                    <a:lnT>
+                      <a:noFill/>
+                    </a:lnT>
+                    <a:lnB>
+                      <a:noFill/>
+                    </a:lnB>
+                    <a:noFill/>
+                  </a:tcPr>
+                </a:tc>
+                <a:tc>
+                  <a:txBody>
+                    <a:bodyPr/>
+                    <a:lstStyle/>
+                    <a:p>
+                      <a:pPr>
+                        <a:buNone/>
+                      </a:pPr>
+                      <a:r>
+                        <a:rPr lang="en-CA"/>
+                        <a:t>0.2710</a:t>
+                      </a:r>
+                    </a:p>
+                  </a:txBody>
+                  <a:tcPr anchor="ctr">
+                    <a:lnL>
+                      <a:noFill/>
+                    </a:lnL>
+                    <a:lnR>
+                      <a:noFill/>
+                    </a:lnR>
+                    <a:lnT>
+                      <a:noFill/>
+                    </a:lnT>
+                    <a:lnB>
+                      <a:noFill/>
+                    </a:lnB>
+                    <a:noFill/>
+                  </a:tcPr>
+                </a:tc>
+                <a:tc>
+                  <a:txBody>
+                    <a:bodyPr/>
+                    <a:lstStyle/>
+                    <a:p>
+                      <a:pPr>
+                        <a:buNone/>
+                      </a:pPr>
+                      <a:r>
+                        <a:rPr lang="en-CA"/>
+                        <a:t>0.8370</a:t>
+                      </a:r>
+                    </a:p>
+                  </a:txBody>
+                  <a:tcPr anchor="ctr">
+                    <a:lnL>
+                      <a:noFill/>
+                    </a:lnL>
+                    <a:lnR>
+                      <a:noFill/>
+                    </a:lnR>
+                    <a:lnT>
+                      <a:noFill/>
+                    </a:lnT>
+                    <a:lnB>
+                      <a:noFill/>
+                    </a:lnB>
+                    <a:noFill/>
+                  </a:tcPr>
+                </a:tc>
+                <a:tc>
+                  <a:txBody>
+                    <a:bodyPr/>
+                    <a:lstStyle/>
+                    <a:p>
+                      <a:pPr>
+                        <a:buNone/>
+                      </a:pPr>
+                      <a:r>
+                        <a:rPr lang="en-CA" b="0" dirty="0"/>
+                        <a:t>0.9541</a:t>
+                      </a:r>
+                    </a:p>
+                  </a:txBody>
+                  <a:tcPr anchor="ctr">
+                    <a:lnL>
+                      <a:noFill/>
+                    </a:lnL>
+                    <a:lnR>
+                      <a:noFill/>
+                    </a:lnR>
+                    <a:lnT>
+                      <a:noFill/>
+                    </a:lnT>
+                    <a:lnB>
+                      <a:noFill/>
+                    </a:lnB>
+                    <a:noFill/>
+                  </a:tcPr>
+                </a:tc>
+                <a:extLst>
+                  <a:ext uri="{0D108BD9-81ED-4DB2-BD59-A6C34878D82A}">
+                    <a16:rowId xmlns:a16="http://schemas.microsoft.com/office/drawing/2014/main" val="1341642771"/>
+                  </a:ext>
+                </a:extLst>
+              </a:tr>
+            </a:tbl>
+          </a:graphicData>
+        </a:graphic>
+      </p:graphicFrame>
     </p:spTree>
     <p:extLst>
       <p:ext uri="{BB962C8B-B14F-4D97-AF65-F5344CB8AC3E}">
-        <p14:creationId xmlns:p14="http://schemas.microsoft.com/office/powerpoint/2010/main" val="1697290373"/>
+        <p14:creationId xmlns:p14="http://schemas.microsoft.com/office/powerpoint/2010/main" val="1673886989"/>
       </p:ext>
     </p:extLst>
   </p:cSld>
@@ -9804,7 +11741,7 @@
           <p:cNvPr id="2" name="Title 1">
             <a:extLst>
               <a:ext uri="{FF2B5EF4-FFF2-40B4-BE49-F238E27FC236}">
-                <a16:creationId xmlns:a16="http://schemas.microsoft.com/office/drawing/2014/main" id="{CFE4654A-7F08-4922-BD32-84DE8A0467DB}"/>
+                <a16:creationId xmlns:a16="http://schemas.microsoft.com/office/drawing/2014/main" id="{AD351EBE-4AB3-53B5-4CDA-2B97DA007578}"/>
               </a:ext>
             </a:extLst>
           </p:cNvPr>
@@ -9822,49 +11759,1970 @@
           <a:p>
             <a:r>
               <a:rPr lang="en-US" dirty="0"/>
-              <a:t>Results(Ctrl sample with </a:t>
-            </a:r>
-            <a:r>
-              <a:rPr lang="en-US" dirty="0" err="1"/>
-              <a:t>crisprko</a:t>
-            </a:r>
-            <a:r>
-              <a:rPr lang="en-US" dirty="0"/>
-              <a:t> perturbation)</a:t>
+              <a:t>Results(Experimentally perturb sample)</a:t>
             </a:r>
             <a:endParaRPr lang="en-CA" dirty="0"/>
           </a:p>
         </p:txBody>
       </p:sp>
-      <p:sp>
-        <p:nvSpPr>
-          <p:cNvPr id="3" name="Content Placeholder 2">
+      <p:graphicFrame>
+        <p:nvGraphicFramePr>
+          <p:cNvPr id="4" name="Table 3">
             <a:extLst>
               <a:ext uri="{FF2B5EF4-FFF2-40B4-BE49-F238E27FC236}">
-                <a16:creationId xmlns:a16="http://schemas.microsoft.com/office/drawing/2014/main" id="{CA7F1C25-AC01-5781-1F51-792F7FBC4905}"/>
+                <a16:creationId xmlns:a16="http://schemas.microsoft.com/office/drawing/2014/main" id="{58946877-0E02-9E2B-9B10-16F12DC244E0}"/>
               </a:ext>
             </a:extLst>
           </p:cNvPr>
-          <p:cNvSpPr>
-            <a:spLocks noGrp="1"/>
-          </p:cNvSpPr>
+          <p:cNvGraphicFramePr>
+            <a:graphicFrameLocks noGrp="1"/>
+          </p:cNvGraphicFramePr>
           <p:nvPr>
-            <p:ph idx="1"/>
+            <p:extLst>
+              <p:ext uri="{D42A27DB-BD31-4B8C-83A1-F6EECF244321}">
+                <p14:modId xmlns:p14="http://schemas.microsoft.com/office/powerpoint/2010/main" val="3246099938"/>
+              </p:ext>
+            </p:extLst>
           </p:nvPr>
-        </p:nvSpPr>
-        <p:spPr/>
-        <p:txBody>
-          <a:bodyPr/>
-          <a:lstStyle/>
-          <a:p>
-            <a:endParaRPr lang="en-CA"/>
-          </a:p>
-        </p:txBody>
-      </p:sp>
+        </p:nvGraphicFramePr>
+        <p:xfrm>
+          <a:off x="284988" y="1835690"/>
+          <a:ext cx="11907012" cy="2590800"/>
+        </p:xfrm>
+        <a:graphic>
+          <a:graphicData uri="http://schemas.openxmlformats.org/drawingml/2006/table">
+            <a:tbl>
+              <a:tblPr/>
+              <a:tblGrid>
+                <a:gridCol w="992251">
+                  <a:extLst>
+                    <a:ext uri="{9D8B030D-6E8A-4147-A177-3AD203B41FA5}">
+                      <a16:colId xmlns:a16="http://schemas.microsoft.com/office/drawing/2014/main" val="859577950"/>
+                    </a:ext>
+                  </a:extLst>
+                </a:gridCol>
+                <a:gridCol w="992251">
+                  <a:extLst>
+                    <a:ext uri="{9D8B030D-6E8A-4147-A177-3AD203B41FA5}">
+                      <a16:colId xmlns:a16="http://schemas.microsoft.com/office/drawing/2014/main" val="3290631456"/>
+                    </a:ext>
+                  </a:extLst>
+                </a:gridCol>
+                <a:gridCol w="992251">
+                  <a:extLst>
+                    <a:ext uri="{9D8B030D-6E8A-4147-A177-3AD203B41FA5}">
+                      <a16:colId xmlns:a16="http://schemas.microsoft.com/office/drawing/2014/main" val="360272942"/>
+                    </a:ext>
+                  </a:extLst>
+                </a:gridCol>
+                <a:gridCol w="992251">
+                  <a:extLst>
+                    <a:ext uri="{9D8B030D-6E8A-4147-A177-3AD203B41FA5}">
+                      <a16:colId xmlns:a16="http://schemas.microsoft.com/office/drawing/2014/main" val="1623022911"/>
+                    </a:ext>
+                  </a:extLst>
+                </a:gridCol>
+                <a:gridCol w="992251">
+                  <a:extLst>
+                    <a:ext uri="{9D8B030D-6E8A-4147-A177-3AD203B41FA5}">
+                      <a16:colId xmlns:a16="http://schemas.microsoft.com/office/drawing/2014/main" val="4107525468"/>
+                    </a:ext>
+                  </a:extLst>
+                </a:gridCol>
+                <a:gridCol w="992251">
+                  <a:extLst>
+                    <a:ext uri="{9D8B030D-6E8A-4147-A177-3AD203B41FA5}">
+                      <a16:colId xmlns:a16="http://schemas.microsoft.com/office/drawing/2014/main" val="2617562480"/>
+                    </a:ext>
+                  </a:extLst>
+                </a:gridCol>
+                <a:gridCol w="992251">
+                  <a:extLst>
+                    <a:ext uri="{9D8B030D-6E8A-4147-A177-3AD203B41FA5}">
+                      <a16:colId xmlns:a16="http://schemas.microsoft.com/office/drawing/2014/main" val="3741354175"/>
+                    </a:ext>
+                  </a:extLst>
+                </a:gridCol>
+                <a:gridCol w="992251">
+                  <a:extLst>
+                    <a:ext uri="{9D8B030D-6E8A-4147-A177-3AD203B41FA5}">
+                      <a16:colId xmlns:a16="http://schemas.microsoft.com/office/drawing/2014/main" val="4280665784"/>
+                    </a:ext>
+                  </a:extLst>
+                </a:gridCol>
+                <a:gridCol w="992251">
+                  <a:extLst>
+                    <a:ext uri="{9D8B030D-6E8A-4147-A177-3AD203B41FA5}">
+                      <a16:colId xmlns:a16="http://schemas.microsoft.com/office/drawing/2014/main" val="1992117642"/>
+                    </a:ext>
+                  </a:extLst>
+                </a:gridCol>
+                <a:gridCol w="992251">
+                  <a:extLst>
+                    <a:ext uri="{9D8B030D-6E8A-4147-A177-3AD203B41FA5}">
+                      <a16:colId xmlns:a16="http://schemas.microsoft.com/office/drawing/2014/main" val="3422534621"/>
+                    </a:ext>
+                  </a:extLst>
+                </a:gridCol>
+                <a:gridCol w="992251">
+                  <a:extLst>
+                    <a:ext uri="{9D8B030D-6E8A-4147-A177-3AD203B41FA5}">
+                      <a16:colId xmlns:a16="http://schemas.microsoft.com/office/drawing/2014/main" val="344551929"/>
+                    </a:ext>
+                  </a:extLst>
+                </a:gridCol>
+                <a:gridCol w="992251">
+                  <a:extLst>
+                    <a:ext uri="{9D8B030D-6E8A-4147-A177-3AD203B41FA5}">
+                      <a16:colId xmlns:a16="http://schemas.microsoft.com/office/drawing/2014/main" val="1503384562"/>
+                    </a:ext>
+                  </a:extLst>
+                </a:gridCol>
+              </a:tblGrid>
+              <a:tr h="0">
+                <a:tc>
+                  <a:txBody>
+                    <a:bodyPr/>
+                    <a:lstStyle/>
+                    <a:p>
+                      <a:pPr>
+                        <a:buNone/>
+                      </a:pPr>
+                      <a:r>
+                        <a:rPr lang="en-CA" sz="1600" dirty="0"/>
+                        <a:t>Algorithm</a:t>
+                      </a:r>
+                    </a:p>
+                  </a:txBody>
+                  <a:tcPr anchor="ctr">
+                    <a:lnL>
+                      <a:noFill/>
+                    </a:lnL>
+                    <a:lnR>
+                      <a:noFill/>
+                    </a:lnR>
+                    <a:lnT>
+                      <a:noFill/>
+                    </a:lnT>
+                    <a:lnB>
+                      <a:noFill/>
+                    </a:lnB>
+                    <a:noFill/>
+                  </a:tcPr>
+                </a:tc>
+                <a:tc>
+                  <a:txBody>
+                    <a:bodyPr/>
+                    <a:lstStyle/>
+                    <a:p>
+                      <a:pPr>
+                        <a:buNone/>
+                      </a:pPr>
+                      <a:r>
+                        <a:rPr lang="en-CA" dirty="0"/>
+                        <a:t>Split</a:t>
+                      </a:r>
+                    </a:p>
+                  </a:txBody>
+                  <a:tcPr anchor="ctr">
+                    <a:lnL>
+                      <a:noFill/>
+                    </a:lnL>
+                    <a:lnR>
+                      <a:noFill/>
+                    </a:lnR>
+                    <a:lnT>
+                      <a:noFill/>
+                    </a:lnT>
+                    <a:lnB>
+                      <a:noFill/>
+                    </a:lnB>
+                    <a:noFill/>
+                  </a:tcPr>
+                </a:tc>
+                <a:tc>
+                  <a:txBody>
+                    <a:bodyPr/>
+                    <a:lstStyle/>
+                    <a:p>
+                      <a:pPr>
+                        <a:buNone/>
+                      </a:pPr>
+                      <a:r>
+                        <a:rPr lang="en-CA" sz="1600" dirty="0"/>
+                        <a:t>Accuracy</a:t>
+                      </a:r>
+                    </a:p>
+                  </a:txBody>
+                  <a:tcPr anchor="ctr">
+                    <a:lnL>
+                      <a:noFill/>
+                    </a:lnL>
+                    <a:lnR>
+                      <a:noFill/>
+                    </a:lnR>
+                    <a:lnT>
+                      <a:noFill/>
+                    </a:lnT>
+                    <a:lnB>
+                      <a:noFill/>
+                    </a:lnB>
+                    <a:noFill/>
+                  </a:tcPr>
+                </a:tc>
+                <a:tc>
+                  <a:txBody>
+                    <a:bodyPr/>
+                    <a:lstStyle/>
+                    <a:p>
+                      <a:pPr>
+                        <a:buNone/>
+                      </a:pPr>
+                      <a:r>
+                        <a:rPr lang="en-CA" sz="1600" dirty="0"/>
+                        <a:t>Precision</a:t>
+                      </a:r>
+                    </a:p>
+                  </a:txBody>
+                  <a:tcPr anchor="ctr">
+                    <a:lnL>
+                      <a:noFill/>
+                    </a:lnL>
+                    <a:lnR>
+                      <a:noFill/>
+                    </a:lnR>
+                    <a:lnT>
+                      <a:noFill/>
+                    </a:lnT>
+                    <a:lnB>
+                      <a:noFill/>
+                    </a:lnB>
+                    <a:noFill/>
+                  </a:tcPr>
+                </a:tc>
+                <a:tc>
+                  <a:txBody>
+                    <a:bodyPr/>
+                    <a:lstStyle/>
+                    <a:p>
+                      <a:pPr>
+                        <a:buNone/>
+                      </a:pPr>
+                      <a:r>
+                        <a:rPr lang="en-CA" sz="1600" dirty="0"/>
+                        <a:t>Recall</a:t>
+                      </a:r>
+                    </a:p>
+                  </a:txBody>
+                  <a:tcPr anchor="ctr">
+                    <a:lnL>
+                      <a:noFill/>
+                    </a:lnL>
+                    <a:lnR>
+                      <a:noFill/>
+                    </a:lnR>
+                    <a:lnT>
+                      <a:noFill/>
+                    </a:lnT>
+                    <a:lnB>
+                      <a:noFill/>
+                    </a:lnB>
+                    <a:noFill/>
+                  </a:tcPr>
+                </a:tc>
+                <a:tc>
+                  <a:txBody>
+                    <a:bodyPr/>
+                    <a:lstStyle/>
+                    <a:p>
+                      <a:pPr>
+                        <a:buNone/>
+                      </a:pPr>
+                      <a:r>
+                        <a:rPr lang="en-CA" sz="1600" dirty="0"/>
+                        <a:t>F1</a:t>
+                      </a:r>
+                    </a:p>
+                  </a:txBody>
+                  <a:tcPr anchor="ctr">
+                    <a:lnL>
+                      <a:noFill/>
+                    </a:lnL>
+                    <a:lnR>
+                      <a:noFill/>
+                    </a:lnR>
+                    <a:lnT>
+                      <a:noFill/>
+                    </a:lnT>
+                    <a:lnB>
+                      <a:noFill/>
+                    </a:lnB>
+                    <a:noFill/>
+                  </a:tcPr>
+                </a:tc>
+                <a:tc>
+                  <a:txBody>
+                    <a:bodyPr/>
+                    <a:lstStyle/>
+                    <a:p>
+                      <a:pPr>
+                        <a:buNone/>
+                      </a:pPr>
+                      <a:r>
+                        <a:rPr lang="en-CA" sz="1600"/>
+                        <a:t>AUPRC</a:t>
+                      </a:r>
+                      <a:endParaRPr lang="en-CA" sz="1600" dirty="0"/>
+                    </a:p>
+                  </a:txBody>
+                  <a:tcPr anchor="ctr">
+                    <a:lnL>
+                      <a:noFill/>
+                    </a:lnL>
+                    <a:lnR>
+                      <a:noFill/>
+                    </a:lnR>
+                    <a:lnT>
+                      <a:noFill/>
+                    </a:lnT>
+                    <a:lnB>
+                      <a:noFill/>
+                    </a:lnB>
+                    <a:noFill/>
+                  </a:tcPr>
+                </a:tc>
+                <a:tc>
+                  <a:txBody>
+                    <a:bodyPr/>
+                    <a:lstStyle/>
+                    <a:p>
+                      <a:pPr>
+                        <a:buNone/>
+                      </a:pPr>
+                      <a:r>
+                        <a:rPr lang="en-CA" sz="1600" dirty="0"/>
+                        <a:t>MSE</a:t>
+                      </a:r>
+                    </a:p>
+                  </a:txBody>
+                  <a:tcPr anchor="ctr">
+                    <a:lnL>
+                      <a:noFill/>
+                    </a:lnL>
+                    <a:lnR>
+                      <a:noFill/>
+                    </a:lnR>
+                    <a:lnT>
+                      <a:noFill/>
+                    </a:lnT>
+                    <a:lnB>
+                      <a:noFill/>
+                    </a:lnB>
+                    <a:noFill/>
+                  </a:tcPr>
+                </a:tc>
+                <a:tc>
+                  <a:txBody>
+                    <a:bodyPr/>
+                    <a:lstStyle/>
+                    <a:p>
+                      <a:pPr>
+                        <a:buNone/>
+                      </a:pPr>
+                      <a:r>
+                        <a:rPr lang="en-CA" sz="1600" dirty="0"/>
+                        <a:t>RMSE</a:t>
+                      </a:r>
+                    </a:p>
+                  </a:txBody>
+                  <a:tcPr anchor="ctr">
+                    <a:lnL>
+                      <a:noFill/>
+                    </a:lnL>
+                    <a:lnR>
+                      <a:noFill/>
+                    </a:lnR>
+                    <a:lnT>
+                      <a:noFill/>
+                    </a:lnT>
+                    <a:lnB>
+                      <a:noFill/>
+                    </a:lnB>
+                    <a:noFill/>
+                  </a:tcPr>
+                </a:tc>
+                <a:tc>
+                  <a:txBody>
+                    <a:bodyPr/>
+                    <a:lstStyle/>
+                    <a:p>
+                      <a:pPr>
+                        <a:buNone/>
+                      </a:pPr>
+                      <a:r>
+                        <a:rPr lang="en-CA" sz="1600" dirty="0"/>
+                        <a:t>MAE</a:t>
+                      </a:r>
+                    </a:p>
+                  </a:txBody>
+                  <a:tcPr anchor="ctr">
+                    <a:lnL>
+                      <a:noFill/>
+                    </a:lnL>
+                    <a:lnR>
+                      <a:noFill/>
+                    </a:lnR>
+                    <a:lnT>
+                      <a:noFill/>
+                    </a:lnT>
+                    <a:lnB>
+                      <a:noFill/>
+                    </a:lnB>
+                    <a:noFill/>
+                  </a:tcPr>
+                </a:tc>
+                <a:tc>
+                  <a:txBody>
+                    <a:bodyPr/>
+                    <a:lstStyle/>
+                    <a:p>
+                      <a:pPr>
+                        <a:buNone/>
+                      </a:pPr>
+                      <a:r>
+                        <a:rPr lang="en-CA" sz="1600" dirty="0"/>
+                        <a:t>R²</a:t>
+                      </a:r>
+                    </a:p>
+                  </a:txBody>
+                  <a:tcPr anchor="ctr">
+                    <a:lnL>
+                      <a:noFill/>
+                    </a:lnL>
+                    <a:lnR>
+                      <a:noFill/>
+                    </a:lnR>
+                    <a:lnT>
+                      <a:noFill/>
+                    </a:lnT>
+                    <a:lnB>
+                      <a:noFill/>
+                    </a:lnB>
+                    <a:noFill/>
+                  </a:tcPr>
+                </a:tc>
+                <a:tc>
+                  <a:txBody>
+                    <a:bodyPr/>
+                    <a:lstStyle/>
+                    <a:p>
+                      <a:pPr>
+                        <a:buNone/>
+                      </a:pPr>
+                      <a:r>
+                        <a:rPr lang="en-CA" sz="1600" dirty="0"/>
+                        <a:t>Pearson</a:t>
+                      </a:r>
+                    </a:p>
+                  </a:txBody>
+                  <a:tcPr anchor="ctr">
+                    <a:lnL>
+                      <a:noFill/>
+                    </a:lnL>
+                    <a:lnR>
+                      <a:noFill/>
+                    </a:lnR>
+                    <a:lnT>
+                      <a:noFill/>
+                    </a:lnT>
+                    <a:lnB>
+                      <a:noFill/>
+                    </a:lnB>
+                    <a:noFill/>
+                  </a:tcPr>
+                </a:tc>
+                <a:extLst>
+                  <a:ext uri="{0D108BD9-81ED-4DB2-BD59-A6C34878D82A}">
+                    <a16:rowId xmlns:a16="http://schemas.microsoft.com/office/drawing/2014/main" val="956187653"/>
+                  </a:ext>
+                </a:extLst>
+              </a:tr>
+              <a:tr h="0">
+                <a:tc>
+                  <a:txBody>
+                    <a:bodyPr/>
+                    <a:lstStyle/>
+                    <a:p>
+                      <a:pPr>
+                        <a:buNone/>
+                      </a:pPr>
+                      <a:r>
+                        <a:rPr lang="en-CA"/>
+                        <a:t>PPO</a:t>
+                      </a:r>
+                    </a:p>
+                  </a:txBody>
+                  <a:tcPr anchor="ctr">
+                    <a:lnL>
+                      <a:noFill/>
+                    </a:lnL>
+                    <a:lnR>
+                      <a:noFill/>
+                    </a:lnR>
+                    <a:lnT>
+                      <a:noFill/>
+                    </a:lnT>
+                    <a:lnB>
+                      <a:noFill/>
+                    </a:lnB>
+                    <a:noFill/>
+                  </a:tcPr>
+                </a:tc>
+                <a:tc>
+                  <a:txBody>
+                    <a:bodyPr/>
+                    <a:lstStyle/>
+                    <a:p>
+                      <a:pPr>
+                        <a:buNone/>
+                      </a:pPr>
+                      <a:r>
+                        <a:rPr lang="en-CA"/>
+                        <a:t>Test</a:t>
+                      </a:r>
+                    </a:p>
+                  </a:txBody>
+                  <a:tcPr anchor="ctr">
+                    <a:lnL>
+                      <a:noFill/>
+                    </a:lnL>
+                    <a:lnR>
+                      <a:noFill/>
+                    </a:lnR>
+                    <a:lnT>
+                      <a:noFill/>
+                    </a:lnT>
+                    <a:lnB>
+                      <a:noFill/>
+                    </a:lnB>
+                    <a:noFill/>
+                  </a:tcPr>
+                </a:tc>
+                <a:tc>
+                  <a:txBody>
+                    <a:bodyPr/>
+                    <a:lstStyle/>
+                    <a:p>
+                      <a:pPr>
+                        <a:buNone/>
+                      </a:pPr>
+                      <a:r>
+                        <a:rPr lang="en-CA" b="0" dirty="0"/>
+                        <a:t>0.8734</a:t>
+                      </a:r>
+                    </a:p>
+                  </a:txBody>
+                  <a:tcPr anchor="ctr">
+                    <a:lnL>
+                      <a:noFill/>
+                    </a:lnL>
+                    <a:lnR>
+                      <a:noFill/>
+                    </a:lnR>
+                    <a:lnT>
+                      <a:noFill/>
+                    </a:lnT>
+                    <a:lnB>
+                      <a:noFill/>
+                    </a:lnB>
+                    <a:noFill/>
+                  </a:tcPr>
+                </a:tc>
+                <a:tc>
+                  <a:txBody>
+                    <a:bodyPr/>
+                    <a:lstStyle/>
+                    <a:p>
+                      <a:pPr>
+                        <a:buNone/>
+                      </a:pPr>
+                      <a:r>
+                        <a:rPr lang="en-CA"/>
+                        <a:t>0.8363</a:t>
+                      </a:r>
+                    </a:p>
+                  </a:txBody>
+                  <a:tcPr anchor="ctr">
+                    <a:lnL>
+                      <a:noFill/>
+                    </a:lnL>
+                    <a:lnR>
+                      <a:noFill/>
+                    </a:lnR>
+                    <a:lnT>
+                      <a:noFill/>
+                    </a:lnT>
+                    <a:lnB>
+                      <a:noFill/>
+                    </a:lnB>
+                    <a:noFill/>
+                  </a:tcPr>
+                </a:tc>
+                <a:tc>
+                  <a:txBody>
+                    <a:bodyPr/>
+                    <a:lstStyle/>
+                    <a:p>
+                      <a:pPr>
+                        <a:buNone/>
+                      </a:pPr>
+                      <a:r>
+                        <a:rPr lang="en-CA" b="0" dirty="0"/>
+                        <a:t>0.8503</a:t>
+                      </a:r>
+                    </a:p>
+                  </a:txBody>
+                  <a:tcPr anchor="ctr">
+                    <a:lnL>
+                      <a:noFill/>
+                    </a:lnL>
+                    <a:lnR>
+                      <a:noFill/>
+                    </a:lnR>
+                    <a:lnT>
+                      <a:noFill/>
+                    </a:lnT>
+                    <a:lnB>
+                      <a:noFill/>
+                    </a:lnB>
+                    <a:noFill/>
+                  </a:tcPr>
+                </a:tc>
+                <a:tc>
+                  <a:txBody>
+                    <a:bodyPr/>
+                    <a:lstStyle/>
+                    <a:p>
+                      <a:pPr>
+                        <a:buNone/>
+                      </a:pPr>
+                      <a:r>
+                        <a:rPr lang="en-CA" b="0" dirty="0"/>
+                        <a:t>0.8262</a:t>
+                      </a:r>
+                    </a:p>
+                  </a:txBody>
+                  <a:tcPr anchor="ctr">
+                    <a:lnL>
+                      <a:noFill/>
+                    </a:lnL>
+                    <a:lnR>
+                      <a:noFill/>
+                    </a:lnR>
+                    <a:lnT>
+                      <a:noFill/>
+                    </a:lnT>
+                    <a:lnB>
+                      <a:noFill/>
+                    </a:lnB>
+                    <a:noFill/>
+                  </a:tcPr>
+                </a:tc>
+                <a:tc>
+                  <a:txBody>
+                    <a:bodyPr/>
+                    <a:lstStyle/>
+                    <a:p>
+                      <a:pPr>
+                        <a:buNone/>
+                      </a:pPr>
+                      <a:r>
+                        <a:rPr lang="en-CA" b="0" dirty="0"/>
+                        <a:t>0.7924</a:t>
+                      </a:r>
+                    </a:p>
+                  </a:txBody>
+                  <a:tcPr anchor="ctr">
+                    <a:lnL>
+                      <a:noFill/>
+                    </a:lnL>
+                    <a:lnR>
+                      <a:noFill/>
+                    </a:lnR>
+                    <a:lnT>
+                      <a:noFill/>
+                    </a:lnT>
+                    <a:lnB>
+                      <a:noFill/>
+                    </a:lnB>
+                    <a:noFill/>
+                  </a:tcPr>
+                </a:tc>
+                <a:tc>
+                  <a:txBody>
+                    <a:bodyPr/>
+                    <a:lstStyle/>
+                    <a:p>
+                      <a:pPr>
+                        <a:buNone/>
+                      </a:pPr>
+                      <a:r>
+                        <a:rPr lang="en-CA"/>
+                        <a:t>0.3498</a:t>
+                      </a:r>
+                    </a:p>
+                  </a:txBody>
+                  <a:tcPr anchor="ctr">
+                    <a:lnL>
+                      <a:noFill/>
+                    </a:lnL>
+                    <a:lnR>
+                      <a:noFill/>
+                    </a:lnR>
+                    <a:lnT>
+                      <a:noFill/>
+                    </a:lnT>
+                    <a:lnB>
+                      <a:noFill/>
+                    </a:lnB>
+                    <a:noFill/>
+                  </a:tcPr>
+                </a:tc>
+                <a:tc>
+                  <a:txBody>
+                    <a:bodyPr/>
+                    <a:lstStyle/>
+                    <a:p>
+                      <a:pPr>
+                        <a:buNone/>
+                      </a:pPr>
+                      <a:r>
+                        <a:rPr lang="en-CA"/>
+                        <a:t>0.5566</a:t>
+                      </a:r>
+                    </a:p>
+                  </a:txBody>
+                  <a:tcPr anchor="ctr">
+                    <a:lnL>
+                      <a:noFill/>
+                    </a:lnL>
+                    <a:lnR>
+                      <a:noFill/>
+                    </a:lnR>
+                    <a:lnT>
+                      <a:noFill/>
+                    </a:lnT>
+                    <a:lnB>
+                      <a:noFill/>
+                    </a:lnB>
+                    <a:noFill/>
+                  </a:tcPr>
+                </a:tc>
+                <a:tc>
+                  <a:txBody>
+                    <a:bodyPr/>
+                    <a:lstStyle/>
+                    <a:p>
+                      <a:pPr>
+                        <a:buNone/>
+                      </a:pPr>
+                      <a:r>
+                        <a:rPr lang="en-CA"/>
+                        <a:t>0.3045</a:t>
+                      </a:r>
+                    </a:p>
+                  </a:txBody>
+                  <a:tcPr anchor="ctr">
+                    <a:lnL>
+                      <a:noFill/>
+                    </a:lnL>
+                    <a:lnR>
+                      <a:noFill/>
+                    </a:lnR>
+                    <a:lnT>
+                      <a:noFill/>
+                    </a:lnT>
+                    <a:lnB>
+                      <a:noFill/>
+                    </a:lnB>
+                    <a:noFill/>
+                  </a:tcPr>
+                </a:tc>
+                <a:tc>
+                  <a:txBody>
+                    <a:bodyPr/>
+                    <a:lstStyle/>
+                    <a:p>
+                      <a:pPr>
+                        <a:buNone/>
+                      </a:pPr>
+                      <a:r>
+                        <a:rPr lang="en-CA"/>
+                        <a:t>0.6936</a:t>
+                      </a:r>
+                    </a:p>
+                  </a:txBody>
+                  <a:tcPr anchor="ctr">
+                    <a:lnL>
+                      <a:noFill/>
+                    </a:lnL>
+                    <a:lnR>
+                      <a:noFill/>
+                    </a:lnR>
+                    <a:lnT>
+                      <a:noFill/>
+                    </a:lnT>
+                    <a:lnB>
+                      <a:noFill/>
+                    </a:lnB>
+                    <a:noFill/>
+                  </a:tcPr>
+                </a:tc>
+                <a:tc>
+                  <a:txBody>
+                    <a:bodyPr/>
+                    <a:lstStyle/>
+                    <a:p>
+                      <a:pPr>
+                        <a:buNone/>
+                      </a:pPr>
+                      <a:r>
+                        <a:rPr lang="en-CA"/>
+                        <a:t>0.8489</a:t>
+                      </a:r>
+                    </a:p>
+                  </a:txBody>
+                  <a:tcPr anchor="ctr">
+                    <a:lnL>
+                      <a:noFill/>
+                    </a:lnL>
+                    <a:lnR>
+                      <a:noFill/>
+                    </a:lnR>
+                    <a:lnT>
+                      <a:noFill/>
+                    </a:lnT>
+                    <a:lnB>
+                      <a:noFill/>
+                    </a:lnB>
+                    <a:noFill/>
+                  </a:tcPr>
+                </a:tc>
+                <a:extLst>
+                  <a:ext uri="{0D108BD9-81ED-4DB2-BD59-A6C34878D82A}">
+                    <a16:rowId xmlns:a16="http://schemas.microsoft.com/office/drawing/2014/main" val="3596735599"/>
+                  </a:ext>
+                </a:extLst>
+              </a:tr>
+              <a:tr h="0">
+                <a:tc>
+                  <a:txBody>
+                    <a:bodyPr/>
+                    <a:lstStyle/>
+                    <a:p>
+                      <a:pPr>
+                        <a:buNone/>
+                      </a:pPr>
+                      <a:r>
+                        <a:rPr lang="en-CA"/>
+                        <a:t>PPO</a:t>
+                      </a:r>
+                    </a:p>
+                  </a:txBody>
+                  <a:tcPr anchor="ctr">
+                    <a:lnL>
+                      <a:noFill/>
+                    </a:lnL>
+                    <a:lnR>
+                      <a:noFill/>
+                    </a:lnR>
+                    <a:lnT>
+                      <a:noFill/>
+                    </a:lnT>
+                    <a:lnB>
+                      <a:noFill/>
+                    </a:lnB>
+                    <a:noFill/>
+                  </a:tcPr>
+                </a:tc>
+                <a:tc>
+                  <a:txBody>
+                    <a:bodyPr/>
+                    <a:lstStyle/>
+                    <a:p>
+                      <a:pPr>
+                        <a:buNone/>
+                      </a:pPr>
+                      <a:r>
+                        <a:rPr lang="en-CA"/>
+                        <a:t>Train</a:t>
+                      </a:r>
+                    </a:p>
+                  </a:txBody>
+                  <a:tcPr anchor="ctr">
+                    <a:lnL>
+                      <a:noFill/>
+                    </a:lnL>
+                    <a:lnR>
+                      <a:noFill/>
+                    </a:lnR>
+                    <a:lnT>
+                      <a:noFill/>
+                    </a:lnT>
+                    <a:lnB>
+                      <a:noFill/>
+                    </a:lnB>
+                    <a:noFill/>
+                  </a:tcPr>
+                </a:tc>
+                <a:tc>
+                  <a:txBody>
+                    <a:bodyPr/>
+                    <a:lstStyle/>
+                    <a:p>
+                      <a:pPr>
+                        <a:buNone/>
+                      </a:pPr>
+                      <a:r>
+                        <a:rPr lang="en-CA" b="0" dirty="0"/>
+                        <a:t>0.8684</a:t>
+                      </a:r>
+                    </a:p>
+                  </a:txBody>
+                  <a:tcPr anchor="ctr">
+                    <a:lnL>
+                      <a:noFill/>
+                    </a:lnL>
+                    <a:lnR>
+                      <a:noFill/>
+                    </a:lnR>
+                    <a:lnT>
+                      <a:noFill/>
+                    </a:lnT>
+                    <a:lnB>
+                      <a:noFill/>
+                    </a:lnB>
+                    <a:noFill/>
+                  </a:tcPr>
+                </a:tc>
+                <a:tc>
+                  <a:txBody>
+                    <a:bodyPr/>
+                    <a:lstStyle/>
+                    <a:p>
+                      <a:pPr>
+                        <a:buNone/>
+                      </a:pPr>
+                      <a:r>
+                        <a:rPr lang="en-CA" dirty="0"/>
+                        <a:t>0.8324</a:t>
+                      </a:r>
+                    </a:p>
+                  </a:txBody>
+                  <a:tcPr anchor="ctr">
+                    <a:lnL>
+                      <a:noFill/>
+                    </a:lnL>
+                    <a:lnR>
+                      <a:noFill/>
+                    </a:lnR>
+                    <a:lnT>
+                      <a:noFill/>
+                    </a:lnT>
+                    <a:lnB>
+                      <a:noFill/>
+                    </a:lnB>
+                    <a:noFill/>
+                  </a:tcPr>
+                </a:tc>
+                <a:tc>
+                  <a:txBody>
+                    <a:bodyPr/>
+                    <a:lstStyle/>
+                    <a:p>
+                      <a:pPr>
+                        <a:buNone/>
+                      </a:pPr>
+                      <a:r>
+                        <a:rPr lang="en-CA" b="0" dirty="0"/>
+                        <a:t>0.8364</a:t>
+                      </a:r>
+                    </a:p>
+                  </a:txBody>
+                  <a:tcPr anchor="ctr">
+                    <a:lnL>
+                      <a:noFill/>
+                    </a:lnL>
+                    <a:lnR>
+                      <a:noFill/>
+                    </a:lnR>
+                    <a:lnT>
+                      <a:noFill/>
+                    </a:lnT>
+                    <a:lnB>
+                      <a:noFill/>
+                    </a:lnB>
+                    <a:noFill/>
+                  </a:tcPr>
+                </a:tc>
+                <a:tc>
+                  <a:txBody>
+                    <a:bodyPr/>
+                    <a:lstStyle/>
+                    <a:p>
+                      <a:pPr>
+                        <a:buNone/>
+                      </a:pPr>
+                      <a:r>
+                        <a:rPr lang="en-CA" b="0" dirty="0"/>
+                        <a:t>0.8168</a:t>
+                      </a:r>
+                    </a:p>
+                  </a:txBody>
+                  <a:tcPr anchor="ctr">
+                    <a:lnL>
+                      <a:noFill/>
+                    </a:lnL>
+                    <a:lnR>
+                      <a:noFill/>
+                    </a:lnR>
+                    <a:lnT>
+                      <a:noFill/>
+                    </a:lnT>
+                    <a:lnB>
+                      <a:noFill/>
+                    </a:lnB>
+                    <a:noFill/>
+                  </a:tcPr>
+                </a:tc>
+                <a:tc>
+                  <a:txBody>
+                    <a:bodyPr/>
+                    <a:lstStyle/>
+                    <a:p>
+                      <a:pPr>
+                        <a:buNone/>
+                      </a:pPr>
+                      <a:r>
+                        <a:rPr lang="en-CA" b="0" dirty="0"/>
+                        <a:t>0.7830</a:t>
+                      </a:r>
+                    </a:p>
+                  </a:txBody>
+                  <a:tcPr anchor="ctr">
+                    <a:lnL>
+                      <a:noFill/>
+                    </a:lnL>
+                    <a:lnR>
+                      <a:noFill/>
+                    </a:lnR>
+                    <a:lnT>
+                      <a:noFill/>
+                    </a:lnT>
+                    <a:lnB>
+                      <a:noFill/>
+                    </a:lnB>
+                    <a:noFill/>
+                  </a:tcPr>
+                </a:tc>
+                <a:tc>
+                  <a:txBody>
+                    <a:bodyPr/>
+                    <a:lstStyle/>
+                    <a:p>
+                      <a:pPr>
+                        <a:buNone/>
+                      </a:pPr>
+                      <a:r>
+                        <a:rPr lang="en-CA" b="0" dirty="0"/>
+                        <a:t>0.2620</a:t>
+                      </a:r>
+                    </a:p>
+                  </a:txBody>
+                  <a:tcPr anchor="ctr">
+                    <a:lnL>
+                      <a:noFill/>
+                    </a:lnL>
+                    <a:lnR>
+                      <a:noFill/>
+                    </a:lnR>
+                    <a:lnT>
+                      <a:noFill/>
+                    </a:lnT>
+                    <a:lnB>
+                      <a:noFill/>
+                    </a:lnB>
+                    <a:noFill/>
+                  </a:tcPr>
+                </a:tc>
+                <a:tc>
+                  <a:txBody>
+                    <a:bodyPr/>
+                    <a:lstStyle/>
+                    <a:p>
+                      <a:pPr>
+                        <a:buNone/>
+                      </a:pPr>
+                      <a:r>
+                        <a:rPr lang="en-CA" b="0" dirty="0"/>
+                        <a:t>0.4867</a:t>
+                      </a:r>
+                    </a:p>
+                  </a:txBody>
+                  <a:tcPr anchor="ctr">
+                    <a:lnL>
+                      <a:noFill/>
+                    </a:lnL>
+                    <a:lnR>
+                      <a:noFill/>
+                    </a:lnR>
+                    <a:lnT>
+                      <a:noFill/>
+                    </a:lnT>
+                    <a:lnB>
+                      <a:noFill/>
+                    </a:lnB>
+                    <a:noFill/>
+                  </a:tcPr>
+                </a:tc>
+                <a:tc>
+                  <a:txBody>
+                    <a:bodyPr/>
+                    <a:lstStyle/>
+                    <a:p>
+                      <a:pPr>
+                        <a:buNone/>
+                      </a:pPr>
+                      <a:r>
+                        <a:rPr lang="en-CA" b="0" dirty="0"/>
+                        <a:t>0.2762</a:t>
+                      </a:r>
+                    </a:p>
+                  </a:txBody>
+                  <a:tcPr anchor="ctr">
+                    <a:lnL>
+                      <a:noFill/>
+                    </a:lnL>
+                    <a:lnR>
+                      <a:noFill/>
+                    </a:lnR>
+                    <a:lnT>
+                      <a:noFill/>
+                    </a:lnT>
+                    <a:lnB>
+                      <a:noFill/>
+                    </a:lnB>
+                    <a:noFill/>
+                  </a:tcPr>
+                </a:tc>
+                <a:tc>
+                  <a:txBody>
+                    <a:bodyPr/>
+                    <a:lstStyle/>
+                    <a:p>
+                      <a:pPr>
+                        <a:buNone/>
+                      </a:pPr>
+                      <a:r>
+                        <a:rPr lang="en-CA" b="0" dirty="0"/>
+                        <a:t>0.7481</a:t>
+                      </a:r>
+                    </a:p>
+                  </a:txBody>
+                  <a:tcPr anchor="ctr">
+                    <a:lnL>
+                      <a:noFill/>
+                    </a:lnL>
+                    <a:lnR>
+                      <a:noFill/>
+                    </a:lnR>
+                    <a:lnT>
+                      <a:noFill/>
+                    </a:lnT>
+                    <a:lnB>
+                      <a:noFill/>
+                    </a:lnB>
+                    <a:noFill/>
+                  </a:tcPr>
+                </a:tc>
+                <a:tc>
+                  <a:txBody>
+                    <a:bodyPr/>
+                    <a:lstStyle/>
+                    <a:p>
+                      <a:pPr>
+                        <a:buNone/>
+                      </a:pPr>
+                      <a:r>
+                        <a:rPr lang="en-CA" b="0" dirty="0"/>
+                        <a:t>0.8796</a:t>
+                      </a:r>
+                    </a:p>
+                  </a:txBody>
+                  <a:tcPr anchor="ctr">
+                    <a:lnL>
+                      <a:noFill/>
+                    </a:lnL>
+                    <a:lnR>
+                      <a:noFill/>
+                    </a:lnR>
+                    <a:lnT>
+                      <a:noFill/>
+                    </a:lnT>
+                    <a:lnB>
+                      <a:noFill/>
+                    </a:lnB>
+                    <a:noFill/>
+                  </a:tcPr>
+                </a:tc>
+                <a:extLst>
+                  <a:ext uri="{0D108BD9-81ED-4DB2-BD59-A6C34878D82A}">
+                    <a16:rowId xmlns:a16="http://schemas.microsoft.com/office/drawing/2014/main" val="2827764094"/>
+                  </a:ext>
+                </a:extLst>
+              </a:tr>
+              <a:tr h="0">
+                <a:tc>
+                  <a:txBody>
+                    <a:bodyPr/>
+                    <a:lstStyle/>
+                    <a:p>
+                      <a:pPr>
+                        <a:buNone/>
+                      </a:pPr>
+                      <a:r>
+                        <a:rPr lang="en-CA"/>
+                        <a:t>TRPO→PPO</a:t>
+                      </a:r>
+                    </a:p>
+                  </a:txBody>
+                  <a:tcPr anchor="ctr">
+                    <a:lnL>
+                      <a:noFill/>
+                    </a:lnL>
+                    <a:lnR>
+                      <a:noFill/>
+                    </a:lnR>
+                    <a:lnT>
+                      <a:noFill/>
+                    </a:lnT>
+                    <a:lnB>
+                      <a:noFill/>
+                    </a:lnB>
+                    <a:noFill/>
+                  </a:tcPr>
+                </a:tc>
+                <a:tc>
+                  <a:txBody>
+                    <a:bodyPr/>
+                    <a:lstStyle/>
+                    <a:p>
+                      <a:pPr>
+                        <a:buNone/>
+                      </a:pPr>
+                      <a:r>
+                        <a:rPr lang="en-CA"/>
+                        <a:t>Test</a:t>
+                      </a:r>
+                    </a:p>
+                  </a:txBody>
+                  <a:tcPr anchor="ctr">
+                    <a:lnL>
+                      <a:noFill/>
+                    </a:lnL>
+                    <a:lnR>
+                      <a:noFill/>
+                    </a:lnR>
+                    <a:lnT>
+                      <a:noFill/>
+                    </a:lnT>
+                    <a:lnB>
+                      <a:noFill/>
+                    </a:lnB>
+                    <a:noFill/>
+                  </a:tcPr>
+                </a:tc>
+                <a:tc>
+                  <a:txBody>
+                    <a:bodyPr/>
+                    <a:lstStyle/>
+                    <a:p>
+                      <a:pPr>
+                        <a:buNone/>
+                      </a:pPr>
+                      <a:r>
+                        <a:rPr lang="en-CA"/>
+                        <a:t>0.8657</a:t>
+                      </a:r>
+                    </a:p>
+                  </a:txBody>
+                  <a:tcPr anchor="ctr">
+                    <a:lnL>
+                      <a:noFill/>
+                    </a:lnL>
+                    <a:lnR>
+                      <a:noFill/>
+                    </a:lnR>
+                    <a:lnT>
+                      <a:noFill/>
+                    </a:lnT>
+                    <a:lnB>
+                      <a:noFill/>
+                    </a:lnB>
+                    <a:noFill/>
+                  </a:tcPr>
+                </a:tc>
+                <a:tc>
+                  <a:txBody>
+                    <a:bodyPr/>
+                    <a:lstStyle/>
+                    <a:p>
+                      <a:pPr>
+                        <a:buNone/>
+                      </a:pPr>
+                      <a:r>
+                        <a:rPr lang="en-CA"/>
+                        <a:t>0.8297</a:t>
+                      </a:r>
+                    </a:p>
+                  </a:txBody>
+                  <a:tcPr anchor="ctr">
+                    <a:lnL>
+                      <a:noFill/>
+                    </a:lnL>
+                    <a:lnR>
+                      <a:noFill/>
+                    </a:lnR>
+                    <a:lnT>
+                      <a:noFill/>
+                    </a:lnT>
+                    <a:lnB>
+                      <a:noFill/>
+                    </a:lnB>
+                    <a:noFill/>
+                  </a:tcPr>
+                </a:tc>
+                <a:tc>
+                  <a:txBody>
+                    <a:bodyPr/>
+                    <a:lstStyle/>
+                    <a:p>
+                      <a:pPr>
+                        <a:buNone/>
+                      </a:pPr>
+                      <a:r>
+                        <a:rPr lang="en-CA"/>
+                        <a:t>0.8461</a:t>
+                      </a:r>
+                    </a:p>
+                  </a:txBody>
+                  <a:tcPr anchor="ctr">
+                    <a:lnL>
+                      <a:noFill/>
+                    </a:lnL>
+                    <a:lnR>
+                      <a:noFill/>
+                    </a:lnR>
+                    <a:lnT>
+                      <a:noFill/>
+                    </a:lnT>
+                    <a:lnB>
+                      <a:noFill/>
+                    </a:lnB>
+                    <a:noFill/>
+                  </a:tcPr>
+                </a:tc>
+                <a:tc>
+                  <a:txBody>
+                    <a:bodyPr/>
+                    <a:lstStyle/>
+                    <a:p>
+                      <a:pPr>
+                        <a:buNone/>
+                      </a:pPr>
+                      <a:r>
+                        <a:rPr lang="en-CA"/>
+                        <a:t>0.8188</a:t>
+                      </a:r>
+                    </a:p>
+                  </a:txBody>
+                  <a:tcPr anchor="ctr">
+                    <a:lnL>
+                      <a:noFill/>
+                    </a:lnL>
+                    <a:lnR>
+                      <a:noFill/>
+                    </a:lnR>
+                    <a:lnT>
+                      <a:noFill/>
+                    </a:lnT>
+                    <a:lnB>
+                      <a:noFill/>
+                    </a:lnB>
+                    <a:noFill/>
+                  </a:tcPr>
+                </a:tc>
+                <a:tc>
+                  <a:txBody>
+                    <a:bodyPr/>
+                    <a:lstStyle/>
+                    <a:p>
+                      <a:pPr>
+                        <a:buNone/>
+                      </a:pPr>
+                      <a:r>
+                        <a:rPr lang="en-CA"/>
+                        <a:t>0.7872</a:t>
+                      </a:r>
+                    </a:p>
+                  </a:txBody>
+                  <a:tcPr anchor="ctr">
+                    <a:lnL>
+                      <a:noFill/>
+                    </a:lnL>
+                    <a:lnR>
+                      <a:noFill/>
+                    </a:lnR>
+                    <a:lnT>
+                      <a:noFill/>
+                    </a:lnT>
+                    <a:lnB>
+                      <a:noFill/>
+                    </a:lnB>
+                    <a:noFill/>
+                  </a:tcPr>
+                </a:tc>
+                <a:tc>
+                  <a:txBody>
+                    <a:bodyPr/>
+                    <a:lstStyle/>
+                    <a:p>
+                      <a:pPr>
+                        <a:buNone/>
+                      </a:pPr>
+                      <a:r>
+                        <a:rPr lang="en-CA" b="0" dirty="0"/>
+                        <a:t>0.2850</a:t>
+                      </a:r>
+                    </a:p>
+                  </a:txBody>
+                  <a:tcPr anchor="ctr">
+                    <a:lnL>
+                      <a:noFill/>
+                    </a:lnL>
+                    <a:lnR>
+                      <a:noFill/>
+                    </a:lnR>
+                    <a:lnT>
+                      <a:noFill/>
+                    </a:lnT>
+                    <a:lnB>
+                      <a:noFill/>
+                    </a:lnB>
+                    <a:noFill/>
+                  </a:tcPr>
+                </a:tc>
+                <a:tc>
+                  <a:txBody>
+                    <a:bodyPr/>
+                    <a:lstStyle/>
+                    <a:p>
+                      <a:pPr>
+                        <a:buNone/>
+                      </a:pPr>
+                      <a:r>
+                        <a:rPr lang="en-CA" b="0" dirty="0"/>
+                        <a:t>0.5077</a:t>
+                      </a:r>
+                    </a:p>
+                  </a:txBody>
+                  <a:tcPr anchor="ctr">
+                    <a:lnL>
+                      <a:noFill/>
+                    </a:lnL>
+                    <a:lnR>
+                      <a:noFill/>
+                    </a:lnR>
+                    <a:lnT>
+                      <a:noFill/>
+                    </a:lnT>
+                    <a:lnB>
+                      <a:noFill/>
+                    </a:lnB>
+                    <a:noFill/>
+                  </a:tcPr>
+                </a:tc>
+                <a:tc>
+                  <a:txBody>
+                    <a:bodyPr/>
+                    <a:lstStyle/>
+                    <a:p>
+                      <a:pPr>
+                        <a:buNone/>
+                      </a:pPr>
+                      <a:r>
+                        <a:rPr lang="en-CA"/>
+                        <a:t>0.2986</a:t>
+                      </a:r>
+                    </a:p>
+                  </a:txBody>
+                  <a:tcPr anchor="ctr">
+                    <a:lnL>
+                      <a:noFill/>
+                    </a:lnL>
+                    <a:lnR>
+                      <a:noFill/>
+                    </a:lnR>
+                    <a:lnT>
+                      <a:noFill/>
+                    </a:lnT>
+                    <a:lnB>
+                      <a:noFill/>
+                    </a:lnB>
+                    <a:noFill/>
+                  </a:tcPr>
+                </a:tc>
+                <a:tc>
+                  <a:txBody>
+                    <a:bodyPr/>
+                    <a:lstStyle/>
+                    <a:p>
+                      <a:pPr>
+                        <a:buNone/>
+                      </a:pPr>
+                      <a:r>
+                        <a:rPr lang="en-CA" b="0" dirty="0"/>
+                        <a:t>0.7082</a:t>
+                      </a:r>
+                    </a:p>
+                  </a:txBody>
+                  <a:tcPr anchor="ctr">
+                    <a:lnL>
+                      <a:noFill/>
+                    </a:lnL>
+                    <a:lnR>
+                      <a:noFill/>
+                    </a:lnR>
+                    <a:lnT>
+                      <a:noFill/>
+                    </a:lnT>
+                    <a:lnB>
+                      <a:noFill/>
+                    </a:lnB>
+                    <a:noFill/>
+                  </a:tcPr>
+                </a:tc>
+                <a:tc>
+                  <a:txBody>
+                    <a:bodyPr/>
+                    <a:lstStyle/>
+                    <a:p>
+                      <a:pPr>
+                        <a:buNone/>
+                      </a:pPr>
+                      <a:r>
+                        <a:rPr lang="en-CA"/>
+                        <a:t>0.8602</a:t>
+                      </a:r>
+                    </a:p>
+                  </a:txBody>
+                  <a:tcPr anchor="ctr">
+                    <a:lnL>
+                      <a:noFill/>
+                    </a:lnL>
+                    <a:lnR>
+                      <a:noFill/>
+                    </a:lnR>
+                    <a:lnT>
+                      <a:noFill/>
+                    </a:lnT>
+                    <a:lnB>
+                      <a:noFill/>
+                    </a:lnB>
+                    <a:noFill/>
+                  </a:tcPr>
+                </a:tc>
+                <a:extLst>
+                  <a:ext uri="{0D108BD9-81ED-4DB2-BD59-A6C34878D82A}">
+                    <a16:rowId xmlns:a16="http://schemas.microsoft.com/office/drawing/2014/main" val="3296011369"/>
+                  </a:ext>
+                </a:extLst>
+              </a:tr>
+              <a:tr h="0">
+                <a:tc>
+                  <a:txBody>
+                    <a:bodyPr/>
+                    <a:lstStyle/>
+                    <a:p>
+                      <a:pPr>
+                        <a:buNone/>
+                      </a:pPr>
+                      <a:r>
+                        <a:rPr lang="en-CA"/>
+                        <a:t>TRPO→PPO</a:t>
+                      </a:r>
+                    </a:p>
+                  </a:txBody>
+                  <a:tcPr anchor="ctr">
+                    <a:lnL>
+                      <a:noFill/>
+                    </a:lnL>
+                    <a:lnR>
+                      <a:noFill/>
+                    </a:lnR>
+                    <a:lnT>
+                      <a:noFill/>
+                    </a:lnT>
+                    <a:lnB>
+                      <a:noFill/>
+                    </a:lnB>
+                    <a:noFill/>
+                  </a:tcPr>
+                </a:tc>
+                <a:tc>
+                  <a:txBody>
+                    <a:bodyPr/>
+                    <a:lstStyle/>
+                    <a:p>
+                      <a:pPr>
+                        <a:buNone/>
+                      </a:pPr>
+                      <a:r>
+                        <a:rPr lang="en-CA"/>
+                        <a:t>Train</a:t>
+                      </a:r>
+                    </a:p>
+                  </a:txBody>
+                  <a:tcPr anchor="ctr">
+                    <a:lnL>
+                      <a:noFill/>
+                    </a:lnL>
+                    <a:lnR>
+                      <a:noFill/>
+                    </a:lnR>
+                    <a:lnT>
+                      <a:noFill/>
+                    </a:lnT>
+                    <a:lnB>
+                      <a:noFill/>
+                    </a:lnB>
+                    <a:noFill/>
+                  </a:tcPr>
+                </a:tc>
+                <a:tc>
+                  <a:txBody>
+                    <a:bodyPr/>
+                    <a:lstStyle/>
+                    <a:p>
+                      <a:pPr>
+                        <a:buNone/>
+                      </a:pPr>
+                      <a:r>
+                        <a:rPr lang="en-CA"/>
+                        <a:t>0.8683</a:t>
+                      </a:r>
+                    </a:p>
+                  </a:txBody>
+                  <a:tcPr anchor="ctr">
+                    <a:lnL>
+                      <a:noFill/>
+                    </a:lnL>
+                    <a:lnR>
+                      <a:noFill/>
+                    </a:lnR>
+                    <a:lnT>
+                      <a:noFill/>
+                    </a:lnT>
+                    <a:lnB>
+                      <a:noFill/>
+                    </a:lnB>
+                    <a:noFill/>
+                  </a:tcPr>
+                </a:tc>
+                <a:tc>
+                  <a:txBody>
+                    <a:bodyPr/>
+                    <a:lstStyle/>
+                    <a:p>
+                      <a:pPr>
+                        <a:buNone/>
+                      </a:pPr>
+                      <a:r>
+                        <a:rPr lang="en-CA"/>
+                        <a:t>0.8349</a:t>
+                      </a:r>
+                    </a:p>
+                  </a:txBody>
+                  <a:tcPr anchor="ctr">
+                    <a:lnL>
+                      <a:noFill/>
+                    </a:lnL>
+                    <a:lnR>
+                      <a:noFill/>
+                    </a:lnR>
+                    <a:lnT>
+                      <a:noFill/>
+                    </a:lnT>
+                    <a:lnB>
+                      <a:noFill/>
+                    </a:lnB>
+                    <a:noFill/>
+                  </a:tcPr>
+                </a:tc>
+                <a:tc>
+                  <a:txBody>
+                    <a:bodyPr/>
+                    <a:lstStyle/>
+                    <a:p>
+                      <a:pPr>
+                        <a:buNone/>
+                      </a:pPr>
+                      <a:r>
+                        <a:rPr lang="en-CA"/>
+                        <a:t>0.8341</a:t>
+                      </a:r>
+                    </a:p>
+                  </a:txBody>
+                  <a:tcPr anchor="ctr">
+                    <a:lnL>
+                      <a:noFill/>
+                    </a:lnL>
+                    <a:lnR>
+                      <a:noFill/>
+                    </a:lnR>
+                    <a:lnT>
+                      <a:noFill/>
+                    </a:lnT>
+                    <a:lnB>
+                      <a:noFill/>
+                    </a:lnB>
+                    <a:noFill/>
+                  </a:tcPr>
+                </a:tc>
+                <a:tc>
+                  <a:txBody>
+                    <a:bodyPr/>
+                    <a:lstStyle/>
+                    <a:p>
+                      <a:pPr>
+                        <a:buNone/>
+                      </a:pPr>
+                      <a:r>
+                        <a:rPr lang="en-CA"/>
+                        <a:t>0.8174</a:t>
+                      </a:r>
+                    </a:p>
+                  </a:txBody>
+                  <a:tcPr anchor="ctr">
+                    <a:lnL>
+                      <a:noFill/>
+                    </a:lnL>
+                    <a:lnR>
+                      <a:noFill/>
+                    </a:lnR>
+                    <a:lnT>
+                      <a:noFill/>
+                    </a:lnT>
+                    <a:lnB>
+                      <a:noFill/>
+                    </a:lnB>
+                    <a:noFill/>
+                  </a:tcPr>
+                </a:tc>
+                <a:tc>
+                  <a:txBody>
+                    <a:bodyPr/>
+                    <a:lstStyle/>
+                    <a:p>
+                      <a:pPr>
+                        <a:buNone/>
+                      </a:pPr>
+                      <a:r>
+                        <a:rPr lang="en-CA"/>
+                        <a:t>0.7817</a:t>
+                      </a:r>
+                    </a:p>
+                  </a:txBody>
+                  <a:tcPr anchor="ctr">
+                    <a:lnL>
+                      <a:noFill/>
+                    </a:lnL>
+                    <a:lnR>
+                      <a:noFill/>
+                    </a:lnR>
+                    <a:lnT>
+                      <a:noFill/>
+                    </a:lnT>
+                    <a:lnB>
+                      <a:noFill/>
+                    </a:lnB>
+                    <a:noFill/>
+                  </a:tcPr>
+                </a:tc>
+                <a:tc>
+                  <a:txBody>
+                    <a:bodyPr/>
+                    <a:lstStyle/>
+                    <a:p>
+                      <a:pPr>
+                        <a:buNone/>
+                      </a:pPr>
+                      <a:r>
+                        <a:rPr lang="en-CA"/>
+                        <a:t>0.3246</a:t>
+                      </a:r>
+                    </a:p>
+                  </a:txBody>
+                  <a:tcPr anchor="ctr">
+                    <a:lnL>
+                      <a:noFill/>
+                    </a:lnL>
+                    <a:lnR>
+                      <a:noFill/>
+                    </a:lnR>
+                    <a:lnT>
+                      <a:noFill/>
+                    </a:lnT>
+                    <a:lnB>
+                      <a:noFill/>
+                    </a:lnB>
+                    <a:noFill/>
+                  </a:tcPr>
+                </a:tc>
+                <a:tc>
+                  <a:txBody>
+                    <a:bodyPr/>
+                    <a:lstStyle/>
+                    <a:p>
+                      <a:pPr>
+                        <a:buNone/>
+                      </a:pPr>
+                      <a:r>
+                        <a:rPr lang="en-CA"/>
+                        <a:t>0.5282</a:t>
+                      </a:r>
+                    </a:p>
+                  </a:txBody>
+                  <a:tcPr anchor="ctr">
+                    <a:lnL>
+                      <a:noFill/>
+                    </a:lnL>
+                    <a:lnR>
+                      <a:noFill/>
+                    </a:lnR>
+                    <a:lnT>
+                      <a:noFill/>
+                    </a:lnT>
+                    <a:lnB>
+                      <a:noFill/>
+                    </a:lnB>
+                    <a:noFill/>
+                  </a:tcPr>
+                </a:tc>
+                <a:tc>
+                  <a:txBody>
+                    <a:bodyPr/>
+                    <a:lstStyle/>
+                    <a:p>
+                      <a:pPr>
+                        <a:buNone/>
+                      </a:pPr>
+                      <a:r>
+                        <a:rPr lang="en-CA"/>
+                        <a:t>0.2711</a:t>
+                      </a:r>
+                    </a:p>
+                  </a:txBody>
+                  <a:tcPr anchor="ctr">
+                    <a:lnL>
+                      <a:noFill/>
+                    </a:lnL>
+                    <a:lnR>
+                      <a:noFill/>
+                    </a:lnR>
+                    <a:lnT>
+                      <a:noFill/>
+                    </a:lnT>
+                    <a:lnB>
+                      <a:noFill/>
+                    </a:lnB>
+                    <a:noFill/>
+                  </a:tcPr>
+                </a:tc>
+                <a:tc>
+                  <a:txBody>
+                    <a:bodyPr/>
+                    <a:lstStyle/>
+                    <a:p>
+                      <a:pPr>
+                        <a:buNone/>
+                      </a:pPr>
+                      <a:r>
+                        <a:rPr lang="en-CA"/>
+                        <a:t>0.6999</a:t>
+                      </a:r>
+                    </a:p>
+                  </a:txBody>
+                  <a:tcPr anchor="ctr">
+                    <a:lnL>
+                      <a:noFill/>
+                    </a:lnL>
+                    <a:lnR>
+                      <a:noFill/>
+                    </a:lnR>
+                    <a:lnT>
+                      <a:noFill/>
+                    </a:lnT>
+                    <a:lnB>
+                      <a:noFill/>
+                    </a:lnB>
+                    <a:noFill/>
+                  </a:tcPr>
+                </a:tc>
+                <a:tc>
+                  <a:txBody>
+                    <a:bodyPr/>
+                    <a:lstStyle/>
+                    <a:p>
+                      <a:pPr>
+                        <a:buNone/>
+                      </a:pPr>
+                      <a:r>
+                        <a:rPr lang="en-CA" dirty="0"/>
+                        <a:t>0.8493</a:t>
+                      </a:r>
+                    </a:p>
+                  </a:txBody>
+                  <a:tcPr anchor="ctr">
+                    <a:lnL>
+                      <a:noFill/>
+                    </a:lnL>
+                    <a:lnR>
+                      <a:noFill/>
+                    </a:lnR>
+                    <a:lnT>
+                      <a:noFill/>
+                    </a:lnT>
+                    <a:lnB>
+                      <a:noFill/>
+                    </a:lnB>
+                    <a:noFill/>
+                  </a:tcPr>
+                </a:tc>
+                <a:extLst>
+                  <a:ext uri="{0D108BD9-81ED-4DB2-BD59-A6C34878D82A}">
+                    <a16:rowId xmlns:a16="http://schemas.microsoft.com/office/drawing/2014/main" val="2562648543"/>
+                  </a:ext>
+                </a:extLst>
+              </a:tr>
+            </a:tbl>
+          </a:graphicData>
+        </a:graphic>
+      </p:graphicFrame>
     </p:spTree>
     <p:extLst>
       <p:ext uri="{BB962C8B-B14F-4D97-AF65-F5344CB8AC3E}">
-        <p14:creationId xmlns:p14="http://schemas.microsoft.com/office/powerpoint/2010/main" val="1673886989"/>
+        <p14:creationId xmlns:p14="http://schemas.microsoft.com/office/powerpoint/2010/main" val="667457846"/>
       </p:ext>
     </p:extLst>
   </p:cSld>
@@ -9875,90 +13733,6 @@
 </file>
 
 <file path=ppt/slides/slide12.xml><?xml version="1.0" encoding="utf-8"?>
-<p:sld xmlns:a="http://schemas.openxmlformats.org/drawingml/2006/main" xmlns:r="http://schemas.openxmlformats.org/officeDocument/2006/relationships" xmlns:p="http://schemas.openxmlformats.org/presentationml/2006/main">
-  <p:cSld>
-    <p:spTree>
-      <p:nvGrpSpPr>
-        <p:cNvPr id="1" name=""/>
-        <p:cNvGrpSpPr/>
-        <p:nvPr/>
-      </p:nvGrpSpPr>
-      <p:grpSpPr>
-        <a:xfrm>
-          <a:off x="0" y="0"/>
-          <a:ext cx="0" cy="0"/>
-          <a:chOff x="0" y="0"/>
-          <a:chExt cx="0" cy="0"/>
-        </a:xfrm>
-      </p:grpSpPr>
-      <p:sp>
-        <p:nvSpPr>
-          <p:cNvPr id="2" name="Title 1">
-            <a:extLst>
-              <a:ext uri="{FF2B5EF4-FFF2-40B4-BE49-F238E27FC236}">
-                <a16:creationId xmlns:a16="http://schemas.microsoft.com/office/drawing/2014/main" id="{2B5E213D-80A0-1284-06EB-D44AF307E64D}"/>
-              </a:ext>
-            </a:extLst>
-          </p:cNvPr>
-          <p:cNvSpPr>
-            <a:spLocks noGrp="1"/>
-          </p:cNvSpPr>
-          <p:nvPr>
-            <p:ph type="title"/>
-          </p:nvPr>
-        </p:nvSpPr>
-        <p:spPr/>
-        <p:txBody>
-          <a:bodyPr/>
-          <a:lstStyle/>
-          <a:p>
-            <a:r>
-              <a:rPr lang="en-US" dirty="0"/>
-              <a:t>Results(Experimental perturbation based model Prediction)</a:t>
-            </a:r>
-            <a:endParaRPr lang="en-CA" dirty="0"/>
-          </a:p>
-        </p:txBody>
-      </p:sp>
-      <p:sp>
-        <p:nvSpPr>
-          <p:cNvPr id="3" name="Content Placeholder 2">
-            <a:extLst>
-              <a:ext uri="{FF2B5EF4-FFF2-40B4-BE49-F238E27FC236}">
-                <a16:creationId xmlns:a16="http://schemas.microsoft.com/office/drawing/2014/main" id="{2867A892-6F57-8CA4-11EF-7C04CAC2AEEE}"/>
-              </a:ext>
-            </a:extLst>
-          </p:cNvPr>
-          <p:cNvSpPr>
-            <a:spLocks noGrp="1"/>
-          </p:cNvSpPr>
-          <p:nvPr>
-            <p:ph idx="1"/>
-          </p:nvPr>
-        </p:nvSpPr>
-        <p:spPr/>
-        <p:txBody>
-          <a:bodyPr/>
-          <a:lstStyle/>
-          <a:p>
-            <a:endParaRPr lang="en-CA"/>
-          </a:p>
-        </p:txBody>
-      </p:sp>
-    </p:spTree>
-    <p:extLst>
-      <p:ext uri="{BB962C8B-B14F-4D97-AF65-F5344CB8AC3E}">
-        <p14:creationId xmlns:p14="http://schemas.microsoft.com/office/powerpoint/2010/main" val="2279726371"/>
-      </p:ext>
-    </p:extLst>
-  </p:cSld>
-  <p:clrMapOvr>
-    <a:masterClrMapping/>
-  </p:clrMapOvr>
-</p:sld>
-</file>
-
-<file path=ppt/slides/slide13.xml><?xml version="1.0" encoding="utf-8"?>
 <p:sld xmlns:a="http://schemas.openxmlformats.org/drawingml/2006/main" xmlns:r="http://schemas.openxmlformats.org/officeDocument/2006/relationships" xmlns:p="http://schemas.openxmlformats.org/presentationml/2006/main">
   <p:cSld>
     <p:spTree>
@@ -9998,45 +13772,725 @@
           <a:p>
             <a:r>
               <a:rPr lang="en-US" dirty="0"/>
-              <a:t>Results(Trajectories </a:t>
-            </a:r>
-            <a:r>
-              <a:rPr lang="en-US" dirty="0" err="1"/>
-              <a:t>Comparision</a:t>
-            </a:r>
-            <a:r>
-              <a:rPr lang="en-US" dirty="0"/>
-              <a:t>)</a:t>
+              <a:t>Results(Trajectories Comparision hardware and Software)</a:t>
             </a:r>
             <a:endParaRPr lang="en-CA" dirty="0"/>
           </a:p>
         </p:txBody>
       </p:sp>
-      <p:sp>
-        <p:nvSpPr>
-          <p:cNvPr id="3" name="Content Placeholder 2">
+      <p:graphicFrame>
+        <p:nvGraphicFramePr>
+          <p:cNvPr id="5" name="Table 4">
             <a:extLst>
               <a:ext uri="{FF2B5EF4-FFF2-40B4-BE49-F238E27FC236}">
-                <a16:creationId xmlns:a16="http://schemas.microsoft.com/office/drawing/2014/main" id="{AAEC094F-34CF-88A5-D4EE-8D39B040A5A4}"/>
+                <a16:creationId xmlns:a16="http://schemas.microsoft.com/office/drawing/2014/main" id="{D4327FC0-2DF3-D468-DE90-37ABE74EB147}"/>
               </a:ext>
             </a:extLst>
           </p:cNvPr>
-          <p:cNvSpPr>
-            <a:spLocks noGrp="1"/>
-          </p:cNvSpPr>
+          <p:cNvGraphicFramePr>
+            <a:graphicFrameLocks noGrp="1"/>
+          </p:cNvGraphicFramePr>
           <p:nvPr>
-            <p:ph idx="1"/>
+            <p:extLst>
+              <p:ext uri="{D42A27DB-BD31-4B8C-83A1-F6EECF244321}">
+                <p14:modId xmlns:p14="http://schemas.microsoft.com/office/powerpoint/2010/main" val="1032175760"/>
+              </p:ext>
+            </p:extLst>
           </p:nvPr>
-        </p:nvSpPr>
-        <p:spPr/>
-        <p:txBody>
-          <a:bodyPr/>
-          <a:lstStyle/>
-          <a:p>
-            <a:endParaRPr lang="en-CA"/>
-          </a:p>
-        </p:txBody>
-      </p:sp>
+        </p:nvGraphicFramePr>
+        <p:xfrm>
+          <a:off x="1038225" y="2705894"/>
+          <a:ext cx="10515600" cy="1828800"/>
+        </p:xfrm>
+        <a:graphic>
+          <a:graphicData uri="http://schemas.openxmlformats.org/drawingml/2006/table">
+            <a:tbl>
+              <a:tblPr/>
+              <a:tblGrid>
+                <a:gridCol w="2628900">
+                  <a:extLst>
+                    <a:ext uri="{9D8B030D-6E8A-4147-A177-3AD203B41FA5}">
+                      <a16:colId xmlns:a16="http://schemas.microsoft.com/office/drawing/2014/main" val="2257296588"/>
+                    </a:ext>
+                  </a:extLst>
+                </a:gridCol>
+                <a:gridCol w="2628900">
+                  <a:extLst>
+                    <a:ext uri="{9D8B030D-6E8A-4147-A177-3AD203B41FA5}">
+                      <a16:colId xmlns:a16="http://schemas.microsoft.com/office/drawing/2014/main" val="2917434813"/>
+                    </a:ext>
+                  </a:extLst>
+                </a:gridCol>
+                <a:gridCol w="2628900">
+                  <a:extLst>
+                    <a:ext uri="{9D8B030D-6E8A-4147-A177-3AD203B41FA5}">
+                      <a16:colId xmlns:a16="http://schemas.microsoft.com/office/drawing/2014/main" val="3643297224"/>
+                    </a:ext>
+                  </a:extLst>
+                </a:gridCol>
+                <a:gridCol w="2628900">
+                  <a:extLst>
+                    <a:ext uri="{9D8B030D-6E8A-4147-A177-3AD203B41FA5}">
+                      <a16:colId xmlns:a16="http://schemas.microsoft.com/office/drawing/2014/main" val="3029237061"/>
+                    </a:ext>
+                  </a:extLst>
+                </a:gridCol>
+              </a:tblGrid>
+              <a:tr h="0">
+                <a:tc>
+                  <a:txBody>
+                    <a:bodyPr/>
+                    <a:lstStyle/>
+                    <a:p>
+                      <a:pPr>
+                        <a:buNone/>
+                      </a:pPr>
+                      <a:r>
+                        <a:rPr lang="en-CA" b="1"/>
+                        <a:t>System</a:t>
+                      </a:r>
+                      <a:endParaRPr lang="en-CA"/>
+                    </a:p>
+                  </a:txBody>
+                  <a:tcPr anchor="ctr">
+                    <a:lnL>
+                      <a:noFill/>
+                    </a:lnL>
+                    <a:lnR>
+                      <a:noFill/>
+                    </a:lnR>
+                    <a:lnT>
+                      <a:noFill/>
+                    </a:lnT>
+                    <a:lnB>
+                      <a:noFill/>
+                    </a:lnB>
+                    <a:noFill/>
+                  </a:tcPr>
+                </a:tc>
+                <a:tc>
+                  <a:txBody>
+                    <a:bodyPr/>
+                    <a:lstStyle/>
+                    <a:p>
+                      <a:pPr>
+                        <a:buNone/>
+                      </a:pPr>
+                      <a:r>
+                        <a:rPr lang="en-CA" b="1"/>
+                        <a:t>Algorithm</a:t>
+                      </a:r>
+                      <a:endParaRPr lang="en-CA"/>
+                    </a:p>
+                  </a:txBody>
+                  <a:tcPr anchor="ctr">
+                    <a:lnL>
+                      <a:noFill/>
+                    </a:lnL>
+                    <a:lnR>
+                      <a:noFill/>
+                    </a:lnR>
+                    <a:lnT>
+                      <a:noFill/>
+                    </a:lnT>
+                    <a:lnB>
+                      <a:noFill/>
+                    </a:lnB>
+                    <a:noFill/>
+                  </a:tcPr>
+                </a:tc>
+                <a:tc>
+                  <a:txBody>
+                    <a:bodyPr/>
+                    <a:lstStyle/>
+                    <a:p>
+                      <a:pPr>
+                        <a:buNone/>
+                      </a:pPr>
+                      <a:r>
+                        <a:rPr lang="en-CA" b="1" dirty="0"/>
+                        <a:t>DTW </a:t>
+                      </a:r>
+                      <a:endParaRPr lang="en-CA" dirty="0"/>
+                    </a:p>
+                  </a:txBody>
+                  <a:tcPr anchor="ctr">
+                    <a:lnL>
+                      <a:noFill/>
+                    </a:lnL>
+                    <a:lnR>
+                      <a:noFill/>
+                    </a:lnR>
+                    <a:lnT>
+                      <a:noFill/>
+                    </a:lnT>
+                    <a:lnB>
+                      <a:noFill/>
+                    </a:lnB>
+                    <a:noFill/>
+                  </a:tcPr>
+                </a:tc>
+                <a:tc>
+                  <a:txBody>
+                    <a:bodyPr/>
+                    <a:lstStyle/>
+                    <a:p>
+                      <a:pPr>
+                        <a:buNone/>
+                      </a:pPr>
+                      <a:r>
+                        <a:rPr lang="en-CA" b="1" dirty="0"/>
+                        <a:t>Wasserstein </a:t>
+                      </a:r>
+                      <a:endParaRPr lang="en-CA" dirty="0"/>
+                    </a:p>
+                  </a:txBody>
+                  <a:tcPr anchor="ctr">
+                    <a:lnL>
+                      <a:noFill/>
+                    </a:lnL>
+                    <a:lnR>
+                      <a:noFill/>
+                    </a:lnR>
+                    <a:lnT>
+                      <a:noFill/>
+                    </a:lnT>
+                    <a:lnB>
+                      <a:noFill/>
+                    </a:lnB>
+                    <a:noFill/>
+                  </a:tcPr>
+                </a:tc>
+                <a:extLst>
+                  <a:ext uri="{0D108BD9-81ED-4DB2-BD59-A6C34878D82A}">
+                    <a16:rowId xmlns:a16="http://schemas.microsoft.com/office/drawing/2014/main" val="2205508143"/>
+                  </a:ext>
+                </a:extLst>
+              </a:tr>
+              <a:tr h="0">
+                <a:tc>
+                  <a:txBody>
+                    <a:bodyPr/>
+                    <a:lstStyle/>
+                    <a:p>
+                      <a:pPr>
+                        <a:buNone/>
+                      </a:pPr>
+                      <a:r>
+                        <a:rPr lang="en-CA" b="1"/>
+                        <a:t>CTRL</a:t>
+                      </a:r>
+                      <a:endParaRPr lang="en-CA"/>
+                    </a:p>
+                  </a:txBody>
+                  <a:tcPr anchor="ctr">
+                    <a:lnL>
+                      <a:noFill/>
+                    </a:lnL>
+                    <a:lnR>
+                      <a:noFill/>
+                    </a:lnR>
+                    <a:lnT>
+                      <a:noFill/>
+                    </a:lnT>
+                    <a:lnB>
+                      <a:noFill/>
+                    </a:lnB>
+                    <a:noFill/>
+                  </a:tcPr>
+                </a:tc>
+                <a:tc>
+                  <a:txBody>
+                    <a:bodyPr/>
+                    <a:lstStyle/>
+                    <a:p>
+                      <a:pPr>
+                        <a:buNone/>
+                      </a:pPr>
+                      <a:r>
+                        <a:rPr lang="en-CA"/>
+                        <a:t>PPO</a:t>
+                      </a:r>
+                    </a:p>
+                  </a:txBody>
+                  <a:tcPr anchor="ctr">
+                    <a:lnL>
+                      <a:noFill/>
+                    </a:lnL>
+                    <a:lnR>
+                      <a:noFill/>
+                    </a:lnR>
+                    <a:lnT>
+                      <a:noFill/>
+                    </a:lnT>
+                    <a:lnB>
+                      <a:noFill/>
+                    </a:lnB>
+                    <a:noFill/>
+                  </a:tcPr>
+                </a:tc>
+                <a:tc>
+                  <a:txBody>
+                    <a:bodyPr/>
+                    <a:lstStyle/>
+                    <a:p>
+                      <a:pPr>
+                        <a:buNone/>
+                      </a:pPr>
+                      <a:r>
+                        <a:rPr lang="en-CA" b="1"/>
+                        <a:t>5.0206</a:t>
+                      </a:r>
+                      <a:endParaRPr lang="en-CA"/>
+                    </a:p>
+                  </a:txBody>
+                  <a:tcPr anchor="ctr">
+                    <a:lnL>
+                      <a:noFill/>
+                    </a:lnL>
+                    <a:lnR>
+                      <a:noFill/>
+                    </a:lnR>
+                    <a:lnT>
+                      <a:noFill/>
+                    </a:lnT>
+                    <a:lnB>
+                      <a:noFill/>
+                    </a:lnB>
+                    <a:noFill/>
+                  </a:tcPr>
+                </a:tc>
+                <a:tc>
+                  <a:txBody>
+                    <a:bodyPr/>
+                    <a:lstStyle/>
+                    <a:p>
+                      <a:pPr>
+                        <a:buNone/>
+                      </a:pPr>
+                      <a:r>
+                        <a:rPr lang="en-CA" b="1"/>
+                        <a:t>0.8945</a:t>
+                      </a:r>
+                      <a:endParaRPr lang="en-CA"/>
+                    </a:p>
+                  </a:txBody>
+                  <a:tcPr anchor="ctr">
+                    <a:lnL>
+                      <a:noFill/>
+                    </a:lnL>
+                    <a:lnR>
+                      <a:noFill/>
+                    </a:lnR>
+                    <a:lnT>
+                      <a:noFill/>
+                    </a:lnT>
+                    <a:lnB>
+                      <a:noFill/>
+                    </a:lnB>
+                    <a:noFill/>
+                  </a:tcPr>
+                </a:tc>
+                <a:extLst>
+                  <a:ext uri="{0D108BD9-81ED-4DB2-BD59-A6C34878D82A}">
+                    <a16:rowId xmlns:a16="http://schemas.microsoft.com/office/drawing/2014/main" val="2411616799"/>
+                  </a:ext>
+                </a:extLst>
+              </a:tr>
+              <a:tr h="0">
+                <a:tc>
+                  <a:txBody>
+                    <a:bodyPr/>
+                    <a:lstStyle/>
+                    <a:p>
+                      <a:pPr>
+                        <a:buNone/>
+                      </a:pPr>
+                      <a:r>
+                        <a:rPr lang="en-CA" b="1"/>
+                        <a:t>CTRL</a:t>
+                      </a:r>
+                      <a:endParaRPr lang="en-CA"/>
+                    </a:p>
+                  </a:txBody>
+                  <a:tcPr anchor="ctr">
+                    <a:lnL>
+                      <a:noFill/>
+                    </a:lnL>
+                    <a:lnR>
+                      <a:noFill/>
+                    </a:lnR>
+                    <a:lnT>
+                      <a:noFill/>
+                    </a:lnT>
+                    <a:lnB>
+                      <a:noFill/>
+                    </a:lnB>
+                    <a:noFill/>
+                  </a:tcPr>
+                </a:tc>
+                <a:tc>
+                  <a:txBody>
+                    <a:bodyPr/>
+                    <a:lstStyle/>
+                    <a:p>
+                      <a:pPr>
+                        <a:buNone/>
+                      </a:pPr>
+                      <a:r>
+                        <a:rPr lang="en-CA"/>
+                        <a:t>TRPO→PPO</a:t>
+                      </a:r>
+                    </a:p>
+                  </a:txBody>
+                  <a:tcPr anchor="ctr">
+                    <a:lnL>
+                      <a:noFill/>
+                    </a:lnL>
+                    <a:lnR>
+                      <a:noFill/>
+                    </a:lnR>
+                    <a:lnT>
+                      <a:noFill/>
+                    </a:lnT>
+                    <a:lnB>
+                      <a:noFill/>
+                    </a:lnB>
+                    <a:noFill/>
+                  </a:tcPr>
+                </a:tc>
+                <a:tc>
+                  <a:txBody>
+                    <a:bodyPr/>
+                    <a:lstStyle/>
+                    <a:p>
+                      <a:pPr>
+                        <a:buNone/>
+                      </a:pPr>
+                      <a:r>
+                        <a:rPr lang="en-CA" b="1"/>
+                        <a:t>4.8710</a:t>
+                      </a:r>
+                      <a:endParaRPr lang="en-CA"/>
+                    </a:p>
+                  </a:txBody>
+                  <a:tcPr anchor="ctr">
+                    <a:lnL>
+                      <a:noFill/>
+                    </a:lnL>
+                    <a:lnR>
+                      <a:noFill/>
+                    </a:lnR>
+                    <a:lnT>
+                      <a:noFill/>
+                    </a:lnT>
+                    <a:lnB>
+                      <a:noFill/>
+                    </a:lnB>
+                    <a:noFill/>
+                  </a:tcPr>
+                </a:tc>
+                <a:tc>
+                  <a:txBody>
+                    <a:bodyPr/>
+                    <a:lstStyle/>
+                    <a:p>
+                      <a:pPr>
+                        <a:buNone/>
+                      </a:pPr>
+                      <a:r>
+                        <a:rPr lang="en-CA" b="1"/>
+                        <a:t>0.9181</a:t>
+                      </a:r>
+                      <a:endParaRPr lang="en-CA"/>
+                    </a:p>
+                  </a:txBody>
+                  <a:tcPr anchor="ctr">
+                    <a:lnL>
+                      <a:noFill/>
+                    </a:lnL>
+                    <a:lnR>
+                      <a:noFill/>
+                    </a:lnR>
+                    <a:lnT>
+                      <a:noFill/>
+                    </a:lnT>
+                    <a:lnB>
+                      <a:noFill/>
+                    </a:lnB>
+                    <a:noFill/>
+                  </a:tcPr>
+                </a:tc>
+                <a:extLst>
+                  <a:ext uri="{0D108BD9-81ED-4DB2-BD59-A6C34878D82A}">
+                    <a16:rowId xmlns:a16="http://schemas.microsoft.com/office/drawing/2014/main" val="1243665634"/>
+                  </a:ext>
+                </a:extLst>
+              </a:tr>
+              <a:tr h="0">
+                <a:tc>
+                  <a:txBody>
+                    <a:bodyPr/>
+                    <a:lstStyle/>
+                    <a:p>
+                      <a:pPr>
+                        <a:buNone/>
+                      </a:pPr>
+                      <a:r>
+                        <a:rPr lang="en-CA" b="1"/>
+                        <a:t>PTPN2</a:t>
+                      </a:r>
+                      <a:endParaRPr lang="en-CA"/>
+                    </a:p>
+                  </a:txBody>
+                  <a:tcPr anchor="ctr">
+                    <a:lnL>
+                      <a:noFill/>
+                    </a:lnL>
+                    <a:lnR>
+                      <a:noFill/>
+                    </a:lnR>
+                    <a:lnT>
+                      <a:noFill/>
+                    </a:lnT>
+                    <a:lnB>
+                      <a:noFill/>
+                    </a:lnB>
+                    <a:noFill/>
+                  </a:tcPr>
+                </a:tc>
+                <a:tc>
+                  <a:txBody>
+                    <a:bodyPr/>
+                    <a:lstStyle/>
+                    <a:p>
+                      <a:pPr>
+                        <a:buNone/>
+                      </a:pPr>
+                      <a:r>
+                        <a:rPr lang="en-CA"/>
+                        <a:t>PPO</a:t>
+                      </a:r>
+                    </a:p>
+                  </a:txBody>
+                  <a:tcPr anchor="ctr">
+                    <a:lnL>
+                      <a:noFill/>
+                    </a:lnL>
+                    <a:lnR>
+                      <a:noFill/>
+                    </a:lnR>
+                    <a:lnT>
+                      <a:noFill/>
+                    </a:lnT>
+                    <a:lnB>
+                      <a:noFill/>
+                    </a:lnB>
+                    <a:noFill/>
+                  </a:tcPr>
+                </a:tc>
+                <a:tc>
+                  <a:txBody>
+                    <a:bodyPr/>
+                    <a:lstStyle/>
+                    <a:p>
+                      <a:pPr>
+                        <a:buNone/>
+                      </a:pPr>
+                      <a:r>
+                        <a:rPr lang="en-CA" b="1"/>
+                        <a:t>2.6794</a:t>
+                      </a:r>
+                      <a:endParaRPr lang="en-CA"/>
+                    </a:p>
+                  </a:txBody>
+                  <a:tcPr anchor="ctr">
+                    <a:lnL>
+                      <a:noFill/>
+                    </a:lnL>
+                    <a:lnR>
+                      <a:noFill/>
+                    </a:lnR>
+                    <a:lnT>
+                      <a:noFill/>
+                    </a:lnT>
+                    <a:lnB>
+                      <a:noFill/>
+                    </a:lnB>
+                    <a:noFill/>
+                  </a:tcPr>
+                </a:tc>
+                <a:tc>
+                  <a:txBody>
+                    <a:bodyPr/>
+                    <a:lstStyle/>
+                    <a:p>
+                      <a:pPr>
+                        <a:buNone/>
+                      </a:pPr>
+                      <a:r>
+                        <a:rPr lang="en-CA" b="1"/>
+                        <a:t>0.5186</a:t>
+                      </a:r>
+                      <a:endParaRPr lang="en-CA"/>
+                    </a:p>
+                  </a:txBody>
+                  <a:tcPr anchor="ctr">
+                    <a:lnL>
+                      <a:noFill/>
+                    </a:lnL>
+                    <a:lnR>
+                      <a:noFill/>
+                    </a:lnR>
+                    <a:lnT>
+                      <a:noFill/>
+                    </a:lnT>
+                    <a:lnB>
+                      <a:noFill/>
+                    </a:lnB>
+                    <a:noFill/>
+                  </a:tcPr>
+                </a:tc>
+                <a:extLst>
+                  <a:ext uri="{0D108BD9-81ED-4DB2-BD59-A6C34878D82A}">
+                    <a16:rowId xmlns:a16="http://schemas.microsoft.com/office/drawing/2014/main" val="243426141"/>
+                  </a:ext>
+                </a:extLst>
+              </a:tr>
+              <a:tr h="0">
+                <a:tc>
+                  <a:txBody>
+                    <a:bodyPr/>
+                    <a:lstStyle/>
+                    <a:p>
+                      <a:pPr>
+                        <a:buNone/>
+                      </a:pPr>
+                      <a:r>
+                        <a:rPr lang="en-CA" b="1"/>
+                        <a:t>PTPN2</a:t>
+                      </a:r>
+                      <a:endParaRPr lang="en-CA"/>
+                    </a:p>
+                  </a:txBody>
+                  <a:tcPr anchor="ctr">
+                    <a:lnL>
+                      <a:noFill/>
+                    </a:lnL>
+                    <a:lnR>
+                      <a:noFill/>
+                    </a:lnR>
+                    <a:lnT>
+                      <a:noFill/>
+                    </a:lnT>
+                    <a:lnB>
+                      <a:noFill/>
+                    </a:lnB>
+                    <a:noFill/>
+                  </a:tcPr>
+                </a:tc>
+                <a:tc>
+                  <a:txBody>
+                    <a:bodyPr/>
+                    <a:lstStyle/>
+                    <a:p>
+                      <a:pPr>
+                        <a:buNone/>
+                      </a:pPr>
+                      <a:r>
+                        <a:rPr lang="en-CA"/>
+                        <a:t>TRPO→PPO</a:t>
+                      </a:r>
+                    </a:p>
+                  </a:txBody>
+                  <a:tcPr anchor="ctr">
+                    <a:lnL>
+                      <a:noFill/>
+                    </a:lnL>
+                    <a:lnR>
+                      <a:noFill/>
+                    </a:lnR>
+                    <a:lnT>
+                      <a:noFill/>
+                    </a:lnT>
+                    <a:lnB>
+                      <a:noFill/>
+                    </a:lnB>
+                    <a:noFill/>
+                  </a:tcPr>
+                </a:tc>
+                <a:tc>
+                  <a:txBody>
+                    <a:bodyPr/>
+                    <a:lstStyle/>
+                    <a:p>
+                      <a:pPr>
+                        <a:buNone/>
+                      </a:pPr>
+                      <a:r>
+                        <a:rPr lang="en-CA" b="1"/>
+                        <a:t>2.3095</a:t>
+                      </a:r>
+                      <a:endParaRPr lang="en-CA"/>
+                    </a:p>
+                  </a:txBody>
+                  <a:tcPr anchor="ctr">
+                    <a:lnL>
+                      <a:noFill/>
+                    </a:lnL>
+                    <a:lnR>
+                      <a:noFill/>
+                    </a:lnR>
+                    <a:lnT>
+                      <a:noFill/>
+                    </a:lnT>
+                    <a:lnB>
+                      <a:noFill/>
+                    </a:lnB>
+                    <a:noFill/>
+                  </a:tcPr>
+                </a:tc>
+                <a:tc>
+                  <a:txBody>
+                    <a:bodyPr/>
+                    <a:lstStyle/>
+                    <a:p>
+                      <a:pPr>
+                        <a:buNone/>
+                      </a:pPr>
+                      <a:r>
+                        <a:rPr lang="en-CA" b="1" dirty="0"/>
+                        <a:t>0.4461</a:t>
+                      </a:r>
+                      <a:endParaRPr lang="en-CA" dirty="0"/>
+                    </a:p>
+                  </a:txBody>
+                  <a:tcPr anchor="ctr">
+                    <a:lnL>
+                      <a:noFill/>
+                    </a:lnL>
+                    <a:lnR>
+                      <a:noFill/>
+                    </a:lnR>
+                    <a:lnT>
+                      <a:noFill/>
+                    </a:lnT>
+                    <a:lnB>
+                      <a:noFill/>
+                    </a:lnB>
+                    <a:noFill/>
+                  </a:tcPr>
+                </a:tc>
+                <a:extLst>
+                  <a:ext uri="{0D108BD9-81ED-4DB2-BD59-A6C34878D82A}">
+                    <a16:rowId xmlns:a16="http://schemas.microsoft.com/office/drawing/2014/main" val="1136492429"/>
+                  </a:ext>
+                </a:extLst>
+              </a:tr>
+            </a:tbl>
+          </a:graphicData>
+        </a:graphic>
+      </p:graphicFrame>
     </p:spTree>
     <p:extLst>
       <p:ext uri="{BB962C8B-B14F-4D97-AF65-F5344CB8AC3E}">
@@ -10050,7 +14504,7 @@
 </p:sld>
 </file>
 
-<file path=ppt/slides/slide14.xml><?xml version="1.0" encoding="utf-8"?>
+<file path=ppt/slides/slide13.xml><?xml version="1.0" encoding="utf-8"?>
 <p:sld xmlns:a="http://schemas.openxmlformats.org/drawingml/2006/main" xmlns:r="http://schemas.openxmlformats.org/officeDocument/2006/relationships" xmlns:p="http://schemas.openxmlformats.org/presentationml/2006/main">
   <p:cSld>
     <p:bg>
@@ -10867,7 +15321,7 @@
         </p:nvSpPr>
         <p:spPr bwMode="auto">
           <a:xfrm>
-            <a:off x="768628" y="2285999"/>
+            <a:off x="613180" y="1974715"/>
             <a:ext cx="5327371" cy="3613149"/>
           </a:xfrm>
           <a:prstGeom prst="rect">
@@ -10907,7 +15361,7 @@
             <a:prstTxWarp prst="textNoShape">
               <a:avLst/>
             </a:prstTxWarp>
-            <a:normAutofit fontScale="92500" lnSpcReduction="10000"/>
+            <a:normAutofit/>
           </a:bodyPr>
           <a:lstStyle/>
           <a:p>
@@ -11035,80 +15489,6 @@
               <a:buNone/>
               <a:tabLst/>
             </a:pPr>
-            <a:endParaRPr kumimoji="0" lang="en-US" altLang="en-US" sz="1600" b="0" i="0" u="none" strike="noStrike" cap="none" normalizeH="0" baseline="0" dirty="0">
-              <a:ln>
-                <a:noFill/>
-              </a:ln>
-              <a:effectLst/>
-              <a:latin typeface="Times New Roman" panose="02020603050405020304" pitchFamily="18" charset="0"/>
-              <a:cs typeface="Times New Roman" panose="02020603050405020304" pitchFamily="18" charset="0"/>
-            </a:endParaRPr>
-          </a:p>
-          <a:p>
-            <a:pPr eaLnBrk="0" fontAlgn="base" hangingPunct="0">
-              <a:spcBef>
-                <a:spcPct val="0"/>
-              </a:spcBef>
-              <a:spcAft>
-                <a:spcPts val="600"/>
-              </a:spcAft>
-            </a:pPr>
-            <a:r>
-              <a:rPr kumimoji="0" lang="en-US" altLang="en-US" sz="1600" b="0" i="0" u="none" strike="noStrike" cap="none" normalizeH="0" baseline="0" dirty="0">
-                <a:ln>
-                  <a:noFill/>
-                </a:ln>
-                <a:effectLst/>
-                <a:latin typeface="Times New Roman" panose="02020603050405020304" pitchFamily="18" charset="0"/>
-                <a:cs typeface="Times New Roman" panose="02020603050405020304" pitchFamily="18" charset="0"/>
-              </a:rPr>
-              <a:t>However, current regression-based models often assume linearity, missing complex regulatory dynamics.</a:t>
-            </a:r>
-          </a:p>
-          <a:p>
-            <a:pPr eaLnBrk="0" fontAlgn="base" hangingPunct="0">
-              <a:spcBef>
-                <a:spcPct val="0"/>
-              </a:spcBef>
-              <a:spcAft>
-                <a:spcPts val="600"/>
-              </a:spcAft>
-            </a:pPr>
-            <a:endParaRPr lang="en-US" altLang="en-US" sz="1600" dirty="0">
-              <a:latin typeface="Times New Roman" panose="02020603050405020304" pitchFamily="18" charset="0"/>
-              <a:cs typeface="Times New Roman" panose="02020603050405020304" pitchFamily="18" charset="0"/>
-            </a:endParaRPr>
-          </a:p>
-          <a:p>
-            <a:pPr eaLnBrk="0" fontAlgn="base" hangingPunct="0">
-              <a:spcBef>
-                <a:spcPct val="0"/>
-              </a:spcBef>
-              <a:spcAft>
-                <a:spcPts val="600"/>
-              </a:spcAft>
-            </a:pPr>
-            <a:r>
-              <a:rPr lang="en-CA" sz="1600" dirty="0">
-                <a:latin typeface="Times New Roman" panose="02020603050405020304" pitchFamily="18" charset="0"/>
-                <a:cs typeface="Times New Roman" panose="02020603050405020304" pitchFamily="18" charset="0"/>
-              </a:rPr>
-              <a:t>Most existing models rely exclusively on either </a:t>
-            </a:r>
-            <a:r>
-              <a:rPr lang="en-CA" sz="1600" i="1" dirty="0">
-                <a:latin typeface="Times New Roman" panose="02020603050405020304" pitchFamily="18" charset="0"/>
-                <a:cs typeface="Times New Roman" panose="02020603050405020304" pitchFamily="18" charset="0"/>
-              </a:rPr>
-              <a:t>in silico</a:t>
-            </a:r>
-            <a:r>
-              <a:rPr lang="en-CA" sz="1600" dirty="0">
-                <a:latin typeface="Times New Roman" panose="02020603050405020304" pitchFamily="18" charset="0"/>
-                <a:cs typeface="Times New Roman" panose="02020603050405020304" pitchFamily="18" charset="0"/>
-              </a:rPr>
-              <a:t> perturbation data or experimental perturbation data, but rarely integrate both limiting their ability to generalize and validate predictions across simulated and real biological contexts.</a:t>
-            </a:r>
             <a:endParaRPr kumimoji="0" lang="en-US" altLang="en-US" sz="1600" b="0" i="0" u="none" strike="noStrike" cap="none" normalizeH="0" baseline="0" dirty="0">
               <a:ln>
                 <a:noFill/>
@@ -12553,6 +16933,82 @@
           </a:p>
         </p:txBody>
       </p:sp>
+      <p:sp>
+        <p:nvSpPr>
+          <p:cNvPr id="5" name="TextBox 4">
+            <a:extLst>
+              <a:ext uri="{FF2B5EF4-FFF2-40B4-BE49-F238E27FC236}">
+                <a16:creationId xmlns:a16="http://schemas.microsoft.com/office/drawing/2014/main" id="{E33196A9-B4A4-8450-7095-5825D67800FA}"/>
+              </a:ext>
+            </a:extLst>
+          </p:cNvPr>
+          <p:cNvSpPr txBox="1"/>
+          <p:nvPr/>
+        </p:nvSpPr>
+        <p:spPr>
+          <a:xfrm>
+            <a:off x="374904" y="5919508"/>
+            <a:ext cx="12252960" cy="461665"/>
+          </a:xfrm>
+          <a:prstGeom prst="rect">
+            <a:avLst/>
+          </a:prstGeom>
+          <a:noFill/>
+        </p:spPr>
+        <p:txBody>
+          <a:bodyPr wrap="square">
+            <a:spAutoFit/>
+          </a:bodyPr>
+          <a:lstStyle/>
+          <a:p>
+            <a:pPr marL="0" indent="0" fontAlgn="base">
+              <a:buNone/>
+            </a:pPr>
+            <a:r>
+              <a:rPr lang="en-CA" sz="1200" dirty="0">
+                <a:latin typeface="Times New Roman" panose="02020603050405020304" pitchFamily="18" charset="0"/>
+                <a:cs typeface="Times New Roman" panose="02020603050405020304" pitchFamily="18" charset="0"/>
+              </a:rPr>
+              <a:t>Boabang, Francis, and Samuel Asante </a:t>
+            </a:r>
+            <a:r>
+              <a:rPr lang="en-CA" sz="1200" dirty="0" err="1">
+                <a:latin typeface="Times New Roman" panose="02020603050405020304" pitchFamily="18" charset="0"/>
+                <a:cs typeface="Times New Roman" panose="02020603050405020304" pitchFamily="18" charset="0"/>
+              </a:rPr>
+              <a:t>Gyamerah</a:t>
+            </a:r>
+            <a:r>
+              <a:rPr lang="en-CA" sz="1200" dirty="0">
+                <a:latin typeface="Times New Roman" panose="02020603050405020304" pitchFamily="18" charset="0"/>
+                <a:cs typeface="Times New Roman" panose="02020603050405020304" pitchFamily="18" charset="0"/>
+              </a:rPr>
+              <a:t>. "Escaping Local Optima in the Waddington Landscape: A Multi-Stage TRPO-PPO Approach for Single-Cell Perturbation Analysis." </a:t>
+            </a:r>
+            <a:r>
+              <a:rPr lang="en-CA" sz="1200" i="1" dirty="0" err="1">
+                <a:latin typeface="Times New Roman" panose="02020603050405020304" pitchFamily="18" charset="0"/>
+                <a:cs typeface="Times New Roman" panose="02020603050405020304" pitchFamily="18" charset="0"/>
+              </a:rPr>
+              <a:t>arXiv</a:t>
+            </a:r>
+            <a:r>
+              <a:rPr lang="en-CA" sz="1200" i="1" dirty="0">
+                <a:latin typeface="Times New Roman" panose="02020603050405020304" pitchFamily="18" charset="0"/>
+                <a:cs typeface="Times New Roman" panose="02020603050405020304" pitchFamily="18" charset="0"/>
+              </a:rPr>
+              <a:t> preprint arXiv:2510.13018</a:t>
+            </a:r>
+            <a:r>
+              <a:rPr lang="en-CA" sz="1200" dirty="0">
+                <a:latin typeface="Times New Roman" panose="02020603050405020304" pitchFamily="18" charset="0"/>
+                <a:cs typeface="Times New Roman" panose="02020603050405020304" pitchFamily="18" charset="0"/>
+              </a:rPr>
+              <a:t> (2025).</a:t>
+            </a:r>
+          </a:p>
+        </p:txBody>
+      </p:sp>
     </p:spTree>
     <p:extLst>
       <p:ext uri="{BB962C8B-B14F-4D97-AF65-F5344CB8AC3E}">
@@ -12567,437 +17023,6 @@
 </file>
 
 <file path=ppt/slides/slide7.xml><?xml version="1.0" encoding="utf-8"?>
-<p:sld xmlns:a="http://schemas.openxmlformats.org/drawingml/2006/main" xmlns:r="http://schemas.openxmlformats.org/officeDocument/2006/relationships" xmlns:p="http://schemas.openxmlformats.org/presentationml/2006/main">
-  <p:cSld>
-    <p:spTree>
-      <p:nvGrpSpPr>
-        <p:cNvPr id="1" name=""/>
-        <p:cNvGrpSpPr/>
-        <p:nvPr/>
-      </p:nvGrpSpPr>
-      <p:grpSpPr>
-        <a:xfrm>
-          <a:off x="0" y="0"/>
-          <a:ext cx="0" cy="0"/>
-          <a:chOff x="0" y="0"/>
-          <a:chExt cx="0" cy="0"/>
-        </a:xfrm>
-      </p:grpSpPr>
-      <p:sp>
-        <p:nvSpPr>
-          <p:cNvPr id="2" name="Title 1">
-            <a:extLst>
-              <a:ext uri="{FF2B5EF4-FFF2-40B4-BE49-F238E27FC236}">
-                <a16:creationId xmlns:a16="http://schemas.microsoft.com/office/drawing/2014/main" id="{59B07F0A-3138-797A-FD19-F132FDDFB16F}"/>
-              </a:ext>
-            </a:extLst>
-          </p:cNvPr>
-          <p:cNvSpPr>
-            <a:spLocks noGrp="1"/>
-          </p:cNvSpPr>
-          <p:nvPr>
-            <p:ph type="title"/>
-          </p:nvPr>
-        </p:nvSpPr>
-        <p:spPr/>
-        <p:txBody>
-          <a:bodyPr>
-            <a:normAutofit/>
-          </a:bodyPr>
-          <a:lstStyle/>
-          <a:p>
-            <a:r>
-              <a:rPr lang="en-CA" sz="2000" b="1" dirty="0" err="1">
-                <a:latin typeface="Times New Roman" panose="02020603050405020304" pitchFamily="18" charset="0"/>
-                <a:cs typeface="Times New Roman" panose="02020603050405020304" pitchFamily="18" charset="0"/>
-              </a:rPr>
-              <a:t>Codeathon</a:t>
-            </a:r>
-            <a:r>
-              <a:rPr lang="en-CA" sz="2000" b="1" dirty="0">
-                <a:latin typeface="Times New Roman" panose="02020603050405020304" pitchFamily="18" charset="0"/>
-                <a:cs typeface="Times New Roman" panose="02020603050405020304" pitchFamily="18" charset="0"/>
-              </a:rPr>
-              <a:t> Idea : Escaping Local Optima in the Waddington Landscape: A Multi-Stage TRPO-PPO Approach for Single-Cell Perturbation Analysis</a:t>
-            </a:r>
-            <a:br>
-              <a:rPr lang="en-CA" sz="2400" dirty="0">
-                <a:latin typeface="Times New Roman" panose="02020603050405020304" pitchFamily="18" charset="0"/>
-                <a:cs typeface="Times New Roman" panose="02020603050405020304" pitchFamily="18" charset="0"/>
-              </a:rPr>
-            </a:br>
-            <a:endParaRPr lang="en-CA" sz="2400" dirty="0">
-              <a:latin typeface="Times New Roman" panose="02020603050405020304" pitchFamily="18" charset="0"/>
-              <a:cs typeface="Times New Roman" panose="02020603050405020304" pitchFamily="18" charset="0"/>
-            </a:endParaRPr>
-          </a:p>
-        </p:txBody>
-      </p:sp>
-      <p:sp>
-        <p:nvSpPr>
-          <p:cNvPr id="3" name="Content Placeholder 2">
-            <a:extLst>
-              <a:ext uri="{FF2B5EF4-FFF2-40B4-BE49-F238E27FC236}">
-                <a16:creationId xmlns:a16="http://schemas.microsoft.com/office/drawing/2014/main" id="{3DFAAE30-6B09-18D9-C24B-38FDD0E4DA86}"/>
-              </a:ext>
-            </a:extLst>
-          </p:cNvPr>
-          <p:cNvSpPr>
-            <a:spLocks noGrp="1"/>
-          </p:cNvSpPr>
-          <p:nvPr>
-            <p:ph idx="1"/>
-          </p:nvPr>
-        </p:nvSpPr>
-        <p:spPr/>
-        <p:txBody>
-          <a:bodyPr>
-            <a:normAutofit/>
-          </a:bodyPr>
-          <a:lstStyle/>
-          <a:p>
-            <a:pPr marL="0" indent="0" fontAlgn="base">
-              <a:buNone/>
-            </a:pPr>
-            <a:r>
-              <a:rPr lang="en-CA" sz="1600" dirty="0">
-                <a:latin typeface="Times New Roman" panose="02020603050405020304" pitchFamily="18" charset="0"/>
-                <a:cs typeface="Times New Roman" panose="02020603050405020304" pitchFamily="18" charset="0"/>
-              </a:rPr>
-              <a:t>Boabang, Francis, and Samuel Asante </a:t>
-            </a:r>
-            <a:r>
-              <a:rPr lang="en-CA" sz="1600" dirty="0" err="1">
-                <a:latin typeface="Times New Roman" panose="02020603050405020304" pitchFamily="18" charset="0"/>
-                <a:cs typeface="Times New Roman" panose="02020603050405020304" pitchFamily="18" charset="0"/>
-              </a:rPr>
-              <a:t>Gyamerah</a:t>
-            </a:r>
-            <a:r>
-              <a:rPr lang="en-CA" sz="1600" dirty="0">
-                <a:latin typeface="Times New Roman" panose="02020603050405020304" pitchFamily="18" charset="0"/>
-                <a:cs typeface="Times New Roman" panose="02020603050405020304" pitchFamily="18" charset="0"/>
-              </a:rPr>
-              <a:t>. "Escaping Local Optima in the Waddington Landscape: A Multi-Stage TRPO-PPO Approach for Single-Cell Perturbation Analysis." </a:t>
-            </a:r>
-            <a:r>
-              <a:rPr lang="en-CA" sz="1600" i="1" dirty="0" err="1">
-                <a:latin typeface="Times New Roman" panose="02020603050405020304" pitchFamily="18" charset="0"/>
-                <a:cs typeface="Times New Roman" panose="02020603050405020304" pitchFamily="18" charset="0"/>
-              </a:rPr>
-              <a:t>arXiv</a:t>
-            </a:r>
-            <a:r>
-              <a:rPr lang="en-CA" sz="1600" i="1" dirty="0">
-                <a:latin typeface="Times New Roman" panose="02020603050405020304" pitchFamily="18" charset="0"/>
-                <a:cs typeface="Times New Roman" panose="02020603050405020304" pitchFamily="18" charset="0"/>
-              </a:rPr>
-              <a:t> preprint arXiv:2510.13018</a:t>
-            </a:r>
-            <a:r>
-              <a:rPr lang="en-CA" sz="1600" dirty="0">
-                <a:latin typeface="Times New Roman" panose="02020603050405020304" pitchFamily="18" charset="0"/>
-                <a:cs typeface="Times New Roman" panose="02020603050405020304" pitchFamily="18" charset="0"/>
-              </a:rPr>
-              <a:t> (2025).</a:t>
-            </a:r>
-          </a:p>
-          <a:p>
-            <a:endParaRPr lang="en-CA" sz="1800" dirty="0"/>
-          </a:p>
-        </p:txBody>
-      </p:sp>
-    </p:spTree>
-    <p:extLst>
-      <p:ext uri="{BB962C8B-B14F-4D97-AF65-F5344CB8AC3E}">
-        <p14:creationId xmlns:p14="http://schemas.microsoft.com/office/powerpoint/2010/main" val="1561357538"/>
-      </p:ext>
-    </p:extLst>
-  </p:cSld>
-  <p:clrMapOvr>
-    <a:masterClrMapping/>
-  </p:clrMapOvr>
-</p:sld>
-</file>
-
-<file path=ppt/slides/slide8.xml><?xml version="1.0" encoding="utf-8"?>
-<p:sld xmlns:a="http://schemas.openxmlformats.org/drawingml/2006/main" xmlns:r="http://schemas.openxmlformats.org/officeDocument/2006/relationships" xmlns:p="http://schemas.openxmlformats.org/presentationml/2006/main">
-  <p:cSld>
-    <p:spTree>
-      <p:nvGrpSpPr>
-        <p:cNvPr id="1" name=""/>
-        <p:cNvGrpSpPr/>
-        <p:nvPr/>
-      </p:nvGrpSpPr>
-      <p:grpSpPr>
-        <a:xfrm>
-          <a:off x="0" y="0"/>
-          <a:ext cx="0" cy="0"/>
-          <a:chOff x="0" y="0"/>
-          <a:chExt cx="0" cy="0"/>
-        </a:xfrm>
-      </p:grpSpPr>
-      <p:sp>
-        <p:nvSpPr>
-          <p:cNvPr id="2" name="Title 1">
-            <a:extLst>
-              <a:ext uri="{FF2B5EF4-FFF2-40B4-BE49-F238E27FC236}">
-                <a16:creationId xmlns:a16="http://schemas.microsoft.com/office/drawing/2014/main" id="{1D4CB6EF-D17E-D3AB-1F70-4A6C250E10A4}"/>
-              </a:ext>
-            </a:extLst>
-          </p:cNvPr>
-          <p:cNvSpPr>
-            <a:spLocks noGrp="1"/>
-          </p:cNvSpPr>
-          <p:nvPr>
-            <p:ph type="title"/>
-          </p:nvPr>
-        </p:nvSpPr>
-        <p:spPr>
-          <a:xfrm>
-            <a:off x="719328" y="127381"/>
-            <a:ext cx="10515600" cy="1325563"/>
-          </a:xfrm>
-        </p:spPr>
-        <p:txBody>
-          <a:bodyPr>
-            <a:normAutofit/>
-          </a:bodyPr>
-          <a:lstStyle/>
-          <a:p>
-            <a:r>
-              <a:rPr lang="en-US" sz="3200" dirty="0"/>
-              <a:t>RNA dataset Description</a:t>
-            </a:r>
-            <a:endParaRPr lang="en-CA" sz="3200" dirty="0"/>
-          </a:p>
-        </p:txBody>
-      </p:sp>
-      <p:sp>
-        <p:nvSpPr>
-          <p:cNvPr id="3" name="Content Placeholder 2">
-            <a:extLst>
-              <a:ext uri="{FF2B5EF4-FFF2-40B4-BE49-F238E27FC236}">
-                <a16:creationId xmlns:a16="http://schemas.microsoft.com/office/drawing/2014/main" id="{07A2110F-0A5E-FFE7-6B44-F77B743F1AEF}"/>
-              </a:ext>
-            </a:extLst>
-          </p:cNvPr>
-          <p:cNvSpPr>
-            <a:spLocks noGrp="1"/>
-          </p:cNvSpPr>
-          <p:nvPr>
-            <p:ph idx="1"/>
-          </p:nvPr>
-        </p:nvSpPr>
-        <p:spPr>
-          <a:xfrm>
-            <a:off x="719328" y="1350137"/>
-            <a:ext cx="10515600" cy="4351338"/>
-          </a:xfrm>
-        </p:spPr>
-        <p:txBody>
-          <a:bodyPr>
-            <a:normAutofit fontScale="92500" lnSpcReduction="10000"/>
-          </a:bodyPr>
-          <a:lstStyle/>
-          <a:p>
-            <a:pPr marL="0" indent="0">
-              <a:buNone/>
-            </a:pPr>
-            <a:r>
-              <a:rPr lang="en-US" sz="1600" dirty="0">
-                <a:latin typeface="Times New Roman" panose="02020603050405020304" pitchFamily="18" charset="0"/>
-                <a:cs typeface="Times New Roman" panose="02020603050405020304" pitchFamily="18" charset="0"/>
-              </a:rPr>
-              <a:t>Organism: Mus musculus</a:t>
-            </a:r>
-          </a:p>
-          <a:p>
-            <a:pPr marL="0" indent="0">
-              <a:buNone/>
-            </a:pPr>
-            <a:r>
-              <a:rPr lang="en-US" sz="1600" dirty="0">
-                <a:latin typeface="Times New Roman" panose="02020603050405020304" pitchFamily="18" charset="0"/>
-                <a:cs typeface="Times New Roman" panose="02020603050405020304" pitchFamily="18" charset="0"/>
-              </a:rPr>
-              <a:t>RNA sequence</a:t>
-            </a:r>
-          </a:p>
-          <a:p>
-            <a:pPr marL="0" indent="0">
-              <a:buNone/>
-            </a:pPr>
-            <a:r>
-              <a:rPr lang="en-US" sz="1600" dirty="0">
-                <a:latin typeface="Times New Roman" panose="02020603050405020304" pitchFamily="18" charset="0"/>
-                <a:cs typeface="Times New Roman" panose="02020603050405020304" pitchFamily="18" charset="0"/>
-              </a:rPr>
-              <a:t>Perturbation: Crisper Knockout: </a:t>
-            </a:r>
-            <a:r>
-              <a:rPr lang="en-US" sz="1600" dirty="0" err="1">
-                <a:latin typeface="Times New Roman" panose="02020603050405020304" pitchFamily="18" charset="0"/>
-                <a:cs typeface="Times New Roman" panose="02020603050405020304" pitchFamily="18" charset="0"/>
-              </a:rPr>
-              <a:t>Crisprko</a:t>
-            </a:r>
-            <a:endParaRPr lang="en-US" sz="1600" dirty="0">
-              <a:latin typeface="Times New Roman" panose="02020603050405020304" pitchFamily="18" charset="0"/>
-              <a:cs typeface="Times New Roman" panose="02020603050405020304" pitchFamily="18" charset="0"/>
-            </a:endParaRPr>
-          </a:p>
-          <a:p>
-            <a:pPr marL="0" indent="0">
-              <a:buNone/>
-            </a:pPr>
-            <a:endParaRPr lang="en-US" sz="1600" dirty="0">
-              <a:latin typeface="Times New Roman" panose="02020603050405020304" pitchFamily="18" charset="0"/>
-              <a:cs typeface="Times New Roman" panose="02020603050405020304" pitchFamily="18" charset="0"/>
-            </a:endParaRPr>
-          </a:p>
-          <a:p>
-            <a:pPr marL="0" indent="0">
-              <a:buNone/>
-            </a:pPr>
-            <a:r>
-              <a:rPr lang="en-CA" sz="1600" dirty="0" err="1">
-                <a:latin typeface="Times New Roman" panose="02020603050405020304" pitchFamily="18" charset="0"/>
-                <a:cs typeface="Times New Roman" panose="02020603050405020304" pitchFamily="18" charset="0"/>
-              </a:rPr>
-              <a:t>Unperturb</a:t>
-            </a:r>
-            <a:r>
-              <a:rPr lang="en-CA" sz="1600" dirty="0">
-                <a:latin typeface="Times New Roman" panose="02020603050405020304" pitchFamily="18" charset="0"/>
-                <a:cs typeface="Times New Roman" panose="02020603050405020304" pitchFamily="18" charset="0"/>
-              </a:rPr>
-              <a:t> data (Control Sample) –</a:t>
-            </a:r>
-            <a:r>
-              <a:rPr lang="en-CA" sz="1600" dirty="0" err="1">
-                <a:latin typeface="Times New Roman" panose="02020603050405020304" pitchFamily="18" charset="0"/>
-                <a:cs typeface="Times New Roman" panose="02020603050405020304" pitchFamily="18" charset="0"/>
-              </a:rPr>
-              <a:t>CTRL_data</a:t>
-            </a:r>
-            <a:endParaRPr lang="en-CA" sz="1600" dirty="0">
-              <a:latin typeface="Times New Roman" panose="02020603050405020304" pitchFamily="18" charset="0"/>
-              <a:cs typeface="Times New Roman" panose="02020603050405020304" pitchFamily="18" charset="0"/>
-            </a:endParaRPr>
-          </a:p>
-          <a:p>
-            <a:pPr marL="0" indent="0">
-              <a:buNone/>
-            </a:pPr>
-            <a:endParaRPr lang="en-CA" sz="1600" dirty="0">
-              <a:latin typeface="Times New Roman" panose="02020603050405020304" pitchFamily="18" charset="0"/>
-              <a:cs typeface="Times New Roman" panose="02020603050405020304" pitchFamily="18" charset="0"/>
-            </a:endParaRPr>
-          </a:p>
-          <a:p>
-            <a:pPr marL="0" indent="0">
-              <a:buNone/>
-            </a:pPr>
-            <a:r>
-              <a:rPr lang="en-CA" sz="1600" dirty="0">
-                <a:latin typeface="Times New Roman" panose="02020603050405020304" pitchFamily="18" charset="0"/>
-                <a:cs typeface="Times New Roman" panose="02020603050405020304" pitchFamily="18" charset="0"/>
-              </a:rPr>
-              <a:t>Perturb data with CRISPRKO-PTPN2 data</a:t>
-            </a:r>
-            <a:endParaRPr lang="en-US" sz="1600" dirty="0">
-              <a:latin typeface="Times New Roman" panose="02020603050405020304" pitchFamily="18" charset="0"/>
-              <a:cs typeface="Times New Roman" panose="02020603050405020304" pitchFamily="18" charset="0"/>
-            </a:endParaRPr>
-          </a:p>
-          <a:p>
-            <a:pPr marL="0" indent="0">
-              <a:buNone/>
-            </a:pPr>
-            <a:endParaRPr lang="en-US" dirty="0"/>
-          </a:p>
-          <a:p>
-            <a:pPr marL="0" indent="0">
-              <a:buNone/>
-            </a:pPr>
-            <a:r>
-              <a:rPr lang="en-US" sz="1400" dirty="0">
-                <a:hlinkClick r:id="rId2"/>
-              </a:rPr>
-              <a:t>https://www.ncbi.nlm.nih.gov/geo/query/acc.cgi?acc=GSE134139</a:t>
-            </a:r>
-            <a:endParaRPr lang="en-US" sz="1400" dirty="0"/>
-          </a:p>
-          <a:p>
-            <a:pPr marL="0" indent="0">
-              <a:buNone/>
-            </a:pPr>
-            <a:endParaRPr lang="en-US" sz="1400" dirty="0"/>
-          </a:p>
-          <a:p>
-            <a:pPr marL="0" indent="0">
-              <a:buNone/>
-            </a:pPr>
-            <a:r>
-              <a:rPr lang="en-CA" sz="1500" u="sng" dirty="0">
-                <a:hlinkClick r:id="rId3"/>
-              </a:rPr>
-              <a:t>https://drive.google.com/drive/folders/1AAI4KU9G-UHoKo72Ne6iGAaCgFPADIW3?usp=drive_link</a:t>
-            </a:r>
-            <a:endParaRPr lang="en-US" sz="1500" dirty="0"/>
-          </a:p>
-          <a:p>
-            <a:pPr marL="0" indent="0">
-              <a:buNone/>
-            </a:pPr>
-            <a:endParaRPr lang="en-CA" sz="1500" dirty="0">
-              <a:latin typeface="Times New Roman" panose="02020603050405020304" pitchFamily="18" charset="0"/>
-              <a:cs typeface="Times New Roman" panose="02020603050405020304" pitchFamily="18" charset="0"/>
-            </a:endParaRPr>
-          </a:p>
-          <a:p>
-            <a:pPr marL="0" indent="0">
-              <a:buNone/>
-            </a:pPr>
-            <a:r>
-              <a:rPr lang="en-CA" sz="1500" dirty="0">
-                <a:latin typeface="Times New Roman" panose="02020603050405020304" pitchFamily="18" charset="0"/>
-                <a:cs typeface="Times New Roman" panose="02020603050405020304" pitchFamily="18" charset="0"/>
-              </a:rPr>
-              <a:t>LaFleur MW, Nguyen TH, Coxe MA, Miller BC et al. PTPN2 regulates the generation of exhausted CD8(+) T cell subpopulations and restrains tumor immunity. </a:t>
-            </a:r>
-            <a:r>
-              <a:rPr lang="en-CA" sz="1500" i="1" dirty="0">
-                <a:latin typeface="Times New Roman" panose="02020603050405020304" pitchFamily="18" charset="0"/>
-                <a:cs typeface="Times New Roman" panose="02020603050405020304" pitchFamily="18" charset="0"/>
-              </a:rPr>
-              <a:t>Nat Immunol</a:t>
-            </a:r>
-            <a:r>
-              <a:rPr lang="en-CA" sz="1500" dirty="0">
-                <a:latin typeface="Times New Roman" panose="02020603050405020304" pitchFamily="18" charset="0"/>
-                <a:cs typeface="Times New Roman" panose="02020603050405020304" pitchFamily="18" charset="0"/>
-              </a:rPr>
-              <a:t> 2019 Oct;20(10):1335-1347.</a:t>
-            </a:r>
-          </a:p>
-        </p:txBody>
-      </p:sp>
-    </p:spTree>
-    <p:extLst>
-      <p:ext uri="{BB962C8B-B14F-4D97-AF65-F5344CB8AC3E}">
-        <p14:creationId xmlns:p14="http://schemas.microsoft.com/office/powerpoint/2010/main" val="3080982678"/>
-      </p:ext>
-    </p:extLst>
-  </p:cSld>
-  <p:clrMapOvr>
-    <a:masterClrMapping/>
-  </p:clrMapOvr>
-</p:sld>
-</file>
-
-<file path=ppt/slides/slide9.xml><?xml version="1.0" encoding="utf-8"?>
 <p:sld xmlns:a="http://schemas.openxmlformats.org/drawingml/2006/main" xmlns:r="http://schemas.openxmlformats.org/officeDocument/2006/relationships" xmlns:p="http://schemas.openxmlformats.org/presentationml/2006/main">
   <p:cSld>
     <p:spTree>
@@ -13057,26 +17082,30 @@
         </p:nvSpPr>
         <p:spPr>
           <a:xfrm>
-            <a:off x="3371850" y="2353469"/>
-            <a:ext cx="3971925" cy="1005448"/>
+            <a:off x="3392016" y="2454218"/>
+            <a:ext cx="3971925" cy="747862"/>
           </a:xfrm>
           <a:prstGeom prst="rect">
             <a:avLst/>
           </a:prstGeom>
-          <a:noFill/>
-          <a:ln w="38100"/>
+          <a:solidFill>
+            <a:schemeClr val="accent5">
+              <a:alpha val="50000"/>
+            </a:schemeClr>
+          </a:solidFill>
+          <a:ln>
+            <a:noFill/>
+          </a:ln>
         </p:spPr>
         <p:style>
-          <a:lnRef idx="2">
-            <a:schemeClr val="accent1">
-              <a:shade val="15000"/>
-            </a:schemeClr>
+          <a:lnRef idx="0">
+            <a:scrgbClr r="0" g="0" b="0"/>
           </a:lnRef>
-          <a:fillRef idx="1">
-            <a:schemeClr val="accent1"/>
+          <a:fillRef idx="0">
+            <a:scrgbClr r="0" g="0" b="0"/>
           </a:fillRef>
           <a:effectRef idx="0">
-            <a:schemeClr val="accent1"/>
+            <a:scrgbClr r="0" g="0" b="0"/>
           </a:effectRef>
           <a:fontRef idx="minor">
             <a:schemeClr val="lt1"/>
@@ -13105,26 +17134,30 @@
         </p:nvSpPr>
         <p:spPr>
           <a:xfrm>
-            <a:off x="3371850" y="4746765"/>
-            <a:ext cx="3971925" cy="1005448"/>
+            <a:off x="3357695" y="4864386"/>
+            <a:ext cx="3971925" cy="936885"/>
           </a:xfrm>
           <a:prstGeom prst="rect">
             <a:avLst/>
           </a:prstGeom>
-          <a:noFill/>
-          <a:ln w="38100"/>
+          <a:solidFill>
+            <a:schemeClr val="accent5">
+              <a:alpha val="50000"/>
+            </a:schemeClr>
+          </a:solidFill>
+          <a:ln>
+            <a:noFill/>
+          </a:ln>
         </p:spPr>
         <p:style>
-          <a:lnRef idx="2">
-            <a:schemeClr val="accent1">
-              <a:shade val="15000"/>
-            </a:schemeClr>
+          <a:lnRef idx="0">
+            <a:scrgbClr r="0" g="0" b="0"/>
           </a:lnRef>
-          <a:fillRef idx="1">
-            <a:schemeClr val="accent1"/>
+          <a:fillRef idx="0">
+            <a:scrgbClr r="0" g="0" b="0"/>
           </a:fillRef>
           <a:effectRef idx="0">
-            <a:schemeClr val="accent1"/>
+            <a:scrgbClr r="0" g="0" b="0"/>
           </a:effectRef>
           <a:fontRef idx="minor">
             <a:schemeClr val="lt1"/>
@@ -13153,8 +17186,8 @@
         </p:nvSpPr>
         <p:spPr>
           <a:xfrm>
-            <a:off x="3523118" y="2435588"/>
-            <a:ext cx="3759747" cy="923330"/>
+            <a:off x="3523118" y="2418987"/>
+            <a:ext cx="3393621" cy="646331"/>
           </a:xfrm>
           <a:prstGeom prst="rect">
             <a:avLst/>
@@ -13175,13 +17208,7 @@
           <a:p>
             <a:r>
               <a:rPr lang="en-US" dirty="0"/>
-              <a:t>Free Reinforcement Learning for multi</a:t>
-            </a:r>
-          </a:p>
-          <a:p>
-            <a:r>
-              <a:rPr lang="en-US" dirty="0"/>
-              <a:t>dynamics</a:t>
+              <a:t>Free Reinforcement Learning</a:t>
             </a:r>
             <a:endParaRPr lang="en-CA" dirty="0"/>
           </a:p>
@@ -13201,8 +17228,8 @@
         </p:nvSpPr>
         <p:spPr>
           <a:xfrm>
-            <a:off x="3459214" y="4755356"/>
-            <a:ext cx="3961534" cy="1200329"/>
+            <a:off x="3496324" y="4942126"/>
+            <a:ext cx="3694666" cy="646331"/>
           </a:xfrm>
           <a:prstGeom prst="rect">
             <a:avLst/>
@@ -13223,17 +17250,8 @@
           <a:p>
             <a:r>
               <a:rPr lang="en-US" dirty="0"/>
-              <a:t>Based  Reinforcement Learning for multi</a:t>
+              <a:t>Based  Reinforcement Learning</a:t>
             </a:r>
-          </a:p>
-          <a:p>
-            <a:r>
-              <a:rPr lang="en-US" dirty="0"/>
-              <a:t>dynamics</a:t>
-            </a:r>
-            <a:endParaRPr lang="en-CA" dirty="0"/>
-          </a:p>
-          <a:p>
             <a:endParaRPr lang="en-CA" dirty="0"/>
           </a:p>
         </p:txBody>
@@ -13252,7 +17270,7 @@
         </p:nvCxnSpPr>
         <p:spPr>
           <a:xfrm>
-            <a:off x="2121408" y="2891631"/>
+            <a:off x="2141574" y="2852296"/>
             <a:ext cx="1250442" cy="0"/>
           </a:xfrm>
           <a:prstGeom prst="straightConnector1">
@@ -13586,26 +17604,23 @@
         </p:nvSpPr>
         <p:spPr>
           <a:xfrm>
-            <a:off x="8594217" y="3716314"/>
-            <a:ext cx="2671185" cy="642314"/>
+            <a:off x="8114369" y="3716314"/>
+            <a:ext cx="3653959" cy="642314"/>
           </a:xfrm>
           <a:prstGeom prst="roundRect">
             <a:avLst/>
           </a:prstGeom>
-          <a:noFill/>
-          <a:ln w="38100"/>
+          <a:ln/>
         </p:spPr>
         <p:style>
-          <a:lnRef idx="2">
-            <a:schemeClr val="accent1">
-              <a:shade val="15000"/>
-            </a:schemeClr>
+          <a:lnRef idx="3">
+            <a:schemeClr val="lt1"/>
           </a:lnRef>
           <a:fillRef idx="1">
-            <a:schemeClr val="accent1"/>
+            <a:schemeClr val="accent4"/>
           </a:fillRef>
-          <a:effectRef idx="0">
-            <a:schemeClr val="accent1"/>
+          <a:effectRef idx="1">
+            <a:schemeClr val="accent4"/>
           </a:effectRef>
           <a:fontRef idx="minor">
             <a:schemeClr val="lt1"/>
@@ -13640,20 +17655,24 @@
           <a:prstGeom prst="rect">
             <a:avLst/>
           </a:prstGeom>
-          <a:noFill/>
-          <a:ln w="38100"/>
+          <a:solidFill>
+            <a:schemeClr val="accent5">
+              <a:alpha val="50000"/>
+            </a:schemeClr>
+          </a:solidFill>
+          <a:ln>
+            <a:noFill/>
+          </a:ln>
         </p:spPr>
         <p:style>
-          <a:lnRef idx="2">
-            <a:schemeClr val="accent1">
-              <a:shade val="15000"/>
-            </a:schemeClr>
+          <a:lnRef idx="0">
+            <a:scrgbClr r="0" g="0" b="0"/>
           </a:lnRef>
-          <a:fillRef idx="1">
-            <a:schemeClr val="accent1"/>
+          <a:fillRef idx="0">
+            <a:scrgbClr r="0" g="0" b="0"/>
           </a:fillRef>
           <a:effectRef idx="0">
-            <a:schemeClr val="accent1"/>
+            <a:scrgbClr r="0" g="0" b="0"/>
           </a:effectRef>
           <a:fontRef idx="minor">
             <a:schemeClr val="lt1"/>
@@ -13688,20 +17707,24 @@
           <a:prstGeom prst="rect">
             <a:avLst/>
           </a:prstGeom>
-          <a:noFill/>
-          <a:ln w="38100"/>
+          <a:solidFill>
+            <a:schemeClr val="accent5">
+              <a:alpha val="50000"/>
+            </a:schemeClr>
+          </a:solidFill>
+          <a:ln>
+            <a:noFill/>
+          </a:ln>
         </p:spPr>
         <p:style>
-          <a:lnRef idx="2">
-            <a:schemeClr val="accent1">
-              <a:shade val="15000"/>
-            </a:schemeClr>
+          <a:lnRef idx="0">
+            <a:scrgbClr r="0" g="0" b="0"/>
           </a:lnRef>
-          <a:fillRef idx="1">
-            <a:schemeClr val="accent1"/>
+          <a:fillRef idx="0">
+            <a:scrgbClr r="0" g="0" b="0"/>
           </a:fillRef>
           <a:effectRef idx="0">
-            <a:schemeClr val="accent1"/>
+            <a:scrgbClr r="0" g="0" b="0"/>
           </a:effectRef>
           <a:fontRef idx="minor">
             <a:schemeClr val="lt1"/>
@@ -13727,14 +17750,13 @@
           </p:cNvPr>
           <p:cNvCxnSpPr>
             <a:cxnSpLocks/>
-            <a:stCxn id="18" idx="2"/>
           </p:cNvCxnSpPr>
           <p:nvPr/>
         </p:nvCxnSpPr>
         <p:spPr>
           <a:xfrm>
-            <a:off x="9856832" y="3313315"/>
-            <a:ext cx="0" cy="359837"/>
+            <a:off x="9747104" y="3313315"/>
+            <a:ext cx="0" cy="410970"/>
           </a:xfrm>
           <a:prstGeom prst="straightConnector1">
             <a:avLst/>
@@ -13769,14 +17791,13 @@
           </p:cNvPr>
           <p:cNvCxnSpPr>
             <a:cxnSpLocks/>
-            <a:endCxn id="17" idx="2"/>
           </p:cNvCxnSpPr>
           <p:nvPr/>
         </p:nvCxnSpPr>
         <p:spPr>
           <a:xfrm flipV="1">
-            <a:off x="9929120" y="4358628"/>
-            <a:ext cx="690" cy="496232"/>
+            <a:off x="9747104" y="4358628"/>
+            <a:ext cx="0" cy="491462"/>
           </a:xfrm>
           <a:prstGeom prst="straightConnector1">
             <a:avLst/>
@@ -13814,8 +17835,8 @@
         </p:nvSpPr>
         <p:spPr>
           <a:xfrm>
-            <a:off x="8738794" y="3762055"/>
-            <a:ext cx="2671184" cy="923330"/>
+            <a:off x="8198610" y="3739565"/>
+            <a:ext cx="3919134" cy="1200329"/>
           </a:xfrm>
           <a:prstGeom prst="rect">
             <a:avLst/>
@@ -13830,17 +17851,19 @@
           <a:p>
             <a:r>
               <a:rPr lang="en-US" dirty="0"/>
-              <a:t>Align the Trajectories</a:t>
-            </a:r>
-          </a:p>
-          <a:p>
-            <a:r>
-              <a:rPr lang="en-US" dirty="0"/>
-              <a:t> and Compare </a:t>
+              <a:t>Align the Trajectories and Compare </a:t>
             </a:r>
             <a:r>
               <a:rPr lang="en-CA" dirty="0"/>
-              <a:t>Similarity</a:t>
+              <a:t>Similarity </a:t>
+            </a:r>
+            <a:r>
+              <a:rPr lang="en-US" dirty="0"/>
+              <a:t>via DTW and </a:t>
+            </a:r>
+            <a:r>
+              <a:rPr lang="en-CA" dirty="0"/>
+              <a:t>Wasserstein Distance</a:t>
             </a:r>
           </a:p>
           <a:p>
@@ -13862,7 +17885,7 @@
         </p:nvSpPr>
         <p:spPr>
           <a:xfrm>
-            <a:off x="497053" y="2435588"/>
+            <a:off x="517219" y="2451391"/>
             <a:ext cx="1624355" cy="801810"/>
           </a:xfrm>
           <a:prstGeom prst="rect">
@@ -13912,7 +17935,7 @@
         </p:nvSpPr>
         <p:spPr>
           <a:xfrm>
-            <a:off x="453371" y="4848584"/>
+            <a:off x="473537" y="4864387"/>
             <a:ext cx="1624355" cy="801810"/>
           </a:xfrm>
           <a:prstGeom prst="rect">
@@ -13962,7 +17985,7 @@
         </p:nvSpPr>
         <p:spPr>
           <a:xfrm>
-            <a:off x="3834226" y="4358627"/>
+            <a:off x="4016842" y="4591813"/>
             <a:ext cx="2137124" cy="369332"/>
           </a:xfrm>
           <a:prstGeom prst="rect">
@@ -13998,7 +18021,7 @@
         </p:nvSpPr>
         <p:spPr>
           <a:xfrm>
-            <a:off x="4041490" y="1943078"/>
+            <a:off x="4054705" y="2109727"/>
             <a:ext cx="2061398" cy="369332"/>
           </a:xfrm>
           <a:prstGeom prst="rect">
@@ -14034,8 +18057,8 @@
         </p:nvSpPr>
         <p:spPr>
           <a:xfrm>
-            <a:off x="201168" y="1939877"/>
-            <a:ext cx="11152628" cy="1603759"/>
+            <a:off x="265176" y="2109727"/>
+            <a:ext cx="11088620" cy="1433909"/>
           </a:xfrm>
           <a:prstGeom prst="roundRect">
             <a:avLst/>
@@ -14084,8 +18107,8 @@
         </p:nvSpPr>
         <p:spPr>
           <a:xfrm>
-            <a:off x="25146" y="4436701"/>
-            <a:ext cx="11152628" cy="1603759"/>
+            <a:off x="265176" y="4517456"/>
+            <a:ext cx="11087930" cy="1523004"/>
           </a:xfrm>
           <a:prstGeom prst="roundRect">
             <a:avLst/>
@@ -14120,10 +18143,481 @@
           </a:p>
         </p:txBody>
       </p:sp>
+      <p:sp>
+        <p:nvSpPr>
+          <p:cNvPr id="21" name="TextBox 20">
+            <a:extLst>
+              <a:ext uri="{FF2B5EF4-FFF2-40B4-BE49-F238E27FC236}">
+                <a16:creationId xmlns:a16="http://schemas.microsoft.com/office/drawing/2014/main" id="{854652FB-106A-7A6C-3AE1-2C55FC9AE507}"/>
+              </a:ext>
+            </a:extLst>
+          </p:cNvPr>
+          <p:cNvSpPr txBox="1"/>
+          <p:nvPr/>
+        </p:nvSpPr>
+        <p:spPr>
+          <a:xfrm>
+            <a:off x="384752" y="4520519"/>
+            <a:ext cx="2676695" cy="369332"/>
+          </a:xfrm>
+          <a:prstGeom prst="rect">
+            <a:avLst/>
+          </a:prstGeom>
+          <a:noFill/>
+        </p:spPr>
+        <p:txBody>
+          <a:bodyPr wrap="none" rtlCol="0">
+            <a:spAutoFit/>
+          </a:bodyPr>
+          <a:lstStyle/>
+          <a:p>
+            <a:r>
+              <a:rPr lang="en-US" dirty="0"/>
+              <a:t>Experimental perturbation</a:t>
+            </a:r>
+            <a:endParaRPr lang="en-CA" dirty="0"/>
+          </a:p>
+        </p:txBody>
+      </p:sp>
+      <p:sp>
+        <p:nvSpPr>
+          <p:cNvPr id="22" name="TextBox 21">
+            <a:extLst>
+              <a:ext uri="{FF2B5EF4-FFF2-40B4-BE49-F238E27FC236}">
+                <a16:creationId xmlns:a16="http://schemas.microsoft.com/office/drawing/2014/main" id="{2C40566B-3098-01FB-BF83-FD44658FD47F}"/>
+              </a:ext>
+            </a:extLst>
+          </p:cNvPr>
+          <p:cNvSpPr txBox="1"/>
+          <p:nvPr/>
+        </p:nvSpPr>
+        <p:spPr>
+          <a:xfrm>
+            <a:off x="3963092" y="3171240"/>
+            <a:ext cx="2083391" cy="369332"/>
+          </a:xfrm>
+          <a:prstGeom prst="rect">
+            <a:avLst/>
+          </a:prstGeom>
+          <a:noFill/>
+        </p:spPr>
+        <p:txBody>
+          <a:bodyPr wrap="none" rtlCol="0">
+            <a:spAutoFit/>
+          </a:bodyPr>
+          <a:lstStyle/>
+          <a:p>
+            <a:r>
+              <a:rPr lang="en-US" dirty="0" err="1"/>
+              <a:t>Insilico</a:t>
+            </a:r>
+            <a:r>
+              <a:rPr lang="en-US" dirty="0"/>
+              <a:t> perturbation</a:t>
+            </a:r>
+            <a:endParaRPr lang="en-CA" dirty="0"/>
+          </a:p>
+        </p:txBody>
+      </p:sp>
     </p:spTree>
     <p:extLst>
       <p:ext uri="{BB962C8B-B14F-4D97-AF65-F5344CB8AC3E}">
         <p14:creationId xmlns:p14="http://schemas.microsoft.com/office/powerpoint/2010/main" val="1159057244"/>
+      </p:ext>
+    </p:extLst>
+  </p:cSld>
+  <p:clrMapOvr>
+    <a:masterClrMapping/>
+  </p:clrMapOvr>
+</p:sld>
+</file>
+
+<file path=ppt/slides/slide8.xml><?xml version="1.0" encoding="utf-8"?>
+<p:sld xmlns:a="http://schemas.openxmlformats.org/drawingml/2006/main" xmlns:r="http://schemas.openxmlformats.org/officeDocument/2006/relationships" xmlns:p="http://schemas.openxmlformats.org/presentationml/2006/main">
+  <p:cSld>
+    <p:spTree>
+      <p:nvGrpSpPr>
+        <p:cNvPr id="1" name=""/>
+        <p:cNvGrpSpPr/>
+        <p:nvPr/>
+      </p:nvGrpSpPr>
+      <p:grpSpPr>
+        <a:xfrm>
+          <a:off x="0" y="0"/>
+          <a:ext cx="0" cy="0"/>
+          <a:chOff x="0" y="0"/>
+          <a:chExt cx="0" cy="0"/>
+        </a:xfrm>
+      </p:grpSpPr>
+      <p:sp>
+        <p:nvSpPr>
+          <p:cNvPr id="2" name="Title 1">
+            <a:extLst>
+              <a:ext uri="{FF2B5EF4-FFF2-40B4-BE49-F238E27FC236}">
+                <a16:creationId xmlns:a16="http://schemas.microsoft.com/office/drawing/2014/main" id="{1D4CB6EF-D17E-D3AB-1F70-4A6C250E10A4}"/>
+              </a:ext>
+            </a:extLst>
+          </p:cNvPr>
+          <p:cNvSpPr>
+            <a:spLocks noGrp="1"/>
+          </p:cNvSpPr>
+          <p:nvPr>
+            <p:ph type="title"/>
+          </p:nvPr>
+        </p:nvSpPr>
+        <p:spPr>
+          <a:xfrm>
+            <a:off x="719328" y="127381"/>
+            <a:ext cx="10515600" cy="1325563"/>
+          </a:xfrm>
+        </p:spPr>
+        <p:txBody>
+          <a:bodyPr>
+            <a:normAutofit/>
+          </a:bodyPr>
+          <a:lstStyle/>
+          <a:p>
+            <a:r>
+              <a:rPr lang="en-US" sz="3200" dirty="0"/>
+              <a:t>RNA dataset Description</a:t>
+            </a:r>
+            <a:endParaRPr lang="en-CA" sz="3200" dirty="0"/>
+          </a:p>
+        </p:txBody>
+      </p:sp>
+      <p:sp>
+        <p:nvSpPr>
+          <p:cNvPr id="3" name="Content Placeholder 2">
+            <a:extLst>
+              <a:ext uri="{FF2B5EF4-FFF2-40B4-BE49-F238E27FC236}">
+                <a16:creationId xmlns:a16="http://schemas.microsoft.com/office/drawing/2014/main" id="{07A2110F-0A5E-FFE7-6B44-F77B743F1AEF}"/>
+              </a:ext>
+            </a:extLst>
+          </p:cNvPr>
+          <p:cNvSpPr>
+            <a:spLocks noGrp="1"/>
+          </p:cNvSpPr>
+          <p:nvPr>
+            <p:ph idx="1"/>
+          </p:nvPr>
+        </p:nvSpPr>
+        <p:spPr>
+          <a:xfrm>
+            <a:off x="719328" y="1350137"/>
+            <a:ext cx="10515600" cy="4351338"/>
+          </a:xfrm>
+        </p:spPr>
+        <p:txBody>
+          <a:bodyPr>
+            <a:normAutofit fontScale="92500" lnSpcReduction="10000"/>
+          </a:bodyPr>
+          <a:lstStyle/>
+          <a:p>
+            <a:pPr marL="0" indent="0">
+              <a:buNone/>
+            </a:pPr>
+            <a:r>
+              <a:rPr lang="en-US" sz="1600" dirty="0">
+                <a:latin typeface="Times New Roman" panose="02020603050405020304" pitchFamily="18" charset="0"/>
+                <a:cs typeface="Times New Roman" panose="02020603050405020304" pitchFamily="18" charset="0"/>
+              </a:rPr>
+              <a:t>Organism: Mus musculus</a:t>
+            </a:r>
+          </a:p>
+          <a:p>
+            <a:pPr marL="0" indent="0">
+              <a:buNone/>
+            </a:pPr>
+            <a:r>
+              <a:rPr lang="en-US" sz="1600" dirty="0">
+                <a:latin typeface="Times New Roman" panose="02020603050405020304" pitchFamily="18" charset="0"/>
+                <a:cs typeface="Times New Roman" panose="02020603050405020304" pitchFamily="18" charset="0"/>
+              </a:rPr>
+              <a:t>RNA sequence</a:t>
+            </a:r>
+          </a:p>
+          <a:p>
+            <a:pPr marL="0" indent="0">
+              <a:buNone/>
+            </a:pPr>
+            <a:r>
+              <a:rPr lang="en-US" sz="1600" dirty="0">
+                <a:latin typeface="Times New Roman" panose="02020603050405020304" pitchFamily="18" charset="0"/>
+                <a:cs typeface="Times New Roman" panose="02020603050405020304" pitchFamily="18" charset="0"/>
+              </a:rPr>
+              <a:t>Perturbation: Crisper Knockout: </a:t>
+            </a:r>
+            <a:r>
+              <a:rPr lang="en-US" sz="1600" dirty="0" err="1">
+                <a:latin typeface="Times New Roman" panose="02020603050405020304" pitchFamily="18" charset="0"/>
+                <a:cs typeface="Times New Roman" panose="02020603050405020304" pitchFamily="18" charset="0"/>
+              </a:rPr>
+              <a:t>Crisprko</a:t>
+            </a:r>
+            <a:endParaRPr lang="en-US" sz="1600" dirty="0">
+              <a:latin typeface="Times New Roman" panose="02020603050405020304" pitchFamily="18" charset="0"/>
+              <a:cs typeface="Times New Roman" panose="02020603050405020304" pitchFamily="18" charset="0"/>
+            </a:endParaRPr>
+          </a:p>
+          <a:p>
+            <a:pPr marL="0" indent="0">
+              <a:buNone/>
+            </a:pPr>
+            <a:endParaRPr lang="en-US" sz="1600" dirty="0">
+              <a:latin typeface="Times New Roman" panose="02020603050405020304" pitchFamily="18" charset="0"/>
+              <a:cs typeface="Times New Roman" panose="02020603050405020304" pitchFamily="18" charset="0"/>
+            </a:endParaRPr>
+          </a:p>
+          <a:p>
+            <a:pPr marL="0" indent="0">
+              <a:buNone/>
+            </a:pPr>
+            <a:r>
+              <a:rPr lang="en-CA" sz="1600" dirty="0" err="1">
+                <a:latin typeface="Times New Roman" panose="02020603050405020304" pitchFamily="18" charset="0"/>
+                <a:cs typeface="Times New Roman" panose="02020603050405020304" pitchFamily="18" charset="0"/>
+              </a:rPr>
+              <a:t>Unperturb</a:t>
+            </a:r>
+            <a:r>
+              <a:rPr lang="en-CA" sz="1600" dirty="0">
+                <a:latin typeface="Times New Roman" panose="02020603050405020304" pitchFamily="18" charset="0"/>
+                <a:cs typeface="Times New Roman" panose="02020603050405020304" pitchFamily="18" charset="0"/>
+              </a:rPr>
+              <a:t> data (Control Sample) –</a:t>
+            </a:r>
+            <a:r>
+              <a:rPr lang="en-CA" sz="1600" dirty="0" err="1">
+                <a:latin typeface="Times New Roman" panose="02020603050405020304" pitchFamily="18" charset="0"/>
+                <a:cs typeface="Times New Roman" panose="02020603050405020304" pitchFamily="18" charset="0"/>
+              </a:rPr>
+              <a:t>CTRL_data</a:t>
+            </a:r>
+            <a:endParaRPr lang="en-CA" sz="1600" dirty="0">
+              <a:latin typeface="Times New Roman" panose="02020603050405020304" pitchFamily="18" charset="0"/>
+              <a:cs typeface="Times New Roman" panose="02020603050405020304" pitchFamily="18" charset="0"/>
+            </a:endParaRPr>
+          </a:p>
+          <a:p>
+            <a:pPr marL="0" indent="0">
+              <a:buNone/>
+            </a:pPr>
+            <a:endParaRPr lang="en-CA" sz="1600" dirty="0">
+              <a:latin typeface="Times New Roman" panose="02020603050405020304" pitchFamily="18" charset="0"/>
+              <a:cs typeface="Times New Roman" panose="02020603050405020304" pitchFamily="18" charset="0"/>
+            </a:endParaRPr>
+          </a:p>
+          <a:p>
+            <a:pPr marL="0" indent="0">
+              <a:buNone/>
+            </a:pPr>
+            <a:r>
+              <a:rPr lang="en-CA" sz="1600" dirty="0">
+                <a:latin typeface="Times New Roman" panose="02020603050405020304" pitchFamily="18" charset="0"/>
+                <a:cs typeface="Times New Roman" panose="02020603050405020304" pitchFamily="18" charset="0"/>
+              </a:rPr>
+              <a:t>Perturb data with CRISPRKO-PTPN2 data</a:t>
+            </a:r>
+            <a:endParaRPr lang="en-US" sz="1600" dirty="0">
+              <a:latin typeface="Times New Roman" panose="02020603050405020304" pitchFamily="18" charset="0"/>
+              <a:cs typeface="Times New Roman" panose="02020603050405020304" pitchFamily="18" charset="0"/>
+            </a:endParaRPr>
+          </a:p>
+          <a:p>
+            <a:pPr marL="0" indent="0">
+              <a:buNone/>
+            </a:pPr>
+            <a:endParaRPr lang="en-US" dirty="0"/>
+          </a:p>
+          <a:p>
+            <a:pPr marL="0" indent="0">
+              <a:buNone/>
+            </a:pPr>
+            <a:r>
+              <a:rPr lang="en-US" sz="1400" dirty="0">
+                <a:hlinkClick r:id="rId2"/>
+              </a:rPr>
+              <a:t>https://www.ncbi.nlm.nih.gov/geo/query/acc.cgi?acc=GSE134139</a:t>
+            </a:r>
+            <a:endParaRPr lang="en-US" sz="1400" dirty="0"/>
+          </a:p>
+          <a:p>
+            <a:pPr marL="0" indent="0">
+              <a:buNone/>
+            </a:pPr>
+            <a:endParaRPr lang="en-US" sz="1400" dirty="0"/>
+          </a:p>
+          <a:p>
+            <a:pPr marL="0" indent="0">
+              <a:buNone/>
+            </a:pPr>
+            <a:r>
+              <a:rPr lang="en-CA" sz="1500" u="sng" dirty="0">
+                <a:hlinkClick r:id="rId3"/>
+              </a:rPr>
+              <a:t>https://drive.google.com/drive/folders/1AAI4KU9G-UHoKo72Ne6iGAaCgFPADIW3?usp=drive_link</a:t>
+            </a:r>
+            <a:endParaRPr lang="en-US" sz="1500" dirty="0"/>
+          </a:p>
+          <a:p>
+            <a:pPr marL="0" indent="0">
+              <a:buNone/>
+            </a:pPr>
+            <a:endParaRPr lang="en-CA" sz="1500" dirty="0">
+              <a:latin typeface="Times New Roman" panose="02020603050405020304" pitchFamily="18" charset="0"/>
+              <a:cs typeface="Times New Roman" panose="02020603050405020304" pitchFamily="18" charset="0"/>
+            </a:endParaRPr>
+          </a:p>
+          <a:p>
+            <a:pPr marL="0" indent="0">
+              <a:buNone/>
+            </a:pPr>
+            <a:r>
+              <a:rPr lang="en-CA" sz="1500" dirty="0">
+                <a:latin typeface="Times New Roman" panose="02020603050405020304" pitchFamily="18" charset="0"/>
+                <a:cs typeface="Times New Roman" panose="02020603050405020304" pitchFamily="18" charset="0"/>
+              </a:rPr>
+              <a:t>LaFleur MW, Nguyen TH, Coxe MA, Miller BC et al. PTPN2 regulates the generation of exhausted CD8(+) T cell subpopulations and restrains tumor immunity. </a:t>
+            </a:r>
+            <a:r>
+              <a:rPr lang="en-CA" sz="1500" i="1" dirty="0">
+                <a:latin typeface="Times New Roman" panose="02020603050405020304" pitchFamily="18" charset="0"/>
+                <a:cs typeface="Times New Roman" panose="02020603050405020304" pitchFamily="18" charset="0"/>
+              </a:rPr>
+              <a:t>Nat Immunol</a:t>
+            </a:r>
+            <a:r>
+              <a:rPr lang="en-CA" sz="1500" dirty="0">
+                <a:latin typeface="Times New Roman" panose="02020603050405020304" pitchFamily="18" charset="0"/>
+                <a:cs typeface="Times New Roman" panose="02020603050405020304" pitchFamily="18" charset="0"/>
+              </a:rPr>
+              <a:t> 2019 Oct;20(10):1335-1347.</a:t>
+            </a:r>
+          </a:p>
+        </p:txBody>
+      </p:sp>
+    </p:spTree>
+    <p:extLst>
+      <p:ext uri="{BB962C8B-B14F-4D97-AF65-F5344CB8AC3E}">
+        <p14:creationId xmlns:p14="http://schemas.microsoft.com/office/powerpoint/2010/main" val="3080982678"/>
+      </p:ext>
+    </p:extLst>
+  </p:cSld>
+  <p:clrMapOvr>
+    <a:masterClrMapping/>
+  </p:clrMapOvr>
+</p:sld>
+</file>
+
+<file path=ppt/slides/slide9.xml><?xml version="1.0" encoding="utf-8"?>
+<p:sld xmlns:a="http://schemas.openxmlformats.org/drawingml/2006/main" xmlns:r="http://schemas.openxmlformats.org/officeDocument/2006/relationships" xmlns:p="http://schemas.openxmlformats.org/presentationml/2006/main">
+  <p:cSld>
+    <p:spTree>
+      <p:nvGrpSpPr>
+        <p:cNvPr id="1" name=""/>
+        <p:cNvGrpSpPr/>
+        <p:nvPr/>
+      </p:nvGrpSpPr>
+      <p:grpSpPr>
+        <a:xfrm>
+          <a:off x="0" y="0"/>
+          <a:ext cx="0" cy="0"/>
+          <a:chOff x="0" y="0"/>
+          <a:chExt cx="0" cy="0"/>
+        </a:xfrm>
+      </p:grpSpPr>
+      <p:sp>
+        <p:nvSpPr>
+          <p:cNvPr id="2" name="Title 1">
+            <a:extLst>
+              <a:ext uri="{FF2B5EF4-FFF2-40B4-BE49-F238E27FC236}">
+                <a16:creationId xmlns:a16="http://schemas.microsoft.com/office/drawing/2014/main" id="{9AB22321-2A5B-B755-0C3A-78C2C1EC7A2A}"/>
+              </a:ext>
+            </a:extLst>
+          </p:cNvPr>
+          <p:cNvSpPr>
+            <a:spLocks noGrp="1"/>
+          </p:cNvSpPr>
+          <p:nvPr>
+            <p:ph type="title"/>
+          </p:nvPr>
+        </p:nvSpPr>
+        <p:spPr/>
+        <p:txBody>
+          <a:bodyPr/>
+          <a:lstStyle/>
+          <a:p>
+            <a:r>
+              <a:rPr lang="en-US" dirty="0"/>
+              <a:t>Code link</a:t>
+            </a:r>
+            <a:endParaRPr lang="en-CA" dirty="0"/>
+          </a:p>
+        </p:txBody>
+      </p:sp>
+      <p:sp>
+        <p:nvSpPr>
+          <p:cNvPr id="5" name="Content Placeholder 4">
+            <a:extLst>
+              <a:ext uri="{FF2B5EF4-FFF2-40B4-BE49-F238E27FC236}">
+                <a16:creationId xmlns:a16="http://schemas.microsoft.com/office/drawing/2014/main" id="{CFB92AA3-E3F6-A422-2035-B116844849DF}"/>
+              </a:ext>
+            </a:extLst>
+          </p:cNvPr>
+          <p:cNvSpPr>
+            <a:spLocks noGrp="1"/>
+          </p:cNvSpPr>
+          <p:nvPr>
+            <p:ph idx="1"/>
+          </p:nvPr>
+        </p:nvSpPr>
+        <p:spPr/>
+        <p:txBody>
+          <a:bodyPr/>
+          <a:lstStyle/>
+          <a:p>
+            <a:r>
+              <a:rPr lang="en-US" dirty="0"/>
+              <a:t>Colab:</a:t>
+            </a:r>
+          </a:p>
+          <a:p>
+            <a:pPr marL="0" indent="0">
+              <a:buNone/>
+            </a:pPr>
+            <a:r>
+              <a:rPr lang="en-CA" dirty="0">
+                <a:hlinkClick r:id="rId2"/>
+              </a:rPr>
+              <a:t>https://colab.research.google.com/drive/1pJJpmq2cz5iY0ctqEYmCx7U8p4kUNRa-?usp=sharing</a:t>
+            </a:r>
+            <a:endParaRPr lang="en-CA" dirty="0"/>
+          </a:p>
+          <a:p>
+            <a:pPr marL="0" indent="0">
+              <a:buNone/>
+            </a:pPr>
+            <a:endParaRPr lang="en-CA" dirty="0"/>
+          </a:p>
+          <a:p>
+            <a:pPr marL="0" indent="0">
+              <a:buNone/>
+            </a:pPr>
+            <a:r>
+              <a:rPr lang="en-CA" dirty="0" err="1"/>
+              <a:t>Github</a:t>
+            </a:r>
+            <a:r>
+              <a:rPr lang="en-CA" dirty="0"/>
+              <a:t>: https://github.com/boabangf/GNN_RL_gene_trajectory_perturbation/tree/main/RNA_seq_CTRL_Perturb</a:t>
+            </a:r>
+          </a:p>
+        </p:txBody>
+      </p:sp>
+    </p:spTree>
+    <p:extLst>
+      <p:ext uri="{BB962C8B-B14F-4D97-AF65-F5344CB8AC3E}">
+        <p14:creationId xmlns:p14="http://schemas.microsoft.com/office/powerpoint/2010/main" val="1697290373"/>
       </p:ext>
     </p:extLst>
   </p:cSld>

--- a/ppt slides for omic codeathon (1).pptx
+++ b/ppt slides for omic codeathon (1).pptx
@@ -5,7 +5,7 @@
     <p:sldMasterId id="2147483660" r:id="rId1"/>
   </p:sldMasterIdLst>
   <p:notesMasterIdLst>
-    <p:notesMasterId r:id="rId15"/>
+    <p:notesMasterId r:id="rId19"/>
   </p:notesMasterIdLst>
   <p:sldIdLst>
     <p:sldId id="256" r:id="rId2"/>
@@ -20,7 +20,11 @@
     <p:sldId id="271" r:id="rId11"/>
     <p:sldId id="274" r:id="rId12"/>
     <p:sldId id="273" r:id="rId13"/>
-    <p:sldId id="259" r:id="rId14"/>
+    <p:sldId id="276" r:id="rId14"/>
+    <p:sldId id="278" r:id="rId15"/>
+    <p:sldId id="275" r:id="rId16"/>
+    <p:sldId id="277" r:id="rId17"/>
+    <p:sldId id="259" r:id="rId18"/>
   </p:sldIdLst>
   <p:sldSz cx="12192000" cy="6858000"/>
   <p:notesSz cx="6858000" cy="9144000"/>
@@ -6365,7 +6369,7 @@
           <a:p>
             <a:fld id="{1BA98A8E-17BA-4637-BE34-16BBE5AD305E}" type="datetimeFigureOut">
               <a:rPr lang="en-CA" smtClean="0"/>
-              <a:t>2025-11-21</a:t>
+              <a:t>2025-11-22</a:t>
             </a:fld>
             <a:endParaRPr lang="en-CA"/>
           </a:p>
@@ -6764,7 +6768,7 @@
           <a:p>
             <a:fld id="{16A6DBE6-5F48-46C6-8054-E594AA8CC26E}" type="datetimeFigureOut">
               <a:rPr lang="en-CA" smtClean="0"/>
-              <a:t>2025-11-21</a:t>
+              <a:t>2025-11-22</a:t>
             </a:fld>
             <a:endParaRPr lang="en-CA"/>
           </a:p>
@@ -6934,7 +6938,7 @@
           <a:p>
             <a:fld id="{16A6DBE6-5F48-46C6-8054-E594AA8CC26E}" type="datetimeFigureOut">
               <a:rPr lang="en-CA" smtClean="0"/>
-              <a:t>2025-11-21</a:t>
+              <a:t>2025-11-22</a:t>
             </a:fld>
             <a:endParaRPr lang="en-CA"/>
           </a:p>
@@ -7114,7 +7118,7 @@
           <a:p>
             <a:fld id="{16A6DBE6-5F48-46C6-8054-E594AA8CC26E}" type="datetimeFigureOut">
               <a:rPr lang="en-CA" smtClean="0"/>
-              <a:t>2025-11-21</a:t>
+              <a:t>2025-11-22</a:t>
             </a:fld>
             <a:endParaRPr lang="en-CA"/>
           </a:p>
@@ -7284,7 +7288,7 @@
           <a:p>
             <a:fld id="{16A6DBE6-5F48-46C6-8054-E594AA8CC26E}" type="datetimeFigureOut">
               <a:rPr lang="en-CA" smtClean="0"/>
-              <a:t>2025-11-21</a:t>
+              <a:t>2025-11-22</a:t>
             </a:fld>
             <a:endParaRPr lang="en-CA"/>
           </a:p>
@@ -7530,7 +7534,7 @@
           <a:p>
             <a:fld id="{16A6DBE6-5F48-46C6-8054-E594AA8CC26E}" type="datetimeFigureOut">
               <a:rPr lang="en-CA" smtClean="0"/>
-              <a:t>2025-11-21</a:t>
+              <a:t>2025-11-22</a:t>
             </a:fld>
             <a:endParaRPr lang="en-CA"/>
           </a:p>
@@ -7762,7 +7766,7 @@
           <a:p>
             <a:fld id="{16A6DBE6-5F48-46C6-8054-E594AA8CC26E}" type="datetimeFigureOut">
               <a:rPr lang="en-CA" smtClean="0"/>
-              <a:t>2025-11-21</a:t>
+              <a:t>2025-11-22</a:t>
             </a:fld>
             <a:endParaRPr lang="en-CA"/>
           </a:p>
@@ -8129,7 +8133,7 @@
           <a:p>
             <a:fld id="{16A6DBE6-5F48-46C6-8054-E594AA8CC26E}" type="datetimeFigureOut">
               <a:rPr lang="en-CA" smtClean="0"/>
-              <a:t>2025-11-21</a:t>
+              <a:t>2025-11-22</a:t>
             </a:fld>
             <a:endParaRPr lang="en-CA"/>
           </a:p>
@@ -8247,7 +8251,7 @@
           <a:p>
             <a:fld id="{16A6DBE6-5F48-46C6-8054-E594AA8CC26E}" type="datetimeFigureOut">
               <a:rPr lang="en-CA" smtClean="0"/>
-              <a:t>2025-11-21</a:t>
+              <a:t>2025-11-22</a:t>
             </a:fld>
             <a:endParaRPr lang="en-CA"/>
           </a:p>
@@ -8342,7 +8346,7 @@
           <a:p>
             <a:fld id="{16A6DBE6-5F48-46C6-8054-E594AA8CC26E}" type="datetimeFigureOut">
               <a:rPr lang="en-CA" smtClean="0"/>
-              <a:t>2025-11-21</a:t>
+              <a:t>2025-11-22</a:t>
             </a:fld>
             <a:endParaRPr lang="en-CA"/>
           </a:p>
@@ -8619,7 +8623,7 @@
           <a:p>
             <a:fld id="{16A6DBE6-5F48-46C6-8054-E594AA8CC26E}" type="datetimeFigureOut">
               <a:rPr lang="en-CA" smtClean="0"/>
-              <a:t>2025-11-21</a:t>
+              <a:t>2025-11-22</a:t>
             </a:fld>
             <a:endParaRPr lang="en-CA"/>
           </a:p>
@@ -8876,7 +8880,7 @@
           <a:p>
             <a:fld id="{16A6DBE6-5F48-46C6-8054-E594AA8CC26E}" type="datetimeFigureOut">
               <a:rPr lang="en-CA" smtClean="0"/>
-              <a:t>2025-11-21</a:t>
+              <a:t>2025-11-22</a:t>
             </a:fld>
             <a:endParaRPr lang="en-CA"/>
           </a:p>
@@ -9089,7 +9093,7 @@
           <a:p>
             <a:fld id="{16A6DBE6-5F48-46C6-8054-E594AA8CC26E}" type="datetimeFigureOut">
               <a:rPr lang="en-CA" smtClean="0"/>
-              <a:t>2025-11-21</a:t>
+              <a:t>2025-11-22</a:t>
             </a:fld>
             <a:endParaRPr lang="en-CA"/>
           </a:p>
@@ -9700,6 +9704,14 @@
 <file path=ppt/slides/slide10.xml><?xml version="1.0" encoding="utf-8"?>
 <p:sld xmlns:a="http://schemas.openxmlformats.org/drawingml/2006/main" xmlns:r="http://schemas.openxmlformats.org/officeDocument/2006/relationships" xmlns:p="http://schemas.openxmlformats.org/presentationml/2006/main">
   <p:cSld>
+    <p:bg>
+      <p:bgPr>
+        <a:solidFill>
+          <a:schemeClr val="bg1"/>
+        </a:solidFill>
+        <a:effectLst/>
+      </p:bgPr>
+    </p:bg>
     <p:spTree>
       <p:nvGrpSpPr>
         <p:cNvPr id="1" name=""/>
@@ -9716,6 +9728,230 @@
       </p:grpSpPr>
       <p:sp>
         <p:nvSpPr>
+          <p:cNvPr id="11" name="Slide Background">
+            <a:extLst>
+              <a:ext uri="{FF2B5EF4-FFF2-40B4-BE49-F238E27FC236}">
+                <a16:creationId xmlns:a16="http://schemas.microsoft.com/office/drawing/2014/main" id="{5F637E18-EF26-4327-9077-7FFC67B98B96}"/>
+              </a:ext>
+              <a:ext uri="{C183D7F6-B498-43B3-948B-1728B52AA6E4}">
+                <adec:decorative xmlns:adec="http://schemas.microsoft.com/office/drawing/2017/decorative" val="1"/>
+              </a:ext>
+            </a:extLst>
+          </p:cNvPr>
+          <p:cNvSpPr>
+            <a:spLocks noGrp="1" noRot="1" noChangeAspect="1" noMove="1" noResize="1" noEditPoints="1" noAdjustHandles="1" noChangeArrowheads="1" noChangeShapeType="1" noTextEdit="1"/>
+          </p:cNvSpPr>
+          <p:nvPr>
+            <p:extLst>
+              <p:ext uri="{386F3935-93C4-4BCD-93E2-E3B085C9AB24}">
+                <p16:designElem xmlns:p16="http://schemas.microsoft.com/office/powerpoint/2015/main" val="1"/>
+              </p:ext>
+            </p:extLst>
+          </p:nvPr>
+        </p:nvSpPr>
+        <p:spPr bwMode="white">
+          <a:xfrm>
+            <a:off x="-1" y="0"/>
+            <a:ext cx="12191999" cy="6858000"/>
+          </a:xfrm>
+          <a:prstGeom prst="rect">
+            <a:avLst/>
+          </a:prstGeom>
+          <a:solidFill>
+            <a:srgbClr val="FFFFFF"/>
+          </a:solidFill>
+          <a:ln>
+            <a:noFill/>
+          </a:ln>
+        </p:spPr>
+        <p:style>
+          <a:lnRef idx="2">
+            <a:schemeClr val="accent1">
+              <a:shade val="50000"/>
+            </a:schemeClr>
+          </a:lnRef>
+          <a:fillRef idx="1">
+            <a:schemeClr val="accent1"/>
+          </a:fillRef>
+          <a:effectRef idx="0">
+            <a:schemeClr val="accent1"/>
+          </a:effectRef>
+          <a:fontRef idx="minor">
+            <a:schemeClr val="lt1"/>
+          </a:fontRef>
+        </p:style>
+        <p:txBody>
+          <a:bodyPr rtlCol="0" anchor="ctr"/>
+          <a:lstStyle>
+            <a:defPPr>
+              <a:defRPr lang="en-US"/>
+            </a:defPPr>
+            <a:lvl1pPr marL="0" algn="l" defTabSz="914400" rtl="0" eaLnBrk="1" latinLnBrk="0" hangingPunct="1">
+              <a:defRPr sz="1800" kern="1200">
+                <a:solidFill>
+                  <a:schemeClr val="lt1"/>
+                </a:solidFill>
+                <a:latin typeface="+mn-lt"/>
+                <a:ea typeface="+mn-ea"/>
+                <a:cs typeface="+mn-cs"/>
+              </a:defRPr>
+            </a:lvl1pPr>
+            <a:lvl2pPr marL="457200" algn="l" defTabSz="914400" rtl="0" eaLnBrk="1" latinLnBrk="0" hangingPunct="1">
+              <a:defRPr sz="1800" kern="1200">
+                <a:solidFill>
+                  <a:schemeClr val="lt1"/>
+                </a:solidFill>
+                <a:latin typeface="+mn-lt"/>
+                <a:ea typeface="+mn-ea"/>
+                <a:cs typeface="+mn-cs"/>
+              </a:defRPr>
+            </a:lvl2pPr>
+            <a:lvl3pPr marL="914400" algn="l" defTabSz="914400" rtl="0" eaLnBrk="1" latinLnBrk="0" hangingPunct="1">
+              <a:defRPr sz="1800" kern="1200">
+                <a:solidFill>
+                  <a:schemeClr val="lt1"/>
+                </a:solidFill>
+                <a:latin typeface="+mn-lt"/>
+                <a:ea typeface="+mn-ea"/>
+                <a:cs typeface="+mn-cs"/>
+              </a:defRPr>
+            </a:lvl3pPr>
+            <a:lvl4pPr marL="1371600" algn="l" defTabSz="914400" rtl="0" eaLnBrk="1" latinLnBrk="0" hangingPunct="1">
+              <a:defRPr sz="1800" kern="1200">
+                <a:solidFill>
+                  <a:schemeClr val="lt1"/>
+                </a:solidFill>
+                <a:latin typeface="+mn-lt"/>
+                <a:ea typeface="+mn-ea"/>
+                <a:cs typeface="+mn-cs"/>
+              </a:defRPr>
+            </a:lvl4pPr>
+            <a:lvl5pPr marL="1828800" algn="l" defTabSz="914400" rtl="0" eaLnBrk="1" latinLnBrk="0" hangingPunct="1">
+              <a:defRPr sz="1800" kern="1200">
+                <a:solidFill>
+                  <a:schemeClr val="lt1"/>
+                </a:solidFill>
+                <a:latin typeface="+mn-lt"/>
+                <a:ea typeface="+mn-ea"/>
+                <a:cs typeface="+mn-cs"/>
+              </a:defRPr>
+            </a:lvl5pPr>
+            <a:lvl6pPr marL="2286000" algn="l" defTabSz="914400" rtl="0" eaLnBrk="1" latinLnBrk="0" hangingPunct="1">
+              <a:defRPr sz="1800" kern="1200">
+                <a:solidFill>
+                  <a:schemeClr val="lt1"/>
+                </a:solidFill>
+                <a:latin typeface="+mn-lt"/>
+                <a:ea typeface="+mn-ea"/>
+                <a:cs typeface="+mn-cs"/>
+              </a:defRPr>
+            </a:lvl6pPr>
+            <a:lvl7pPr marL="2743200" algn="l" defTabSz="914400" rtl="0" eaLnBrk="1" latinLnBrk="0" hangingPunct="1">
+              <a:defRPr sz="1800" kern="1200">
+                <a:solidFill>
+                  <a:schemeClr val="lt1"/>
+                </a:solidFill>
+                <a:latin typeface="+mn-lt"/>
+                <a:ea typeface="+mn-ea"/>
+                <a:cs typeface="+mn-cs"/>
+              </a:defRPr>
+            </a:lvl7pPr>
+            <a:lvl8pPr marL="3200400" algn="l" defTabSz="914400" rtl="0" eaLnBrk="1" latinLnBrk="0" hangingPunct="1">
+              <a:defRPr sz="1800" kern="1200">
+                <a:solidFill>
+                  <a:schemeClr val="lt1"/>
+                </a:solidFill>
+                <a:latin typeface="+mn-lt"/>
+                <a:ea typeface="+mn-ea"/>
+                <a:cs typeface="+mn-cs"/>
+              </a:defRPr>
+            </a:lvl8pPr>
+            <a:lvl9pPr marL="3657600" algn="l" defTabSz="914400" rtl="0" eaLnBrk="1" latinLnBrk="0" hangingPunct="1">
+              <a:defRPr sz="1800" kern="1200">
+                <a:solidFill>
+                  <a:schemeClr val="lt1"/>
+                </a:solidFill>
+                <a:latin typeface="+mn-lt"/>
+                <a:ea typeface="+mn-ea"/>
+                <a:cs typeface="+mn-cs"/>
+              </a:defRPr>
+            </a:lvl9pPr>
+          </a:lstStyle>
+          <a:p>
+            <a:pPr algn="ctr"/>
+            <a:endParaRPr lang="en-US"/>
+          </a:p>
+        </p:txBody>
+      </p:sp>
+      <p:sp useBgFill="1">
+        <p:nvSpPr>
+          <p:cNvPr id="10" name="Rectangle 9">
+            <a:extLst>
+              <a:ext uri="{FF2B5EF4-FFF2-40B4-BE49-F238E27FC236}">
+                <a16:creationId xmlns:a16="http://schemas.microsoft.com/office/drawing/2014/main" id="{3EED6667-6BE8-A2AB-422A-5A1D89727E35}"/>
+              </a:ext>
+              <a:ext uri="{C183D7F6-B498-43B3-948B-1728B52AA6E4}">
+                <adec:decorative xmlns:adec="http://schemas.microsoft.com/office/drawing/2017/decorative" val="1"/>
+              </a:ext>
+            </a:extLst>
+          </p:cNvPr>
+          <p:cNvSpPr>
+            <a:spLocks noGrp="1" noRot="1" noChangeAspect="1" noMove="1" noResize="1" noEditPoints="1" noAdjustHandles="1" noChangeArrowheads="1" noChangeShapeType="1" noTextEdit="1"/>
+          </p:cNvSpPr>
+          <p:nvPr>
+            <p:extLst>
+              <p:ext uri="{386F3935-93C4-4BCD-93E2-E3B085C9AB24}">
+                <p16:designElem xmlns:p16="http://schemas.microsoft.com/office/powerpoint/2015/main" val="1"/>
+              </p:ext>
+            </p:extLst>
+          </p:nvPr>
+        </p:nvSpPr>
+        <p:spPr>
+          <a:xfrm>
+            <a:off x="-2" y="0"/>
+            <a:ext cx="12192001" cy="1696413"/>
+          </a:xfrm>
+          <a:prstGeom prst="rect">
+            <a:avLst/>
+          </a:prstGeom>
+          <a:ln>
+            <a:noFill/>
+          </a:ln>
+          <a:effectLst>
+            <a:outerShdw blurRad="304800" dist="114300" dir="5460000" sx="92000" sy="92000" algn="t" rotWithShape="0">
+              <a:srgbClr val="000000">
+                <a:alpha val="14000"/>
+              </a:srgbClr>
+            </a:outerShdw>
+          </a:effectLst>
+        </p:spPr>
+        <p:style>
+          <a:lnRef idx="2">
+            <a:schemeClr val="accent1">
+              <a:shade val="50000"/>
+            </a:schemeClr>
+          </a:lnRef>
+          <a:fillRef idx="1">
+            <a:schemeClr val="accent1"/>
+          </a:fillRef>
+          <a:effectRef idx="0">
+            <a:schemeClr val="accent1"/>
+          </a:effectRef>
+          <a:fontRef idx="minor">
+            <a:schemeClr val="lt1"/>
+          </a:fontRef>
+        </p:style>
+        <p:txBody>
+          <a:bodyPr rtlCol="0" anchor="ctr"/>
+          <a:lstStyle/>
+          <a:p>
+            <a:pPr algn="ctr"/>
+            <a:endParaRPr lang="en-US"/>
+          </a:p>
+        </p:txBody>
+      </p:sp>
+      <p:sp>
+        <p:nvSpPr>
           <p:cNvPr id="2" name="Title 1">
             <a:extLst>
               <a:ext uri="{FF2B5EF4-FFF2-40B4-BE49-F238E27FC236}">
@@ -9730,33 +9966,38 @@
             <p:ph type="title"/>
           </p:nvPr>
         </p:nvSpPr>
-        <p:spPr/>
+        <p:spPr>
+          <a:xfrm>
+            <a:off x="589558" y="244742"/>
+            <a:ext cx="7015498" cy="1235225"/>
+          </a:xfrm>
+        </p:spPr>
         <p:txBody>
-          <a:bodyPr/>
+          <a:bodyPr vert="horz" lIns="91440" tIns="45720" rIns="91440" bIns="45720" rtlCol="0" anchor="ctr">
+            <a:normAutofit/>
+          </a:bodyPr>
           <a:lstStyle/>
           <a:p>
             <a:r>
-              <a:rPr lang="en-US" dirty="0"/>
-              <a:t>Results(Control sample with in-silico </a:t>
-            </a:r>
-            <a:r>
-              <a:rPr lang="en-US" dirty="0" err="1"/>
-              <a:t>crispr</a:t>
-            </a:r>
-            <a:r>
-              <a:rPr lang="en-US" dirty="0"/>
-              <a:t> knockout perturbation)</a:t>
-            </a:r>
-            <a:endParaRPr lang="en-CA" dirty="0"/>
+              <a:rPr lang="en-US" sz="3600" kern="1200" dirty="0">
+                <a:solidFill>
+                  <a:schemeClr val="tx1"/>
+                </a:solidFill>
+                <a:latin typeface="+mj-lt"/>
+                <a:ea typeface="+mj-ea"/>
+                <a:cs typeface="+mj-cs"/>
+              </a:rPr>
+              <a:t>Results(Control sample/Perturbed sample)</a:t>
+            </a:r>
           </a:p>
         </p:txBody>
       </p:sp>
       <p:graphicFrame>
         <p:nvGraphicFramePr>
-          <p:cNvPr id="4" name="Table 3">
+          <p:cNvPr id="3" name="Table 2">
             <a:extLst>
               <a:ext uri="{FF2B5EF4-FFF2-40B4-BE49-F238E27FC236}">
-                <a16:creationId xmlns:a16="http://schemas.microsoft.com/office/drawing/2014/main" id="{295E513B-23F0-A50A-80EE-02EF59465F02}"/>
+                <a16:creationId xmlns:a16="http://schemas.microsoft.com/office/drawing/2014/main" id="{598E35EE-DDDE-6868-AB01-7D35B5011805}"/>
               </a:ext>
             </a:extLst>
           </p:cNvPr>
@@ -9766,106 +10007,71 @@
           <p:nvPr>
             <p:extLst>
               <p:ext uri="{D42A27DB-BD31-4B8C-83A1-F6EECF244321}">
-                <p14:modId xmlns:p14="http://schemas.microsoft.com/office/powerpoint/2010/main" val="661366136"/>
+                <p14:modId xmlns:p14="http://schemas.microsoft.com/office/powerpoint/2010/main" val="2693105492"/>
               </p:ext>
             </p:extLst>
           </p:nvPr>
         </p:nvGraphicFramePr>
         <p:xfrm>
-          <a:off x="285750" y="2103120"/>
-          <a:ext cx="11525256" cy="2651760"/>
+          <a:off x="660988" y="2018594"/>
+          <a:ext cx="10357568" cy="3844620"/>
         </p:xfrm>
         <a:graphic>
           <a:graphicData uri="http://schemas.openxmlformats.org/drawingml/2006/table">
             <a:tbl>
-              <a:tblPr/>
+              <a:tblPr firstRow="1" bandRow="1"/>
               <a:tblGrid>
-                <a:gridCol w="960438">
+                <a:gridCol w="1053395">
                   <a:extLst>
                     <a:ext uri="{9D8B030D-6E8A-4147-A177-3AD203B41FA5}">
-                      <a16:colId xmlns:a16="http://schemas.microsoft.com/office/drawing/2014/main" val="2490607652"/>
+                      <a16:colId xmlns:a16="http://schemas.microsoft.com/office/drawing/2014/main" val="1019583549"/>
                     </a:ext>
                   </a:extLst>
                 </a:gridCol>
-                <a:gridCol w="960438">
+                <a:gridCol w="1344515">
                   <a:extLst>
                     <a:ext uri="{9D8B030D-6E8A-4147-A177-3AD203B41FA5}">
-                      <a16:colId xmlns:a16="http://schemas.microsoft.com/office/drawing/2014/main" val="2419872185"/>
+                      <a16:colId xmlns:a16="http://schemas.microsoft.com/office/drawing/2014/main" val="4042137640"/>
                     </a:ext>
                   </a:extLst>
                 </a:gridCol>
-                <a:gridCol w="960438">
+                <a:gridCol w="1682508">
                   <a:extLst>
                     <a:ext uri="{9D8B030D-6E8A-4147-A177-3AD203B41FA5}">
-                      <a16:colId xmlns:a16="http://schemas.microsoft.com/office/drawing/2014/main" val="837283258"/>
+                      <a16:colId xmlns:a16="http://schemas.microsoft.com/office/drawing/2014/main" val="934818834"/>
                     </a:ext>
                   </a:extLst>
                 </a:gridCol>
-                <a:gridCol w="960438">
+                <a:gridCol w="1607028">
                   <a:extLst>
                     <a:ext uri="{9D8B030D-6E8A-4147-A177-3AD203B41FA5}">
-                      <a16:colId xmlns:a16="http://schemas.microsoft.com/office/drawing/2014/main" val="2697629436"/>
+                      <a16:colId xmlns:a16="http://schemas.microsoft.com/office/drawing/2014/main" val="4253248227"/>
                     </a:ext>
                   </a:extLst>
                 </a:gridCol>
-                <a:gridCol w="960438">
+                <a:gridCol w="1607028">
                   <a:extLst>
                     <a:ext uri="{9D8B030D-6E8A-4147-A177-3AD203B41FA5}">
-                      <a16:colId xmlns:a16="http://schemas.microsoft.com/office/drawing/2014/main" val="1407583428"/>
+                      <a16:colId xmlns:a16="http://schemas.microsoft.com/office/drawing/2014/main" val="1617347277"/>
                     </a:ext>
                   </a:extLst>
                 </a:gridCol>
-                <a:gridCol w="960438">
+                <a:gridCol w="1531547">
                   <a:extLst>
                     <a:ext uri="{9D8B030D-6E8A-4147-A177-3AD203B41FA5}">
-                      <a16:colId xmlns:a16="http://schemas.microsoft.com/office/drawing/2014/main" val="479969845"/>
+                      <a16:colId xmlns:a16="http://schemas.microsoft.com/office/drawing/2014/main" val="494018100"/>
                     </a:ext>
                   </a:extLst>
                 </a:gridCol>
-                <a:gridCol w="960438">
+                <a:gridCol w="1531547">
                   <a:extLst>
                     <a:ext uri="{9D8B030D-6E8A-4147-A177-3AD203B41FA5}">
-                      <a16:colId xmlns:a16="http://schemas.microsoft.com/office/drawing/2014/main" val="2514300399"/>
-                    </a:ext>
-                  </a:extLst>
-                </a:gridCol>
-                <a:gridCol w="960438">
-                  <a:extLst>
-                    <a:ext uri="{9D8B030D-6E8A-4147-A177-3AD203B41FA5}">
-                      <a16:colId xmlns:a16="http://schemas.microsoft.com/office/drawing/2014/main" val="2442917145"/>
-                    </a:ext>
-                  </a:extLst>
-                </a:gridCol>
-                <a:gridCol w="960438">
-                  <a:extLst>
-                    <a:ext uri="{9D8B030D-6E8A-4147-A177-3AD203B41FA5}">
-                      <a16:colId xmlns:a16="http://schemas.microsoft.com/office/drawing/2014/main" val="1777559376"/>
-                    </a:ext>
-                  </a:extLst>
-                </a:gridCol>
-                <a:gridCol w="960438">
-                  <a:extLst>
-                    <a:ext uri="{9D8B030D-6E8A-4147-A177-3AD203B41FA5}">
-                      <a16:colId xmlns:a16="http://schemas.microsoft.com/office/drawing/2014/main" val="108483918"/>
-                    </a:ext>
-                  </a:extLst>
-                </a:gridCol>
-                <a:gridCol w="960438">
-                  <a:extLst>
-                    <a:ext uri="{9D8B030D-6E8A-4147-A177-3AD203B41FA5}">
-                      <a16:colId xmlns:a16="http://schemas.microsoft.com/office/drawing/2014/main" val="1608584077"/>
-                    </a:ext>
-                  </a:extLst>
-                </a:gridCol>
-                <a:gridCol w="960438">
-                  <a:extLst>
-                    <a:ext uri="{9D8B030D-6E8A-4147-A177-3AD203B41FA5}">
-                      <a16:colId xmlns:a16="http://schemas.microsoft.com/office/drawing/2014/main" val="757126877"/>
+                      <a16:colId xmlns:a16="http://schemas.microsoft.com/office/drawing/2014/main" val="2789593751"/>
                     </a:ext>
                   </a:extLst>
                 </a:gridCol>
               </a:tblGrid>
-              <a:tr h="0">
+              <a:tr h="268980">
                 <a:tc>
                   <a:txBody>
                     <a:bodyPr/>
@@ -9875,12 +10081,13 @@
                         <a:buNone/>
                       </a:pPr>
                       <a:r>
-                        <a:rPr lang="en-CA"/>
-                        <a:t>Algorithm</a:t>
+                        <a:rPr lang="en-CA" sz="1200" b="1"/>
+                        <a:t>System</a:t>
                       </a:r>
+                      <a:endParaRPr lang="en-CA" sz="1200"/>
                     </a:p>
                   </a:txBody>
-                  <a:tcPr anchor="ctr">
+                  <a:tcPr marL="60494" marR="60494" marT="30247" marB="30247" anchor="ctr">
                     <a:lnL>
                       <a:noFill/>
                     </a:lnL>
@@ -9905,12 +10112,13 @@
                         <a:buNone/>
                       </a:pPr>
                       <a:r>
-                        <a:rPr lang="en-CA"/>
-                        <a:t>Split</a:t>
+                        <a:rPr lang="en-CA" sz="1200" b="1"/>
+                        <a:t>Algorithm</a:t>
                       </a:r>
+                      <a:endParaRPr lang="en-CA" sz="1200"/>
                     </a:p>
                   </a:txBody>
-                  <a:tcPr anchor="ctr">
+                  <a:tcPr marL="60494" marR="60494" marT="30247" marB="30247" anchor="ctr">
                     <a:lnL>
                       <a:noFill/>
                     </a:lnL>
@@ -9935,12 +10143,13 @@
                         <a:buNone/>
                       </a:pPr>
                       <a:r>
-                        <a:rPr lang="en-CA"/>
-                        <a:t>Accuracy</a:t>
+                        <a:rPr lang="en-CA" sz="1200" b="1"/>
+                        <a:t>MSE</a:t>
                       </a:r>
+                      <a:endParaRPr lang="en-CA" sz="1200"/>
                     </a:p>
                   </a:txBody>
-                  <a:tcPr anchor="ctr">
+                  <a:tcPr marL="60494" marR="60494" marT="30247" marB="30247" anchor="ctr">
                     <a:lnL>
                       <a:noFill/>
                     </a:lnL>
@@ -9965,12 +10174,13 @@
                         <a:buNone/>
                       </a:pPr>
                       <a:r>
-                        <a:rPr lang="en-CA"/>
-                        <a:t>Precision</a:t>
+                        <a:rPr lang="en-CA" sz="1200" b="1"/>
+                        <a:t>RMSE</a:t>
                       </a:r>
+                      <a:endParaRPr lang="en-CA" sz="1200"/>
                     </a:p>
                   </a:txBody>
-                  <a:tcPr anchor="ctr">
+                  <a:tcPr marL="60494" marR="60494" marT="30247" marB="30247" anchor="ctr">
                     <a:lnL>
                       <a:noFill/>
                     </a:lnL>
@@ -9995,12 +10205,13 @@
                         <a:buNone/>
                       </a:pPr>
                       <a:r>
-                        <a:rPr lang="en-CA"/>
-                        <a:t>Recall</a:t>
+                        <a:rPr lang="en-CA" sz="1200" b="1"/>
+                        <a:t>MAE</a:t>
                       </a:r>
+                      <a:endParaRPr lang="en-CA" sz="1200"/>
                     </a:p>
                   </a:txBody>
-                  <a:tcPr anchor="ctr">
+                  <a:tcPr marL="60494" marR="60494" marT="30247" marB="30247" anchor="ctr">
                     <a:lnL>
                       <a:noFill/>
                     </a:lnL>
@@ -10025,12 +10236,13 @@
                         <a:buNone/>
                       </a:pPr>
                       <a:r>
-                        <a:rPr lang="en-CA"/>
-                        <a:t>F1</a:t>
+                        <a:rPr lang="en-CA" sz="1200" b="1"/>
+                        <a:t>R²</a:t>
                       </a:r>
+                      <a:endParaRPr lang="en-CA" sz="1200"/>
                     </a:p>
                   </a:txBody>
-                  <a:tcPr anchor="ctr">
+                  <a:tcPr marL="60494" marR="60494" marT="30247" marB="30247" anchor="ctr">
                     <a:lnL>
                       <a:noFill/>
                     </a:lnL>
@@ -10055,12 +10267,50 @@
                         <a:buNone/>
                       </a:pPr>
                       <a:r>
-                        <a:rPr lang="en-CA"/>
-                        <a:t>AUPRC</a:t>
+                        <a:rPr lang="en-CA" sz="1200" b="1"/>
+                        <a:t>Pearson</a:t>
+                      </a:r>
+                      <a:endParaRPr lang="en-CA" sz="1200"/>
+                    </a:p>
+                  </a:txBody>
+                  <a:tcPr marL="60494" marR="60494" marT="30247" marB="30247" anchor="ctr">
+                    <a:lnL>
+                      <a:noFill/>
+                    </a:lnL>
+                    <a:lnR>
+                      <a:noFill/>
+                    </a:lnR>
+                    <a:lnT>
+                      <a:noFill/>
+                    </a:lnT>
+                    <a:lnB>
+                      <a:noFill/>
+                    </a:lnB>
+                    <a:noFill/>
+                  </a:tcPr>
+                </a:tc>
+                <a:extLst>
+                  <a:ext uri="{0D108BD9-81ED-4DB2-BD59-A6C34878D82A}">
+                    <a16:rowId xmlns:a16="http://schemas.microsoft.com/office/drawing/2014/main" val="1278196632"/>
+                  </a:ext>
+                </a:extLst>
+              </a:tr>
+              <a:tr h="446955">
+                <a:tc>
+                  <a:txBody>
+                    <a:bodyPr/>
+                    <a:lstStyle/>
+                    <a:p>
+                      <a:pPr>
+                        <a:buNone/>
+                      </a:pPr>
+                      <a:r>
+                        <a:rPr lang="en-CA" sz="1200"/>
+                        <a:t>CTRL</a:t>
                       </a:r>
                     </a:p>
                   </a:txBody>
-                  <a:tcPr anchor="ctr">
+                  <a:tcPr marL="60494" marR="60494" marT="30247" marB="30247" anchor="ctr">
                     <a:lnL>
                       <a:noFill/>
                     </a:lnL>
@@ -10085,12 +10335,12 @@
                         <a:buNone/>
                       </a:pPr>
                       <a:r>
-                        <a:rPr lang="en-CA"/>
-                        <a:t>MSE</a:t>
+                        <a:rPr lang="en-CA" sz="1200"/>
+                        <a:t>PPO (Test)</a:t>
                       </a:r>
                     </a:p>
                   </a:txBody>
-                  <a:tcPr anchor="ctr">
+                  <a:tcPr marL="60494" marR="60494" marT="30247" marB="30247" anchor="ctr">
                     <a:lnL>
                       <a:noFill/>
                     </a:lnL>
@@ -10115,12 +10365,12 @@
                         <a:buNone/>
                       </a:pPr>
                       <a:r>
-                        <a:rPr lang="en-CA"/>
-                        <a:t>RMSE</a:t>
+                        <a:rPr lang="en-CA" sz="1200"/>
+                        <a:t>0.07621537540750258</a:t>
                       </a:r>
                     </a:p>
                   </a:txBody>
-                  <a:tcPr anchor="ctr">
+                  <a:tcPr marL="60494" marR="60494" marT="30247" marB="30247" anchor="ctr">
                     <a:lnL>
                       <a:noFill/>
                     </a:lnL>
@@ -10145,12 +10395,12 @@
                         <a:buNone/>
                       </a:pPr>
                       <a:r>
-                        <a:rPr lang="en-CA"/>
-                        <a:t>MAE</a:t>
+                        <a:rPr lang="en-CA" sz="1200"/>
+                        <a:t>0.26510132526414987</a:t>
                       </a:r>
                     </a:p>
                   </a:txBody>
-                  <a:tcPr anchor="ctr">
+                  <a:tcPr marL="60494" marR="60494" marT="30247" marB="30247" anchor="ctr">
                     <a:lnL>
                       <a:noFill/>
                     </a:lnL>
@@ -10175,12 +10425,12 @@
                         <a:buNone/>
                       </a:pPr>
                       <a:r>
-                        <a:rPr lang="en-CA"/>
-                        <a:t>R²</a:t>
+                        <a:rPr lang="en-CA" sz="1200"/>
+                        <a:t>0.23189670823771377</a:t>
                       </a:r>
                     </a:p>
                   </a:txBody>
-                  <a:tcPr anchor="ctr">
+                  <a:tcPr marL="60494" marR="60494" marT="30247" marB="30247" anchor="ctr">
                     <a:lnL>
                       <a:noFill/>
                     </a:lnL>
@@ -10205,49 +10455,12 @@
                         <a:buNone/>
                       </a:pPr>
                       <a:r>
-                        <a:rPr lang="en-CA"/>
-                        <a:t>Pearson</a:t>
+                        <a:rPr lang="en-CA" sz="1200"/>
+                        <a:t>0.9183019091343058</a:t>
                       </a:r>
                     </a:p>
                   </a:txBody>
-                  <a:tcPr anchor="ctr">
-                    <a:lnL>
-                      <a:noFill/>
-                    </a:lnL>
-                    <a:lnR>
-                      <a:noFill/>
-                    </a:lnR>
-                    <a:lnT>
-                      <a:noFill/>
-                    </a:lnT>
-                    <a:lnB>
-                      <a:noFill/>
-                    </a:lnB>
-                    <a:noFill/>
-                  </a:tcPr>
-                </a:tc>
-                <a:extLst>
-                  <a:ext uri="{0D108BD9-81ED-4DB2-BD59-A6C34878D82A}">
-                    <a16:rowId xmlns:a16="http://schemas.microsoft.com/office/drawing/2014/main" val="2393065729"/>
-                  </a:ext>
-                </a:extLst>
-              </a:tr>
-              <a:tr h="0">
-                <a:tc>
-                  <a:txBody>
-                    <a:bodyPr/>
-                    <a:lstStyle/>
-                    <a:p>
-                      <a:pPr>
-                        <a:buNone/>
-                      </a:pPr>
-                      <a:r>
-                        <a:rPr lang="en-CA"/>
-                        <a:t>PPO</a:t>
-                      </a:r>
-                    </a:p>
-                  </a:txBody>
-                  <a:tcPr anchor="ctr">
+                  <a:tcPr marL="60494" marR="60494" marT="30247" marB="30247" anchor="ctr">
                     <a:lnL>
                       <a:noFill/>
                     </a:lnL>
@@ -10272,12 +10485,49 @@
                         <a:buNone/>
                       </a:pPr>
                       <a:r>
-                        <a:rPr lang="en-CA"/>
-                        <a:t>Test</a:t>
+                        <a:rPr lang="en-CA" sz="1200"/>
+                        <a:t>0.9869762223628038</a:t>
                       </a:r>
                     </a:p>
                   </a:txBody>
-                  <a:tcPr anchor="ctr">
+                  <a:tcPr marL="60494" marR="60494" marT="30247" marB="30247" anchor="ctr">
+                    <a:lnL>
+                      <a:noFill/>
+                    </a:lnL>
+                    <a:lnR>
+                      <a:noFill/>
+                    </a:lnR>
+                    <a:lnT>
+                      <a:noFill/>
+                    </a:lnT>
+                    <a:lnB>
+                      <a:noFill/>
+                    </a:lnB>
+                    <a:noFill/>
+                  </a:tcPr>
+                </a:tc>
+                <a:extLst>
+                  <a:ext uri="{0D108BD9-81ED-4DB2-BD59-A6C34878D82A}">
+                    <a16:rowId xmlns:a16="http://schemas.microsoft.com/office/drawing/2014/main" val="2377649538"/>
+                  </a:ext>
+                </a:extLst>
+              </a:tr>
+              <a:tr h="446955">
+                <a:tc>
+                  <a:txBody>
+                    <a:bodyPr/>
+                    <a:lstStyle/>
+                    <a:p>
+                      <a:pPr>
+                        <a:buNone/>
+                      </a:pPr>
+                      <a:r>
+                        <a:rPr lang="en-CA" sz="1200"/>
+                        <a:t>CTRL</a:t>
+                      </a:r>
+                    </a:p>
+                  </a:txBody>
+                  <a:tcPr marL="60494" marR="60494" marT="30247" marB="30247" anchor="ctr">
                     <a:lnL>
                       <a:noFill/>
                     </a:lnL>
@@ -10302,12 +10552,12 @@
                         <a:buNone/>
                       </a:pPr>
                       <a:r>
-                        <a:rPr lang="en-CA"/>
-                        <a:t>0.6989</a:t>
+                        <a:rPr lang="en-CA" sz="1200"/>
+                        <a:t>PPO (Train)</a:t>
                       </a:r>
                     </a:p>
                   </a:txBody>
-                  <a:tcPr anchor="ctr">
+                  <a:tcPr marL="60494" marR="60494" marT="30247" marB="30247" anchor="ctr">
                     <a:lnL>
                       <a:noFill/>
                     </a:lnL>
@@ -10332,12 +10582,12 @@
                         <a:buNone/>
                       </a:pPr>
                       <a:r>
-                        <a:rPr lang="en-CA"/>
-                        <a:t>0.9148</a:t>
+                        <a:rPr lang="en-CA" sz="1200"/>
+                        <a:t>0.07655992747509274</a:t>
                       </a:r>
                     </a:p>
                   </a:txBody>
-                  <a:tcPr anchor="ctr">
+                  <a:tcPr marL="60494" marR="60494" marT="30247" marB="30247" anchor="ctr">
                     <a:lnL>
                       <a:noFill/>
                     </a:lnL>
@@ -10362,12 +10612,12 @@
                         <a:buNone/>
                       </a:pPr>
                       <a:r>
-                        <a:rPr lang="en-CA"/>
-                        <a:t>0.4228</a:t>
+                        <a:rPr lang="en-CA" sz="1200"/>
+                        <a:t>0.26560311284950155</a:t>
                       </a:r>
                     </a:p>
                   </a:txBody>
-                  <a:tcPr anchor="ctr">
+                  <a:tcPr marL="60494" marR="60494" marT="30247" marB="30247" anchor="ctr">
                     <a:lnL>
                       <a:noFill/>
                     </a:lnL>
@@ -10392,12 +10642,12 @@
                         <a:buNone/>
                       </a:pPr>
                       <a:r>
-                        <a:rPr lang="en-CA"/>
-                        <a:t>0.5352</a:t>
+                        <a:rPr lang="en-CA" sz="1200"/>
+                        <a:t>0.23263436491633283</a:t>
                       </a:r>
                     </a:p>
                   </a:txBody>
-                  <a:tcPr anchor="ctr">
+                  <a:tcPr marL="60494" marR="60494" marT="30247" marB="30247" anchor="ctr">
                     <a:lnL>
                       <a:noFill/>
                     </a:lnL>
@@ -10422,12 +10672,12 @@
                         <a:buNone/>
                       </a:pPr>
                       <a:r>
-                        <a:rPr lang="en-CA"/>
-                        <a:t>0.6975</a:t>
+                        <a:rPr lang="en-CA" sz="1200"/>
+                        <a:t>0.9141653508975588</a:t>
                       </a:r>
                     </a:p>
                   </a:txBody>
-                  <a:tcPr anchor="ctr">
+                  <a:tcPr marL="60494" marR="60494" marT="30247" marB="30247" anchor="ctr">
                     <a:lnL>
                       <a:noFill/>
                     </a:lnL>
@@ -10452,12 +10702,49 @@
                         <a:buNone/>
                       </a:pPr>
                       <a:r>
-                        <a:rPr lang="en-CA"/>
-                        <a:t>0.2756</a:t>
+                        <a:rPr lang="en-CA" sz="1200"/>
+                        <a:t>0.9863204138203998</a:t>
                       </a:r>
                     </a:p>
                   </a:txBody>
-                  <a:tcPr anchor="ctr">
+                  <a:tcPr marL="60494" marR="60494" marT="30247" marB="30247" anchor="ctr">
+                    <a:lnL>
+                      <a:noFill/>
+                    </a:lnL>
+                    <a:lnR>
+                      <a:noFill/>
+                    </a:lnR>
+                    <a:lnT>
+                      <a:noFill/>
+                    </a:lnT>
+                    <a:lnB>
+                      <a:noFill/>
+                    </a:lnB>
+                    <a:noFill/>
+                  </a:tcPr>
+                </a:tc>
+                <a:extLst>
+                  <a:ext uri="{0D108BD9-81ED-4DB2-BD59-A6C34878D82A}">
+                    <a16:rowId xmlns:a16="http://schemas.microsoft.com/office/drawing/2014/main" val="78110407"/>
+                  </a:ext>
+                </a:extLst>
+              </a:tr>
+              <a:tr h="446955">
+                <a:tc>
+                  <a:txBody>
+                    <a:bodyPr/>
+                    <a:lstStyle/>
+                    <a:p>
+                      <a:pPr>
+                        <a:buNone/>
+                      </a:pPr>
+                      <a:r>
+                        <a:rPr lang="en-CA" sz="1200"/>
+                        <a:t>CTRL</a:t>
+                      </a:r>
+                    </a:p>
+                  </a:txBody>
+                  <a:tcPr marL="60494" marR="60494" marT="30247" marB="30247" anchor="ctr">
                     <a:lnL>
                       <a:noFill/>
                     </a:lnL>
@@ -10482,12 +10769,12 @@
                         <a:buNone/>
                       </a:pPr>
                       <a:r>
-                        <a:rPr lang="en-CA"/>
-                        <a:t>0.5064</a:t>
+                        <a:rPr lang="en-CA" sz="1200"/>
+                        <a:t>TRPO→PPO (Test)</a:t>
                       </a:r>
                     </a:p>
                   </a:txBody>
-                  <a:tcPr anchor="ctr">
+                  <a:tcPr marL="60494" marR="60494" marT="30247" marB="30247" anchor="ctr">
                     <a:lnL>
                       <a:noFill/>
                     </a:lnL>
@@ -10512,12 +10799,12 @@
                         <a:buNone/>
                       </a:pPr>
                       <a:r>
-                        <a:rPr lang="en-CA"/>
-                        <a:t>0.4423</a:t>
+                        <a:rPr lang="en-CA" sz="1200"/>
+                        <a:t>0.006545579980191742</a:t>
                       </a:r>
                     </a:p>
                   </a:txBody>
-                  <a:tcPr anchor="ctr">
+                  <a:tcPr marL="60494" marR="60494" marT="30247" marB="30247" anchor="ctr">
                     <a:lnL>
                       <a:noFill/>
                     </a:lnL>
@@ -10542,12 +10829,12 @@
                         <a:buNone/>
                       </a:pPr>
                       <a:r>
-                        <a:rPr lang="en-CA"/>
-                        <a:t>0.6623</a:t>
+                        <a:rPr lang="en-CA" sz="1200" dirty="0"/>
+                        <a:t>0.07270223816688927</a:t>
                       </a:r>
                     </a:p>
                   </a:txBody>
-                  <a:tcPr anchor="ctr">
+                  <a:tcPr marL="60494" marR="60494" marT="30247" marB="30247" anchor="ctr">
                     <a:lnL>
                       <a:noFill/>
                     </a:lnL>
@@ -10572,49 +10859,12 @@
                         <a:buNone/>
                       </a:pPr>
                       <a:r>
-                        <a:rPr lang="en-CA"/>
-                        <a:t>0.9348</a:t>
+                        <a:rPr lang="en-CA" sz="1200"/>
+                        <a:t>0.05528135021249282</a:t>
                       </a:r>
                     </a:p>
                   </a:txBody>
-                  <a:tcPr anchor="ctr">
-                    <a:lnL>
-                      <a:noFill/>
-                    </a:lnL>
-                    <a:lnR>
-                      <a:noFill/>
-                    </a:lnR>
-                    <a:lnT>
-                      <a:noFill/>
-                    </a:lnT>
-                    <a:lnB>
-                      <a:noFill/>
-                    </a:lnB>
-                    <a:noFill/>
-                  </a:tcPr>
-                </a:tc>
-                <a:extLst>
-                  <a:ext uri="{0D108BD9-81ED-4DB2-BD59-A6C34878D82A}">
-                    <a16:rowId xmlns:a16="http://schemas.microsoft.com/office/drawing/2014/main" val="2279970794"/>
-                  </a:ext>
-                </a:extLst>
-              </a:tr>
-              <a:tr h="0">
-                <a:tc>
-                  <a:txBody>
-                    <a:bodyPr/>
-                    <a:lstStyle/>
-                    <a:p>
-                      <a:pPr>
-                        <a:buNone/>
-                      </a:pPr>
-                      <a:r>
-                        <a:rPr lang="en-CA"/>
-                        <a:t>PPO</a:t>
-                      </a:r>
-                    </a:p>
-                  </a:txBody>
-                  <a:tcPr anchor="ctr">
+                  <a:tcPr marL="60494" marR="60494" marT="30247" marB="30247" anchor="ctr">
                     <a:lnL>
                       <a:noFill/>
                     </a:lnL>
@@ -10639,12 +10889,12 @@
                         <a:buNone/>
                       </a:pPr>
                       <a:r>
-                        <a:rPr lang="en-CA"/>
-                        <a:t>Train</a:t>
+                        <a:rPr lang="en-CA" sz="1200"/>
+                        <a:t>0.9932162093705145</a:t>
                       </a:r>
                     </a:p>
                   </a:txBody>
-                  <a:tcPr anchor="ctr">
+                  <a:tcPr marL="60494" marR="60494" marT="30247" marB="30247" anchor="ctr">
                     <a:lnL>
                       <a:noFill/>
                     </a:lnL>
@@ -10669,12 +10919,49 @@
                         <a:buNone/>
                       </a:pPr>
                       <a:r>
-                        <a:rPr lang="en-CA"/>
-                        <a:t>0.7008</a:t>
+                        <a:rPr lang="en-CA" sz="1200"/>
+                        <a:t>0.9973747535338707</a:t>
                       </a:r>
                     </a:p>
                   </a:txBody>
-                  <a:tcPr anchor="ctr">
+                  <a:tcPr marL="60494" marR="60494" marT="30247" marB="30247" anchor="ctr">
+                    <a:lnL>
+                      <a:noFill/>
+                    </a:lnL>
+                    <a:lnR>
+                      <a:noFill/>
+                    </a:lnR>
+                    <a:lnT>
+                      <a:noFill/>
+                    </a:lnT>
+                    <a:lnB>
+                      <a:noFill/>
+                    </a:lnB>
+                    <a:noFill/>
+                  </a:tcPr>
+                </a:tc>
+                <a:extLst>
+                  <a:ext uri="{0D108BD9-81ED-4DB2-BD59-A6C34878D82A}">
+                    <a16:rowId xmlns:a16="http://schemas.microsoft.com/office/drawing/2014/main" val="2880987976"/>
+                  </a:ext>
+                </a:extLst>
+              </a:tr>
+              <a:tr h="446955">
+                <a:tc>
+                  <a:txBody>
+                    <a:bodyPr/>
+                    <a:lstStyle/>
+                    <a:p>
+                      <a:pPr>
+                        <a:buNone/>
+                      </a:pPr>
+                      <a:r>
+                        <a:rPr lang="en-CA" sz="1200"/>
+                        <a:t>CTRL</a:t>
+                      </a:r>
+                    </a:p>
+                  </a:txBody>
+                  <a:tcPr marL="60494" marR="60494" marT="30247" marB="30247" anchor="ctr">
                     <a:lnL>
                       <a:noFill/>
                     </a:lnL>
@@ -10699,12 +10986,12 @@
                         <a:buNone/>
                       </a:pPr>
                       <a:r>
-                        <a:rPr lang="en-CA"/>
-                        <a:t>0.9366</a:t>
+                        <a:rPr lang="en-CA" sz="1200"/>
+                        <a:t>TRPO→PPO (Train)</a:t>
                       </a:r>
                     </a:p>
                   </a:txBody>
-                  <a:tcPr anchor="ctr">
+                  <a:tcPr marL="60494" marR="60494" marT="30247" marB="30247" anchor="ctr">
                     <a:lnL>
                       <a:noFill/>
                     </a:lnL>
@@ -10729,12 +11016,12 @@
                         <a:buNone/>
                       </a:pPr>
                       <a:r>
-                        <a:rPr lang="en-CA"/>
-                        <a:t>0.4129</a:t>
+                        <a:rPr lang="en-CA" sz="1200"/>
+                        <a:t>0.005986573956886724</a:t>
                       </a:r>
                     </a:p>
                   </a:txBody>
-                  <a:tcPr anchor="ctr">
+                  <a:tcPr marL="60494" marR="60494" marT="30247" marB="30247" anchor="ctr">
                     <a:lnL>
                       <a:noFill/>
                     </a:lnL>
@@ -10759,12 +11046,12 @@
                         <a:buNone/>
                       </a:pPr>
                       <a:r>
-                        <a:rPr lang="en-CA"/>
-                        <a:t>0.5286</a:t>
+                        <a:rPr lang="en-CA" sz="1200"/>
+                        <a:t>0.06986042604142284</a:t>
                       </a:r>
                     </a:p>
                   </a:txBody>
-                  <a:tcPr anchor="ctr">
+                  <a:tcPr marL="60494" marR="60494" marT="30247" marB="30247" anchor="ctr">
                     <a:lnL>
                       <a:noFill/>
                     </a:lnL>
@@ -10789,12 +11076,12 @@
                         <a:buNone/>
                       </a:pPr>
                       <a:r>
-                        <a:rPr lang="en-CA"/>
-                        <a:t>0.6896</a:t>
+                        <a:rPr lang="en-CA" sz="1200"/>
+                        <a:t>0.05376226621968993</a:t>
                       </a:r>
                     </a:p>
                   </a:txBody>
-                  <a:tcPr anchor="ctr">
+                  <a:tcPr marL="60494" marR="60494" marT="30247" marB="30247" anchor="ctr">
                     <a:lnL>
                       <a:noFill/>
                     </a:lnL>
@@ -10819,12 +11106,12 @@
                         <a:buNone/>
                       </a:pPr>
                       <a:r>
-                        <a:rPr lang="en-CA"/>
-                        <a:t>0.2705</a:t>
+                        <a:rPr lang="en-CA" sz="1200"/>
+                        <a:t>0.9933130782226036</a:t>
                       </a:r>
                     </a:p>
                   </a:txBody>
-                  <a:tcPr anchor="ctr">
+                  <a:tcPr marL="60494" marR="60494" marT="30247" marB="30247" anchor="ctr">
                     <a:lnL>
                       <a:noFill/>
                     </a:lnL>
@@ -10849,12 +11136,49 @@
                         <a:buNone/>
                       </a:pPr>
                       <a:r>
-                        <a:rPr lang="en-CA"/>
-                        <a:t>0.5020</a:t>
+                        <a:rPr lang="en-CA" sz="1200"/>
+                        <a:t>0.9973907777414155</a:t>
                       </a:r>
                     </a:p>
                   </a:txBody>
-                  <a:tcPr anchor="ctr">
+                  <a:tcPr marL="60494" marR="60494" marT="30247" marB="30247" anchor="ctr">
+                    <a:lnL>
+                      <a:noFill/>
+                    </a:lnL>
+                    <a:lnR>
+                      <a:noFill/>
+                    </a:lnR>
+                    <a:lnT>
+                      <a:noFill/>
+                    </a:lnT>
+                    <a:lnB>
+                      <a:noFill/>
+                    </a:lnB>
+                    <a:noFill/>
+                  </a:tcPr>
+                </a:tc>
+                <a:extLst>
+                  <a:ext uri="{0D108BD9-81ED-4DB2-BD59-A6C34878D82A}">
+                    <a16:rowId xmlns:a16="http://schemas.microsoft.com/office/drawing/2014/main" val="1509458932"/>
+                  </a:ext>
+                </a:extLst>
+              </a:tr>
+              <a:tr h="446955">
+                <a:tc>
+                  <a:txBody>
+                    <a:bodyPr/>
+                    <a:lstStyle/>
+                    <a:p>
+                      <a:pPr>
+                        <a:buNone/>
+                      </a:pPr>
+                      <a:r>
+                        <a:rPr lang="en-CA" sz="1200"/>
+                        <a:t>PTPN2</a:t>
+                      </a:r>
+                    </a:p>
+                  </a:txBody>
+                  <a:tcPr marL="60494" marR="60494" marT="30247" marB="30247" anchor="ctr">
                     <a:lnL>
                       <a:noFill/>
                     </a:lnL>
@@ -10879,12 +11203,12 @@
                         <a:buNone/>
                       </a:pPr>
                       <a:r>
-                        <a:rPr lang="en-CA"/>
-                        <a:t>0.4381</a:t>
+                        <a:rPr lang="en-CA" sz="1200"/>
+                        <a:t>PPO (Test)</a:t>
                       </a:r>
                     </a:p>
                   </a:txBody>
-                  <a:tcPr anchor="ctr">
+                  <a:tcPr marL="60494" marR="60494" marT="30247" marB="30247" anchor="ctr">
                     <a:lnL>
                       <a:noFill/>
                     </a:lnL>
@@ -10909,12 +11233,12 @@
                         <a:buNone/>
                       </a:pPr>
                       <a:r>
-                        <a:rPr lang="en-CA"/>
-                        <a:t>0.6358</a:t>
+                        <a:rPr lang="en-CA" sz="1200"/>
+                        <a:t>0.08415601347926362</a:t>
                       </a:r>
                     </a:p>
                   </a:txBody>
-                  <a:tcPr anchor="ctr">
+                  <a:tcPr marL="60494" marR="60494" marT="30247" marB="30247" anchor="ctr">
                     <a:lnL>
                       <a:noFill/>
                     </a:lnL>
@@ -10939,50 +11263,12 @@
                         <a:buNone/>
                       </a:pPr>
                       <a:r>
-                        <a:rPr lang="en-CA"/>
-                        <a:t>0.9304</a:t>
+                        <a:rPr lang="en-CA" sz="1200"/>
+                        <a:t>0.27599469458382264</a:t>
                       </a:r>
                     </a:p>
                   </a:txBody>
-                  <a:tcPr anchor="ctr">
-                    <a:lnL>
-                      <a:noFill/>
-                    </a:lnL>
-                    <a:lnR>
-                      <a:noFill/>
-                    </a:lnR>
-                    <a:lnT>
-                      <a:noFill/>
-                    </a:lnT>
-                    <a:lnB>
-                      <a:noFill/>
-                    </a:lnB>
-                    <a:noFill/>
-                  </a:tcPr>
-                </a:tc>
-                <a:extLst>
-                  <a:ext uri="{0D108BD9-81ED-4DB2-BD59-A6C34878D82A}">
-                    <a16:rowId xmlns:a16="http://schemas.microsoft.com/office/drawing/2014/main" val="145311890"/>
-                  </a:ext>
-                </a:extLst>
-              </a:tr>
-              <a:tr h="0">
-                <a:tc>
-                  <a:txBody>
-                    <a:bodyPr/>
-                    <a:lstStyle/>
-                    <a:p>
-                      <a:pPr>
-                        <a:buNone/>
-                      </a:pPr>
-                      <a:r>
-                        <a:rPr lang="en-CA" b="1" dirty="0"/>
-                        <a:t>TRPO→PPO</a:t>
-                      </a:r>
-                      <a:endParaRPr lang="en-CA" dirty="0"/>
-                    </a:p>
-                  </a:txBody>
-                  <a:tcPr anchor="ctr">
+                  <a:tcPr marL="60494" marR="60494" marT="30247" marB="30247" anchor="ctr">
                     <a:lnL>
                       <a:noFill/>
                     </a:lnL>
@@ -11007,12 +11293,12 @@
                         <a:buNone/>
                       </a:pPr>
                       <a:r>
-                        <a:rPr lang="en-CA"/>
-                        <a:t>Test</a:t>
+                        <a:rPr lang="en-CA" sz="1200"/>
+                        <a:t>0.16415781746136732</a:t>
                       </a:r>
                     </a:p>
                   </a:txBody>
-                  <a:tcPr anchor="ctr">
+                  <a:tcPr marL="60494" marR="60494" marT="30247" marB="30247" anchor="ctr">
                     <a:lnL>
                       <a:noFill/>
                     </a:lnL>
@@ -11037,12 +11323,12 @@
                         <a:buNone/>
                       </a:pPr>
                       <a:r>
-                        <a:rPr lang="en-CA" b="0" dirty="0"/>
-                        <a:t>0.8605</a:t>
+                        <a:rPr lang="en-CA" sz="1200"/>
+                        <a:t>0.9212132723167025</a:t>
                       </a:r>
                     </a:p>
                   </a:txBody>
-                  <a:tcPr anchor="ctr">
+                  <a:tcPr marL="60494" marR="60494" marT="30247" marB="30247" anchor="ctr">
                     <a:lnL>
                       <a:noFill/>
                     </a:lnL>
@@ -11067,12 +11353,49 @@
                         <a:buNone/>
                       </a:pPr>
                       <a:r>
-                        <a:rPr lang="en-CA"/>
-                        <a:t>0.9126</a:t>
+                        <a:rPr lang="en-CA" sz="1200"/>
+                        <a:t>0.9647337591518942</a:t>
                       </a:r>
                     </a:p>
                   </a:txBody>
-                  <a:tcPr anchor="ctr">
+                  <a:tcPr marL="60494" marR="60494" marT="30247" marB="30247" anchor="ctr">
+                    <a:lnL>
+                      <a:noFill/>
+                    </a:lnL>
+                    <a:lnR>
+                      <a:noFill/>
+                    </a:lnR>
+                    <a:lnT>
+                      <a:noFill/>
+                    </a:lnT>
+                    <a:lnB>
+                      <a:noFill/>
+                    </a:lnB>
+                    <a:noFill/>
+                  </a:tcPr>
+                </a:tc>
+                <a:extLst>
+                  <a:ext uri="{0D108BD9-81ED-4DB2-BD59-A6C34878D82A}">
+                    <a16:rowId xmlns:a16="http://schemas.microsoft.com/office/drawing/2014/main" val="1457632432"/>
+                  </a:ext>
+                </a:extLst>
+              </a:tr>
+              <a:tr h="446955">
+                <a:tc>
+                  <a:txBody>
+                    <a:bodyPr/>
+                    <a:lstStyle/>
+                    <a:p>
+                      <a:pPr>
+                        <a:buNone/>
+                      </a:pPr>
+                      <a:r>
+                        <a:rPr lang="en-CA" sz="1200"/>
+                        <a:t>PTPN2</a:t>
+                      </a:r>
+                    </a:p>
+                  </a:txBody>
+                  <a:tcPr marL="60494" marR="60494" marT="30247" marB="30247" anchor="ctr">
                     <a:lnL>
                       <a:noFill/>
                     </a:lnL>
@@ -11097,12 +11420,12 @@
                         <a:buNone/>
                       </a:pPr>
                       <a:r>
-                        <a:rPr lang="en-CA" b="0" dirty="0"/>
-                        <a:t>0.7315</a:t>
+                        <a:rPr lang="en-CA" sz="1200" dirty="0"/>
+                        <a:t>PPO (Train)</a:t>
                       </a:r>
                     </a:p>
                   </a:txBody>
-                  <a:tcPr anchor="ctr">
+                  <a:tcPr marL="60494" marR="60494" marT="30247" marB="30247" anchor="ctr">
                     <a:lnL>
                       <a:noFill/>
                     </a:lnL>
@@ -11127,12 +11450,12 @@
                         <a:buNone/>
                       </a:pPr>
                       <a:r>
-                        <a:rPr lang="en-CA" b="0" dirty="0"/>
-                        <a:t>0.7831</a:t>
+                        <a:rPr lang="en-CA" sz="1200"/>
+                        <a:t>0.11324855781577785</a:t>
                       </a:r>
                     </a:p>
                   </a:txBody>
-                  <a:tcPr anchor="ctr">
+                  <a:tcPr marL="60494" marR="60494" marT="30247" marB="30247" anchor="ctr">
                     <a:lnL>
                       <a:noFill/>
                     </a:lnL>
@@ -11157,12 +11480,12 @@
                         <a:buNone/>
                       </a:pPr>
                       <a:r>
-                        <a:rPr lang="en-CA" b="0" dirty="0"/>
-                        <a:t>0.8073</a:t>
+                        <a:rPr lang="en-CA" sz="1200"/>
+                        <a:t>0.3197073092444613</a:t>
                       </a:r>
                     </a:p>
                   </a:txBody>
-                  <a:tcPr anchor="ctr">
+                  <a:tcPr marL="60494" marR="60494" marT="30247" marB="30247" anchor="ctr">
                     <a:lnL>
                       <a:noFill/>
                     </a:lnL>
@@ -11187,12 +11510,12 @@
                         <a:buNone/>
                       </a:pPr>
                       <a:r>
-                        <a:rPr lang="en-CA" b="0" dirty="0"/>
-                        <a:t>0.1158</a:t>
+                        <a:rPr lang="en-CA" sz="1200"/>
+                        <a:t>0.16034458577632904</a:t>
                       </a:r>
                     </a:p>
                   </a:txBody>
-                  <a:tcPr anchor="ctr">
+                  <a:tcPr marL="60494" marR="60494" marT="30247" marB="30247" anchor="ctr">
                     <a:lnL>
                       <a:noFill/>
                     </a:lnL>
@@ -11217,12 +11540,12 @@
                         <a:buNone/>
                       </a:pPr>
                       <a:r>
-                        <a:rPr lang="en-CA" b="0" dirty="0"/>
-                        <a:t>0.3220</a:t>
+                        <a:rPr lang="en-CA" sz="1200"/>
+                        <a:t>0.9097731185370478</a:t>
                       </a:r>
                     </a:p>
                   </a:txBody>
-                  <a:tcPr anchor="ctr">
+                  <a:tcPr marL="60494" marR="60494" marT="30247" marB="30247" anchor="ctr">
                     <a:lnL>
                       <a:noFill/>
                     </a:lnL>
@@ -11247,12 +11570,49 @@
                         <a:buNone/>
                       </a:pPr>
                       <a:r>
-                        <a:rPr lang="en-CA"/>
-                        <a:t>0.2714</a:t>
+                        <a:rPr lang="en-CA" sz="1200"/>
+                        <a:t>0.9584318552580068</a:t>
                       </a:r>
                     </a:p>
                   </a:txBody>
-                  <a:tcPr anchor="ctr">
+                  <a:tcPr marL="60494" marR="60494" marT="30247" marB="30247" anchor="ctr">
+                    <a:lnL>
+                      <a:noFill/>
+                    </a:lnL>
+                    <a:lnR>
+                      <a:noFill/>
+                    </a:lnR>
+                    <a:lnT>
+                      <a:noFill/>
+                    </a:lnT>
+                    <a:lnB>
+                      <a:noFill/>
+                    </a:lnB>
+                    <a:noFill/>
+                  </a:tcPr>
+                </a:tc>
+                <a:extLst>
+                  <a:ext uri="{0D108BD9-81ED-4DB2-BD59-A6C34878D82A}">
+                    <a16:rowId xmlns:a16="http://schemas.microsoft.com/office/drawing/2014/main" val="3351439613"/>
+                  </a:ext>
+                </a:extLst>
+              </a:tr>
+              <a:tr h="446955">
+                <a:tc>
+                  <a:txBody>
+                    <a:bodyPr/>
+                    <a:lstStyle/>
+                    <a:p>
+                      <a:pPr>
+                        <a:buNone/>
+                      </a:pPr>
+                      <a:r>
+                        <a:rPr lang="en-CA" sz="1200"/>
+                        <a:t>PTPN2</a:t>
+                      </a:r>
+                    </a:p>
+                  </a:txBody>
+                  <a:tcPr marL="60494" marR="60494" marT="30247" marB="30247" anchor="ctr">
                     <a:lnL>
                       <a:noFill/>
                     </a:lnL>
@@ -11277,12 +11637,12 @@
                         <a:buNone/>
                       </a:pPr>
                       <a:r>
-                        <a:rPr lang="en-CA" dirty="0"/>
-                        <a:t>0.8448</a:t>
+                        <a:rPr lang="en-CA" sz="1200"/>
+                        <a:t>TRPO→PPO (Test)</a:t>
                       </a:r>
                     </a:p>
                   </a:txBody>
-                  <a:tcPr anchor="ctr">
+                  <a:tcPr marL="60494" marR="60494" marT="30247" marB="30247" anchor="ctr">
                     <a:lnL>
                       <a:noFill/>
                     </a:lnL>
@@ -11307,50 +11667,12 @@
                         <a:buNone/>
                       </a:pPr>
                       <a:r>
-                        <a:rPr lang="en-CA" b="0" dirty="0"/>
-                        <a:t>0.9561</a:t>
+                        <a:rPr lang="en-CA" sz="1200"/>
+                        <a:t>0.08934188078575094</a:t>
                       </a:r>
                     </a:p>
                   </a:txBody>
-                  <a:tcPr anchor="ctr">
-                    <a:lnL>
-                      <a:noFill/>
-                    </a:lnL>
-                    <a:lnR>
-                      <a:noFill/>
-                    </a:lnR>
-                    <a:lnT>
-                      <a:noFill/>
-                    </a:lnT>
-                    <a:lnB>
-                      <a:noFill/>
-                    </a:lnB>
-                    <a:noFill/>
-                  </a:tcPr>
-                </a:tc>
-                <a:extLst>
-                  <a:ext uri="{0D108BD9-81ED-4DB2-BD59-A6C34878D82A}">
-                    <a16:rowId xmlns:a16="http://schemas.microsoft.com/office/drawing/2014/main" val="512492153"/>
-                  </a:ext>
-                </a:extLst>
-              </a:tr>
-              <a:tr h="0">
-                <a:tc>
-                  <a:txBody>
-                    <a:bodyPr/>
-                    <a:lstStyle/>
-                    <a:p>
-                      <a:pPr>
-                        <a:buNone/>
-                      </a:pPr>
-                      <a:r>
-                        <a:rPr lang="en-CA" b="1"/>
-                        <a:t>TRPO→PPO</a:t>
-                      </a:r>
-                      <a:endParaRPr lang="en-CA"/>
-                    </a:p>
-                  </a:txBody>
-                  <a:tcPr anchor="ctr">
+                  <a:tcPr marL="60494" marR="60494" marT="30247" marB="30247" anchor="ctr">
                     <a:lnL>
                       <a:noFill/>
                     </a:lnL>
@@ -11375,12 +11697,12 @@
                         <a:buNone/>
                       </a:pPr>
                       <a:r>
-                        <a:rPr lang="en-CA"/>
-                        <a:t>Train</a:t>
+                        <a:rPr lang="en-CA" sz="1200"/>
+                        <a:t>0.28246176930900474</a:t>
                       </a:r>
                     </a:p>
                   </a:txBody>
-                  <a:tcPr anchor="ctr">
+                  <a:tcPr marL="60494" marR="60494" marT="30247" marB="30247" anchor="ctr">
                     <a:lnL>
                       <a:noFill/>
                     </a:lnL>
@@ -11405,12 +11727,12 @@
                         <a:buNone/>
                       </a:pPr>
                       <a:r>
-                        <a:rPr lang="en-CA" b="0" dirty="0"/>
-                        <a:t>0.8588</a:t>
+                        <a:rPr lang="en-CA" sz="1200"/>
+                        <a:t>0.16750736393291374</a:t>
                       </a:r>
                     </a:p>
                   </a:txBody>
-                  <a:tcPr anchor="ctr">
+                  <a:tcPr marL="60494" marR="60494" marT="30247" marB="30247" anchor="ctr">
                     <a:lnL>
                       <a:noFill/>
                     </a:lnL>
@@ -11435,12 +11757,12 @@
                         <a:buNone/>
                       </a:pPr>
                       <a:r>
-                        <a:rPr lang="en-CA"/>
-                        <a:t>0.9300</a:t>
+                        <a:rPr lang="en-CA" sz="1200"/>
+                        <a:t>0.9235682035314625</a:t>
                       </a:r>
                     </a:p>
                   </a:txBody>
-                  <a:tcPr anchor="ctr">
+                  <a:tcPr marL="60494" marR="60494" marT="30247" marB="30247" anchor="ctr">
                     <a:lnL>
                       <a:noFill/>
                     </a:lnL>
@@ -11465,12 +11787,49 @@
                         <a:buNone/>
                       </a:pPr>
                       <a:r>
-                        <a:rPr lang="en-CA" b="0" dirty="0"/>
-                        <a:t>0.7241</a:t>
+                        <a:rPr lang="en-CA" sz="1200"/>
+                        <a:t>0.9658645719485868</a:t>
                       </a:r>
                     </a:p>
                   </a:txBody>
-                  <a:tcPr anchor="ctr">
+                  <a:tcPr marL="60494" marR="60494" marT="30247" marB="30247" anchor="ctr">
+                    <a:lnL>
+                      <a:noFill/>
+                    </a:lnL>
+                    <a:lnR>
+                      <a:noFill/>
+                    </a:lnR>
+                    <a:lnT>
+                      <a:noFill/>
+                    </a:lnT>
+                    <a:lnB>
+                      <a:noFill/>
+                    </a:lnB>
+                    <a:noFill/>
+                  </a:tcPr>
+                </a:tc>
+                <a:extLst>
+                  <a:ext uri="{0D108BD9-81ED-4DB2-BD59-A6C34878D82A}">
+                    <a16:rowId xmlns:a16="http://schemas.microsoft.com/office/drawing/2014/main" val="1157665939"/>
+                  </a:ext>
+                </a:extLst>
+              </a:tr>
+              <a:tr h="446955">
+                <a:tc>
+                  <a:txBody>
+                    <a:bodyPr/>
+                    <a:lstStyle/>
+                    <a:p>
+                      <a:pPr>
+                        <a:buNone/>
+                      </a:pPr>
+                      <a:r>
+                        <a:rPr lang="en-CA" sz="1200"/>
+                        <a:t>PTPN2</a:t>
+                      </a:r>
+                    </a:p>
+                  </a:txBody>
+                  <a:tcPr marL="60494" marR="60494" marT="30247" marB="30247" anchor="ctr">
                     <a:lnL>
                       <a:noFill/>
                     </a:lnL>
@@ -11495,12 +11854,12 @@
                         <a:buNone/>
                       </a:pPr>
                       <a:r>
-                        <a:rPr lang="en-CA" b="0" dirty="0"/>
-                        <a:t>0.7782</a:t>
+                        <a:rPr lang="en-CA" sz="1200"/>
+                        <a:t>TRPO→PPO (Train)</a:t>
                       </a:r>
                     </a:p>
                   </a:txBody>
-                  <a:tcPr anchor="ctr">
+                  <a:tcPr marL="60494" marR="60494" marT="30247" marB="30247" anchor="ctr">
                     <a:lnL>
                       <a:noFill/>
                     </a:lnL>
@@ -11525,12 +11884,12 @@
                         <a:buNone/>
                       </a:pPr>
                       <a:r>
-                        <a:rPr lang="en-CA" b="0" dirty="0"/>
-                        <a:t>0.8025</a:t>
+                        <a:rPr lang="en-CA" sz="1200"/>
+                        <a:t>0.11469726720503692</a:t>
                       </a:r>
                     </a:p>
                   </a:txBody>
-                  <a:tcPr anchor="ctr">
+                  <a:tcPr marL="60494" marR="60494" marT="30247" marB="30247" anchor="ctr">
                     <a:lnL>
                       <a:noFill/>
                     </a:lnL>
@@ -11555,12 +11914,12 @@
                         <a:buNone/>
                       </a:pPr>
                       <a:r>
-                        <a:rPr lang="en-CA" b="0" dirty="0"/>
-                        <a:t>0.1150</a:t>
+                        <a:rPr lang="en-CA" sz="1200"/>
+                        <a:t>0.324746063255925</a:t>
                       </a:r>
                     </a:p>
                   </a:txBody>
-                  <a:tcPr anchor="ctr">
+                  <a:tcPr marL="60494" marR="60494" marT="30247" marB="30247" anchor="ctr">
                     <a:lnL>
                       <a:noFill/>
                     </a:lnL>
@@ -11585,12 +11944,12 @@
                         <a:buNone/>
                       </a:pPr>
                       <a:r>
-                        <a:rPr lang="en-CA" b="0" dirty="0"/>
-                        <a:t>0.3202</a:t>
+                        <a:rPr lang="en-CA" sz="1200"/>
+                        <a:t>0.1618666891650907</a:t>
                       </a:r>
                     </a:p>
                   </a:txBody>
-                  <a:tcPr anchor="ctr">
+                  <a:tcPr marL="60494" marR="60494" marT="30247" marB="30247" anchor="ctr">
                     <a:lnL>
                       <a:noFill/>
                     </a:lnL>
@@ -11615,12 +11974,12 @@
                         <a:buNone/>
                       </a:pPr>
                       <a:r>
-                        <a:rPr lang="en-CA"/>
-                        <a:t>0.2710</a:t>
+                        <a:rPr lang="en-CA" sz="1200"/>
+                        <a:t>0.9097111821174622</a:t>
                       </a:r>
                     </a:p>
                   </a:txBody>
-                  <a:tcPr anchor="ctr">
+                  <a:tcPr marL="60494" marR="60494" marT="30247" marB="30247" anchor="ctr">
                     <a:lnL>
                       <a:noFill/>
                     </a:lnL>
@@ -11645,42 +12004,12 @@
                         <a:buNone/>
                       </a:pPr>
                       <a:r>
-                        <a:rPr lang="en-CA"/>
-                        <a:t>0.8370</a:t>
+                        <a:rPr lang="en-CA" sz="1200" dirty="0"/>
+                        <a:t>0.9574728767252815</a:t>
                       </a:r>
                     </a:p>
                   </a:txBody>
-                  <a:tcPr anchor="ctr">
-                    <a:lnL>
-                      <a:noFill/>
-                    </a:lnL>
-                    <a:lnR>
-                      <a:noFill/>
-                    </a:lnR>
-                    <a:lnT>
-                      <a:noFill/>
-                    </a:lnT>
-                    <a:lnB>
-                      <a:noFill/>
-                    </a:lnB>
-                    <a:noFill/>
-                  </a:tcPr>
-                </a:tc>
-                <a:tc>
-                  <a:txBody>
-                    <a:bodyPr/>
-                    <a:lstStyle/>
-                    <a:p>
-                      <a:pPr>
-                        <a:buNone/>
-                      </a:pPr>
-                      <a:r>
-                        <a:rPr lang="en-CA" b="0" dirty="0"/>
-                        <a:t>0.9541</a:t>
-                      </a:r>
-                    </a:p>
-                  </a:txBody>
-                  <a:tcPr anchor="ctr">
+                  <a:tcPr marL="60494" marR="60494" marT="30247" marB="30247" anchor="ctr">
                     <a:lnL>
                       <a:noFill/>
                     </a:lnL>
@@ -11698,7 +12027,7 @@
                 </a:tc>
                 <a:extLst>
                   <a:ext uri="{0D108BD9-81ED-4DB2-BD59-A6C34878D82A}">
-                    <a16:rowId xmlns:a16="http://schemas.microsoft.com/office/drawing/2014/main" val="1341642771"/>
+                    <a16:rowId xmlns:a16="http://schemas.microsoft.com/office/drawing/2014/main" val="2939198355"/>
                   </a:ext>
                 </a:extLst>
               </a:tr>
@@ -11752,1973 +12081,81 @@
             <p:ph type="title"/>
           </p:nvPr>
         </p:nvSpPr>
-        <p:spPr/>
+        <p:spPr>
+          <a:xfrm>
+            <a:off x="838200" y="81661"/>
+            <a:ext cx="10515600" cy="1325563"/>
+          </a:xfrm>
+        </p:spPr>
         <p:txBody>
-          <a:bodyPr/>
+          <a:bodyPr>
+            <a:normAutofit/>
+          </a:bodyPr>
           <a:lstStyle/>
           <a:p>
             <a:r>
-              <a:rPr lang="en-US" dirty="0"/>
-              <a:t>Results(Experimentally perturb sample)</a:t>
-            </a:r>
-            <a:endParaRPr lang="en-CA" dirty="0"/>
+              <a:rPr lang="en-US" sz="2400" dirty="0"/>
+              <a:t>Results(Insights)</a:t>
+            </a:r>
+            <a:endParaRPr lang="en-CA" sz="2400" dirty="0"/>
           </a:p>
         </p:txBody>
       </p:sp>
-      <p:graphicFrame>
-        <p:nvGraphicFramePr>
-          <p:cNvPr id="4" name="Table 3">
+      <p:sp>
+        <p:nvSpPr>
+          <p:cNvPr id="5" name="TextBox 4">
             <a:extLst>
               <a:ext uri="{FF2B5EF4-FFF2-40B4-BE49-F238E27FC236}">
-                <a16:creationId xmlns:a16="http://schemas.microsoft.com/office/drawing/2014/main" id="{58946877-0E02-9E2B-9B10-16F12DC244E0}"/>
+                <a16:creationId xmlns:a16="http://schemas.microsoft.com/office/drawing/2014/main" id="{C430CE22-B8B8-E58E-E1E2-DE3DA11CEFED}"/>
               </a:ext>
             </a:extLst>
           </p:cNvPr>
-          <p:cNvGraphicFramePr>
-            <a:graphicFrameLocks noGrp="1"/>
-          </p:cNvGraphicFramePr>
-          <p:nvPr>
-            <p:extLst>
-              <p:ext uri="{D42A27DB-BD31-4B8C-83A1-F6EECF244321}">
-                <p14:modId xmlns:p14="http://schemas.microsoft.com/office/powerpoint/2010/main" val="3246099938"/>
-              </p:ext>
-            </p:extLst>
-          </p:nvPr>
-        </p:nvGraphicFramePr>
-        <p:xfrm>
-          <a:off x="284988" y="1835690"/>
-          <a:ext cx="11907012" cy="2590800"/>
-        </p:xfrm>
-        <a:graphic>
-          <a:graphicData uri="http://schemas.openxmlformats.org/drawingml/2006/table">
-            <a:tbl>
-              <a:tblPr/>
-              <a:tblGrid>
-                <a:gridCol w="992251">
-                  <a:extLst>
-                    <a:ext uri="{9D8B030D-6E8A-4147-A177-3AD203B41FA5}">
-                      <a16:colId xmlns:a16="http://schemas.microsoft.com/office/drawing/2014/main" val="859577950"/>
-                    </a:ext>
-                  </a:extLst>
-                </a:gridCol>
-                <a:gridCol w="992251">
-                  <a:extLst>
-                    <a:ext uri="{9D8B030D-6E8A-4147-A177-3AD203B41FA5}">
-                      <a16:colId xmlns:a16="http://schemas.microsoft.com/office/drawing/2014/main" val="3290631456"/>
-                    </a:ext>
-                  </a:extLst>
-                </a:gridCol>
-                <a:gridCol w="992251">
-                  <a:extLst>
-                    <a:ext uri="{9D8B030D-6E8A-4147-A177-3AD203B41FA5}">
-                      <a16:colId xmlns:a16="http://schemas.microsoft.com/office/drawing/2014/main" val="360272942"/>
-                    </a:ext>
-                  </a:extLst>
-                </a:gridCol>
-                <a:gridCol w="992251">
-                  <a:extLst>
-                    <a:ext uri="{9D8B030D-6E8A-4147-A177-3AD203B41FA5}">
-                      <a16:colId xmlns:a16="http://schemas.microsoft.com/office/drawing/2014/main" val="1623022911"/>
-                    </a:ext>
-                  </a:extLst>
-                </a:gridCol>
-                <a:gridCol w="992251">
-                  <a:extLst>
-                    <a:ext uri="{9D8B030D-6E8A-4147-A177-3AD203B41FA5}">
-                      <a16:colId xmlns:a16="http://schemas.microsoft.com/office/drawing/2014/main" val="4107525468"/>
-                    </a:ext>
-                  </a:extLst>
-                </a:gridCol>
-                <a:gridCol w="992251">
-                  <a:extLst>
-                    <a:ext uri="{9D8B030D-6E8A-4147-A177-3AD203B41FA5}">
-                      <a16:colId xmlns:a16="http://schemas.microsoft.com/office/drawing/2014/main" val="2617562480"/>
-                    </a:ext>
-                  </a:extLst>
-                </a:gridCol>
-                <a:gridCol w="992251">
-                  <a:extLst>
-                    <a:ext uri="{9D8B030D-6E8A-4147-A177-3AD203B41FA5}">
-                      <a16:colId xmlns:a16="http://schemas.microsoft.com/office/drawing/2014/main" val="3741354175"/>
-                    </a:ext>
-                  </a:extLst>
-                </a:gridCol>
-                <a:gridCol w="992251">
-                  <a:extLst>
-                    <a:ext uri="{9D8B030D-6E8A-4147-A177-3AD203B41FA5}">
-                      <a16:colId xmlns:a16="http://schemas.microsoft.com/office/drawing/2014/main" val="4280665784"/>
-                    </a:ext>
-                  </a:extLst>
-                </a:gridCol>
-                <a:gridCol w="992251">
-                  <a:extLst>
-                    <a:ext uri="{9D8B030D-6E8A-4147-A177-3AD203B41FA5}">
-                      <a16:colId xmlns:a16="http://schemas.microsoft.com/office/drawing/2014/main" val="1992117642"/>
-                    </a:ext>
-                  </a:extLst>
-                </a:gridCol>
-                <a:gridCol w="992251">
-                  <a:extLst>
-                    <a:ext uri="{9D8B030D-6E8A-4147-A177-3AD203B41FA5}">
-                      <a16:colId xmlns:a16="http://schemas.microsoft.com/office/drawing/2014/main" val="3422534621"/>
-                    </a:ext>
-                  </a:extLst>
-                </a:gridCol>
-                <a:gridCol w="992251">
-                  <a:extLst>
-                    <a:ext uri="{9D8B030D-6E8A-4147-A177-3AD203B41FA5}">
-                      <a16:colId xmlns:a16="http://schemas.microsoft.com/office/drawing/2014/main" val="344551929"/>
-                    </a:ext>
-                  </a:extLst>
-                </a:gridCol>
-                <a:gridCol w="992251">
-                  <a:extLst>
-                    <a:ext uri="{9D8B030D-6E8A-4147-A177-3AD203B41FA5}">
-                      <a16:colId xmlns:a16="http://schemas.microsoft.com/office/drawing/2014/main" val="1503384562"/>
-                    </a:ext>
-                  </a:extLst>
-                </a:gridCol>
-              </a:tblGrid>
-              <a:tr h="0">
-                <a:tc>
-                  <a:txBody>
-                    <a:bodyPr/>
-                    <a:lstStyle/>
-                    <a:p>
-                      <a:pPr>
-                        <a:buNone/>
-                      </a:pPr>
-                      <a:r>
-                        <a:rPr lang="en-CA" sz="1600" dirty="0"/>
-                        <a:t>Algorithm</a:t>
-                      </a:r>
-                    </a:p>
-                  </a:txBody>
-                  <a:tcPr anchor="ctr">
-                    <a:lnL>
-                      <a:noFill/>
-                    </a:lnL>
-                    <a:lnR>
-                      <a:noFill/>
-                    </a:lnR>
-                    <a:lnT>
-                      <a:noFill/>
-                    </a:lnT>
-                    <a:lnB>
-                      <a:noFill/>
-                    </a:lnB>
-                    <a:noFill/>
-                  </a:tcPr>
-                </a:tc>
-                <a:tc>
-                  <a:txBody>
-                    <a:bodyPr/>
-                    <a:lstStyle/>
-                    <a:p>
-                      <a:pPr>
-                        <a:buNone/>
-                      </a:pPr>
-                      <a:r>
-                        <a:rPr lang="en-CA" dirty="0"/>
-                        <a:t>Split</a:t>
-                      </a:r>
-                    </a:p>
-                  </a:txBody>
-                  <a:tcPr anchor="ctr">
-                    <a:lnL>
-                      <a:noFill/>
-                    </a:lnL>
-                    <a:lnR>
-                      <a:noFill/>
-                    </a:lnR>
-                    <a:lnT>
-                      <a:noFill/>
-                    </a:lnT>
-                    <a:lnB>
-                      <a:noFill/>
-                    </a:lnB>
-                    <a:noFill/>
-                  </a:tcPr>
-                </a:tc>
-                <a:tc>
-                  <a:txBody>
-                    <a:bodyPr/>
-                    <a:lstStyle/>
-                    <a:p>
-                      <a:pPr>
-                        <a:buNone/>
-                      </a:pPr>
-                      <a:r>
-                        <a:rPr lang="en-CA" sz="1600" dirty="0"/>
-                        <a:t>Accuracy</a:t>
-                      </a:r>
-                    </a:p>
-                  </a:txBody>
-                  <a:tcPr anchor="ctr">
-                    <a:lnL>
-                      <a:noFill/>
-                    </a:lnL>
-                    <a:lnR>
-                      <a:noFill/>
-                    </a:lnR>
-                    <a:lnT>
-                      <a:noFill/>
-                    </a:lnT>
-                    <a:lnB>
-                      <a:noFill/>
-                    </a:lnB>
-                    <a:noFill/>
-                  </a:tcPr>
-                </a:tc>
-                <a:tc>
-                  <a:txBody>
-                    <a:bodyPr/>
-                    <a:lstStyle/>
-                    <a:p>
-                      <a:pPr>
-                        <a:buNone/>
-                      </a:pPr>
-                      <a:r>
-                        <a:rPr lang="en-CA" sz="1600" dirty="0"/>
-                        <a:t>Precision</a:t>
-                      </a:r>
-                    </a:p>
-                  </a:txBody>
-                  <a:tcPr anchor="ctr">
-                    <a:lnL>
-                      <a:noFill/>
-                    </a:lnL>
-                    <a:lnR>
-                      <a:noFill/>
-                    </a:lnR>
-                    <a:lnT>
-                      <a:noFill/>
-                    </a:lnT>
-                    <a:lnB>
-                      <a:noFill/>
-                    </a:lnB>
-                    <a:noFill/>
-                  </a:tcPr>
-                </a:tc>
-                <a:tc>
-                  <a:txBody>
-                    <a:bodyPr/>
-                    <a:lstStyle/>
-                    <a:p>
-                      <a:pPr>
-                        <a:buNone/>
-                      </a:pPr>
-                      <a:r>
-                        <a:rPr lang="en-CA" sz="1600" dirty="0"/>
-                        <a:t>Recall</a:t>
-                      </a:r>
-                    </a:p>
-                  </a:txBody>
-                  <a:tcPr anchor="ctr">
-                    <a:lnL>
-                      <a:noFill/>
-                    </a:lnL>
-                    <a:lnR>
-                      <a:noFill/>
-                    </a:lnR>
-                    <a:lnT>
-                      <a:noFill/>
-                    </a:lnT>
-                    <a:lnB>
-                      <a:noFill/>
-                    </a:lnB>
-                    <a:noFill/>
-                  </a:tcPr>
-                </a:tc>
-                <a:tc>
-                  <a:txBody>
-                    <a:bodyPr/>
-                    <a:lstStyle/>
-                    <a:p>
-                      <a:pPr>
-                        <a:buNone/>
-                      </a:pPr>
-                      <a:r>
-                        <a:rPr lang="en-CA" sz="1600" dirty="0"/>
-                        <a:t>F1</a:t>
-                      </a:r>
-                    </a:p>
-                  </a:txBody>
-                  <a:tcPr anchor="ctr">
-                    <a:lnL>
-                      <a:noFill/>
-                    </a:lnL>
-                    <a:lnR>
-                      <a:noFill/>
-                    </a:lnR>
-                    <a:lnT>
-                      <a:noFill/>
-                    </a:lnT>
-                    <a:lnB>
-                      <a:noFill/>
-                    </a:lnB>
-                    <a:noFill/>
-                  </a:tcPr>
-                </a:tc>
-                <a:tc>
-                  <a:txBody>
-                    <a:bodyPr/>
-                    <a:lstStyle/>
-                    <a:p>
-                      <a:pPr>
-                        <a:buNone/>
-                      </a:pPr>
-                      <a:r>
-                        <a:rPr lang="en-CA" sz="1600"/>
-                        <a:t>AUPRC</a:t>
-                      </a:r>
-                      <a:endParaRPr lang="en-CA" sz="1600" dirty="0"/>
-                    </a:p>
-                  </a:txBody>
-                  <a:tcPr anchor="ctr">
-                    <a:lnL>
-                      <a:noFill/>
-                    </a:lnL>
-                    <a:lnR>
-                      <a:noFill/>
-                    </a:lnR>
-                    <a:lnT>
-                      <a:noFill/>
-                    </a:lnT>
-                    <a:lnB>
-                      <a:noFill/>
-                    </a:lnB>
-                    <a:noFill/>
-                  </a:tcPr>
-                </a:tc>
-                <a:tc>
-                  <a:txBody>
-                    <a:bodyPr/>
-                    <a:lstStyle/>
-                    <a:p>
-                      <a:pPr>
-                        <a:buNone/>
-                      </a:pPr>
-                      <a:r>
-                        <a:rPr lang="en-CA" sz="1600" dirty="0"/>
-                        <a:t>MSE</a:t>
-                      </a:r>
-                    </a:p>
-                  </a:txBody>
-                  <a:tcPr anchor="ctr">
-                    <a:lnL>
-                      <a:noFill/>
-                    </a:lnL>
-                    <a:lnR>
-                      <a:noFill/>
-                    </a:lnR>
-                    <a:lnT>
-                      <a:noFill/>
-                    </a:lnT>
-                    <a:lnB>
-                      <a:noFill/>
-                    </a:lnB>
-                    <a:noFill/>
-                  </a:tcPr>
-                </a:tc>
-                <a:tc>
-                  <a:txBody>
-                    <a:bodyPr/>
-                    <a:lstStyle/>
-                    <a:p>
-                      <a:pPr>
-                        <a:buNone/>
-                      </a:pPr>
-                      <a:r>
-                        <a:rPr lang="en-CA" sz="1600" dirty="0"/>
-                        <a:t>RMSE</a:t>
-                      </a:r>
-                    </a:p>
-                  </a:txBody>
-                  <a:tcPr anchor="ctr">
-                    <a:lnL>
-                      <a:noFill/>
-                    </a:lnL>
-                    <a:lnR>
-                      <a:noFill/>
-                    </a:lnR>
-                    <a:lnT>
-                      <a:noFill/>
-                    </a:lnT>
-                    <a:lnB>
-                      <a:noFill/>
-                    </a:lnB>
-                    <a:noFill/>
-                  </a:tcPr>
-                </a:tc>
-                <a:tc>
-                  <a:txBody>
-                    <a:bodyPr/>
-                    <a:lstStyle/>
-                    <a:p>
-                      <a:pPr>
-                        <a:buNone/>
-                      </a:pPr>
-                      <a:r>
-                        <a:rPr lang="en-CA" sz="1600" dirty="0"/>
-                        <a:t>MAE</a:t>
-                      </a:r>
-                    </a:p>
-                  </a:txBody>
-                  <a:tcPr anchor="ctr">
-                    <a:lnL>
-                      <a:noFill/>
-                    </a:lnL>
-                    <a:lnR>
-                      <a:noFill/>
-                    </a:lnR>
-                    <a:lnT>
-                      <a:noFill/>
-                    </a:lnT>
-                    <a:lnB>
-                      <a:noFill/>
-                    </a:lnB>
-                    <a:noFill/>
-                  </a:tcPr>
-                </a:tc>
-                <a:tc>
-                  <a:txBody>
-                    <a:bodyPr/>
-                    <a:lstStyle/>
-                    <a:p>
-                      <a:pPr>
-                        <a:buNone/>
-                      </a:pPr>
-                      <a:r>
-                        <a:rPr lang="en-CA" sz="1600" dirty="0"/>
-                        <a:t>R²</a:t>
-                      </a:r>
-                    </a:p>
-                  </a:txBody>
-                  <a:tcPr anchor="ctr">
-                    <a:lnL>
-                      <a:noFill/>
-                    </a:lnL>
-                    <a:lnR>
-                      <a:noFill/>
-                    </a:lnR>
-                    <a:lnT>
-                      <a:noFill/>
-                    </a:lnT>
-                    <a:lnB>
-                      <a:noFill/>
-                    </a:lnB>
-                    <a:noFill/>
-                  </a:tcPr>
-                </a:tc>
-                <a:tc>
-                  <a:txBody>
-                    <a:bodyPr/>
-                    <a:lstStyle/>
-                    <a:p>
-                      <a:pPr>
-                        <a:buNone/>
-                      </a:pPr>
-                      <a:r>
-                        <a:rPr lang="en-CA" sz="1600" dirty="0"/>
-                        <a:t>Pearson</a:t>
-                      </a:r>
-                    </a:p>
-                  </a:txBody>
-                  <a:tcPr anchor="ctr">
-                    <a:lnL>
-                      <a:noFill/>
-                    </a:lnL>
-                    <a:lnR>
-                      <a:noFill/>
-                    </a:lnR>
-                    <a:lnT>
-                      <a:noFill/>
-                    </a:lnT>
-                    <a:lnB>
-                      <a:noFill/>
-                    </a:lnB>
-                    <a:noFill/>
-                  </a:tcPr>
-                </a:tc>
-                <a:extLst>
-                  <a:ext uri="{0D108BD9-81ED-4DB2-BD59-A6C34878D82A}">
-                    <a16:rowId xmlns:a16="http://schemas.microsoft.com/office/drawing/2014/main" val="956187653"/>
-                  </a:ext>
-                </a:extLst>
-              </a:tr>
-              <a:tr h="0">
-                <a:tc>
-                  <a:txBody>
-                    <a:bodyPr/>
-                    <a:lstStyle/>
-                    <a:p>
-                      <a:pPr>
-                        <a:buNone/>
-                      </a:pPr>
-                      <a:r>
-                        <a:rPr lang="en-CA"/>
-                        <a:t>PPO</a:t>
-                      </a:r>
-                    </a:p>
-                  </a:txBody>
-                  <a:tcPr anchor="ctr">
-                    <a:lnL>
-                      <a:noFill/>
-                    </a:lnL>
-                    <a:lnR>
-                      <a:noFill/>
-                    </a:lnR>
-                    <a:lnT>
-                      <a:noFill/>
-                    </a:lnT>
-                    <a:lnB>
-                      <a:noFill/>
-                    </a:lnB>
-                    <a:noFill/>
-                  </a:tcPr>
-                </a:tc>
-                <a:tc>
-                  <a:txBody>
-                    <a:bodyPr/>
-                    <a:lstStyle/>
-                    <a:p>
-                      <a:pPr>
-                        <a:buNone/>
-                      </a:pPr>
-                      <a:r>
-                        <a:rPr lang="en-CA"/>
-                        <a:t>Test</a:t>
-                      </a:r>
-                    </a:p>
-                  </a:txBody>
-                  <a:tcPr anchor="ctr">
-                    <a:lnL>
-                      <a:noFill/>
-                    </a:lnL>
-                    <a:lnR>
-                      <a:noFill/>
-                    </a:lnR>
-                    <a:lnT>
-                      <a:noFill/>
-                    </a:lnT>
-                    <a:lnB>
-                      <a:noFill/>
-                    </a:lnB>
-                    <a:noFill/>
-                  </a:tcPr>
-                </a:tc>
-                <a:tc>
-                  <a:txBody>
-                    <a:bodyPr/>
-                    <a:lstStyle/>
-                    <a:p>
-                      <a:pPr>
-                        <a:buNone/>
-                      </a:pPr>
-                      <a:r>
-                        <a:rPr lang="en-CA" b="0" dirty="0"/>
-                        <a:t>0.8734</a:t>
-                      </a:r>
-                    </a:p>
-                  </a:txBody>
-                  <a:tcPr anchor="ctr">
-                    <a:lnL>
-                      <a:noFill/>
-                    </a:lnL>
-                    <a:lnR>
-                      <a:noFill/>
-                    </a:lnR>
-                    <a:lnT>
-                      <a:noFill/>
-                    </a:lnT>
-                    <a:lnB>
-                      <a:noFill/>
-                    </a:lnB>
-                    <a:noFill/>
-                  </a:tcPr>
-                </a:tc>
-                <a:tc>
-                  <a:txBody>
-                    <a:bodyPr/>
-                    <a:lstStyle/>
-                    <a:p>
-                      <a:pPr>
-                        <a:buNone/>
-                      </a:pPr>
-                      <a:r>
-                        <a:rPr lang="en-CA"/>
-                        <a:t>0.8363</a:t>
-                      </a:r>
-                    </a:p>
-                  </a:txBody>
-                  <a:tcPr anchor="ctr">
-                    <a:lnL>
-                      <a:noFill/>
-                    </a:lnL>
-                    <a:lnR>
-                      <a:noFill/>
-                    </a:lnR>
-                    <a:lnT>
-                      <a:noFill/>
-                    </a:lnT>
-                    <a:lnB>
-                      <a:noFill/>
-                    </a:lnB>
-                    <a:noFill/>
-                  </a:tcPr>
-                </a:tc>
-                <a:tc>
-                  <a:txBody>
-                    <a:bodyPr/>
-                    <a:lstStyle/>
-                    <a:p>
-                      <a:pPr>
-                        <a:buNone/>
-                      </a:pPr>
-                      <a:r>
-                        <a:rPr lang="en-CA" b="0" dirty="0"/>
-                        <a:t>0.8503</a:t>
-                      </a:r>
-                    </a:p>
-                  </a:txBody>
-                  <a:tcPr anchor="ctr">
-                    <a:lnL>
-                      <a:noFill/>
-                    </a:lnL>
-                    <a:lnR>
-                      <a:noFill/>
-                    </a:lnR>
-                    <a:lnT>
-                      <a:noFill/>
-                    </a:lnT>
-                    <a:lnB>
-                      <a:noFill/>
-                    </a:lnB>
-                    <a:noFill/>
-                  </a:tcPr>
-                </a:tc>
-                <a:tc>
-                  <a:txBody>
-                    <a:bodyPr/>
-                    <a:lstStyle/>
-                    <a:p>
-                      <a:pPr>
-                        <a:buNone/>
-                      </a:pPr>
-                      <a:r>
-                        <a:rPr lang="en-CA" b="0" dirty="0"/>
-                        <a:t>0.8262</a:t>
-                      </a:r>
-                    </a:p>
-                  </a:txBody>
-                  <a:tcPr anchor="ctr">
-                    <a:lnL>
-                      <a:noFill/>
-                    </a:lnL>
-                    <a:lnR>
-                      <a:noFill/>
-                    </a:lnR>
-                    <a:lnT>
-                      <a:noFill/>
-                    </a:lnT>
-                    <a:lnB>
-                      <a:noFill/>
-                    </a:lnB>
-                    <a:noFill/>
-                  </a:tcPr>
-                </a:tc>
-                <a:tc>
-                  <a:txBody>
-                    <a:bodyPr/>
-                    <a:lstStyle/>
-                    <a:p>
-                      <a:pPr>
-                        <a:buNone/>
-                      </a:pPr>
-                      <a:r>
-                        <a:rPr lang="en-CA" b="0" dirty="0"/>
-                        <a:t>0.7924</a:t>
-                      </a:r>
-                    </a:p>
-                  </a:txBody>
-                  <a:tcPr anchor="ctr">
-                    <a:lnL>
-                      <a:noFill/>
-                    </a:lnL>
-                    <a:lnR>
-                      <a:noFill/>
-                    </a:lnR>
-                    <a:lnT>
-                      <a:noFill/>
-                    </a:lnT>
-                    <a:lnB>
-                      <a:noFill/>
-                    </a:lnB>
-                    <a:noFill/>
-                  </a:tcPr>
-                </a:tc>
-                <a:tc>
-                  <a:txBody>
-                    <a:bodyPr/>
-                    <a:lstStyle/>
-                    <a:p>
-                      <a:pPr>
-                        <a:buNone/>
-                      </a:pPr>
-                      <a:r>
-                        <a:rPr lang="en-CA"/>
-                        <a:t>0.3498</a:t>
-                      </a:r>
-                    </a:p>
-                  </a:txBody>
-                  <a:tcPr anchor="ctr">
-                    <a:lnL>
-                      <a:noFill/>
-                    </a:lnL>
-                    <a:lnR>
-                      <a:noFill/>
-                    </a:lnR>
-                    <a:lnT>
-                      <a:noFill/>
-                    </a:lnT>
-                    <a:lnB>
-                      <a:noFill/>
-                    </a:lnB>
-                    <a:noFill/>
-                  </a:tcPr>
-                </a:tc>
-                <a:tc>
-                  <a:txBody>
-                    <a:bodyPr/>
-                    <a:lstStyle/>
-                    <a:p>
-                      <a:pPr>
-                        <a:buNone/>
-                      </a:pPr>
-                      <a:r>
-                        <a:rPr lang="en-CA"/>
-                        <a:t>0.5566</a:t>
-                      </a:r>
-                    </a:p>
-                  </a:txBody>
-                  <a:tcPr anchor="ctr">
-                    <a:lnL>
-                      <a:noFill/>
-                    </a:lnL>
-                    <a:lnR>
-                      <a:noFill/>
-                    </a:lnR>
-                    <a:lnT>
-                      <a:noFill/>
-                    </a:lnT>
-                    <a:lnB>
-                      <a:noFill/>
-                    </a:lnB>
-                    <a:noFill/>
-                  </a:tcPr>
-                </a:tc>
-                <a:tc>
-                  <a:txBody>
-                    <a:bodyPr/>
-                    <a:lstStyle/>
-                    <a:p>
-                      <a:pPr>
-                        <a:buNone/>
-                      </a:pPr>
-                      <a:r>
-                        <a:rPr lang="en-CA"/>
-                        <a:t>0.3045</a:t>
-                      </a:r>
-                    </a:p>
-                  </a:txBody>
-                  <a:tcPr anchor="ctr">
-                    <a:lnL>
-                      <a:noFill/>
-                    </a:lnL>
-                    <a:lnR>
-                      <a:noFill/>
-                    </a:lnR>
-                    <a:lnT>
-                      <a:noFill/>
-                    </a:lnT>
-                    <a:lnB>
-                      <a:noFill/>
-                    </a:lnB>
-                    <a:noFill/>
-                  </a:tcPr>
-                </a:tc>
-                <a:tc>
-                  <a:txBody>
-                    <a:bodyPr/>
-                    <a:lstStyle/>
-                    <a:p>
-                      <a:pPr>
-                        <a:buNone/>
-                      </a:pPr>
-                      <a:r>
-                        <a:rPr lang="en-CA"/>
-                        <a:t>0.6936</a:t>
-                      </a:r>
-                    </a:p>
-                  </a:txBody>
-                  <a:tcPr anchor="ctr">
-                    <a:lnL>
-                      <a:noFill/>
-                    </a:lnL>
-                    <a:lnR>
-                      <a:noFill/>
-                    </a:lnR>
-                    <a:lnT>
-                      <a:noFill/>
-                    </a:lnT>
-                    <a:lnB>
-                      <a:noFill/>
-                    </a:lnB>
-                    <a:noFill/>
-                  </a:tcPr>
-                </a:tc>
-                <a:tc>
-                  <a:txBody>
-                    <a:bodyPr/>
-                    <a:lstStyle/>
-                    <a:p>
-                      <a:pPr>
-                        <a:buNone/>
-                      </a:pPr>
-                      <a:r>
-                        <a:rPr lang="en-CA"/>
-                        <a:t>0.8489</a:t>
-                      </a:r>
-                    </a:p>
-                  </a:txBody>
-                  <a:tcPr anchor="ctr">
-                    <a:lnL>
-                      <a:noFill/>
-                    </a:lnL>
-                    <a:lnR>
-                      <a:noFill/>
-                    </a:lnR>
-                    <a:lnT>
-                      <a:noFill/>
-                    </a:lnT>
-                    <a:lnB>
-                      <a:noFill/>
-                    </a:lnB>
-                    <a:noFill/>
-                  </a:tcPr>
-                </a:tc>
-                <a:extLst>
-                  <a:ext uri="{0D108BD9-81ED-4DB2-BD59-A6C34878D82A}">
-                    <a16:rowId xmlns:a16="http://schemas.microsoft.com/office/drawing/2014/main" val="3596735599"/>
-                  </a:ext>
-                </a:extLst>
-              </a:tr>
-              <a:tr h="0">
-                <a:tc>
-                  <a:txBody>
-                    <a:bodyPr/>
-                    <a:lstStyle/>
-                    <a:p>
-                      <a:pPr>
-                        <a:buNone/>
-                      </a:pPr>
-                      <a:r>
-                        <a:rPr lang="en-CA"/>
-                        <a:t>PPO</a:t>
-                      </a:r>
-                    </a:p>
-                  </a:txBody>
-                  <a:tcPr anchor="ctr">
-                    <a:lnL>
-                      <a:noFill/>
-                    </a:lnL>
-                    <a:lnR>
-                      <a:noFill/>
-                    </a:lnR>
-                    <a:lnT>
-                      <a:noFill/>
-                    </a:lnT>
-                    <a:lnB>
-                      <a:noFill/>
-                    </a:lnB>
-                    <a:noFill/>
-                  </a:tcPr>
-                </a:tc>
-                <a:tc>
-                  <a:txBody>
-                    <a:bodyPr/>
-                    <a:lstStyle/>
-                    <a:p>
-                      <a:pPr>
-                        <a:buNone/>
-                      </a:pPr>
-                      <a:r>
-                        <a:rPr lang="en-CA"/>
-                        <a:t>Train</a:t>
-                      </a:r>
-                    </a:p>
-                  </a:txBody>
-                  <a:tcPr anchor="ctr">
-                    <a:lnL>
-                      <a:noFill/>
-                    </a:lnL>
-                    <a:lnR>
-                      <a:noFill/>
-                    </a:lnR>
-                    <a:lnT>
-                      <a:noFill/>
-                    </a:lnT>
-                    <a:lnB>
-                      <a:noFill/>
-                    </a:lnB>
-                    <a:noFill/>
-                  </a:tcPr>
-                </a:tc>
-                <a:tc>
-                  <a:txBody>
-                    <a:bodyPr/>
-                    <a:lstStyle/>
-                    <a:p>
-                      <a:pPr>
-                        <a:buNone/>
-                      </a:pPr>
-                      <a:r>
-                        <a:rPr lang="en-CA" b="0" dirty="0"/>
-                        <a:t>0.8684</a:t>
-                      </a:r>
-                    </a:p>
-                  </a:txBody>
-                  <a:tcPr anchor="ctr">
-                    <a:lnL>
-                      <a:noFill/>
-                    </a:lnL>
-                    <a:lnR>
-                      <a:noFill/>
-                    </a:lnR>
-                    <a:lnT>
-                      <a:noFill/>
-                    </a:lnT>
-                    <a:lnB>
-                      <a:noFill/>
-                    </a:lnB>
-                    <a:noFill/>
-                  </a:tcPr>
-                </a:tc>
-                <a:tc>
-                  <a:txBody>
-                    <a:bodyPr/>
-                    <a:lstStyle/>
-                    <a:p>
-                      <a:pPr>
-                        <a:buNone/>
-                      </a:pPr>
-                      <a:r>
-                        <a:rPr lang="en-CA" dirty="0"/>
-                        <a:t>0.8324</a:t>
-                      </a:r>
-                    </a:p>
-                  </a:txBody>
-                  <a:tcPr anchor="ctr">
-                    <a:lnL>
-                      <a:noFill/>
-                    </a:lnL>
-                    <a:lnR>
-                      <a:noFill/>
-                    </a:lnR>
-                    <a:lnT>
-                      <a:noFill/>
-                    </a:lnT>
-                    <a:lnB>
-                      <a:noFill/>
-                    </a:lnB>
-                    <a:noFill/>
-                  </a:tcPr>
-                </a:tc>
-                <a:tc>
-                  <a:txBody>
-                    <a:bodyPr/>
-                    <a:lstStyle/>
-                    <a:p>
-                      <a:pPr>
-                        <a:buNone/>
-                      </a:pPr>
-                      <a:r>
-                        <a:rPr lang="en-CA" b="0" dirty="0"/>
-                        <a:t>0.8364</a:t>
-                      </a:r>
-                    </a:p>
-                  </a:txBody>
-                  <a:tcPr anchor="ctr">
-                    <a:lnL>
-                      <a:noFill/>
-                    </a:lnL>
-                    <a:lnR>
-                      <a:noFill/>
-                    </a:lnR>
-                    <a:lnT>
-                      <a:noFill/>
-                    </a:lnT>
-                    <a:lnB>
-                      <a:noFill/>
-                    </a:lnB>
-                    <a:noFill/>
-                  </a:tcPr>
-                </a:tc>
-                <a:tc>
-                  <a:txBody>
-                    <a:bodyPr/>
-                    <a:lstStyle/>
-                    <a:p>
-                      <a:pPr>
-                        <a:buNone/>
-                      </a:pPr>
-                      <a:r>
-                        <a:rPr lang="en-CA" b="0" dirty="0"/>
-                        <a:t>0.8168</a:t>
-                      </a:r>
-                    </a:p>
-                  </a:txBody>
-                  <a:tcPr anchor="ctr">
-                    <a:lnL>
-                      <a:noFill/>
-                    </a:lnL>
-                    <a:lnR>
-                      <a:noFill/>
-                    </a:lnR>
-                    <a:lnT>
-                      <a:noFill/>
-                    </a:lnT>
-                    <a:lnB>
-                      <a:noFill/>
-                    </a:lnB>
-                    <a:noFill/>
-                  </a:tcPr>
-                </a:tc>
-                <a:tc>
-                  <a:txBody>
-                    <a:bodyPr/>
-                    <a:lstStyle/>
-                    <a:p>
-                      <a:pPr>
-                        <a:buNone/>
-                      </a:pPr>
-                      <a:r>
-                        <a:rPr lang="en-CA" b="0" dirty="0"/>
-                        <a:t>0.7830</a:t>
-                      </a:r>
-                    </a:p>
-                  </a:txBody>
-                  <a:tcPr anchor="ctr">
-                    <a:lnL>
-                      <a:noFill/>
-                    </a:lnL>
-                    <a:lnR>
-                      <a:noFill/>
-                    </a:lnR>
-                    <a:lnT>
-                      <a:noFill/>
-                    </a:lnT>
-                    <a:lnB>
-                      <a:noFill/>
-                    </a:lnB>
-                    <a:noFill/>
-                  </a:tcPr>
-                </a:tc>
-                <a:tc>
-                  <a:txBody>
-                    <a:bodyPr/>
-                    <a:lstStyle/>
-                    <a:p>
-                      <a:pPr>
-                        <a:buNone/>
-                      </a:pPr>
-                      <a:r>
-                        <a:rPr lang="en-CA" b="0" dirty="0"/>
-                        <a:t>0.2620</a:t>
-                      </a:r>
-                    </a:p>
-                  </a:txBody>
-                  <a:tcPr anchor="ctr">
-                    <a:lnL>
-                      <a:noFill/>
-                    </a:lnL>
-                    <a:lnR>
-                      <a:noFill/>
-                    </a:lnR>
-                    <a:lnT>
-                      <a:noFill/>
-                    </a:lnT>
-                    <a:lnB>
-                      <a:noFill/>
-                    </a:lnB>
-                    <a:noFill/>
-                  </a:tcPr>
-                </a:tc>
-                <a:tc>
-                  <a:txBody>
-                    <a:bodyPr/>
-                    <a:lstStyle/>
-                    <a:p>
-                      <a:pPr>
-                        <a:buNone/>
-                      </a:pPr>
-                      <a:r>
-                        <a:rPr lang="en-CA" b="0" dirty="0"/>
-                        <a:t>0.4867</a:t>
-                      </a:r>
-                    </a:p>
-                  </a:txBody>
-                  <a:tcPr anchor="ctr">
-                    <a:lnL>
-                      <a:noFill/>
-                    </a:lnL>
-                    <a:lnR>
-                      <a:noFill/>
-                    </a:lnR>
-                    <a:lnT>
-                      <a:noFill/>
-                    </a:lnT>
-                    <a:lnB>
-                      <a:noFill/>
-                    </a:lnB>
-                    <a:noFill/>
-                  </a:tcPr>
-                </a:tc>
-                <a:tc>
-                  <a:txBody>
-                    <a:bodyPr/>
-                    <a:lstStyle/>
-                    <a:p>
-                      <a:pPr>
-                        <a:buNone/>
-                      </a:pPr>
-                      <a:r>
-                        <a:rPr lang="en-CA" b="0" dirty="0"/>
-                        <a:t>0.2762</a:t>
-                      </a:r>
-                    </a:p>
-                  </a:txBody>
-                  <a:tcPr anchor="ctr">
-                    <a:lnL>
-                      <a:noFill/>
-                    </a:lnL>
-                    <a:lnR>
-                      <a:noFill/>
-                    </a:lnR>
-                    <a:lnT>
-                      <a:noFill/>
-                    </a:lnT>
-                    <a:lnB>
-                      <a:noFill/>
-                    </a:lnB>
-                    <a:noFill/>
-                  </a:tcPr>
-                </a:tc>
-                <a:tc>
-                  <a:txBody>
-                    <a:bodyPr/>
-                    <a:lstStyle/>
-                    <a:p>
-                      <a:pPr>
-                        <a:buNone/>
-                      </a:pPr>
-                      <a:r>
-                        <a:rPr lang="en-CA" b="0" dirty="0"/>
-                        <a:t>0.7481</a:t>
-                      </a:r>
-                    </a:p>
-                  </a:txBody>
-                  <a:tcPr anchor="ctr">
-                    <a:lnL>
-                      <a:noFill/>
-                    </a:lnL>
-                    <a:lnR>
-                      <a:noFill/>
-                    </a:lnR>
-                    <a:lnT>
-                      <a:noFill/>
-                    </a:lnT>
-                    <a:lnB>
-                      <a:noFill/>
-                    </a:lnB>
-                    <a:noFill/>
-                  </a:tcPr>
-                </a:tc>
-                <a:tc>
-                  <a:txBody>
-                    <a:bodyPr/>
-                    <a:lstStyle/>
-                    <a:p>
-                      <a:pPr>
-                        <a:buNone/>
-                      </a:pPr>
-                      <a:r>
-                        <a:rPr lang="en-CA" b="0" dirty="0"/>
-                        <a:t>0.8796</a:t>
-                      </a:r>
-                    </a:p>
-                  </a:txBody>
-                  <a:tcPr anchor="ctr">
-                    <a:lnL>
-                      <a:noFill/>
-                    </a:lnL>
-                    <a:lnR>
-                      <a:noFill/>
-                    </a:lnR>
-                    <a:lnT>
-                      <a:noFill/>
-                    </a:lnT>
-                    <a:lnB>
-                      <a:noFill/>
-                    </a:lnB>
-                    <a:noFill/>
-                  </a:tcPr>
-                </a:tc>
-                <a:extLst>
-                  <a:ext uri="{0D108BD9-81ED-4DB2-BD59-A6C34878D82A}">
-                    <a16:rowId xmlns:a16="http://schemas.microsoft.com/office/drawing/2014/main" val="2827764094"/>
-                  </a:ext>
-                </a:extLst>
-              </a:tr>
-              <a:tr h="0">
-                <a:tc>
-                  <a:txBody>
-                    <a:bodyPr/>
-                    <a:lstStyle/>
-                    <a:p>
-                      <a:pPr>
-                        <a:buNone/>
-                      </a:pPr>
-                      <a:r>
-                        <a:rPr lang="en-CA"/>
-                        <a:t>TRPO→PPO</a:t>
-                      </a:r>
-                    </a:p>
-                  </a:txBody>
-                  <a:tcPr anchor="ctr">
-                    <a:lnL>
-                      <a:noFill/>
-                    </a:lnL>
-                    <a:lnR>
-                      <a:noFill/>
-                    </a:lnR>
-                    <a:lnT>
-                      <a:noFill/>
-                    </a:lnT>
-                    <a:lnB>
-                      <a:noFill/>
-                    </a:lnB>
-                    <a:noFill/>
-                  </a:tcPr>
-                </a:tc>
-                <a:tc>
-                  <a:txBody>
-                    <a:bodyPr/>
-                    <a:lstStyle/>
-                    <a:p>
-                      <a:pPr>
-                        <a:buNone/>
-                      </a:pPr>
-                      <a:r>
-                        <a:rPr lang="en-CA"/>
-                        <a:t>Test</a:t>
-                      </a:r>
-                    </a:p>
-                  </a:txBody>
-                  <a:tcPr anchor="ctr">
-                    <a:lnL>
-                      <a:noFill/>
-                    </a:lnL>
-                    <a:lnR>
-                      <a:noFill/>
-                    </a:lnR>
-                    <a:lnT>
-                      <a:noFill/>
-                    </a:lnT>
-                    <a:lnB>
-                      <a:noFill/>
-                    </a:lnB>
-                    <a:noFill/>
-                  </a:tcPr>
-                </a:tc>
-                <a:tc>
-                  <a:txBody>
-                    <a:bodyPr/>
-                    <a:lstStyle/>
-                    <a:p>
-                      <a:pPr>
-                        <a:buNone/>
-                      </a:pPr>
-                      <a:r>
-                        <a:rPr lang="en-CA"/>
-                        <a:t>0.8657</a:t>
-                      </a:r>
-                    </a:p>
-                  </a:txBody>
-                  <a:tcPr anchor="ctr">
-                    <a:lnL>
-                      <a:noFill/>
-                    </a:lnL>
-                    <a:lnR>
-                      <a:noFill/>
-                    </a:lnR>
-                    <a:lnT>
-                      <a:noFill/>
-                    </a:lnT>
-                    <a:lnB>
-                      <a:noFill/>
-                    </a:lnB>
-                    <a:noFill/>
-                  </a:tcPr>
-                </a:tc>
-                <a:tc>
-                  <a:txBody>
-                    <a:bodyPr/>
-                    <a:lstStyle/>
-                    <a:p>
-                      <a:pPr>
-                        <a:buNone/>
-                      </a:pPr>
-                      <a:r>
-                        <a:rPr lang="en-CA"/>
-                        <a:t>0.8297</a:t>
-                      </a:r>
-                    </a:p>
-                  </a:txBody>
-                  <a:tcPr anchor="ctr">
-                    <a:lnL>
-                      <a:noFill/>
-                    </a:lnL>
-                    <a:lnR>
-                      <a:noFill/>
-                    </a:lnR>
-                    <a:lnT>
-                      <a:noFill/>
-                    </a:lnT>
-                    <a:lnB>
-                      <a:noFill/>
-                    </a:lnB>
-                    <a:noFill/>
-                  </a:tcPr>
-                </a:tc>
-                <a:tc>
-                  <a:txBody>
-                    <a:bodyPr/>
-                    <a:lstStyle/>
-                    <a:p>
-                      <a:pPr>
-                        <a:buNone/>
-                      </a:pPr>
-                      <a:r>
-                        <a:rPr lang="en-CA"/>
-                        <a:t>0.8461</a:t>
-                      </a:r>
-                    </a:p>
-                  </a:txBody>
-                  <a:tcPr anchor="ctr">
-                    <a:lnL>
-                      <a:noFill/>
-                    </a:lnL>
-                    <a:lnR>
-                      <a:noFill/>
-                    </a:lnR>
-                    <a:lnT>
-                      <a:noFill/>
-                    </a:lnT>
-                    <a:lnB>
-                      <a:noFill/>
-                    </a:lnB>
-                    <a:noFill/>
-                  </a:tcPr>
-                </a:tc>
-                <a:tc>
-                  <a:txBody>
-                    <a:bodyPr/>
-                    <a:lstStyle/>
-                    <a:p>
-                      <a:pPr>
-                        <a:buNone/>
-                      </a:pPr>
-                      <a:r>
-                        <a:rPr lang="en-CA"/>
-                        <a:t>0.8188</a:t>
-                      </a:r>
-                    </a:p>
-                  </a:txBody>
-                  <a:tcPr anchor="ctr">
-                    <a:lnL>
-                      <a:noFill/>
-                    </a:lnL>
-                    <a:lnR>
-                      <a:noFill/>
-                    </a:lnR>
-                    <a:lnT>
-                      <a:noFill/>
-                    </a:lnT>
-                    <a:lnB>
-                      <a:noFill/>
-                    </a:lnB>
-                    <a:noFill/>
-                  </a:tcPr>
-                </a:tc>
-                <a:tc>
-                  <a:txBody>
-                    <a:bodyPr/>
-                    <a:lstStyle/>
-                    <a:p>
-                      <a:pPr>
-                        <a:buNone/>
-                      </a:pPr>
-                      <a:r>
-                        <a:rPr lang="en-CA"/>
-                        <a:t>0.7872</a:t>
-                      </a:r>
-                    </a:p>
-                  </a:txBody>
-                  <a:tcPr anchor="ctr">
-                    <a:lnL>
-                      <a:noFill/>
-                    </a:lnL>
-                    <a:lnR>
-                      <a:noFill/>
-                    </a:lnR>
-                    <a:lnT>
-                      <a:noFill/>
-                    </a:lnT>
-                    <a:lnB>
-                      <a:noFill/>
-                    </a:lnB>
-                    <a:noFill/>
-                  </a:tcPr>
-                </a:tc>
-                <a:tc>
-                  <a:txBody>
-                    <a:bodyPr/>
-                    <a:lstStyle/>
-                    <a:p>
-                      <a:pPr>
-                        <a:buNone/>
-                      </a:pPr>
-                      <a:r>
-                        <a:rPr lang="en-CA" b="0" dirty="0"/>
-                        <a:t>0.2850</a:t>
-                      </a:r>
-                    </a:p>
-                  </a:txBody>
-                  <a:tcPr anchor="ctr">
-                    <a:lnL>
-                      <a:noFill/>
-                    </a:lnL>
-                    <a:lnR>
-                      <a:noFill/>
-                    </a:lnR>
-                    <a:lnT>
-                      <a:noFill/>
-                    </a:lnT>
-                    <a:lnB>
-                      <a:noFill/>
-                    </a:lnB>
-                    <a:noFill/>
-                  </a:tcPr>
-                </a:tc>
-                <a:tc>
-                  <a:txBody>
-                    <a:bodyPr/>
-                    <a:lstStyle/>
-                    <a:p>
-                      <a:pPr>
-                        <a:buNone/>
-                      </a:pPr>
-                      <a:r>
-                        <a:rPr lang="en-CA" b="0" dirty="0"/>
-                        <a:t>0.5077</a:t>
-                      </a:r>
-                    </a:p>
-                  </a:txBody>
-                  <a:tcPr anchor="ctr">
-                    <a:lnL>
-                      <a:noFill/>
-                    </a:lnL>
-                    <a:lnR>
-                      <a:noFill/>
-                    </a:lnR>
-                    <a:lnT>
-                      <a:noFill/>
-                    </a:lnT>
-                    <a:lnB>
-                      <a:noFill/>
-                    </a:lnB>
-                    <a:noFill/>
-                  </a:tcPr>
-                </a:tc>
-                <a:tc>
-                  <a:txBody>
-                    <a:bodyPr/>
-                    <a:lstStyle/>
-                    <a:p>
-                      <a:pPr>
-                        <a:buNone/>
-                      </a:pPr>
-                      <a:r>
-                        <a:rPr lang="en-CA"/>
-                        <a:t>0.2986</a:t>
-                      </a:r>
-                    </a:p>
-                  </a:txBody>
-                  <a:tcPr anchor="ctr">
-                    <a:lnL>
-                      <a:noFill/>
-                    </a:lnL>
-                    <a:lnR>
-                      <a:noFill/>
-                    </a:lnR>
-                    <a:lnT>
-                      <a:noFill/>
-                    </a:lnT>
-                    <a:lnB>
-                      <a:noFill/>
-                    </a:lnB>
-                    <a:noFill/>
-                  </a:tcPr>
-                </a:tc>
-                <a:tc>
-                  <a:txBody>
-                    <a:bodyPr/>
-                    <a:lstStyle/>
-                    <a:p>
-                      <a:pPr>
-                        <a:buNone/>
-                      </a:pPr>
-                      <a:r>
-                        <a:rPr lang="en-CA" b="0" dirty="0"/>
-                        <a:t>0.7082</a:t>
-                      </a:r>
-                    </a:p>
-                  </a:txBody>
-                  <a:tcPr anchor="ctr">
-                    <a:lnL>
-                      <a:noFill/>
-                    </a:lnL>
-                    <a:lnR>
-                      <a:noFill/>
-                    </a:lnR>
-                    <a:lnT>
-                      <a:noFill/>
-                    </a:lnT>
-                    <a:lnB>
-                      <a:noFill/>
-                    </a:lnB>
-                    <a:noFill/>
-                  </a:tcPr>
-                </a:tc>
-                <a:tc>
-                  <a:txBody>
-                    <a:bodyPr/>
-                    <a:lstStyle/>
-                    <a:p>
-                      <a:pPr>
-                        <a:buNone/>
-                      </a:pPr>
-                      <a:r>
-                        <a:rPr lang="en-CA"/>
-                        <a:t>0.8602</a:t>
-                      </a:r>
-                    </a:p>
-                  </a:txBody>
-                  <a:tcPr anchor="ctr">
-                    <a:lnL>
-                      <a:noFill/>
-                    </a:lnL>
-                    <a:lnR>
-                      <a:noFill/>
-                    </a:lnR>
-                    <a:lnT>
-                      <a:noFill/>
-                    </a:lnT>
-                    <a:lnB>
-                      <a:noFill/>
-                    </a:lnB>
-                    <a:noFill/>
-                  </a:tcPr>
-                </a:tc>
-                <a:extLst>
-                  <a:ext uri="{0D108BD9-81ED-4DB2-BD59-A6C34878D82A}">
-                    <a16:rowId xmlns:a16="http://schemas.microsoft.com/office/drawing/2014/main" val="3296011369"/>
-                  </a:ext>
-                </a:extLst>
-              </a:tr>
-              <a:tr h="0">
-                <a:tc>
-                  <a:txBody>
-                    <a:bodyPr/>
-                    <a:lstStyle/>
-                    <a:p>
-                      <a:pPr>
-                        <a:buNone/>
-                      </a:pPr>
-                      <a:r>
-                        <a:rPr lang="en-CA"/>
-                        <a:t>TRPO→PPO</a:t>
-                      </a:r>
-                    </a:p>
-                  </a:txBody>
-                  <a:tcPr anchor="ctr">
-                    <a:lnL>
-                      <a:noFill/>
-                    </a:lnL>
-                    <a:lnR>
-                      <a:noFill/>
-                    </a:lnR>
-                    <a:lnT>
-                      <a:noFill/>
-                    </a:lnT>
-                    <a:lnB>
-                      <a:noFill/>
-                    </a:lnB>
-                    <a:noFill/>
-                  </a:tcPr>
-                </a:tc>
-                <a:tc>
-                  <a:txBody>
-                    <a:bodyPr/>
-                    <a:lstStyle/>
-                    <a:p>
-                      <a:pPr>
-                        <a:buNone/>
-                      </a:pPr>
-                      <a:r>
-                        <a:rPr lang="en-CA"/>
-                        <a:t>Train</a:t>
-                      </a:r>
-                    </a:p>
-                  </a:txBody>
-                  <a:tcPr anchor="ctr">
-                    <a:lnL>
-                      <a:noFill/>
-                    </a:lnL>
-                    <a:lnR>
-                      <a:noFill/>
-                    </a:lnR>
-                    <a:lnT>
-                      <a:noFill/>
-                    </a:lnT>
-                    <a:lnB>
-                      <a:noFill/>
-                    </a:lnB>
-                    <a:noFill/>
-                  </a:tcPr>
-                </a:tc>
-                <a:tc>
-                  <a:txBody>
-                    <a:bodyPr/>
-                    <a:lstStyle/>
-                    <a:p>
-                      <a:pPr>
-                        <a:buNone/>
-                      </a:pPr>
-                      <a:r>
-                        <a:rPr lang="en-CA"/>
-                        <a:t>0.8683</a:t>
-                      </a:r>
-                    </a:p>
-                  </a:txBody>
-                  <a:tcPr anchor="ctr">
-                    <a:lnL>
-                      <a:noFill/>
-                    </a:lnL>
-                    <a:lnR>
-                      <a:noFill/>
-                    </a:lnR>
-                    <a:lnT>
-                      <a:noFill/>
-                    </a:lnT>
-                    <a:lnB>
-                      <a:noFill/>
-                    </a:lnB>
-                    <a:noFill/>
-                  </a:tcPr>
-                </a:tc>
-                <a:tc>
-                  <a:txBody>
-                    <a:bodyPr/>
-                    <a:lstStyle/>
-                    <a:p>
-                      <a:pPr>
-                        <a:buNone/>
-                      </a:pPr>
-                      <a:r>
-                        <a:rPr lang="en-CA"/>
-                        <a:t>0.8349</a:t>
-                      </a:r>
-                    </a:p>
-                  </a:txBody>
-                  <a:tcPr anchor="ctr">
-                    <a:lnL>
-                      <a:noFill/>
-                    </a:lnL>
-                    <a:lnR>
-                      <a:noFill/>
-                    </a:lnR>
-                    <a:lnT>
-                      <a:noFill/>
-                    </a:lnT>
-                    <a:lnB>
-                      <a:noFill/>
-                    </a:lnB>
-                    <a:noFill/>
-                  </a:tcPr>
-                </a:tc>
-                <a:tc>
-                  <a:txBody>
-                    <a:bodyPr/>
-                    <a:lstStyle/>
-                    <a:p>
-                      <a:pPr>
-                        <a:buNone/>
-                      </a:pPr>
-                      <a:r>
-                        <a:rPr lang="en-CA"/>
-                        <a:t>0.8341</a:t>
-                      </a:r>
-                    </a:p>
-                  </a:txBody>
-                  <a:tcPr anchor="ctr">
-                    <a:lnL>
-                      <a:noFill/>
-                    </a:lnL>
-                    <a:lnR>
-                      <a:noFill/>
-                    </a:lnR>
-                    <a:lnT>
-                      <a:noFill/>
-                    </a:lnT>
-                    <a:lnB>
-                      <a:noFill/>
-                    </a:lnB>
-                    <a:noFill/>
-                  </a:tcPr>
-                </a:tc>
-                <a:tc>
-                  <a:txBody>
-                    <a:bodyPr/>
-                    <a:lstStyle/>
-                    <a:p>
-                      <a:pPr>
-                        <a:buNone/>
-                      </a:pPr>
-                      <a:r>
-                        <a:rPr lang="en-CA"/>
-                        <a:t>0.8174</a:t>
-                      </a:r>
-                    </a:p>
-                  </a:txBody>
-                  <a:tcPr anchor="ctr">
-                    <a:lnL>
-                      <a:noFill/>
-                    </a:lnL>
-                    <a:lnR>
-                      <a:noFill/>
-                    </a:lnR>
-                    <a:lnT>
-                      <a:noFill/>
-                    </a:lnT>
-                    <a:lnB>
-                      <a:noFill/>
-                    </a:lnB>
-                    <a:noFill/>
-                  </a:tcPr>
-                </a:tc>
-                <a:tc>
-                  <a:txBody>
-                    <a:bodyPr/>
-                    <a:lstStyle/>
-                    <a:p>
-                      <a:pPr>
-                        <a:buNone/>
-                      </a:pPr>
-                      <a:r>
-                        <a:rPr lang="en-CA"/>
-                        <a:t>0.7817</a:t>
-                      </a:r>
-                    </a:p>
-                  </a:txBody>
-                  <a:tcPr anchor="ctr">
-                    <a:lnL>
-                      <a:noFill/>
-                    </a:lnL>
-                    <a:lnR>
-                      <a:noFill/>
-                    </a:lnR>
-                    <a:lnT>
-                      <a:noFill/>
-                    </a:lnT>
-                    <a:lnB>
-                      <a:noFill/>
-                    </a:lnB>
-                    <a:noFill/>
-                  </a:tcPr>
-                </a:tc>
-                <a:tc>
-                  <a:txBody>
-                    <a:bodyPr/>
-                    <a:lstStyle/>
-                    <a:p>
-                      <a:pPr>
-                        <a:buNone/>
-                      </a:pPr>
-                      <a:r>
-                        <a:rPr lang="en-CA"/>
-                        <a:t>0.3246</a:t>
-                      </a:r>
-                    </a:p>
-                  </a:txBody>
-                  <a:tcPr anchor="ctr">
-                    <a:lnL>
-                      <a:noFill/>
-                    </a:lnL>
-                    <a:lnR>
-                      <a:noFill/>
-                    </a:lnR>
-                    <a:lnT>
-                      <a:noFill/>
-                    </a:lnT>
-                    <a:lnB>
-                      <a:noFill/>
-                    </a:lnB>
-                    <a:noFill/>
-                  </a:tcPr>
-                </a:tc>
-                <a:tc>
-                  <a:txBody>
-                    <a:bodyPr/>
-                    <a:lstStyle/>
-                    <a:p>
-                      <a:pPr>
-                        <a:buNone/>
-                      </a:pPr>
-                      <a:r>
-                        <a:rPr lang="en-CA"/>
-                        <a:t>0.5282</a:t>
-                      </a:r>
-                    </a:p>
-                  </a:txBody>
-                  <a:tcPr anchor="ctr">
-                    <a:lnL>
-                      <a:noFill/>
-                    </a:lnL>
-                    <a:lnR>
-                      <a:noFill/>
-                    </a:lnR>
-                    <a:lnT>
-                      <a:noFill/>
-                    </a:lnT>
-                    <a:lnB>
-                      <a:noFill/>
-                    </a:lnB>
-                    <a:noFill/>
-                  </a:tcPr>
-                </a:tc>
-                <a:tc>
-                  <a:txBody>
-                    <a:bodyPr/>
-                    <a:lstStyle/>
-                    <a:p>
-                      <a:pPr>
-                        <a:buNone/>
-                      </a:pPr>
-                      <a:r>
-                        <a:rPr lang="en-CA"/>
-                        <a:t>0.2711</a:t>
-                      </a:r>
-                    </a:p>
-                  </a:txBody>
-                  <a:tcPr anchor="ctr">
-                    <a:lnL>
-                      <a:noFill/>
-                    </a:lnL>
-                    <a:lnR>
-                      <a:noFill/>
-                    </a:lnR>
-                    <a:lnT>
-                      <a:noFill/>
-                    </a:lnT>
-                    <a:lnB>
-                      <a:noFill/>
-                    </a:lnB>
-                    <a:noFill/>
-                  </a:tcPr>
-                </a:tc>
-                <a:tc>
-                  <a:txBody>
-                    <a:bodyPr/>
-                    <a:lstStyle/>
-                    <a:p>
-                      <a:pPr>
-                        <a:buNone/>
-                      </a:pPr>
-                      <a:r>
-                        <a:rPr lang="en-CA"/>
-                        <a:t>0.6999</a:t>
-                      </a:r>
-                    </a:p>
-                  </a:txBody>
-                  <a:tcPr anchor="ctr">
-                    <a:lnL>
-                      <a:noFill/>
-                    </a:lnL>
-                    <a:lnR>
-                      <a:noFill/>
-                    </a:lnR>
-                    <a:lnT>
-                      <a:noFill/>
-                    </a:lnT>
-                    <a:lnB>
-                      <a:noFill/>
-                    </a:lnB>
-                    <a:noFill/>
-                  </a:tcPr>
-                </a:tc>
-                <a:tc>
-                  <a:txBody>
-                    <a:bodyPr/>
-                    <a:lstStyle/>
-                    <a:p>
-                      <a:pPr>
-                        <a:buNone/>
-                      </a:pPr>
-                      <a:r>
-                        <a:rPr lang="en-CA" dirty="0"/>
-                        <a:t>0.8493</a:t>
-                      </a:r>
-                    </a:p>
-                  </a:txBody>
-                  <a:tcPr anchor="ctr">
-                    <a:lnL>
-                      <a:noFill/>
-                    </a:lnL>
-                    <a:lnR>
-                      <a:noFill/>
-                    </a:lnR>
-                    <a:lnT>
-                      <a:noFill/>
-                    </a:lnT>
-                    <a:lnB>
-                      <a:noFill/>
-                    </a:lnB>
-                    <a:noFill/>
-                  </a:tcPr>
-                </a:tc>
-                <a:extLst>
-                  <a:ext uri="{0D108BD9-81ED-4DB2-BD59-A6C34878D82A}">
-                    <a16:rowId xmlns:a16="http://schemas.microsoft.com/office/drawing/2014/main" val="2562648543"/>
-                  </a:ext>
-                </a:extLst>
-              </a:tr>
-            </a:tbl>
-          </a:graphicData>
-        </a:graphic>
-      </p:graphicFrame>
+          <p:cNvSpPr txBox="1"/>
+          <p:nvPr/>
+        </p:nvSpPr>
+        <p:spPr>
+          <a:xfrm>
+            <a:off x="518160" y="2110013"/>
+            <a:ext cx="11155680" cy="3539430"/>
+          </a:xfrm>
+          <a:prstGeom prst="rect">
+            <a:avLst/>
+          </a:prstGeom>
+          <a:noFill/>
+        </p:spPr>
+        <p:txBody>
+          <a:bodyPr wrap="square">
+            <a:spAutoFit/>
+          </a:bodyPr>
+          <a:lstStyle/>
+          <a:p>
+            <a:pPr>
+              <a:buNone/>
+            </a:pPr>
+            <a:r>
+              <a:rPr lang="en-CA" sz="1600" dirty="0"/>
+              <a:t>The CTRL results show a clear and substantial benefit from the TRPO→PPO multistage optimization schedule. In this setting, the environment behaves more like a model-free system with higher variability and a less predictable reward landscape. PPO alone must rely heavily on exploration, which exposes it to unstable updates and curvature misalignment. TRPO’s natural-gradient trust region provides a strong stabilizing effect, anchoring the policy within a safer region of the optimization landscape before PPO fine-tunes it. This results in a dramatic reduction in MSE, MAE, and RMSE and produces near-perfect linear agreement with the target trajectories (Pearson ≈ 0.997), indicating that the CTRL system benefits significantly from curvature-aware warm-starting and disciplined exploration.</a:t>
+            </a:r>
+          </a:p>
+          <a:p>
+            <a:pPr>
+              <a:buNone/>
+            </a:pPr>
+            <a:r>
+              <a:rPr lang="en-CA" sz="1600" dirty="0"/>
+              <a:t>In contrast, the PTPN2 system shows much smaller performance differences between PPO and TRPO→PPO. This is because PTPN2 is driven by a </a:t>
+            </a:r>
+            <a:r>
+              <a:rPr lang="en-CA" sz="1600" b="1" dirty="0"/>
+              <a:t>model-based reinforcement learning</a:t>
+            </a:r>
+            <a:r>
+              <a:rPr lang="en-CA" sz="1600" dirty="0"/>
+              <a:t> formulation, where the dynamics are already constrained by real perturbation embeddings and a biologically grounded transition model. The agent does not require extensive exploration to discover useful directions, and therefore PPO alone can already fit the structured environment effectively. As a result, TRPO contributes only incremental improvements rather than the dramatic gains observed in CTRL. The PTPN2 landscape is sharper, less stochastic, and more directed, meaning the optimization problem is closer to supervised refinement than exploratory RL. Consequently, the difference between PPO and TRPO→PPO narrows, reflecting the reduced role of exploration in a model-based setting</a:t>
+            </a:r>
+          </a:p>
+        </p:txBody>
+      </p:sp>
     </p:spTree>
     <p:extLst>
       <p:ext uri="{BB962C8B-B14F-4D97-AF65-F5344CB8AC3E}">
@@ -13778,12 +12215,323 @@
           </a:p>
         </p:txBody>
       </p:sp>
+      <p:pic>
+        <p:nvPicPr>
+          <p:cNvPr id="1026" name="Picture 2">
+            <a:extLst>
+              <a:ext uri="{FF2B5EF4-FFF2-40B4-BE49-F238E27FC236}">
+                <a16:creationId xmlns:a16="http://schemas.microsoft.com/office/drawing/2014/main" id="{06A1FA2F-FE4E-ED0B-56E1-85DFF6C5D681}"/>
+              </a:ext>
+            </a:extLst>
+          </p:cNvPr>
+          <p:cNvPicPr>
+            <a:picLocks noChangeAspect="1" noChangeArrowheads="1"/>
+          </p:cNvPicPr>
+          <p:nvPr/>
+        </p:nvPicPr>
+        <p:blipFill>
+          <a:blip r:embed="rId2">
+            <a:extLst>
+              <a:ext uri="{28A0092B-C50C-407E-A947-70E740481C1C}">
+                <a14:useLocalDpi xmlns:a14="http://schemas.microsoft.com/office/drawing/2010/main" val="0"/>
+              </a:ext>
+            </a:extLst>
+          </a:blip>
+          <a:srcRect/>
+          <a:stretch>
+            <a:fillRect/>
+          </a:stretch>
+        </p:blipFill>
+        <p:spPr bwMode="auto">
+          <a:xfrm>
+            <a:off x="1367370" y="2107691"/>
+            <a:ext cx="9457260" cy="4248023"/>
+          </a:xfrm>
+          <a:prstGeom prst="rect">
+            <a:avLst/>
+          </a:prstGeom>
+          <a:noFill/>
+          <a:extLst>
+            <a:ext uri="{909E8E84-426E-40DD-AFC4-6F175D3DCCD1}">
+              <a14:hiddenFill xmlns:a14="http://schemas.microsoft.com/office/drawing/2010/main">
+                <a:solidFill>
+                  <a:srgbClr val="FFFFFF"/>
+                </a:solidFill>
+              </a14:hiddenFill>
+            </a:ext>
+          </a:extLst>
+        </p:spPr>
+      </p:pic>
+    </p:spTree>
+    <p:extLst>
+      <p:ext uri="{BB962C8B-B14F-4D97-AF65-F5344CB8AC3E}">
+        <p14:creationId xmlns:p14="http://schemas.microsoft.com/office/powerpoint/2010/main" val="4242802019"/>
+      </p:ext>
+    </p:extLst>
+  </p:cSld>
+  <p:clrMapOvr>
+    <a:masterClrMapping/>
+  </p:clrMapOvr>
+</p:sld>
+</file>
+
+<file path=ppt/slides/slide13.xml><?xml version="1.0" encoding="utf-8"?>
+<p:sld xmlns:a="http://schemas.openxmlformats.org/drawingml/2006/main" xmlns:r="http://schemas.openxmlformats.org/officeDocument/2006/relationships" xmlns:p="http://schemas.openxmlformats.org/presentationml/2006/main">
+  <p:cSld>
+    <p:spTree>
+      <p:nvGrpSpPr>
+        <p:cNvPr id="1" name=""/>
+        <p:cNvGrpSpPr/>
+        <p:nvPr/>
+      </p:nvGrpSpPr>
+      <p:grpSpPr>
+        <a:xfrm>
+          <a:off x="0" y="0"/>
+          <a:ext cx="0" cy="0"/>
+          <a:chOff x="0" y="0"/>
+          <a:chExt cx="0" cy="0"/>
+        </a:xfrm>
+      </p:grpSpPr>
+      <p:sp>
+        <p:nvSpPr>
+          <p:cNvPr id="2" name="Title 1">
+            <a:extLst>
+              <a:ext uri="{FF2B5EF4-FFF2-40B4-BE49-F238E27FC236}">
+                <a16:creationId xmlns:a16="http://schemas.microsoft.com/office/drawing/2014/main" id="{D6232995-46E5-EBD4-72B2-2A171C6A2283}"/>
+              </a:ext>
+            </a:extLst>
+          </p:cNvPr>
+          <p:cNvSpPr>
+            <a:spLocks noGrp="1"/>
+          </p:cNvSpPr>
+          <p:nvPr>
+            <p:ph type="title"/>
+          </p:nvPr>
+        </p:nvSpPr>
+        <p:spPr>
+          <a:xfrm>
+            <a:off x="920496" y="203880"/>
+            <a:ext cx="10515600" cy="1325563"/>
+          </a:xfrm>
+        </p:spPr>
+        <p:txBody>
+          <a:bodyPr/>
+          <a:lstStyle/>
+          <a:p>
+            <a:r>
+              <a:rPr lang="en-US" dirty="0"/>
+              <a:t>Insights</a:t>
+            </a:r>
+            <a:endParaRPr lang="en-CA" dirty="0"/>
+          </a:p>
+        </p:txBody>
+      </p:sp>
+      <p:sp>
+        <p:nvSpPr>
+          <p:cNvPr id="5" name="TextBox 4">
+            <a:extLst>
+              <a:ext uri="{FF2B5EF4-FFF2-40B4-BE49-F238E27FC236}">
+                <a16:creationId xmlns:a16="http://schemas.microsoft.com/office/drawing/2014/main" id="{C0C8FCEA-8C61-D44B-2925-0DA88AB013A2}"/>
+              </a:ext>
+            </a:extLst>
+          </p:cNvPr>
+          <p:cNvSpPr txBox="1"/>
+          <p:nvPr/>
+        </p:nvSpPr>
+        <p:spPr>
+          <a:xfrm>
+            <a:off x="1271016" y="1960799"/>
+            <a:ext cx="9345168" cy="3539430"/>
+          </a:xfrm>
+          <a:prstGeom prst="rect">
+            <a:avLst/>
+          </a:prstGeom>
+          <a:noFill/>
+        </p:spPr>
+        <p:txBody>
+          <a:bodyPr wrap="square">
+            <a:spAutoFit/>
+          </a:bodyPr>
+          <a:lstStyle/>
+          <a:p>
+            <a:pPr>
+              <a:buNone/>
+            </a:pPr>
+            <a:r>
+              <a:rPr lang="en-CA" sz="1600" dirty="0"/>
+              <a:t>The DTW trajectory heatmap shows that PTPN2 perturbation produces structured, axis-specific shifts, with several latent dimensions (particularly around 30–45 and 70–90) exhibiting consistently high DTW distances. This indicates that the PTPN2 knockout drives the system along a coherent, biologically meaningful perturbation subspace, aligning with known pathway-level disruptions of JAK-STAT and immune activation modules. In contrast, CTRL trajectories show diffuse, low-contrast variation, reflecting intrinsic stochasticity and the absence of a dominant perturbation gradient. These patterns confirm that the latent space correctly distinguishes targeted perturbation structure from natural variability.</a:t>
+            </a:r>
+          </a:p>
+          <a:p>
+            <a:pPr>
+              <a:buNone/>
+            </a:pPr>
+            <a:r>
+              <a:rPr lang="en-CA" sz="1600" dirty="0"/>
+              <a:t>Together, these observations support the interpretation that PTPN2 behaves like a lower-entropy, model-based landscape, where the perturbation imposes strong directional constraints on the trajectory. Such structure explains why TRPO→PPO warm-start training excels: TRPO captures the global curvature imposed by these coherent axes, and PPO efficiently refines the trajectory within them. Conversely, CTRL operates in a higher-entropy, exploratory landscape, meaning PPO alone more easily falls into local minima. Thus, the DTW heatmap visually validates both the biological specificity of the PTPN2 perturbation and the optimization-level differences that motivate the multistage RL design.</a:t>
+            </a:r>
+          </a:p>
+        </p:txBody>
+      </p:sp>
+    </p:spTree>
+    <p:extLst>
+      <p:ext uri="{BB962C8B-B14F-4D97-AF65-F5344CB8AC3E}">
+        <p14:creationId xmlns:p14="http://schemas.microsoft.com/office/powerpoint/2010/main" val="1382804287"/>
+      </p:ext>
+    </p:extLst>
+  </p:cSld>
+  <p:clrMapOvr>
+    <a:masterClrMapping/>
+  </p:clrMapOvr>
+</p:sld>
+</file>
+
+<file path=ppt/slides/slide14.xml><?xml version="1.0" encoding="utf-8"?>
+<p:sld xmlns:a="http://schemas.openxmlformats.org/drawingml/2006/main" xmlns:r="http://schemas.openxmlformats.org/officeDocument/2006/relationships" xmlns:p="http://schemas.openxmlformats.org/presentationml/2006/main">
+  <p:cSld>
+    <p:spTree>
+      <p:nvGrpSpPr>
+        <p:cNvPr id="1" name=""/>
+        <p:cNvGrpSpPr/>
+        <p:nvPr/>
+      </p:nvGrpSpPr>
+      <p:grpSpPr>
+        <a:xfrm>
+          <a:off x="0" y="0"/>
+          <a:ext cx="0" cy="0"/>
+          <a:chOff x="0" y="0"/>
+          <a:chExt cx="0" cy="0"/>
+        </a:xfrm>
+      </p:grpSpPr>
+      <p:sp>
+        <p:nvSpPr>
+          <p:cNvPr id="2" name="Title 1">
+            <a:extLst>
+              <a:ext uri="{FF2B5EF4-FFF2-40B4-BE49-F238E27FC236}">
+                <a16:creationId xmlns:a16="http://schemas.microsoft.com/office/drawing/2014/main" id="{AD99FBB0-498C-B80D-9C69-D7EDCC2FDB47}"/>
+              </a:ext>
+            </a:extLst>
+          </p:cNvPr>
+          <p:cNvSpPr>
+            <a:spLocks noGrp="1"/>
+          </p:cNvSpPr>
+          <p:nvPr>
+            <p:ph type="title"/>
+          </p:nvPr>
+        </p:nvSpPr>
+        <p:spPr>
+          <a:xfrm>
+            <a:off x="765048" y="193143"/>
+            <a:ext cx="10515600" cy="1325563"/>
+          </a:xfrm>
+        </p:spPr>
+        <p:txBody>
+          <a:bodyPr>
+            <a:normAutofit/>
+          </a:bodyPr>
+          <a:lstStyle/>
+          <a:p>
+            <a:r>
+              <a:rPr lang="en-US" sz="2400" dirty="0"/>
+              <a:t>Results(Trajectories Comparision hardware and Software)</a:t>
+            </a:r>
+            <a:endParaRPr lang="en-CA" sz="2400" dirty="0"/>
+          </a:p>
+        </p:txBody>
+      </p:sp>
+      <p:sp>
+        <p:nvSpPr>
+          <p:cNvPr id="5" name="TextBox 4">
+            <a:extLst>
+              <a:ext uri="{FF2B5EF4-FFF2-40B4-BE49-F238E27FC236}">
+                <a16:creationId xmlns:a16="http://schemas.microsoft.com/office/drawing/2014/main" id="{9D7320E7-E3BD-731F-EA3A-474A1FA65BA5}"/>
+              </a:ext>
+            </a:extLst>
+          </p:cNvPr>
+          <p:cNvSpPr txBox="1"/>
+          <p:nvPr/>
+        </p:nvSpPr>
+        <p:spPr>
+          <a:xfrm>
+            <a:off x="643128" y="3693566"/>
+            <a:ext cx="11548872" cy="3046988"/>
+          </a:xfrm>
+          <a:prstGeom prst="rect">
+            <a:avLst/>
+          </a:prstGeom>
+          <a:noFill/>
+        </p:spPr>
+        <p:txBody>
+          <a:bodyPr wrap="square">
+            <a:spAutoFit/>
+          </a:bodyPr>
+          <a:lstStyle/>
+          <a:p>
+            <a:pPr>
+              <a:buNone/>
+            </a:pPr>
+            <a:r>
+              <a:rPr lang="en-CA" sz="1600" dirty="0"/>
+              <a:t>This plot visualizes </a:t>
+            </a:r>
+            <a:r>
+              <a:rPr lang="en-CA" sz="1600" b="1" dirty="0"/>
+              <a:t>bidirectional Wasserstein distances</a:t>
+            </a:r>
+            <a:r>
+              <a:rPr lang="en-CA" sz="1600" dirty="0"/>
+              <a:t> between the CTRL and PTPN2 trajectory distributions across latent space, essentially measuring how far one system’s trajectory distribution must be “transported” to match the other. The symmetry in the graph where the CTRL→PTPN2 and PTPN2→CTRL distances mirror each other confirms that the latent dynamics between the two systems differ in </a:t>
+            </a:r>
+            <a:r>
+              <a:rPr lang="en-CA" sz="1600" b="1" dirty="0"/>
+              <a:t>magnitude and curvature</a:t>
+            </a:r>
+            <a:r>
+              <a:rPr lang="en-CA" sz="1600" dirty="0"/>
+              <a:t>, but not in an asymmetric or one-sided way. In other words, each system occupies its own distinct region of the latent landscape, and transitioning from one to the other requires </a:t>
+            </a:r>
+            <a:r>
+              <a:rPr lang="en-CA" sz="1600" b="1" dirty="0"/>
+              <a:t>non-trivial mass transport</a:t>
+            </a:r>
+            <a:r>
+              <a:rPr lang="en-CA" sz="1600" dirty="0"/>
+              <a:t>, reflecting meaningful biological and dynamical differences.</a:t>
+            </a:r>
+          </a:p>
+          <a:p>
+            <a:pPr>
+              <a:buNone/>
+            </a:pPr>
+            <a:r>
+              <a:rPr lang="en-CA" sz="1600" dirty="0"/>
+              <a:t>The overall magnitude of the Wasserstein distances shows that </a:t>
+            </a:r>
+            <a:r>
+              <a:rPr lang="en-CA" sz="1600" b="1" dirty="0"/>
+              <a:t>PTPN2 trajectories are more compact and structured</a:t>
+            </a:r>
+            <a:r>
+              <a:rPr lang="en-CA" sz="1600" dirty="0"/>
+              <a:t>, while CTRL trajectories are more dispersed. This aligns with your model-based interpretation: </a:t>
+            </a:r>
+            <a:r>
+              <a:rPr lang="en-CA" sz="1600" b="1" dirty="0"/>
+              <a:t>PTPN2 imposes strong directional constraints</a:t>
+            </a:r>
+            <a:r>
+              <a:rPr lang="en-CA" sz="1600" dirty="0"/>
+              <a:t>—lower entropy, reduced exploration—whereas CTRL reflects a more open, high-entropy landscape. The bidirectional plot reinforces that these differences are robust and not artifacts of the RL path direction. In practical terms, this suggests that PTPN2 perturbation drives cells into a distinct using the model based approach, tightly organized manifold, while CTRL cells explore a broader, less restricted region of state space using model free approach.</a:t>
+            </a:r>
+          </a:p>
+        </p:txBody>
+      </p:sp>
       <p:graphicFrame>
         <p:nvGraphicFramePr>
-          <p:cNvPr id="5" name="Table 4">
+          <p:cNvPr id="14" name="Table 13">
             <a:extLst>
               <a:ext uri="{FF2B5EF4-FFF2-40B4-BE49-F238E27FC236}">
-                <a16:creationId xmlns:a16="http://schemas.microsoft.com/office/drawing/2014/main" id="{D4327FC0-2DF3-D468-DE90-37ABE74EB147}"/>
+                <a16:creationId xmlns:a16="http://schemas.microsoft.com/office/drawing/2014/main" id="{5451294D-75F5-16D6-182A-E8C7E6424637}"/>
               </a:ext>
             </a:extLst>
           </p:cNvPr>
@@ -13793,13 +12541,13 @@
           <p:nvPr>
             <p:extLst>
               <p:ext uri="{D42A27DB-BD31-4B8C-83A1-F6EECF244321}">
-                <p14:modId xmlns:p14="http://schemas.microsoft.com/office/powerpoint/2010/main" val="1032175760"/>
+                <p14:modId xmlns:p14="http://schemas.microsoft.com/office/powerpoint/2010/main" val="454497530"/>
               </p:ext>
             </p:extLst>
           </p:nvPr>
         </p:nvGraphicFramePr>
         <p:xfrm>
-          <a:off x="1038225" y="2705894"/>
+          <a:off x="838200" y="1518706"/>
           <a:ext cx="10515600" cy="1828800"/>
         </p:xfrm>
         <a:graphic>
@@ -13810,28 +12558,28 @@
                 <a:gridCol w="2628900">
                   <a:extLst>
                     <a:ext uri="{9D8B030D-6E8A-4147-A177-3AD203B41FA5}">
-                      <a16:colId xmlns:a16="http://schemas.microsoft.com/office/drawing/2014/main" val="2257296588"/>
+                      <a16:colId xmlns:a16="http://schemas.microsoft.com/office/drawing/2014/main" val="1356210393"/>
                     </a:ext>
                   </a:extLst>
                 </a:gridCol>
                 <a:gridCol w="2628900">
                   <a:extLst>
                     <a:ext uri="{9D8B030D-6E8A-4147-A177-3AD203B41FA5}">
-                      <a16:colId xmlns:a16="http://schemas.microsoft.com/office/drawing/2014/main" val="2917434813"/>
+                      <a16:colId xmlns:a16="http://schemas.microsoft.com/office/drawing/2014/main" val="260120249"/>
                     </a:ext>
                   </a:extLst>
                 </a:gridCol>
                 <a:gridCol w="2628900">
                   <a:extLst>
                     <a:ext uri="{9D8B030D-6E8A-4147-A177-3AD203B41FA5}">
-                      <a16:colId xmlns:a16="http://schemas.microsoft.com/office/drawing/2014/main" val="3643297224"/>
+                      <a16:colId xmlns:a16="http://schemas.microsoft.com/office/drawing/2014/main" val="263537650"/>
                     </a:ext>
                   </a:extLst>
                 </a:gridCol>
                 <a:gridCol w="2628900">
                   <a:extLst>
                     <a:ext uri="{9D8B030D-6E8A-4147-A177-3AD203B41FA5}">
-                      <a16:colId xmlns:a16="http://schemas.microsoft.com/office/drawing/2014/main" val="3029237061"/>
+                      <a16:colId xmlns:a16="http://schemas.microsoft.com/office/drawing/2014/main" val="1989654857"/>
                     </a:ext>
                   </a:extLst>
                 </a:gridCol>
@@ -13846,10 +12594,10 @@
                         <a:buNone/>
                       </a:pPr>
                       <a:r>
-                        <a:rPr lang="en-CA" b="1"/>
+                        <a:rPr lang="en-CA" b="1" dirty="0"/>
                         <a:t>System</a:t>
                       </a:r>
-                      <a:endParaRPr lang="en-CA"/>
+                      <a:endParaRPr lang="en-CA" dirty="0"/>
                     </a:p>
                   </a:txBody>
                   <a:tcPr anchor="ctr">
@@ -13908,10 +12656,10 @@
                         <a:buNone/>
                       </a:pPr>
                       <a:r>
-                        <a:rPr lang="en-CA" b="1" dirty="0"/>
-                        <a:t>DTW </a:t>
+                        <a:rPr lang="en-CA" b="1"/>
+                        <a:t>DTW</a:t>
                       </a:r>
-                      <a:endParaRPr lang="en-CA" dirty="0"/>
+                      <a:endParaRPr lang="en-CA"/>
                     </a:p>
                   </a:txBody>
                   <a:tcPr anchor="ctr">
@@ -13939,10 +12687,10 @@
                         <a:buNone/>
                       </a:pPr>
                       <a:r>
-                        <a:rPr lang="en-CA" b="1" dirty="0"/>
-                        <a:t>Wasserstein </a:t>
+                        <a:rPr lang="en-CA" b="1"/>
+                        <a:t>Wasserstein</a:t>
                       </a:r>
-                      <a:endParaRPr lang="en-CA" dirty="0"/>
+                      <a:endParaRPr lang="en-CA"/>
                     </a:p>
                   </a:txBody>
                   <a:tcPr anchor="ctr">
@@ -13963,7 +12711,7 @@
                 </a:tc>
                 <a:extLst>
                   <a:ext uri="{0D108BD9-81ED-4DB2-BD59-A6C34878D82A}">
-                    <a16:rowId xmlns:a16="http://schemas.microsoft.com/office/drawing/2014/main" val="2205508143"/>
+                    <a16:rowId xmlns:a16="http://schemas.microsoft.com/office/drawing/2014/main" val="889518504"/>
                   </a:ext>
                 </a:extLst>
               </a:tr>
@@ -13977,10 +12725,9 @@
                         <a:buNone/>
                       </a:pPr>
                       <a:r>
-                        <a:rPr lang="en-CA" b="1"/>
+                        <a:rPr lang="en-CA" dirty="0"/>
                         <a:t>CTRL</a:t>
                       </a:r>
-                      <a:endParaRPr lang="en-CA"/>
                     </a:p>
                   </a:txBody>
                   <a:tcPr anchor="ctr">
@@ -14038,10 +12785,9 @@
                         <a:buNone/>
                       </a:pPr>
                       <a:r>
-                        <a:rPr lang="en-CA" b="1"/>
-                        <a:t>5.0206</a:t>
+                        <a:rPr lang="en-CA"/>
+                        <a:t>2.2417448443954746</a:t>
                       </a:r>
-                      <a:endParaRPr lang="en-CA"/>
                     </a:p>
                   </a:txBody>
                   <a:tcPr anchor="ctr">
@@ -14069,10 +12815,9 @@
                         <a:buNone/>
                       </a:pPr>
                       <a:r>
-                        <a:rPr lang="en-CA" b="1"/>
-                        <a:t>0.8945</a:t>
+                        <a:rPr lang="en-CA"/>
+                        <a:t>0.6897473707928954</a:t>
                       </a:r>
-                      <a:endParaRPr lang="en-CA"/>
                     </a:p>
                   </a:txBody>
                   <a:tcPr anchor="ctr">
@@ -14093,7 +12838,7 @@
                 </a:tc>
                 <a:extLst>
                   <a:ext uri="{0D108BD9-81ED-4DB2-BD59-A6C34878D82A}">
-                    <a16:rowId xmlns:a16="http://schemas.microsoft.com/office/drawing/2014/main" val="2411616799"/>
+                    <a16:rowId xmlns:a16="http://schemas.microsoft.com/office/drawing/2014/main" val="2379941924"/>
                   </a:ext>
                 </a:extLst>
               </a:tr>
@@ -14107,10 +12852,9 @@
                         <a:buNone/>
                       </a:pPr>
                       <a:r>
-                        <a:rPr lang="en-CA" b="1"/>
+                        <a:rPr lang="en-CA"/>
                         <a:t>CTRL</a:t>
                       </a:r>
-                      <a:endParaRPr lang="en-CA"/>
                     </a:p>
                   </a:txBody>
                   <a:tcPr anchor="ctr">
@@ -14168,10 +12912,9 @@
                         <a:buNone/>
                       </a:pPr>
                       <a:r>
-                        <a:rPr lang="en-CA" b="1"/>
-                        <a:t>4.8710</a:t>
+                        <a:rPr lang="en-CA"/>
+                        <a:t>2.2252822500525107</a:t>
                       </a:r>
-                      <a:endParaRPr lang="en-CA"/>
                     </a:p>
                   </a:txBody>
                   <a:tcPr anchor="ctr">
@@ -14199,10 +12942,9 @@
                         <a:buNone/>
                       </a:pPr>
                       <a:r>
-                        <a:rPr lang="en-CA" b="1"/>
-                        <a:t>0.9181</a:t>
+                        <a:rPr lang="en-CA"/>
+                        <a:t>0.7365394084628715</a:t>
                       </a:r>
-                      <a:endParaRPr lang="en-CA"/>
                     </a:p>
                   </a:txBody>
                   <a:tcPr anchor="ctr">
@@ -14223,7 +12965,7 @@
                 </a:tc>
                 <a:extLst>
                   <a:ext uri="{0D108BD9-81ED-4DB2-BD59-A6C34878D82A}">
-                    <a16:rowId xmlns:a16="http://schemas.microsoft.com/office/drawing/2014/main" val="1243665634"/>
+                    <a16:rowId xmlns:a16="http://schemas.microsoft.com/office/drawing/2014/main" val="1904253240"/>
                   </a:ext>
                 </a:extLst>
               </a:tr>
@@ -14237,10 +12979,9 @@
                         <a:buNone/>
                       </a:pPr>
                       <a:r>
-                        <a:rPr lang="en-CA" b="1"/>
+                        <a:rPr lang="en-CA" dirty="0"/>
                         <a:t>PTPN2</a:t>
                       </a:r>
-                      <a:endParaRPr lang="en-CA"/>
                     </a:p>
                   </a:txBody>
                   <a:tcPr anchor="ctr">
@@ -14298,10 +13039,9 @@
                         <a:buNone/>
                       </a:pPr>
                       <a:r>
-                        <a:rPr lang="en-CA" b="1"/>
-                        <a:t>2.6794</a:t>
+                        <a:rPr lang="en-CA"/>
+                        <a:t>2.2261882266912867</a:t>
                       </a:r>
-                      <a:endParaRPr lang="en-CA"/>
                     </a:p>
                   </a:txBody>
                   <a:tcPr anchor="ctr">
@@ -14329,10 +13069,9 @@
                         <a:buNone/>
                       </a:pPr>
                       <a:r>
-                        <a:rPr lang="en-CA" b="1"/>
-                        <a:t>0.5186</a:t>
+                        <a:rPr lang="en-CA"/>
+                        <a:t>0.736403440904065</a:t>
                       </a:r>
-                      <a:endParaRPr lang="en-CA"/>
                     </a:p>
                   </a:txBody>
                   <a:tcPr anchor="ctr">
@@ -14353,7 +13092,7 @@
                 </a:tc>
                 <a:extLst>
                   <a:ext uri="{0D108BD9-81ED-4DB2-BD59-A6C34878D82A}">
-                    <a16:rowId xmlns:a16="http://schemas.microsoft.com/office/drawing/2014/main" val="243426141"/>
+                    <a16:rowId xmlns:a16="http://schemas.microsoft.com/office/drawing/2014/main" val="3178026082"/>
                   </a:ext>
                 </a:extLst>
               </a:tr>
@@ -14367,10 +13106,9 @@
                         <a:buNone/>
                       </a:pPr>
                       <a:r>
-                        <a:rPr lang="en-CA" b="1"/>
+                        <a:rPr lang="en-CA"/>
                         <a:t>PTPN2</a:t>
                       </a:r>
-                      <a:endParaRPr lang="en-CA"/>
                     </a:p>
                   </a:txBody>
                   <a:tcPr anchor="ctr">
@@ -14428,10 +13166,9 @@
                         <a:buNone/>
                       </a:pPr>
                       <a:r>
-                        <a:rPr lang="en-CA" b="1"/>
-                        <a:t>2.3095</a:t>
+                        <a:rPr lang="en-CA"/>
+                        <a:t>2.219890011883951</a:t>
                       </a:r>
-                      <a:endParaRPr lang="en-CA"/>
                     </a:p>
                   </a:txBody>
                   <a:tcPr anchor="ctr">
@@ -14459,10 +13196,9 @@
                         <a:buNone/>
                       </a:pPr>
                       <a:r>
-                        <a:rPr lang="en-CA" b="1" dirty="0"/>
-                        <a:t>0.4461</a:t>
+                        <a:rPr lang="en-CA" dirty="0"/>
+                        <a:t>0.73483451898745</a:t>
                       </a:r>
-                      <a:endParaRPr lang="en-CA" dirty="0"/>
                     </a:p>
                   </a:txBody>
                   <a:tcPr anchor="ctr">
@@ -14483,7 +13219,7 @@
                 </a:tc>
                 <a:extLst>
                   <a:ext uri="{0D108BD9-81ED-4DB2-BD59-A6C34878D82A}">
-                    <a16:rowId xmlns:a16="http://schemas.microsoft.com/office/drawing/2014/main" val="1136492429"/>
+                    <a16:rowId xmlns:a16="http://schemas.microsoft.com/office/drawing/2014/main" val="180824992"/>
                   </a:ext>
                 </a:extLst>
               </a:tr>
@@ -14494,7 +13230,7 @@
     </p:spTree>
     <p:extLst>
       <p:ext uri="{BB962C8B-B14F-4D97-AF65-F5344CB8AC3E}">
-        <p14:creationId xmlns:p14="http://schemas.microsoft.com/office/powerpoint/2010/main" val="4242802019"/>
+        <p14:creationId xmlns:p14="http://schemas.microsoft.com/office/powerpoint/2010/main" val="3644013047"/>
       </p:ext>
     </p:extLst>
   </p:cSld>
@@ -14504,7 +13240,230 @@
 </p:sld>
 </file>
 
-<file path=ppt/slides/slide13.xml><?xml version="1.0" encoding="utf-8"?>
+<file path=ppt/slides/slide15.xml><?xml version="1.0" encoding="utf-8"?>
+<p:sld xmlns:a="http://schemas.openxmlformats.org/drawingml/2006/main" xmlns:r="http://schemas.openxmlformats.org/officeDocument/2006/relationships" xmlns:p="http://schemas.openxmlformats.org/presentationml/2006/main">
+  <p:cSld>
+    <p:spTree>
+      <p:nvGrpSpPr>
+        <p:cNvPr id="1" name=""/>
+        <p:cNvGrpSpPr/>
+        <p:nvPr/>
+      </p:nvGrpSpPr>
+      <p:grpSpPr>
+        <a:xfrm>
+          <a:off x="0" y="0"/>
+          <a:ext cx="0" cy="0"/>
+          <a:chOff x="0" y="0"/>
+          <a:chExt cx="0" cy="0"/>
+        </a:xfrm>
+      </p:grpSpPr>
+      <p:sp>
+        <p:nvSpPr>
+          <p:cNvPr id="2" name="Title 1">
+            <a:extLst>
+              <a:ext uri="{FF2B5EF4-FFF2-40B4-BE49-F238E27FC236}">
+                <a16:creationId xmlns:a16="http://schemas.microsoft.com/office/drawing/2014/main" id="{7F93A127-1CD4-63DA-FB9A-9AA3FF65CD6F}"/>
+              </a:ext>
+            </a:extLst>
+          </p:cNvPr>
+          <p:cNvSpPr>
+            <a:spLocks noGrp="1"/>
+          </p:cNvSpPr>
+          <p:nvPr>
+            <p:ph type="title"/>
+          </p:nvPr>
+        </p:nvSpPr>
+        <p:spPr/>
+        <p:txBody>
+          <a:bodyPr>
+            <a:normAutofit/>
+          </a:bodyPr>
+          <a:lstStyle/>
+          <a:p>
+            <a:r>
+              <a:rPr lang="en-US" sz="2400" dirty="0"/>
+              <a:t>Results</a:t>
+            </a:r>
+            <a:endParaRPr lang="en-CA" sz="2400" dirty="0"/>
+          </a:p>
+        </p:txBody>
+      </p:sp>
+      <p:pic>
+        <p:nvPicPr>
+          <p:cNvPr id="2050" name="Picture 2">
+            <a:extLst>
+              <a:ext uri="{FF2B5EF4-FFF2-40B4-BE49-F238E27FC236}">
+                <a16:creationId xmlns:a16="http://schemas.microsoft.com/office/drawing/2014/main" id="{B321BE11-2657-F109-B5F0-2E3DDB6B26F9}"/>
+              </a:ext>
+            </a:extLst>
+          </p:cNvPr>
+          <p:cNvPicPr>
+            <a:picLocks noChangeAspect="1" noChangeArrowheads="1"/>
+          </p:cNvPicPr>
+          <p:nvPr/>
+        </p:nvPicPr>
+        <p:blipFill>
+          <a:blip r:embed="rId2">
+            <a:extLst>
+              <a:ext uri="{28A0092B-C50C-407E-A947-70E740481C1C}">
+                <a14:useLocalDpi xmlns:a14="http://schemas.microsoft.com/office/drawing/2010/main" val="0"/>
+              </a:ext>
+            </a:extLst>
+          </a:blip>
+          <a:srcRect/>
+          <a:stretch>
+            <a:fillRect/>
+          </a:stretch>
+        </p:blipFill>
+        <p:spPr bwMode="auto">
+          <a:xfrm>
+            <a:off x="1872552" y="1280161"/>
+            <a:ext cx="6616613" cy="5011546"/>
+          </a:xfrm>
+          <a:prstGeom prst="rect">
+            <a:avLst/>
+          </a:prstGeom>
+          <a:noFill/>
+          <a:extLst>
+            <a:ext uri="{909E8E84-426E-40DD-AFC4-6F175D3DCCD1}">
+              <a14:hiddenFill xmlns:a14="http://schemas.microsoft.com/office/drawing/2010/main">
+                <a:solidFill>
+                  <a:srgbClr val="FFFFFF"/>
+                </a:solidFill>
+              </a14:hiddenFill>
+            </a:ext>
+          </a:extLst>
+        </p:spPr>
+      </p:pic>
+    </p:spTree>
+    <p:extLst>
+      <p:ext uri="{BB962C8B-B14F-4D97-AF65-F5344CB8AC3E}">
+        <p14:creationId xmlns:p14="http://schemas.microsoft.com/office/powerpoint/2010/main" val="3274023314"/>
+      </p:ext>
+    </p:extLst>
+  </p:cSld>
+  <p:clrMapOvr>
+    <a:masterClrMapping/>
+  </p:clrMapOvr>
+</p:sld>
+</file>
+
+<file path=ppt/slides/slide16.xml><?xml version="1.0" encoding="utf-8"?>
+<p:sld xmlns:a="http://schemas.openxmlformats.org/drawingml/2006/main" xmlns:r="http://schemas.openxmlformats.org/officeDocument/2006/relationships" xmlns:p="http://schemas.openxmlformats.org/presentationml/2006/main">
+  <p:cSld>
+    <p:spTree>
+      <p:nvGrpSpPr>
+        <p:cNvPr id="1" name=""/>
+        <p:cNvGrpSpPr/>
+        <p:nvPr/>
+      </p:nvGrpSpPr>
+      <p:grpSpPr>
+        <a:xfrm>
+          <a:off x="0" y="0"/>
+          <a:ext cx="0" cy="0"/>
+          <a:chOff x="0" y="0"/>
+          <a:chExt cx="0" cy="0"/>
+        </a:xfrm>
+      </p:grpSpPr>
+      <p:sp>
+        <p:nvSpPr>
+          <p:cNvPr id="2" name="Title 1">
+            <a:extLst>
+              <a:ext uri="{FF2B5EF4-FFF2-40B4-BE49-F238E27FC236}">
+                <a16:creationId xmlns:a16="http://schemas.microsoft.com/office/drawing/2014/main" id="{A6DA55C8-E5AD-078E-65D0-19D0ABF5C6DB}"/>
+              </a:ext>
+            </a:extLst>
+          </p:cNvPr>
+          <p:cNvSpPr>
+            <a:spLocks noGrp="1"/>
+          </p:cNvSpPr>
+          <p:nvPr>
+            <p:ph type="title"/>
+          </p:nvPr>
+        </p:nvSpPr>
+        <p:spPr>
+          <a:xfrm>
+            <a:off x="838200" y="48432"/>
+            <a:ext cx="10515600" cy="1325563"/>
+          </a:xfrm>
+        </p:spPr>
+        <p:txBody>
+          <a:bodyPr/>
+          <a:lstStyle/>
+          <a:p>
+            <a:r>
+              <a:rPr lang="en-US" dirty="0"/>
+              <a:t>Insights</a:t>
+            </a:r>
+            <a:endParaRPr lang="en-CA" dirty="0"/>
+          </a:p>
+        </p:txBody>
+      </p:sp>
+      <p:sp>
+        <p:nvSpPr>
+          <p:cNvPr id="5" name="TextBox 4">
+            <a:extLst>
+              <a:ext uri="{FF2B5EF4-FFF2-40B4-BE49-F238E27FC236}">
+                <a16:creationId xmlns:a16="http://schemas.microsoft.com/office/drawing/2014/main" id="{5F3A8EF0-388A-E9FC-8D68-4FC45B862C32}"/>
+              </a:ext>
+            </a:extLst>
+          </p:cNvPr>
+          <p:cNvSpPr txBox="1"/>
+          <p:nvPr/>
+        </p:nvSpPr>
+        <p:spPr>
+          <a:xfrm>
+            <a:off x="646176" y="1884968"/>
+            <a:ext cx="9921240" cy="3539430"/>
+          </a:xfrm>
+          <a:prstGeom prst="rect">
+            <a:avLst/>
+          </a:prstGeom>
+          <a:noFill/>
+        </p:spPr>
+        <p:txBody>
+          <a:bodyPr wrap="square">
+            <a:spAutoFit/>
+          </a:bodyPr>
+          <a:lstStyle/>
+          <a:p>
+            <a:pPr>
+              <a:buNone/>
+            </a:pPr>
+            <a:r>
+              <a:rPr lang="en-CA" sz="1600" dirty="0">
+                <a:cs typeface="Times New Roman" panose="02020603050405020304" pitchFamily="18" charset="0"/>
+              </a:rPr>
+              <a:t>The unified latent-space plot shows that real CTRL/PTPN2 cells and the RL-simulated trajectories occupy the same underlying manifold, indicating that the TRPO→PPO agent successfully learns biologically valid transition dynamics. Simulated CTRL trajectories remain tightly clustered within the natural CTRL basin, matching the compact, low-entropy structure of the real data. Simulated PTPN2 trajectories extend into the broader, more heterogeneous region characteristic of real PTPN2 cells, demonstrating that the RL model captures both the direction and variability of the perturbation-induced shift. The close overlap between real and simulated points confirms that the RL dynamics respect the geometry of the learned single-cell embedding.</a:t>
+            </a:r>
+          </a:p>
+          <a:p>
+            <a:pPr>
+              <a:buNone/>
+            </a:pPr>
+            <a:r>
+              <a:rPr lang="en-CA" sz="1600" dirty="0">
+                <a:cs typeface="Times New Roman" panose="02020603050405020304" pitchFamily="18" charset="0"/>
+              </a:rPr>
+              <a:t>At the perturbation level, the visualization reveals that PTPN2 knockout expands the latent manifold, producing greater spread along both PC1 and PC2 consistent with increased transcriptional variability and activation-associated remodeling. CTRL cells, in contrast, remain confined to a stable, narrow attractor region. The fact that TRPO→PPO trajectories align cleanly with these biological patterns indicates that the multistage RL strategy not only models point-to-point transitions but faithfully reconstructs the global shape of the perturbation landscape. This validates your model-based interpretation: CTRL reflects a stable, low-variance landscape, while PTPN2 responds with structured but dispersed state transitions that the RL pipeline accurately recovers.</a:t>
+            </a:r>
+          </a:p>
+        </p:txBody>
+      </p:sp>
+    </p:spTree>
+    <p:extLst>
+      <p:ext uri="{BB962C8B-B14F-4D97-AF65-F5344CB8AC3E}">
+        <p14:creationId xmlns:p14="http://schemas.microsoft.com/office/powerpoint/2010/main" val="3052107779"/>
+      </p:ext>
+    </p:extLst>
+  </p:cSld>
+  <p:clrMapOvr>
+    <a:masterClrMapping/>
+  </p:clrMapOvr>
+</p:sld>
+</file>
+
+<file path=ppt/slides/slide17.xml><?xml version="1.0" encoding="utf-8"?>
 <p:sld xmlns:a="http://schemas.openxmlformats.org/drawingml/2006/main" xmlns:r="http://schemas.openxmlformats.org/officeDocument/2006/relationships" xmlns:p="http://schemas.openxmlformats.org/presentationml/2006/main">
   <p:cSld>
     <p:bg>
@@ -16859,7 +15818,6 @@
           <a:p>
             <a:r>
               <a:rPr lang="en-CA" sz="1600" dirty="0">
-                <a:latin typeface="Times New Roman" panose="02020603050405020304" pitchFamily="18" charset="0"/>
                 <a:cs typeface="Times New Roman" panose="02020603050405020304" pitchFamily="18" charset="0"/>
               </a:rPr>
               <a:t>We leverage machine-learning initialization strategies to overcome the inherent nonlinearity in developmental biology, improving the modeling of cell-differentiation trajectories.</a:t>
@@ -16867,14 +15825,12 @@
           </a:p>
           <a:p>
             <a:endParaRPr lang="en-CA" sz="1600" dirty="0">
-              <a:latin typeface="Times New Roman" panose="02020603050405020304" pitchFamily="18" charset="0"/>
               <a:cs typeface="Times New Roman" panose="02020603050405020304" pitchFamily="18" charset="0"/>
             </a:endParaRPr>
           </a:p>
           <a:p>
             <a:r>
               <a:rPr lang="en-CA" sz="1600" dirty="0">
-                <a:latin typeface="Times New Roman" panose="02020603050405020304" pitchFamily="18" charset="0"/>
                 <a:cs typeface="Times New Roman" panose="02020603050405020304" pitchFamily="18" charset="0"/>
               </a:rPr>
               <a:t>Concept: Convex or structured initializations (e.g., sparse regression, trust-region, or pre-trained convex embeddings) provide stable starting points for highly nonlinear optimization landscapes in biological systems.</a:t>
@@ -16882,14 +15838,12 @@
           </a:p>
           <a:p>
             <a:endParaRPr lang="en-CA" sz="1600" dirty="0">
-              <a:latin typeface="Times New Roman" panose="02020603050405020304" pitchFamily="18" charset="0"/>
               <a:cs typeface="Times New Roman" panose="02020603050405020304" pitchFamily="18" charset="0"/>
             </a:endParaRPr>
           </a:p>
           <a:p>
             <a:r>
               <a:rPr lang="en-CA" sz="1600" dirty="0">
-                <a:latin typeface="Times New Roman" panose="02020603050405020304" pitchFamily="18" charset="0"/>
                 <a:cs typeface="Times New Roman" panose="02020603050405020304" pitchFamily="18" charset="0"/>
               </a:rPr>
               <a:t>Goal: To ensure that nonlinear models such as deep or reinforcement-learning frameworks converge toward biologically meaningful minima rather than arbitrary local optima.</a:t>
@@ -16897,14 +15851,12 @@
           </a:p>
           <a:p>
             <a:endParaRPr lang="en-CA" sz="1600" dirty="0">
-              <a:latin typeface="Times New Roman" panose="02020603050405020304" pitchFamily="18" charset="0"/>
               <a:cs typeface="Times New Roman" panose="02020603050405020304" pitchFamily="18" charset="0"/>
             </a:endParaRPr>
           </a:p>
           <a:p>
             <a:r>
               <a:rPr lang="en-CA" sz="1600" dirty="0">
-                <a:latin typeface="Times New Roman" panose="02020603050405020304" pitchFamily="18" charset="0"/>
                 <a:cs typeface="Times New Roman" panose="02020603050405020304" pitchFamily="18" charset="0"/>
               </a:rPr>
               <a:t>Impact: Enhances the fidelity of cell-fate prediction and differentiation modeling, leading to more accurate simulations of lineage commitment and reprogramming dynamics.</a:t>
@@ -16912,14 +15864,12 @@
           </a:p>
           <a:p>
             <a:endParaRPr lang="en-CA" sz="1600" dirty="0">
-              <a:latin typeface="Times New Roman" panose="02020603050405020304" pitchFamily="18" charset="0"/>
               <a:cs typeface="Times New Roman" panose="02020603050405020304" pitchFamily="18" charset="0"/>
             </a:endParaRPr>
           </a:p>
           <a:p>
             <a:r>
               <a:rPr lang="en-CA" sz="1600" dirty="0">
-                <a:latin typeface="Times New Roman" panose="02020603050405020304" pitchFamily="18" charset="0"/>
                 <a:cs typeface="Times New Roman" panose="02020603050405020304" pitchFamily="18" charset="0"/>
               </a:rPr>
               <a:t>Outcome: A unified approach where machine-domain initialization bridges computational optimization and biological interpretability, improving predictive performance in cell differentiation and regenerative modeling.</a:t>
@@ -17082,8 +16032,8 @@
         </p:nvSpPr>
         <p:spPr>
           <a:xfrm>
-            <a:off x="3392016" y="2454218"/>
-            <a:ext cx="3971925" cy="747862"/>
+            <a:off x="3392016" y="2349583"/>
+            <a:ext cx="3971925" cy="852497"/>
           </a:xfrm>
           <a:prstGeom prst="rect">
             <a:avLst/>
@@ -17604,8 +16554,8 @@
         </p:nvSpPr>
         <p:spPr>
           <a:xfrm>
-            <a:off x="8114369" y="3716314"/>
-            <a:ext cx="3653959" cy="642314"/>
+            <a:off x="8114369" y="3555183"/>
+            <a:ext cx="3653959" cy="919112"/>
           </a:xfrm>
           <a:prstGeom prst="roundRect">
             <a:avLst/>
@@ -17756,7 +16706,7 @@
         <p:spPr>
           <a:xfrm>
             <a:off x="9747104" y="3313315"/>
-            <a:ext cx="0" cy="410970"/>
+            <a:ext cx="0" cy="227257"/>
           </a:xfrm>
           <a:prstGeom prst="straightConnector1">
             <a:avLst/>
@@ -17796,8 +16746,8 @@
         </p:nvCxnSpPr>
         <p:spPr>
           <a:xfrm flipV="1">
-            <a:off x="9747104" y="4358628"/>
-            <a:ext cx="0" cy="491462"/>
+            <a:off x="9747104" y="4517456"/>
+            <a:ext cx="0" cy="332634"/>
           </a:xfrm>
           <a:prstGeom prst="straightConnector1">
             <a:avLst/>
@@ -17835,8 +16785,8 @@
         </p:nvSpPr>
         <p:spPr>
           <a:xfrm>
-            <a:off x="8198610" y="3739565"/>
-            <a:ext cx="3919134" cy="1200329"/>
+            <a:off x="8255826" y="3597072"/>
+            <a:ext cx="4511549" cy="1200329"/>
           </a:xfrm>
           <a:prstGeom prst="rect">
             <a:avLst/>
@@ -17851,7 +16801,13 @@
           <a:p>
             <a:r>
               <a:rPr lang="en-US" dirty="0"/>
-              <a:t>Align the Trajectories and Compare </a:t>
+              <a:t>Align the Trajectories and Compare</a:t>
+            </a:r>
+          </a:p>
+          <a:p>
+            <a:r>
+              <a:rPr lang="en-US" dirty="0"/>
+              <a:t> </a:t>
             </a:r>
             <a:r>
               <a:rPr lang="en-CA" dirty="0"/>
@@ -17863,7 +16819,13 @@
             </a:r>
             <a:r>
               <a:rPr lang="en-CA" dirty="0"/>
-              <a:t>Wasserstein Distance</a:t>
+              <a:t>Wasserstein</a:t>
+            </a:r>
+          </a:p>
+          <a:p>
+            <a:r>
+              <a:rPr lang="en-CA" dirty="0"/>
+              <a:t> Distance</a:t>
             </a:r>
           </a:p>
           <a:p>
@@ -18021,7 +16983,7 @@
         </p:nvSpPr>
         <p:spPr>
           <a:xfrm>
-            <a:off x="4054705" y="2109727"/>
+            <a:off x="4054705" y="2046016"/>
             <a:ext cx="2061398" cy="369332"/>
           </a:xfrm>
           <a:prstGeom prst="rect">

--- a/ppt slides for omic codeathon (1).pptx
+++ b/ppt slides for omic codeathon (1).pptx
@@ -9516,7 +9516,7 @@
         </p:nvSpPr>
         <p:spPr>
           <a:xfrm>
-            <a:off x="1524000" y="406400"/>
+            <a:off x="993648" y="945896"/>
             <a:ext cx="9942576" cy="2387600"/>
           </a:xfrm>
         </p:spPr>
@@ -9527,31 +9527,11 @@
           <a:lstStyle/>
           <a:p>
             <a:r>
-              <a:rPr lang="en-CA" sz="4000" b="1" dirty="0">
+              <a:rPr lang="en-CA" sz="4000" dirty="0">
                 <a:latin typeface="Times New Roman" panose="02020603050405020304" pitchFamily="18" charset="0"/>
                 <a:cs typeface="Times New Roman" panose="02020603050405020304" pitchFamily="18" charset="0"/>
               </a:rPr>
-              <a:t>Single-Cell Gene </a:t>
-            </a:r>
-            <a:r>
-              <a:rPr lang="en-US" sz="4000" b="1" dirty="0">
-                <a:latin typeface="Times New Roman" panose="02020603050405020304" pitchFamily="18" charset="0"/>
-                <a:cs typeface="Times New Roman" panose="02020603050405020304" pitchFamily="18" charset="0"/>
-              </a:rPr>
-              <a:t>Perturbation </a:t>
-            </a:r>
-            <a:br>
-              <a:rPr lang="en-US" sz="4000" b="1" dirty="0">
-                <a:latin typeface="Times New Roman" panose="02020603050405020304" pitchFamily="18" charset="0"/>
-                <a:cs typeface="Times New Roman" panose="02020603050405020304" pitchFamily="18" charset="0"/>
-              </a:rPr>
-            </a:br>
-            <a:r>
-              <a:rPr lang="en-US" sz="4000" b="1" dirty="0">
-                <a:latin typeface="Times New Roman" panose="02020603050405020304" pitchFamily="18" charset="0"/>
-                <a:cs typeface="Times New Roman" panose="02020603050405020304" pitchFamily="18" charset="0"/>
-              </a:rPr>
-              <a:t>Analysis Using Machine Learning</a:t>
+              <a:t>Escaping Local Optima in the Waddington Landscape: A Multi-Stage TRPO-PPO Approach for Single-Cell Gene Perturbation Analysis</a:t>
             </a:r>
             <a:endParaRPr lang="en-CA" sz="4000" b="1" dirty="0">
               <a:latin typeface="Times New Roman" panose="02020603050405020304" pitchFamily="18" charset="0"/>
@@ -9589,8 +9569,8 @@
         </p:blipFill>
         <p:spPr bwMode="auto">
           <a:xfrm>
-            <a:off x="2404871" y="4714142"/>
-            <a:ext cx="2078737" cy="1721781"/>
+            <a:off x="1450849" y="4224528"/>
+            <a:ext cx="3032760" cy="2487168"/>
           </a:xfrm>
           <a:prstGeom prst="rect">
             <a:avLst/>
@@ -9636,8 +9616,8 @@
         </p:blipFill>
         <p:spPr bwMode="auto">
           <a:xfrm>
-            <a:off x="7516368" y="4714142"/>
-            <a:ext cx="1975104" cy="1737458"/>
+            <a:off x="6967728" y="4412390"/>
+            <a:ext cx="3032760" cy="2299306"/>
           </a:xfrm>
           <a:prstGeom prst="rect">
             <a:avLst/>
@@ -9654,40 +9634,6 @@
           </a:extLst>
         </p:spPr>
       </p:pic>
-      <p:sp>
-        <p:nvSpPr>
-          <p:cNvPr id="5" name="Subtitle 4">
-            <a:extLst>
-              <a:ext uri="{FF2B5EF4-FFF2-40B4-BE49-F238E27FC236}">
-                <a16:creationId xmlns:a16="http://schemas.microsoft.com/office/drawing/2014/main" id="{C5513740-481B-8D15-CBA5-845D32332D49}"/>
-              </a:ext>
-            </a:extLst>
-          </p:cNvPr>
-          <p:cNvSpPr>
-            <a:spLocks noGrp="1"/>
-          </p:cNvSpPr>
-          <p:nvPr>
-            <p:ph type="subTitle" idx="1"/>
-          </p:nvPr>
-        </p:nvSpPr>
-        <p:spPr>
-          <a:xfrm>
-            <a:off x="1450848" y="3153982"/>
-            <a:ext cx="9144000" cy="1655762"/>
-          </a:xfrm>
-        </p:spPr>
-        <p:txBody>
-          <a:bodyPr/>
-          <a:lstStyle/>
-          <a:p>
-            <a:r>
-              <a:rPr lang="en-US" dirty="0"/>
-              <a:t>Francis Boabang</a:t>
-            </a:r>
-            <a:endParaRPr lang="en-CA" dirty="0"/>
-          </a:p>
-        </p:txBody>
-      </p:sp>
     </p:spTree>
     <p:extLst>
       <p:ext uri="{BB962C8B-B14F-4D97-AF65-F5344CB8AC3E}">
@@ -9969,7 +9915,7 @@
         <p:spPr>
           <a:xfrm>
             <a:off x="589558" y="244742"/>
-            <a:ext cx="7015498" cy="1235225"/>
+            <a:ext cx="9258530" cy="1235225"/>
           </a:xfrm>
         </p:spPr>
         <p:txBody>
@@ -9979,7 +9925,7 @@
           <a:lstStyle/>
           <a:p>
             <a:r>
-              <a:rPr lang="en-US" sz="3600" kern="1200" dirty="0">
+              <a:rPr lang="en-US" sz="2400" kern="1200" dirty="0">
                 <a:solidFill>
                   <a:schemeClr val="tx1"/>
                 </a:solidFill>
@@ -9987,7 +9933,7 @@
                 <a:ea typeface="+mj-ea"/>
                 <a:cs typeface="+mj-cs"/>
               </a:rPr>
-              <a:t>Results(Control sample/Perturbed sample)</a:t>
+              <a:t>Results(Control sample/Perturbed sample) Multistep prediction</a:t>
             </a:r>
           </a:p>
         </p:txBody>
@@ -10007,13 +9953,13 @@
           <p:nvPr>
             <p:extLst>
               <p:ext uri="{D42A27DB-BD31-4B8C-83A1-F6EECF244321}">
-                <p14:modId xmlns:p14="http://schemas.microsoft.com/office/powerpoint/2010/main" val="2693105492"/>
+                <p14:modId xmlns:p14="http://schemas.microsoft.com/office/powerpoint/2010/main" val="3203429112"/>
               </p:ext>
             </p:extLst>
           </p:nvPr>
         </p:nvGraphicFramePr>
         <p:xfrm>
-          <a:off x="660988" y="2018594"/>
+          <a:off x="589558" y="1214340"/>
           <a:ext cx="10357568" cy="3844620"/>
         </p:xfrm>
         <a:graphic>
@@ -10112,10 +10058,10 @@
                         <a:buNone/>
                       </a:pPr>
                       <a:r>
-                        <a:rPr lang="en-CA" sz="1200" b="1"/>
+                        <a:rPr lang="en-CA" sz="1200" b="1" dirty="0"/>
                         <a:t>Algorithm</a:t>
                       </a:r>
-                      <a:endParaRPr lang="en-CA" sz="1200"/>
+                      <a:endParaRPr lang="en-CA" sz="1200" dirty="0"/>
                     </a:p>
                   </a:txBody>
                   <a:tcPr marL="60494" marR="60494" marT="30247" marB="30247" anchor="ctr">
@@ -10956,7 +10902,7 @@
                         <a:buNone/>
                       </a:pPr>
                       <a:r>
-                        <a:rPr lang="en-CA" sz="1200"/>
+                        <a:rPr lang="en-CA" sz="1200" dirty="0"/>
                         <a:t>CTRL</a:t>
                       </a:r>
                     </a:p>
@@ -11173,7 +11119,7 @@
                         <a:buNone/>
                       </a:pPr>
                       <a:r>
-                        <a:rPr lang="en-CA" sz="1200"/>
+                        <a:rPr lang="en-CA" sz="1200" dirty="0"/>
                         <a:t>PTPN2</a:t>
                       </a:r>
                     </a:p>
@@ -12035,6 +11981,68 @@
           </a:graphicData>
         </a:graphic>
       </p:graphicFrame>
+      <p:sp>
+        <p:nvSpPr>
+          <p:cNvPr id="4" name="TextBox 3">
+            <a:extLst>
+              <a:ext uri="{FF2B5EF4-FFF2-40B4-BE49-F238E27FC236}">
+                <a16:creationId xmlns:a16="http://schemas.microsoft.com/office/drawing/2014/main" id="{F1BB7669-37AA-B4A5-7FA5-BA63F2687B15}"/>
+              </a:ext>
+            </a:extLst>
+          </p:cNvPr>
+          <p:cNvSpPr txBox="1"/>
+          <p:nvPr/>
+        </p:nvSpPr>
+        <p:spPr>
+          <a:xfrm>
+            <a:off x="247680" y="5488470"/>
+            <a:ext cx="5848318" cy="1569660"/>
+          </a:xfrm>
+          <a:prstGeom prst="rect">
+            <a:avLst/>
+          </a:prstGeom>
+          <a:noFill/>
+        </p:spPr>
+        <p:txBody>
+          <a:bodyPr wrap="square" rtlCol="0">
+            <a:spAutoFit/>
+          </a:bodyPr>
+          <a:lstStyle/>
+          <a:p>
+            <a:r>
+              <a:rPr lang="en-US" sz="1600" dirty="0"/>
+              <a:t>CTRL: Control Sample</a:t>
+            </a:r>
+          </a:p>
+          <a:p>
+            <a:r>
+              <a:rPr lang="en-US" sz="1600" dirty="0"/>
+              <a:t>PTPN2: Perturb Sample</a:t>
+            </a:r>
+          </a:p>
+          <a:p>
+            <a:r>
+              <a:rPr lang="en-US" sz="1600" dirty="0"/>
+              <a:t>Trust region policy optimization</a:t>
+            </a:r>
+          </a:p>
+          <a:p>
+            <a:r>
+              <a:rPr lang="en-US" sz="1600" dirty="0"/>
+              <a:t>PPO: Proximal policy  optimization</a:t>
+            </a:r>
+          </a:p>
+          <a:p>
+            <a:r>
+              <a:rPr lang="en-CA" sz="1600" dirty="0"/>
+              <a:t>HORIZON    = 2   multi-step prediction length for both systems</a:t>
+            </a:r>
+          </a:p>
+          <a:p>
+            <a:endParaRPr lang="en-CA" sz="1600" dirty="0"/>
+          </a:p>
+        </p:txBody>
+      </p:sp>
     </p:spTree>
     <p:extLst>
       <p:ext uri="{BB962C8B-B14F-4D97-AF65-F5344CB8AC3E}">
@@ -12115,7 +12123,7 @@
         </p:nvSpPr>
         <p:spPr>
           <a:xfrm>
-            <a:off x="518160" y="2110013"/>
+            <a:off x="518160" y="1407224"/>
             <a:ext cx="11155680" cy="3539430"/>
           </a:xfrm>
           <a:prstGeom prst="rect">
@@ -12134,7 +12142,7 @@
             </a:pPr>
             <a:r>
               <a:rPr lang="en-CA" sz="1600" dirty="0"/>
-              <a:t>The CTRL results show a clear and substantial benefit from the TRPO→PPO multistage optimization schedule. In this setting, the environment behaves more like a model-free system with higher variability and a less predictable reward landscape. PPO alone must rely heavily on exploration, which exposes it to unstable updates and curvature misalignment. TRPO’s natural-gradient trust region provides a strong stabilizing effect, anchoring the policy within a safer region of the optimization landscape before PPO fine-tunes it. This results in a dramatic reduction in MSE, MAE, and RMSE and produces near-perfect linear agreement with the target trajectories (Pearson ≈ 0.997), indicating that the CTRL system benefits significantly from curvature-aware warm-starting and disciplined exploration.</a:t>
+              <a:t>The control sample (CTRL) results show a clear improvement and substantial benefit from the TRPO→PPO multistage optimization schedule. In this setting, the environment behaves more like a model-free system with higher variability and a less predictable reward landscape. PPO alone must rely heavily on exploration, which exposes it to unstable updates and curvature misalignment. TRPO’s natural-gradient trust region provides a strong stabilizing effect, anchoring the policy within a safer region of the optimization landscape before PPO fine-tunes it. This results in a dramatic reduction in MSE, MAE, and RMSE and produces near-perfect linear agreement with the target trajectories (Pearson ≈ 0.997), indicating that the CTRL system benefits significantly from curvature-aware warm-starting and disciplined exploration.</a:t>
             </a:r>
           </a:p>
           <a:p>
@@ -12143,15 +12151,7 @@
             </a:pPr>
             <a:r>
               <a:rPr lang="en-CA" sz="1600" dirty="0"/>
-              <a:t>In contrast, the PTPN2 system shows much smaller performance differences between PPO and TRPO→PPO. This is because PTPN2 is driven by a </a:t>
-            </a:r>
-            <a:r>
-              <a:rPr lang="en-CA" sz="1600" b="1" dirty="0"/>
-              <a:t>model-based reinforcement learning</a:t>
-            </a:r>
-            <a:r>
-              <a:rPr lang="en-CA" sz="1600" dirty="0"/>
-              <a:t> formulation, where the dynamics are already constrained by real perturbation embeddings and a biologically grounded transition model. The agent does not require extensive exploration to discover useful directions, and therefore PPO alone can already fit the structured environment effectively. As a result, TRPO contributes only incremental improvements rather than the dramatic gains observed in CTRL. The PTPN2 landscape is sharper, less stochastic, and more directed, meaning the optimization problem is closer to supervised refinement than exploratory RL. Consequently, the difference between PPO and TRPO→PPO narrows, reflecting the reduced role of exploration in a model-based setting</a:t>
+              <a:t>In contrast, the PTPN2 system shows much smaller performance differences between PPO and TRPO→PPO. This is because PTPN2 is driven by a model-based reinforcement learning formulation, where the dynamics are already constrained by real perturbation embeddings and a biologically grounded transition model. The agent does not require extensive exploration to discover useful directions, and therefore PPO alone can already fit the structured environment effectively. As a result, TRPO contributes only incremental improvements rather than the dramatic gains observed in CTRL. The PTPN2 landscape is sharper, less stochastic, and more directed, meaning the optimization problem is closer to supervised refinement than exploratory RL. Consequently, the difference between PPO and TRPO→PPO narrows, reflecting the reduced role of exploration in a model-based setting</a:t>
             </a:r>
           </a:p>
         </p:txBody>
@@ -12204,14 +12204,16 @@
         </p:nvSpPr>
         <p:spPr/>
         <p:txBody>
-          <a:bodyPr/>
+          <a:bodyPr>
+            <a:normAutofit/>
+          </a:bodyPr>
           <a:lstStyle/>
           <a:p>
             <a:r>
-              <a:rPr lang="en-US" dirty="0"/>
+              <a:rPr lang="en-US" sz="2400" dirty="0"/>
               <a:t>Results(Trajectories Comparision hardware and Software)</a:t>
             </a:r>
-            <a:endParaRPr lang="en-CA" dirty="0"/>
+            <a:endParaRPr lang="en-CA" sz="2400" dirty="0"/>
           </a:p>
         </p:txBody>
       </p:sp>
@@ -12315,14 +12317,16 @@
           </a:xfrm>
         </p:spPr>
         <p:txBody>
-          <a:bodyPr/>
+          <a:bodyPr>
+            <a:normAutofit/>
+          </a:bodyPr>
           <a:lstStyle/>
           <a:p>
             <a:r>
-              <a:rPr lang="en-US" dirty="0"/>
+              <a:rPr lang="en-US" sz="2400" dirty="0"/>
               <a:t>Insights</a:t>
             </a:r>
-            <a:endParaRPr lang="en-CA" dirty="0"/>
+            <a:endParaRPr lang="en-CA" sz="2400" dirty="0"/>
           </a:p>
         </p:txBody>
       </p:sp>
@@ -12340,7 +12344,7 @@
         </p:nvSpPr>
         <p:spPr>
           <a:xfrm>
-            <a:off x="1271016" y="1960799"/>
+            <a:off x="920496" y="1529443"/>
             <a:ext cx="9345168" cy="3539430"/>
           </a:xfrm>
           <a:prstGeom prst="rect">
@@ -12453,7 +12457,7 @@
         </p:nvSpPr>
         <p:spPr>
           <a:xfrm>
-            <a:off x="643128" y="3693566"/>
+            <a:off x="643128" y="3429000"/>
             <a:ext cx="11548872" cy="3046988"/>
           </a:xfrm>
           <a:prstGeom prst="rect">
@@ -12472,31 +12476,7 @@
             </a:pPr>
             <a:r>
               <a:rPr lang="en-CA" sz="1600" dirty="0"/>
-              <a:t>This plot visualizes </a:t>
-            </a:r>
-            <a:r>
-              <a:rPr lang="en-CA" sz="1600" b="1" dirty="0"/>
-              <a:t>bidirectional Wasserstein distances</a:t>
-            </a:r>
-            <a:r>
-              <a:rPr lang="en-CA" sz="1600" dirty="0"/>
-              <a:t> between the CTRL and PTPN2 trajectory distributions across latent space, essentially measuring how far one system’s trajectory distribution must be “transported” to match the other. The symmetry in the graph where the CTRL→PTPN2 and PTPN2→CTRL distances mirror each other confirms that the latent dynamics between the two systems differ in </a:t>
-            </a:r>
-            <a:r>
-              <a:rPr lang="en-CA" sz="1600" b="1" dirty="0"/>
-              <a:t>magnitude and curvature</a:t>
-            </a:r>
-            <a:r>
-              <a:rPr lang="en-CA" sz="1600" dirty="0"/>
-              <a:t>, but not in an asymmetric or one-sided way. In other words, each system occupies its own distinct region of the latent landscape, and transitioning from one to the other requires </a:t>
-            </a:r>
-            <a:r>
-              <a:rPr lang="en-CA" sz="1600" b="1" dirty="0"/>
-              <a:t>non-trivial mass transport</a:t>
-            </a:r>
-            <a:r>
-              <a:rPr lang="en-CA" sz="1600" dirty="0"/>
-              <a:t>, reflecting meaningful biological and dynamical differences.</a:t>
+              <a:t>This plot visualizes bidirectional Wasserstein distances between the CTRL and PTPN2 trajectory distributions across latent space, essentially measuring how far one system’s trajectory distribution must be “transported” to match the other. The symmetry in the graph where the CTRL to PTPN2 and PTPN2 to CTRL distances mirror each other confirms that the latent dynamics between the two systems differ in magnitude and curvature, but not in an asymmetric or one-sided way. In other words, each system occupies its own distinct region of the latent landscape, and transitioning from one to the other requires non-trivial mass transport, reflecting meaningful biological and dynamical differences.</a:t>
             </a:r>
           </a:p>
           <a:p>
@@ -12505,23 +12485,7 @@
             </a:pPr>
             <a:r>
               <a:rPr lang="en-CA" sz="1600" dirty="0"/>
-              <a:t>The overall magnitude of the Wasserstein distances shows that </a:t>
-            </a:r>
-            <a:r>
-              <a:rPr lang="en-CA" sz="1600" b="1" dirty="0"/>
-              <a:t>PTPN2 trajectories are more compact and structured</a:t>
-            </a:r>
-            <a:r>
-              <a:rPr lang="en-CA" sz="1600" dirty="0"/>
-              <a:t>, while CTRL trajectories are more dispersed. This aligns with your model-based interpretation: </a:t>
-            </a:r>
-            <a:r>
-              <a:rPr lang="en-CA" sz="1600" b="1" dirty="0"/>
-              <a:t>PTPN2 imposes strong directional constraints</a:t>
-            </a:r>
-            <a:r>
-              <a:rPr lang="en-CA" sz="1600" dirty="0"/>
-              <a:t>—lower entropy, reduced exploration—whereas CTRL reflects a more open, high-entropy landscape. The bidirectional plot reinforces that these differences are robust and not artifacts of the RL path direction. In practical terms, this suggests that PTPN2 perturbation drives cells into a distinct using the model based approach, tightly organized manifold, while CTRL cells explore a broader, less restricted region of state space using model free approach.</a:t>
+              <a:t>The overall magnitude of the Wasserstein distances shows that PTPN2 trajectories are more compact and structured, while CTRL trajectories are more dispersed. This aligns with your model-based interpretation: PTPN2 imposes strong directional constraints—lower entropy, reduced exploration whereas CTRL reflects a more open, high-entropy landscape. The bidirectional plot reinforces that these differences are robust and not artifacts of the RL path direction. In practical terms, this suggests that PTPN2 perturbation drives cells into a distinct using the model based approach, tightly organized manifold, while CTRL cells explore a broader, less restricted region of state space using model free approach.</a:t>
             </a:r>
           </a:p>
         </p:txBody>
@@ -12541,13 +12505,13 @@
           <p:nvPr>
             <p:extLst>
               <p:ext uri="{D42A27DB-BD31-4B8C-83A1-F6EECF244321}">
-                <p14:modId xmlns:p14="http://schemas.microsoft.com/office/powerpoint/2010/main" val="454497530"/>
+                <p14:modId xmlns:p14="http://schemas.microsoft.com/office/powerpoint/2010/main" val="364346857"/>
               </p:ext>
             </p:extLst>
           </p:nvPr>
         </p:nvGraphicFramePr>
         <p:xfrm>
-          <a:off x="838200" y="1518706"/>
+          <a:off x="838200" y="1327292"/>
           <a:ext cx="10515600" cy="1828800"/>
         </p:xfrm>
         <a:graphic>
@@ -12852,7 +12816,7 @@
                         <a:buNone/>
                       </a:pPr>
                       <a:r>
-                        <a:rPr lang="en-CA"/>
+                        <a:rPr lang="en-CA" dirty="0"/>
                         <a:t>CTRL</a:t>
                       </a:r>
                     </a:p>
@@ -13383,19 +13347,21 @@
         </p:nvSpPr>
         <p:spPr>
           <a:xfrm>
-            <a:off x="838200" y="48432"/>
-            <a:ext cx="10515600" cy="1325563"/>
+            <a:off x="646176" y="414193"/>
+            <a:ext cx="10515600" cy="829392"/>
           </a:xfrm>
         </p:spPr>
         <p:txBody>
-          <a:bodyPr/>
+          <a:bodyPr>
+            <a:normAutofit/>
+          </a:bodyPr>
           <a:lstStyle/>
           <a:p>
             <a:r>
-              <a:rPr lang="en-US" dirty="0"/>
+              <a:rPr lang="en-US" sz="2400" dirty="0"/>
               <a:t>Insights</a:t>
             </a:r>
-            <a:endParaRPr lang="en-CA" dirty="0"/>
+            <a:endParaRPr lang="en-CA" sz="2400" dirty="0"/>
           </a:p>
         </p:txBody>
       </p:sp>
@@ -13445,7 +13411,7 @@
               <a:rPr lang="en-CA" sz="1600" dirty="0">
                 <a:cs typeface="Times New Roman" panose="02020603050405020304" pitchFamily="18" charset="0"/>
               </a:rPr>
-              <a:t>At the perturbation level, the visualization reveals that PTPN2 knockout expands the latent manifold, producing greater spread along both PC1 and PC2 consistent with increased transcriptional variability and activation-associated remodeling. CTRL cells, in contrast, remain confined to a stable, narrow attractor region. The fact that TRPO→PPO trajectories align cleanly with these biological patterns indicates that the multistage RL strategy not only models point-to-point transitions but faithfully reconstructs the global shape of the perturbation landscape. This validates your model-based interpretation: CTRL reflects a stable, low-variance landscape, while PTPN2 responds with structured but dispersed state transitions that the RL pipeline accurately recovers.</a:t>
+              <a:t>At the perturbation level, the visualization reveals that PTPN2 knockout expands the latent manifold, producing greater spread along both principal component (PC1) and PC2 consistent with increased transcriptional variability and activation-associated remodeling. CTRL cells, in contrast, remain confined to a stable, narrow attractor region. The fact that TRPO→PPO trajectories align cleanly with these biological patterns indicates that the multistage RL strategy not only models point-to-point transitions but faithfully reconstructs the global shape of the perturbation landscape. This validates your model-based interpretation: CTRL reflects a stable, low-variance landscape, while PTPN2 responds with structured but dispersed state transitions that the RL pipeline accurately recovers.</a:t>
             </a:r>
           </a:p>
         </p:txBody>
@@ -15833,7 +15799,20 @@
               <a:rPr lang="en-CA" sz="1600" dirty="0">
                 <a:cs typeface="Times New Roman" panose="02020603050405020304" pitchFamily="18" charset="0"/>
               </a:rPr>
-              <a:t>Concept: Convex or structured initializations (e.g., sparse regression, trust-region, or pre-trained convex embeddings) provide stable starting points for highly nonlinear optimization landscapes in biological systems.</a:t>
+              <a:t>Concept: Convex or structured initializations (e.g., trust-region) provide stable starting points for highly nonlinear optimization landscapes in biological systems </a:t>
+            </a:r>
+            <a:r>
+              <a:rPr lang="en-CA" sz="1400" dirty="0">
+                <a:latin typeface="Times New Roman" panose="02020603050405020304" pitchFamily="18" charset="0"/>
+                <a:cs typeface="Times New Roman" panose="02020603050405020304" pitchFamily="18" charset="0"/>
+              </a:rPr>
+              <a:t>[1] </a:t>
+            </a:r>
+            <a:r>
+              <a:rPr lang="en-CA" sz="1600" dirty="0">
+                <a:cs typeface="Times New Roman" panose="02020603050405020304" pitchFamily="18" charset="0"/>
+              </a:rPr>
+              <a:t>.</a:t>
             </a:r>
           </a:p>
           <a:p>
@@ -15919,7 +15898,7 @@
                 <a:latin typeface="Times New Roman" panose="02020603050405020304" pitchFamily="18" charset="0"/>
                 <a:cs typeface="Times New Roman" panose="02020603050405020304" pitchFamily="18" charset="0"/>
               </a:rPr>
-              <a:t>Boabang, Francis, and Samuel Asante </a:t>
+              <a:t>[1] Boabang, Francis, and Samuel Asante </a:t>
             </a:r>
             <a:r>
               <a:rPr lang="en-CA" sz="1200" dirty="0" err="1">
@@ -16005,16 +15984,23 @@
             <p:ph type="title"/>
           </p:nvPr>
         </p:nvSpPr>
-        <p:spPr/>
+        <p:spPr>
+          <a:xfrm>
+            <a:off x="517219" y="404801"/>
+            <a:ext cx="10402824" cy="825478"/>
+          </a:xfrm>
+        </p:spPr>
         <p:txBody>
-          <a:bodyPr/>
+          <a:bodyPr>
+            <a:normAutofit/>
+          </a:bodyPr>
           <a:lstStyle/>
           <a:p>
             <a:r>
-              <a:rPr lang="en-US" dirty="0"/>
+              <a:rPr lang="en-US" sz="2400" dirty="0"/>
               <a:t>Simulated Hardware and Software for Gene Perturbation Analysis</a:t>
             </a:r>
-            <a:endParaRPr lang="en-CA" dirty="0"/>
+            <a:endParaRPr lang="en-CA" sz="2400" dirty="0"/>
           </a:p>
         </p:txBody>
       </p:sp>
@@ -16032,7 +16018,7 @@
         </p:nvSpPr>
         <p:spPr>
           <a:xfrm>
-            <a:off x="3392016" y="2349583"/>
+            <a:off x="3301161" y="1919815"/>
             <a:ext cx="3971925" cy="852497"/>
           </a:xfrm>
           <a:prstGeom prst="rect">
@@ -16084,7 +16070,7 @@
         </p:nvSpPr>
         <p:spPr>
           <a:xfrm>
-            <a:off x="3357695" y="4864386"/>
+            <a:off x="3266840" y="4434618"/>
             <a:ext cx="3971925" cy="936885"/>
           </a:xfrm>
           <a:prstGeom prst="rect">
@@ -16136,7 +16122,7 @@
         </p:nvSpPr>
         <p:spPr>
           <a:xfrm>
-            <a:off x="3523118" y="2418987"/>
+            <a:off x="3432263" y="1989219"/>
             <a:ext cx="3393621" cy="646331"/>
           </a:xfrm>
           <a:prstGeom prst="rect">
@@ -16178,7 +16164,7 @@
         </p:nvSpPr>
         <p:spPr>
           <a:xfrm>
-            <a:off x="3496324" y="4942126"/>
+            <a:off x="3405469" y="4512358"/>
             <a:ext cx="3694666" cy="646331"/>
           </a:xfrm>
           <a:prstGeom prst="rect">
@@ -16220,7 +16206,7 @@
         </p:nvCxnSpPr>
         <p:spPr>
           <a:xfrm>
-            <a:off x="2141574" y="2852296"/>
+            <a:off x="2050719" y="2422528"/>
             <a:ext cx="1250442" cy="0"/>
           </a:xfrm>
           <a:prstGeom prst="straightConnector1">
@@ -16259,7 +16245,7 @@
         </p:nvCxnSpPr>
         <p:spPr>
           <a:xfrm>
-            <a:off x="2121408" y="5284311"/>
+            <a:off x="2030553" y="4854543"/>
             <a:ext cx="1250442" cy="0"/>
           </a:xfrm>
           <a:prstGeom prst="straightConnector1">
@@ -16298,7 +16284,7 @@
         </p:nvCxnSpPr>
         <p:spPr>
           <a:xfrm>
-            <a:off x="7343775" y="2832942"/>
+            <a:off x="7252920" y="2403174"/>
             <a:ext cx="1250442" cy="0"/>
           </a:xfrm>
           <a:prstGeom prst="straightConnector1">
@@ -16337,7 +16323,7 @@
         </p:nvCxnSpPr>
         <p:spPr>
           <a:xfrm>
-            <a:off x="7343775" y="5284311"/>
+            <a:off x="7252920" y="4854543"/>
             <a:ext cx="1250442" cy="0"/>
           </a:xfrm>
           <a:prstGeom prst="straightConnector1">
@@ -16376,7 +16362,7 @@
         </p:nvSpPr>
         <p:spPr>
           <a:xfrm>
-            <a:off x="473537" y="2394528"/>
+            <a:off x="382682" y="1964760"/>
             <a:ext cx="1762598" cy="923330"/>
           </a:xfrm>
           <a:prstGeom prst="rect">
@@ -16428,7 +16414,7 @@
         </p:nvSpPr>
         <p:spPr>
           <a:xfrm>
-            <a:off x="621780" y="4961145"/>
+            <a:off x="530925" y="4531377"/>
             <a:ext cx="1355051" cy="646331"/>
           </a:xfrm>
           <a:prstGeom prst="rect">
@@ -16470,7 +16456,7 @@
         </p:nvSpPr>
         <p:spPr>
           <a:xfrm>
-            <a:off x="8594217" y="2591074"/>
+            <a:off x="8503362" y="2161306"/>
             <a:ext cx="1917384" cy="646331"/>
           </a:xfrm>
           <a:prstGeom prst="rect">
@@ -16512,7 +16498,7 @@
         </p:nvSpPr>
         <p:spPr>
           <a:xfrm>
-            <a:off x="8738794" y="5021066"/>
+            <a:off x="8647939" y="4591298"/>
             <a:ext cx="2380652" cy="646331"/>
           </a:xfrm>
           <a:prstGeom prst="rect">
@@ -16554,7 +16540,7 @@
         </p:nvSpPr>
         <p:spPr>
           <a:xfrm>
-            <a:off x="8114369" y="3555183"/>
+            <a:off x="8023514" y="3125415"/>
             <a:ext cx="3653959" cy="919112"/>
           </a:xfrm>
           <a:prstGeom prst="roundRect">
@@ -16599,7 +16585,7 @@
         </p:nvSpPr>
         <p:spPr>
           <a:xfrm>
-            <a:off x="8594217" y="2460818"/>
+            <a:off x="8503362" y="2031050"/>
             <a:ext cx="2525229" cy="852497"/>
           </a:xfrm>
           <a:prstGeom prst="rect">
@@ -16651,7 +16637,7 @@
         </p:nvSpPr>
         <p:spPr>
           <a:xfrm>
-            <a:off x="8594217" y="4858061"/>
+            <a:off x="8503362" y="4428293"/>
             <a:ext cx="2525229" cy="852497"/>
           </a:xfrm>
           <a:prstGeom prst="rect">
@@ -16705,7 +16691,7 @@
         </p:nvCxnSpPr>
         <p:spPr>
           <a:xfrm>
-            <a:off x="9747104" y="3313315"/>
+            <a:off x="9656249" y="2883547"/>
             <a:ext cx="0" cy="227257"/>
           </a:xfrm>
           <a:prstGeom prst="straightConnector1">
@@ -16746,7 +16732,7 @@
         </p:nvCxnSpPr>
         <p:spPr>
           <a:xfrm flipV="1">
-            <a:off x="9747104" y="4517456"/>
+            <a:off x="9656249" y="4087688"/>
             <a:ext cx="0" cy="332634"/>
           </a:xfrm>
           <a:prstGeom prst="straightConnector1">
@@ -16785,7 +16771,7 @@
         </p:nvSpPr>
         <p:spPr>
           <a:xfrm>
-            <a:off x="8255826" y="3597072"/>
+            <a:off x="8075509" y="3233887"/>
             <a:ext cx="4511549" cy="1200329"/>
           </a:xfrm>
           <a:prstGeom prst="rect">
@@ -16847,7 +16833,7 @@
         </p:nvSpPr>
         <p:spPr>
           <a:xfrm>
-            <a:off x="517219" y="2451391"/>
+            <a:off x="426364" y="2021623"/>
             <a:ext cx="1624355" cy="801810"/>
           </a:xfrm>
           <a:prstGeom prst="rect">
@@ -16897,7 +16883,7 @@
         </p:nvSpPr>
         <p:spPr>
           <a:xfrm>
-            <a:off x="473537" y="4864387"/>
+            <a:off x="382682" y="4434619"/>
             <a:ext cx="1624355" cy="801810"/>
           </a:xfrm>
           <a:prstGeom prst="rect">
@@ -16947,7 +16933,7 @@
         </p:nvSpPr>
         <p:spPr>
           <a:xfrm>
-            <a:off x="4016842" y="4591813"/>
+            <a:off x="3925987" y="4162045"/>
             <a:ext cx="2137124" cy="369332"/>
           </a:xfrm>
           <a:prstGeom prst="rect">
@@ -16983,7 +16969,7 @@
         </p:nvSpPr>
         <p:spPr>
           <a:xfrm>
-            <a:off x="4054705" y="2046016"/>
+            <a:off x="3963850" y="1616248"/>
             <a:ext cx="2061398" cy="369332"/>
           </a:xfrm>
           <a:prstGeom prst="rect">
@@ -17019,7 +17005,7 @@
         </p:nvSpPr>
         <p:spPr>
           <a:xfrm>
-            <a:off x="265176" y="2109727"/>
+            <a:off x="174321" y="1679959"/>
             <a:ext cx="11088620" cy="1433909"/>
           </a:xfrm>
           <a:prstGeom prst="roundRect">
@@ -17069,7 +17055,7 @@
         </p:nvSpPr>
         <p:spPr>
           <a:xfrm>
-            <a:off x="265176" y="4517456"/>
+            <a:off x="174321" y="4087688"/>
             <a:ext cx="11087930" cy="1523004"/>
           </a:xfrm>
           <a:prstGeom prst="roundRect">
@@ -17119,7 +17105,7 @@
         </p:nvSpPr>
         <p:spPr>
           <a:xfrm>
-            <a:off x="384752" y="4520519"/>
+            <a:off x="293897" y="4090751"/>
             <a:ext cx="2676695" cy="369332"/>
           </a:xfrm>
           <a:prstGeom prst="rect">
@@ -17155,7 +17141,7 @@
         </p:nvSpPr>
         <p:spPr>
           <a:xfrm>
-            <a:off x="3963092" y="3171240"/>
+            <a:off x="3872237" y="2741472"/>
             <a:ext cx="2083391" cy="369332"/>
           </a:xfrm>
           <a:prstGeom prst="rect">
@@ -17178,6 +17164,82 @@
               <a:t> perturbation</a:t>
             </a:r>
             <a:endParaRPr lang="en-CA" dirty="0"/>
+          </a:p>
+        </p:txBody>
+      </p:sp>
+      <p:sp>
+        <p:nvSpPr>
+          <p:cNvPr id="8" name="TextBox 7">
+            <a:extLst>
+              <a:ext uri="{FF2B5EF4-FFF2-40B4-BE49-F238E27FC236}">
+                <a16:creationId xmlns:a16="http://schemas.microsoft.com/office/drawing/2014/main" id="{6FFF82C9-0AE6-A5DE-57BD-7DF4C6326D9E}"/>
+              </a:ext>
+            </a:extLst>
+          </p:cNvPr>
+          <p:cNvSpPr txBox="1"/>
+          <p:nvPr/>
+        </p:nvSpPr>
+        <p:spPr>
+          <a:xfrm>
+            <a:off x="415262" y="1652291"/>
+            <a:ext cx="1470714" cy="369332"/>
+          </a:xfrm>
+          <a:prstGeom prst="rect">
+            <a:avLst/>
+          </a:prstGeom>
+          <a:noFill/>
+        </p:spPr>
+        <p:txBody>
+          <a:bodyPr wrap="square">
+            <a:spAutoFit/>
+          </a:bodyPr>
+          <a:lstStyle/>
+          <a:p>
+            <a:pPr>
+              <a:buNone/>
+            </a:pPr>
+            <a:r>
+              <a:rPr lang="en-CA" dirty="0"/>
+              <a:t>CTRL system</a:t>
+            </a:r>
+          </a:p>
+        </p:txBody>
+      </p:sp>
+      <p:sp>
+        <p:nvSpPr>
+          <p:cNvPr id="23" name="TextBox 22">
+            <a:extLst>
+              <a:ext uri="{FF2B5EF4-FFF2-40B4-BE49-F238E27FC236}">
+                <a16:creationId xmlns:a16="http://schemas.microsoft.com/office/drawing/2014/main" id="{BD206A9D-9343-3A2A-EBB7-6CA65D1B1F01}"/>
+              </a:ext>
+            </a:extLst>
+          </p:cNvPr>
+          <p:cNvSpPr txBox="1"/>
+          <p:nvPr/>
+        </p:nvSpPr>
+        <p:spPr>
+          <a:xfrm>
+            <a:off x="293896" y="3719888"/>
+            <a:ext cx="1851383" cy="369332"/>
+          </a:xfrm>
+          <a:prstGeom prst="rect">
+            <a:avLst/>
+          </a:prstGeom>
+          <a:noFill/>
+        </p:spPr>
+        <p:txBody>
+          <a:bodyPr wrap="square">
+            <a:spAutoFit/>
+          </a:bodyPr>
+          <a:lstStyle/>
+          <a:p>
+            <a:pPr>
+              <a:buNone/>
+            </a:pPr>
+            <a:r>
+              <a:rPr lang="en-CA" dirty="0"/>
+              <a:t>PTPN2 system</a:t>
+            </a:r>
           </a:p>
         </p:txBody>
       </p:sp>
@@ -17241,7 +17303,7 @@
           <a:p>
             <a:r>
               <a:rPr lang="en-US" sz="3200" dirty="0"/>
-              <a:t>RNA dataset Description</a:t>
+              <a:t>RNA Dataset Description</a:t>
             </a:r>
             <a:endParaRPr lang="en-CA" sz="3200" dirty="0"/>
           </a:p>
@@ -17506,14 +17568,16 @@
         </p:nvSpPr>
         <p:spPr/>
         <p:txBody>
-          <a:bodyPr/>
+          <a:bodyPr>
+            <a:normAutofit/>
+          </a:bodyPr>
           <a:lstStyle/>
           <a:p>
             <a:r>
-              <a:rPr lang="en-US" dirty="0"/>
+              <a:rPr lang="en-US" sz="2400" dirty="0"/>
               <a:t>Code link</a:t>
             </a:r>
-            <a:endParaRPr lang="en-CA" dirty="0"/>
+            <a:endParaRPr lang="en-CA" sz="2400" dirty="0"/>
           </a:p>
         </p:txBody>
       </p:sp>

--- a/ppt slides for omic codeathon (1).pptx
+++ b/ppt slides for omic codeathon (1).pptx
@@ -12211,7 +12211,7 @@
           <a:p>
             <a:r>
               <a:rPr lang="en-US" sz="2400" dirty="0"/>
-              <a:t>Results(Trajectories Comparision hardware and Software)</a:t>
+              <a:t>Results(Trajectories Comparison of  hardware and Software)</a:t>
             </a:r>
             <a:endParaRPr lang="en-CA" sz="2400" dirty="0"/>
           </a:p>
